--- a/final/Discussion_paper.pptx
+++ b/final/Discussion_paper.pptx
@@ -289,7 +289,7 @@
           <a:p>
             <a:fld id="{BCDB334D-D17F-49C4-91DD-37BB7E818209}" type="datetimeFigureOut">
               <a:rPr lang="de-CH" smtClean="0"/>
-              <a:t>25.11.2022</a:t>
+              <a:t>27.11.2022</a:t>
             </a:fld>
             <a:endParaRPr lang="de-CH"/>
           </a:p>
@@ -714,7 +714,7 @@
           <a:p>
             <a:fld id="{3CF37669-2BCF-46DA-B042-E354827809F7}" type="datetime1">
               <a:rPr lang="de-DE" smtClean="0"/>
-              <a:t>25.11.2022</a:t>
+              <a:t>27.11.2022</a:t>
             </a:fld>
             <a:endParaRPr lang="de-DE"/>
           </a:p>
@@ -943,7 +943,7 @@
           <a:p>
             <a:fld id="{DD0AF57A-3629-4D20-9CDE-C9CA7A3667AA}" type="datetime1">
               <a:rPr lang="de-DE" smtClean="0"/>
-              <a:t>25.11.2022</a:t>
+              <a:t>27.11.2022</a:t>
             </a:fld>
             <a:endParaRPr lang="de-DE"/>
           </a:p>
@@ -1215,7 +1215,7 @@
           <a:p>
             <a:fld id="{A02690AB-37C5-464E-B999-AEA04CFF82B9}" type="datetime1">
               <a:rPr lang="de-DE" smtClean="0"/>
-              <a:t>25.11.2022</a:t>
+              <a:t>27.11.2022</a:t>
             </a:fld>
             <a:endParaRPr lang="de-DE" dirty="0"/>
           </a:p>
@@ -1524,7 +1524,7 @@
           <a:p>
             <a:fld id="{D6387CFC-9D6A-4A2B-A4A9-D1A02656E42F}" type="datetime1">
               <a:rPr lang="de-DE" smtClean="0"/>
-              <a:t>25.11.2022</a:t>
+              <a:t>27.11.2022</a:t>
             </a:fld>
             <a:endParaRPr lang="de-DE"/>
           </a:p>
@@ -2128,7 +2128,7 @@
           <a:p>
             <a:fld id="{FF15E650-2C9B-4E22-B544-79A90AB3DDC1}" type="datetime1">
               <a:rPr lang="de-DE" smtClean="0"/>
-              <a:t>25.11.2022</a:t>
+              <a:t>27.11.2022</a:t>
             </a:fld>
             <a:endParaRPr lang="de-DE"/>
           </a:p>
@@ -2461,7 +2461,7 @@
           <a:p>
             <a:fld id="{61621C89-5216-48C0-BC08-43A5D37DC60A}" type="datetime1">
               <a:rPr lang="de-DE" smtClean="0"/>
-              <a:t>25.11.2022</a:t>
+              <a:t>27.11.2022</a:t>
             </a:fld>
             <a:endParaRPr lang="de-DE"/>
           </a:p>
@@ -2585,7 +2585,7 @@
           <a:p>
             <a:fld id="{F1FF226D-F83D-4818-9860-D08642397BB7}" type="datetime1">
               <a:rPr lang="de-DE" smtClean="0"/>
-              <a:t>25.11.2022</a:t>
+              <a:t>27.11.2022</a:t>
             </a:fld>
             <a:endParaRPr lang="de-DE"/>
           </a:p>
@@ -2712,7 +2712,7 @@
           <a:p>
             <a:fld id="{A5F31C7A-EA54-4BF4-ACB0-2765243AF525}" type="datetime1">
               <a:rPr lang="de-DE" smtClean="0"/>
-              <a:t>25.11.2022</a:t>
+              <a:t>27.11.2022</a:t>
             </a:fld>
             <a:endParaRPr lang="de-DE"/>
           </a:p>
@@ -2855,7 +2855,7 @@
           <a:p>
             <a:fld id="{EFD419F0-1738-4192-8FF2-BE957FD32662}" type="datetime1">
               <a:rPr lang="de-DE" smtClean="0"/>
-              <a:t>25.11.2022</a:t>
+              <a:t>27.11.2022</a:t>
             </a:fld>
             <a:endParaRPr lang="de-DE"/>
           </a:p>
@@ -3253,7 +3253,7 @@
           <a:p>
             <a:fld id="{D78D58C2-FBCE-4B47-BBAC-2891E9120B14}" type="datetime1">
               <a:rPr lang="de-DE" smtClean="0"/>
-              <a:t>25.11.2022</a:t>
+              <a:t>27.11.2022</a:t>
             </a:fld>
             <a:endParaRPr lang="de-DE" dirty="0"/>
           </a:p>
@@ -3923,7 +3923,7 @@
           <a:p>
             <a:fld id="{3CF37669-2BCF-46DA-B042-E354827809F7}" type="datetime1">
               <a:rPr lang="de-DE" smtClean="0"/>
-              <a:t>25.11.2022</a:t>
+              <a:t>27.11.2022</a:t>
             </a:fld>
             <a:endParaRPr lang="de-DE"/>
           </a:p>
@@ -4084,7 +4084,7 @@
           <a:p>
             <a:fld id="{FF15E650-2C9B-4E22-B544-79A90AB3DDC1}" type="datetime1">
               <a:rPr lang="de-DE" smtClean="0"/>
-              <a:t>25.11.2022</a:t>
+              <a:t>27.11.2022</a:t>
             </a:fld>
             <a:endParaRPr lang="de-DE"/>
           </a:p>
@@ -4214,7 +4214,7 @@
           <a:p>
             <a:fld id="{FF15E650-2C9B-4E22-B544-79A90AB3DDC1}" type="datetime1">
               <a:rPr lang="de-DE" smtClean="0"/>
-              <a:t>25.11.2022</a:t>
+              <a:t>27.11.2022</a:t>
             </a:fld>
             <a:endParaRPr lang="de-DE"/>
           </a:p>
@@ -4316,7 +4316,7 @@
           <a:p>
             <a:fld id="{FF15E650-2C9B-4E22-B544-79A90AB3DDC1}" type="datetime1">
               <a:rPr lang="de-DE" smtClean="0"/>
-              <a:t>25.11.2022</a:t>
+              <a:t>27.11.2022</a:t>
             </a:fld>
             <a:endParaRPr lang="de-DE"/>
           </a:p>
@@ -4515,7 +4515,7 @@
           <a:p>
             <a:fld id="{FF15E650-2C9B-4E22-B544-79A90AB3DDC1}" type="datetime1">
               <a:rPr lang="de-DE" smtClean="0"/>
-              <a:t>25.11.2022</a:t>
+              <a:t>27.11.2022</a:t>
             </a:fld>
             <a:endParaRPr lang="de-DE"/>
           </a:p>
@@ -4633,14 +4633,14 @@
             <p:ph idx="1"/>
             <p:extLst>
               <p:ext uri="{D42A27DB-BD31-4B8C-83A1-F6EECF244321}">
-                <p14:modId xmlns:p14="http://schemas.microsoft.com/office/powerpoint/2010/main" val="3073733607"/>
+                <p14:modId xmlns:p14="http://schemas.microsoft.com/office/powerpoint/2010/main" val="420972061"/>
               </p:ext>
             </p:extLst>
           </p:nvPr>
         </p:nvGraphicFramePr>
         <p:xfrm>
           <a:off x="396751" y="1290446"/>
-          <a:ext cx="8496300" cy="5095240"/>
+          <a:ext cx="8496300" cy="5308600"/>
         </p:xfrm>
         <a:graphic>
           <a:graphicData uri="http://schemas.openxmlformats.org/drawingml/2006/table">
@@ -4780,7 +4780,11 @@
                       </a:r>
                     </a:p>
                   </a:txBody>
-                  <a:tcPr/>
+                  <a:tcPr>
+                    <a:solidFill>
+                      <a:srgbClr val="92D050"/>
+                    </a:solidFill>
+                  </a:tcPr>
                 </a:tc>
                 <a:tc>
                   <a:txBody>
@@ -4830,7 +4834,7 @@
                       </a:r>
                       <a:r>
                         <a:rPr lang="en-US" sz="1400" baseline="0" dirty="0" smtClean="0"/>
-                        <a:t>6 Nov</a:t>
+                        <a:t>7 Nov</a:t>
                       </a:r>
                       <a:endParaRPr lang="en-US" sz="1400" dirty="0"/>
                     </a:p>
@@ -4870,48 +4874,12 @@
                         <a:defRPr/>
                       </a:pPr>
                       <a:r>
-                        <a:rPr lang="en-US" sz="1400" baseline="0" dirty="0" smtClean="0"/>
-                        <a:t>Move SI to excel </a:t>
-                      </a:r>
-                      <a:endParaRPr lang="en-US" sz="1400" dirty="0" smtClean="0"/>
-                    </a:p>
-                    <a:p>
-                      <a:pPr marL="285750" marR="0" lvl="0" indent="-285750" algn="l" defTabSz="914400" rtl="0" eaLnBrk="1" fontAlgn="auto" latinLnBrk="0" hangingPunct="1">
-                        <a:lnSpc>
-                          <a:spcPct val="100000"/>
-                        </a:lnSpc>
-                        <a:spcBef>
-                          <a:spcPts val="0"/>
-                        </a:spcBef>
-                        <a:spcAft>
-                          <a:spcPts val="0"/>
-                        </a:spcAft>
-                        <a:buClrTx/>
-                        <a:buSzTx/>
-                        <a:buFontTx/>
-                        <a:buChar char="-"/>
-                        <a:tabLst/>
-                        <a:defRPr/>
-                      </a:pPr>
-                      <a:r>
                         <a:rPr lang="en-US" sz="1400" dirty="0" smtClean="0"/>
-                        <a:t>Write </a:t>
-                      </a:r>
-                      <a:r>
-                        <a:rPr lang="en-US" sz="1400" dirty="0" smtClean="0"/>
-                        <a:t>Section</a:t>
+                        <a:t>Write Section</a:t>
                       </a:r>
                       <a:r>
                         <a:rPr lang="en-US" sz="1400" baseline="0" dirty="0" smtClean="0"/>
-                        <a:t> </a:t>
-                      </a:r>
-                      <a:r>
-                        <a:rPr lang="en-US" sz="1400" baseline="0" dirty="0" smtClean="0"/>
-                        <a:t>2.2. </a:t>
-                      </a:r>
-                      <a:r>
-                        <a:rPr lang="en-US" sz="1400" baseline="0" dirty="0" smtClean="0"/>
-                        <a:t>Model (Explain Figure 1)</a:t>
+                        <a:t> 2.2. Model (Explain Figure 1)</a:t>
                       </a:r>
                     </a:p>
                     <a:p>
@@ -4946,15 +4914,7 @@
                       </a:r>
                       <a:r>
                         <a:rPr lang="en-US" sz="1400" baseline="0" dirty="0" smtClean="0"/>
-                        <a:t> </a:t>
-                      </a:r>
-                      <a:r>
-                        <a:rPr lang="en-US" sz="1400" baseline="0" dirty="0" smtClean="0"/>
-                        <a:t>2.2.1 </a:t>
-                      </a:r>
-                      <a:r>
-                        <a:rPr lang="en-US" sz="1400" baseline="0" dirty="0" smtClean="0"/>
-                        <a:t>Process User Inputs</a:t>
+                        <a:t> 2.2.1 Process User Inputs</a:t>
                       </a:r>
                     </a:p>
                     <a:p>
@@ -4977,38 +4937,7 @@
                       </a:pPr>
                       <a:r>
                         <a:rPr lang="en-US" sz="1400" baseline="0" dirty="0" smtClean="0"/>
-                        <a:t>Fix Table </a:t>
-                      </a:r>
-                      <a:r>
-                        <a:rPr lang="en-US" sz="1400" baseline="0" dirty="0" smtClean="0"/>
-                        <a:t>2</a:t>
-                      </a:r>
-                    </a:p>
-                    <a:p>
-                      <a:pPr marL="285750" marR="0" lvl="0" indent="-285750" algn="l" defTabSz="914400" rtl="0" eaLnBrk="1" fontAlgn="auto" latinLnBrk="0" hangingPunct="1">
-                        <a:lnSpc>
-                          <a:spcPct val="100000"/>
-                        </a:lnSpc>
-                        <a:spcBef>
-                          <a:spcPts val="0"/>
-                        </a:spcBef>
-                        <a:spcAft>
-                          <a:spcPts val="0"/>
-                        </a:spcAft>
-                        <a:buClrTx/>
-                        <a:buSzTx/>
-                        <a:buFontTx/>
-                        <a:buChar char="-"/>
-                        <a:tabLst/>
-                        <a:defRPr/>
-                      </a:pPr>
-                      <a:r>
-                        <a:rPr lang="en-US" sz="1400" dirty="0" smtClean="0"/>
-                        <a:t>Write</a:t>
-                      </a:r>
-                      <a:r>
-                        <a:rPr lang="en-US" sz="1400" baseline="0" dirty="0" smtClean="0"/>
-                        <a:t> Section 2.2.2. Calculate U Values </a:t>
+                        <a:t>Fix Table 2</a:t>
                       </a:r>
                     </a:p>
                     <a:p>
@@ -5031,6 +4960,53 @@
                       </a:pPr>
                       <a:r>
                         <a:rPr lang="en-US" sz="1400" baseline="0" dirty="0" smtClean="0"/>
+                        <a:t>Check figure 2 and improve with all buildings</a:t>
+                      </a:r>
+                    </a:p>
+                    <a:p>
+                      <a:pPr marL="285750" marR="0" lvl="0" indent="-285750" algn="l" defTabSz="914400" rtl="0" eaLnBrk="1" fontAlgn="auto" latinLnBrk="0" hangingPunct="1">
+                        <a:lnSpc>
+                          <a:spcPct val="100000"/>
+                        </a:lnSpc>
+                        <a:spcBef>
+                          <a:spcPts val="0"/>
+                        </a:spcBef>
+                        <a:spcAft>
+                          <a:spcPts val="0"/>
+                        </a:spcAft>
+                        <a:buClrTx/>
+                        <a:buSzTx/>
+                        <a:buFontTx/>
+                        <a:buChar char="-"/>
+                        <a:tabLst/>
+                        <a:defRPr/>
+                      </a:pPr>
+                      <a:r>
+                        <a:rPr lang="en-US" sz="1400" baseline="0" dirty="0" smtClean="0"/>
+                        <a:t>Work on the model: string to integer table fix columns</a:t>
+                      </a:r>
+                      <a:endParaRPr lang="en-US" sz="1400" baseline="0" dirty="0" smtClean="0"/>
+                    </a:p>
+                    <a:p>
+                      <a:pPr marL="285750" marR="0" lvl="0" indent="-285750" algn="l" defTabSz="914400" rtl="0" eaLnBrk="1" fontAlgn="auto" latinLnBrk="0" hangingPunct="1">
+                        <a:lnSpc>
+                          <a:spcPct val="100000"/>
+                        </a:lnSpc>
+                        <a:spcBef>
+                          <a:spcPts val="0"/>
+                        </a:spcBef>
+                        <a:spcAft>
+                          <a:spcPts val="0"/>
+                        </a:spcAft>
+                        <a:buClrTx/>
+                        <a:buSzTx/>
+                        <a:buFontTx/>
+                        <a:buChar char="-"/>
+                        <a:tabLst/>
+                        <a:defRPr/>
+                      </a:pPr>
+                      <a:r>
+                        <a:rPr lang="en-US" sz="1400" strike="sngStrike" baseline="0" dirty="0" smtClean="0"/>
                         <a:t>Check, maybe remove Table 3 </a:t>
                       </a:r>
                     </a:p>
@@ -5054,7 +5030,7 @@
                       </a:pPr>
                       <a:r>
                         <a:rPr lang="en-US" sz="1400" baseline="0" dirty="0" smtClean="0"/>
-                        <a:t>Check figure 2 and improve with all buildings</a:t>
+                        <a:t>Move SI to excel </a:t>
                       </a:r>
                     </a:p>
                   </a:txBody>
@@ -5149,21 +5125,35 @@
                       </a:r>
                       <a:r>
                         <a:rPr lang="en-US" sz="1400" baseline="0" dirty="0" smtClean="0"/>
-                        <a:t> </a:t>
+                        <a:t> Section 2.2.2. Calculate U Values </a:t>
+                      </a:r>
+                    </a:p>
+                    <a:p>
+                      <a:pPr marL="285750" marR="0" lvl="0" indent="-285750" algn="l" defTabSz="914400" rtl="0" eaLnBrk="1" fontAlgn="auto" latinLnBrk="0" hangingPunct="1">
+                        <a:lnSpc>
+                          <a:spcPct val="100000"/>
+                        </a:lnSpc>
+                        <a:spcBef>
+                          <a:spcPts val="0"/>
+                        </a:spcBef>
+                        <a:spcAft>
+                          <a:spcPts val="0"/>
+                        </a:spcAft>
+                        <a:buClrTx/>
+                        <a:buSzTx/>
+                        <a:buFontTx/>
+                        <a:buChar char="-"/>
+                        <a:tabLst/>
+                        <a:defRPr/>
+                      </a:pPr>
+                      <a:r>
+                        <a:rPr lang="en-US" sz="1400" dirty="0" smtClean="0"/>
+                        <a:t>Write</a:t>
                       </a:r>
                       <a:r>
                         <a:rPr lang="en-US" sz="1400" baseline="0" dirty="0" smtClean="0"/>
-                        <a:t>Section </a:t>
+                        <a:t> Section 2.2.3. Calculate Space heating </a:t>
                       </a:r>
-                      <a:r>
-                        <a:rPr lang="en-US" sz="1400" baseline="0" dirty="0" smtClean="0"/>
-                        <a:t>2.2.3</a:t>
-                      </a:r>
-                      <a:r>
-                        <a:rPr lang="en-US" sz="1400" baseline="0" dirty="0" smtClean="0"/>
-                        <a:t>. Calculate Space heating </a:t>
-                      </a:r>
-                      <a:endParaRPr lang="en-US" sz="1400" baseline="0" dirty="0" smtClean="0"/>
                     </a:p>
                     <a:p>
                       <a:pPr marL="285750" marR="0" lvl="0" indent="-285750" algn="l" defTabSz="914400" rtl="0" eaLnBrk="1" fontAlgn="auto" latinLnBrk="0" hangingPunct="1">
@@ -5243,9 +5233,8 @@
                       </a:pPr>
                       <a:r>
                         <a:rPr lang="en-US" sz="1400" baseline="0" dirty="0" smtClean="0"/>
-                        <a:t>Meeting Rene </a:t>
+                        <a:t>Meeting Rene (discuss final results)</a:t>
                       </a:r>
-                      <a:endParaRPr lang="en-US" sz="1400" baseline="0" dirty="0" smtClean="0"/>
                     </a:p>
                   </a:txBody>
                   <a:tcPr>
@@ -5277,11 +5266,7 @@
                       </a:r>
                       <a:r>
                         <a:rPr lang="en-US" sz="1400" baseline="0" dirty="0" smtClean="0"/>
-                        <a:t> on Section 2.2, Section </a:t>
-                      </a:r>
-                      <a:r>
-                        <a:rPr lang="en-US" sz="1400" baseline="0" dirty="0" smtClean="0"/>
-                        <a:t>2.2.1 , 2.2.2</a:t>
+                        <a:t> on Section 2.2, Section 2.2.1 , 2.2.2</a:t>
                       </a:r>
                       <a:endParaRPr lang="en-US" sz="1400" dirty="0"/>
                     </a:p>
@@ -5403,19 +5388,11 @@
                     <a:p>
                       <a:r>
                         <a:rPr lang="en-US" sz="1400" dirty="0" smtClean="0"/>
-                        <a:t>Sasha checks </a:t>
-                      </a:r>
-                      <a:r>
-                        <a:rPr lang="en-US" sz="1400" dirty="0" smtClean="0"/>
-                        <a:t>2.2.3</a:t>
+                        <a:t>Sasha checks 2.2.3</a:t>
                       </a:r>
                       <a:r>
                         <a:rPr lang="en-US" sz="1400" baseline="0" dirty="0" smtClean="0"/>
-                        <a:t> </a:t>
-                      </a:r>
-                      <a:r>
-                        <a:rPr lang="en-US" sz="1400" baseline="0" dirty="0" smtClean="0"/>
-                        <a:t>and discuss model ( u value, heat demand) </a:t>
+                        <a:t> and discuss model ( u value, heat demand) </a:t>
                       </a:r>
                       <a:endParaRPr lang="en-US" sz="1400" dirty="0"/>
                     </a:p>
@@ -5454,19 +5431,7 @@
                       </a:pPr>
                       <a:r>
                         <a:rPr lang="en-US" sz="1400" baseline="0" dirty="0" smtClean="0"/>
-                        <a:t>Check </a:t>
-                      </a:r>
-                      <a:r>
-                        <a:rPr lang="en-US" sz="1400" baseline="0" dirty="0" smtClean="0"/>
-                        <a:t>LCA calculations (KBOB sources) and adapt section </a:t>
-                      </a:r>
-                      <a:r>
-                        <a:rPr lang="en-US" sz="1400" baseline="0" dirty="0" smtClean="0"/>
-                        <a:t>2.2.4 </a:t>
-                      </a:r>
-                      <a:r>
-                        <a:rPr lang="en-US" sz="1400" baseline="0" dirty="0" smtClean="0"/>
-                        <a:t>writing (if needed)</a:t>
+                        <a:t>Check LCA calculations (KBOB sources) and adapt section 2.2.4 writing (if needed)</a:t>
                       </a:r>
                     </a:p>
                     <a:p>
@@ -5476,13 +5441,8 @@
                       </a:pPr>
                       <a:r>
                         <a:rPr lang="en-US" sz="1400" baseline="0" dirty="0" smtClean="0"/>
-                        <a:t>Check Figure </a:t>
+                        <a:t>Check Figure 4 and add operational and embodied emissions</a:t>
                       </a:r>
-                      <a:r>
-                        <a:rPr lang="en-US" sz="1400" baseline="0" dirty="0" smtClean="0"/>
-                        <a:t>4 and add operational and embodied emissions</a:t>
-                      </a:r>
-                      <a:endParaRPr lang="en-US" sz="1400" baseline="0" dirty="0" smtClean="0"/>
                     </a:p>
                   </a:txBody>
                   <a:tcPr/>
@@ -5494,15 +5454,7 @@
                     <a:p>
                       <a:r>
                         <a:rPr lang="en-US" sz="1400" dirty="0" smtClean="0"/>
-                        <a:t>Sasha checks and discuss </a:t>
-                      </a:r>
-                      <a:r>
-                        <a:rPr lang="en-US" sz="1400" dirty="0" smtClean="0"/>
-                        <a:t>2.2.4 </a:t>
-                      </a:r>
-                      <a:r>
-                        <a:rPr lang="en-US" sz="1400" dirty="0" smtClean="0"/>
-                        <a:t>(LCA)</a:t>
+                        <a:t>Sasha checks and discuss 2.2.4 (LCA)</a:t>
                       </a:r>
                       <a:endParaRPr lang="en-US" sz="1400" dirty="0"/>
                     </a:p>
@@ -5536,7 +5488,7 @@
           <a:p>
             <a:fld id="{A02690AB-37C5-464E-B999-AEA04CFF82B9}" type="datetime1">
               <a:rPr lang="de-DE" smtClean="0"/>
-              <a:t>25.11.2022</a:t>
+              <a:t>27.11.2022</a:t>
             </a:fld>
             <a:endParaRPr lang="de-DE" dirty="0"/>
           </a:p>
@@ -5666,7 +5618,7 @@
           <a:p>
             <a:fld id="{FF15E650-2C9B-4E22-B544-79A90AB3DDC1}" type="datetime1">
               <a:rPr lang="de-DE" smtClean="0"/>
-              <a:t>25.11.2022</a:t>
+              <a:t>27.11.2022</a:t>
             </a:fld>
             <a:endParaRPr lang="de-DE"/>
           </a:p>
@@ -5879,15 +5831,7 @@
                       </a:pPr>
                       <a:r>
                         <a:rPr lang="en-US" sz="1400" baseline="0" dirty="0" smtClean="0"/>
-                        <a:t>Write Section </a:t>
-                      </a:r>
-                      <a:r>
-                        <a:rPr lang="en-US" sz="1400" baseline="0" dirty="0" smtClean="0"/>
-                        <a:t>2.2.5</a:t>
-                      </a:r>
-                      <a:r>
-                        <a:rPr lang="en-US" sz="1400" baseline="0" dirty="0" smtClean="0"/>
-                        <a:t>. Scenario assessment </a:t>
+                        <a:t>Write Section 2.2.5. Scenario assessment </a:t>
                       </a:r>
                     </a:p>
                     <a:p>
@@ -5897,13 +5841,8 @@
                       </a:pPr>
                       <a:r>
                         <a:rPr lang="en-US" sz="1400" baseline="0" dirty="0" smtClean="0"/>
-                        <a:t>Check Table </a:t>
+                        <a:t>Check Table 4</a:t>
                       </a:r>
-                      <a:r>
-                        <a:rPr lang="en-US" sz="1400" baseline="0" dirty="0" smtClean="0"/>
-                        <a:t>4</a:t>
-                      </a:r>
-                      <a:endParaRPr lang="en-US" sz="1400" baseline="0" dirty="0" smtClean="0"/>
                     </a:p>
                     <a:p>
                       <a:pPr marL="285750" indent="-285750">
@@ -5935,11 +5874,7 @@
                     <a:p>
                       <a:r>
                         <a:rPr lang="en-US" sz="1400" dirty="0" smtClean="0"/>
-                        <a:t>Sasha checks </a:t>
-                      </a:r>
-                      <a:r>
-                        <a:rPr lang="en-US" sz="1400" dirty="0" smtClean="0"/>
-                        <a:t>2.2.5</a:t>
+                        <a:t>Sasha checks 2.2.5</a:t>
                       </a:r>
                       <a:endParaRPr lang="en-US" sz="1400" dirty="0"/>
                     </a:p>
@@ -6009,11 +5944,7 @@
                       </a:pPr>
                       <a:r>
                         <a:rPr lang="en-US" sz="1400" baseline="0" dirty="0" smtClean="0"/>
-                        <a:t>Write </a:t>
-                      </a:r>
-                      <a:r>
-                        <a:rPr lang="en-US" sz="1400" baseline="0" dirty="0" smtClean="0"/>
-                        <a:t>Section 2 Methodology intro </a:t>
+                        <a:t>Write Section 2 Methodology intro </a:t>
                       </a:r>
                       <a:endParaRPr lang="en-US" sz="1400" baseline="0" dirty="0"/>
                     </a:p>
@@ -6042,11 +5973,7 @@
                     <a:p>
                       <a:r>
                         <a:rPr lang="en-US" sz="1400" dirty="0" smtClean="0"/>
-                        <a:t>Work </a:t>
-                      </a:r>
-                      <a:r>
-                        <a:rPr lang="en-US" sz="1400" dirty="0" smtClean="0"/>
-                        <a:t>and review together </a:t>
+                        <a:t>Work and review together </a:t>
                       </a:r>
                       <a:endParaRPr lang="en-US" sz="1400" dirty="0"/>
                     </a:p>
@@ -7043,7 +6970,7 @@
           <a:p>
             <a:fld id="{FF15E650-2C9B-4E22-B544-79A90AB3DDC1}" type="datetime1">
               <a:rPr lang="de-DE" smtClean="0"/>
-              <a:t>25.11.2022</a:t>
+              <a:t>27.11.2022</a:t>
             </a:fld>
             <a:endParaRPr lang="de-DE"/>
           </a:p>
@@ -7223,7 +7150,7 @@
           <a:p>
             <a:fld id="{FF15E650-2C9B-4E22-B544-79A90AB3DDC1}" type="datetime1">
               <a:rPr lang="de-DE" smtClean="0"/>
-              <a:t>25.11.2022</a:t>
+              <a:t>27.11.2022</a:t>
             </a:fld>
             <a:endParaRPr lang="de-DE"/>
           </a:p>
@@ -7389,7 +7316,7 @@
           <a:p>
             <a:fld id="{FF15E650-2C9B-4E22-B544-79A90AB3DDC1}" type="datetime1">
               <a:rPr lang="de-DE" smtClean="0"/>
-              <a:t>25.11.2022</a:t>
+              <a:t>27.11.2022</a:t>
             </a:fld>
             <a:endParaRPr lang="de-DE"/>
           </a:p>
@@ -7618,7 +7545,7 @@
           <a:p>
             <a:fld id="{FF15E650-2C9B-4E22-B544-79A90AB3DDC1}" type="datetime1">
               <a:rPr lang="de-DE" smtClean="0"/>
-              <a:t>25.11.2022</a:t>
+              <a:t>27.11.2022</a:t>
             </a:fld>
             <a:endParaRPr lang="de-DE"/>
           </a:p>
@@ -7964,7 +7891,7 @@
           <a:p>
             <a:fld id="{FF15E650-2C9B-4E22-B544-79A90AB3DDC1}" type="datetime1">
               <a:rPr lang="de-DE" smtClean="0"/>
-              <a:t>25.11.2022</a:t>
+              <a:t>27.11.2022</a:t>
             </a:fld>
             <a:endParaRPr lang="de-DE"/>
           </a:p>
@@ -8141,7 +8068,7 @@
           <a:p>
             <a:fld id="{FF15E650-2C9B-4E22-B544-79A90AB3DDC1}" type="datetime1">
               <a:rPr lang="de-DE" smtClean="0"/>
-              <a:t>25.11.2022</a:t>
+              <a:t>27.11.2022</a:t>
             </a:fld>
             <a:endParaRPr lang="de-DE"/>
           </a:p>

--- a/final/Discussion_paper.pptx
+++ b/final/Discussion_paper.pptx
@@ -289,7 +289,7 @@
           <a:p>
             <a:fld id="{BCDB334D-D17F-49C4-91DD-37BB7E818209}" type="datetimeFigureOut">
               <a:rPr lang="de-CH" smtClean="0"/>
-              <a:t>27.11.2022</a:t>
+              <a:t>29.11.2022</a:t>
             </a:fld>
             <a:endParaRPr lang="de-CH"/>
           </a:p>
@@ -714,7 +714,7 @@
           <a:p>
             <a:fld id="{3CF37669-2BCF-46DA-B042-E354827809F7}" type="datetime1">
               <a:rPr lang="de-DE" smtClean="0"/>
-              <a:t>27.11.2022</a:t>
+              <a:t>29.11.2022</a:t>
             </a:fld>
             <a:endParaRPr lang="de-DE"/>
           </a:p>
@@ -943,7 +943,7 @@
           <a:p>
             <a:fld id="{DD0AF57A-3629-4D20-9CDE-C9CA7A3667AA}" type="datetime1">
               <a:rPr lang="de-DE" smtClean="0"/>
-              <a:t>27.11.2022</a:t>
+              <a:t>29.11.2022</a:t>
             </a:fld>
             <a:endParaRPr lang="de-DE"/>
           </a:p>
@@ -1215,7 +1215,7 @@
           <a:p>
             <a:fld id="{A02690AB-37C5-464E-B999-AEA04CFF82B9}" type="datetime1">
               <a:rPr lang="de-DE" smtClean="0"/>
-              <a:t>27.11.2022</a:t>
+              <a:t>29.11.2022</a:t>
             </a:fld>
             <a:endParaRPr lang="de-DE" dirty="0"/>
           </a:p>
@@ -1524,7 +1524,7 @@
           <a:p>
             <a:fld id="{D6387CFC-9D6A-4A2B-A4A9-D1A02656E42F}" type="datetime1">
               <a:rPr lang="de-DE" smtClean="0"/>
-              <a:t>27.11.2022</a:t>
+              <a:t>29.11.2022</a:t>
             </a:fld>
             <a:endParaRPr lang="de-DE"/>
           </a:p>
@@ -2128,7 +2128,7 @@
           <a:p>
             <a:fld id="{FF15E650-2C9B-4E22-B544-79A90AB3DDC1}" type="datetime1">
               <a:rPr lang="de-DE" smtClean="0"/>
-              <a:t>27.11.2022</a:t>
+              <a:t>29.11.2022</a:t>
             </a:fld>
             <a:endParaRPr lang="de-DE"/>
           </a:p>
@@ -2461,7 +2461,7 @@
           <a:p>
             <a:fld id="{61621C89-5216-48C0-BC08-43A5D37DC60A}" type="datetime1">
               <a:rPr lang="de-DE" smtClean="0"/>
-              <a:t>27.11.2022</a:t>
+              <a:t>29.11.2022</a:t>
             </a:fld>
             <a:endParaRPr lang="de-DE"/>
           </a:p>
@@ -2585,7 +2585,7 @@
           <a:p>
             <a:fld id="{F1FF226D-F83D-4818-9860-D08642397BB7}" type="datetime1">
               <a:rPr lang="de-DE" smtClean="0"/>
-              <a:t>27.11.2022</a:t>
+              <a:t>29.11.2022</a:t>
             </a:fld>
             <a:endParaRPr lang="de-DE"/>
           </a:p>
@@ -2712,7 +2712,7 @@
           <a:p>
             <a:fld id="{A5F31C7A-EA54-4BF4-ACB0-2765243AF525}" type="datetime1">
               <a:rPr lang="de-DE" smtClean="0"/>
-              <a:t>27.11.2022</a:t>
+              <a:t>29.11.2022</a:t>
             </a:fld>
             <a:endParaRPr lang="de-DE"/>
           </a:p>
@@ -2855,7 +2855,7 @@
           <a:p>
             <a:fld id="{EFD419F0-1738-4192-8FF2-BE957FD32662}" type="datetime1">
               <a:rPr lang="de-DE" smtClean="0"/>
-              <a:t>27.11.2022</a:t>
+              <a:t>29.11.2022</a:t>
             </a:fld>
             <a:endParaRPr lang="de-DE"/>
           </a:p>
@@ -3253,7 +3253,7 @@
           <a:p>
             <a:fld id="{D78D58C2-FBCE-4B47-BBAC-2891E9120B14}" type="datetime1">
               <a:rPr lang="de-DE" smtClean="0"/>
-              <a:t>27.11.2022</a:t>
+              <a:t>29.11.2022</a:t>
             </a:fld>
             <a:endParaRPr lang="de-DE" dirty="0"/>
           </a:p>
@@ -3923,7 +3923,7 @@
           <a:p>
             <a:fld id="{3CF37669-2BCF-46DA-B042-E354827809F7}" type="datetime1">
               <a:rPr lang="de-DE" smtClean="0"/>
-              <a:t>27.11.2022</a:t>
+              <a:t>29.11.2022</a:t>
             </a:fld>
             <a:endParaRPr lang="de-DE"/>
           </a:p>
@@ -4084,7 +4084,7 @@
           <a:p>
             <a:fld id="{FF15E650-2C9B-4E22-B544-79A90AB3DDC1}" type="datetime1">
               <a:rPr lang="de-DE" smtClean="0"/>
-              <a:t>27.11.2022</a:t>
+              <a:t>29.11.2022</a:t>
             </a:fld>
             <a:endParaRPr lang="de-DE"/>
           </a:p>
@@ -4214,7 +4214,7 @@
           <a:p>
             <a:fld id="{FF15E650-2C9B-4E22-B544-79A90AB3DDC1}" type="datetime1">
               <a:rPr lang="de-DE" smtClean="0"/>
-              <a:t>27.11.2022</a:t>
+              <a:t>29.11.2022</a:t>
             </a:fld>
             <a:endParaRPr lang="de-DE"/>
           </a:p>
@@ -4316,7 +4316,7 @@
           <a:p>
             <a:fld id="{FF15E650-2C9B-4E22-B544-79A90AB3DDC1}" type="datetime1">
               <a:rPr lang="de-DE" smtClean="0"/>
-              <a:t>27.11.2022</a:t>
+              <a:t>29.11.2022</a:t>
             </a:fld>
             <a:endParaRPr lang="de-DE"/>
           </a:p>
@@ -4515,7 +4515,7 @@
           <a:p>
             <a:fld id="{FF15E650-2C9B-4E22-B544-79A90AB3DDC1}" type="datetime1">
               <a:rPr lang="de-DE" smtClean="0"/>
-              <a:t>27.11.2022</a:t>
+              <a:t>29.11.2022</a:t>
             </a:fld>
             <a:endParaRPr lang="de-DE"/>
           </a:p>
@@ -4633,14 +4633,14 @@
             <p:ph idx="1"/>
             <p:extLst>
               <p:ext uri="{D42A27DB-BD31-4B8C-83A1-F6EECF244321}">
-                <p14:modId xmlns:p14="http://schemas.microsoft.com/office/powerpoint/2010/main" val="420972061"/>
+                <p14:modId xmlns:p14="http://schemas.microsoft.com/office/powerpoint/2010/main" val="1070277297"/>
               </p:ext>
             </p:extLst>
           </p:nvPr>
         </p:nvGraphicFramePr>
         <p:xfrm>
           <a:off x="396751" y="1290446"/>
-          <a:ext cx="8496300" cy="5308600"/>
+          <a:ext cx="8496300" cy="4861701"/>
         </p:xfrm>
         <a:graphic>
           <a:graphicData uri="http://schemas.openxmlformats.org/drawingml/2006/table">
@@ -4678,10 +4678,10 @@
                     <a:lstStyle/>
                     <a:p>
                       <a:r>
-                        <a:rPr lang="en-US" sz="1400" dirty="0" smtClean="0"/>
+                        <a:rPr lang="en-US" sz="1200" dirty="0" smtClean="0"/>
                         <a:t>Dates</a:t>
                       </a:r>
-                      <a:endParaRPr lang="en-US" sz="1400" dirty="0"/>
+                      <a:endParaRPr lang="en-US" sz="1200" dirty="0"/>
                     </a:p>
                   </a:txBody>
                   <a:tcPr/>
@@ -4709,7 +4709,7 @@
                         <a:defRPr/>
                       </a:pPr>
                       <a:r>
-                        <a:rPr lang="en-US" sz="1400" dirty="0" smtClean="0"/>
+                        <a:rPr lang="en-US" sz="1200" dirty="0" smtClean="0"/>
                         <a:t>Work task</a:t>
                       </a:r>
                     </a:p>
@@ -4722,10 +4722,10 @@
                     <a:lstStyle/>
                     <a:p>
                       <a:r>
-                        <a:rPr lang="en-US" sz="1400" dirty="0" smtClean="0"/>
+                        <a:rPr lang="en-US" sz="1200" dirty="0" smtClean="0"/>
                         <a:t>Overall Deadlines/ Review</a:t>
                       </a:r>
-                      <a:endParaRPr lang="en-US" sz="1400" dirty="0"/>
+                      <a:endParaRPr lang="en-US" sz="1200" dirty="0"/>
                     </a:p>
                   </a:txBody>
                   <a:tcPr/>
@@ -4743,10 +4743,10 @@
                     <a:lstStyle/>
                     <a:p>
                       <a:r>
-                        <a:rPr lang="en-US" sz="1400" dirty="0" smtClean="0"/>
+                        <a:rPr lang="en-US" sz="1200" dirty="0" smtClean="0"/>
                         <a:t>25 Nov </a:t>
                       </a:r>
-                      <a:endParaRPr lang="en-US" sz="1400" dirty="0"/>
+                      <a:endParaRPr lang="en-US" sz="1200" dirty="0"/>
                     </a:p>
                   </a:txBody>
                   <a:tcPr/>
@@ -4761,11 +4761,11 @@
                         <a:buChar char="-"/>
                       </a:pPr>
                       <a:r>
-                        <a:rPr lang="en-US" sz="1400" dirty="0" smtClean="0"/>
+                        <a:rPr lang="en-US" sz="1200" dirty="0" smtClean="0"/>
                         <a:t>Model</a:t>
                       </a:r>
                       <a:r>
-                        <a:rPr lang="en-US" sz="1400" baseline="0" dirty="0" smtClean="0"/>
+                        <a:rPr lang="en-US" sz="1200" baseline="0" dirty="0" smtClean="0"/>
                         <a:t>: all views have all parameters allocated</a:t>
                       </a:r>
                     </a:p>
@@ -4775,7 +4775,7 @@
                         <a:buChar char="-"/>
                       </a:pPr>
                       <a:r>
-                        <a:rPr lang="en-US" sz="1400" baseline="0" dirty="0" smtClean="0"/>
+                        <a:rPr lang="en-US" sz="1200" baseline="0" dirty="0" smtClean="0"/>
                         <a:t>Model: environments reactivated</a:t>
                       </a:r>
                     </a:p>
@@ -4792,22 +4792,22 @@
                     <a:lstStyle/>
                     <a:p>
                       <a:r>
-                        <a:rPr lang="en-US" sz="1400" dirty="0" smtClean="0"/>
+                        <a:rPr lang="en-US" sz="1200" dirty="0" smtClean="0"/>
                         <a:t>Discussion (SSR):</a:t>
                       </a:r>
                       <a:r>
-                        <a:rPr lang="en-US" sz="1400" baseline="0" dirty="0" smtClean="0"/>
+                        <a:rPr lang="en-US" sz="1200" baseline="0" dirty="0" smtClean="0"/>
                         <a:t> </a:t>
                       </a:r>
                       <a:r>
-                        <a:rPr lang="en-US" sz="1400" dirty="0" smtClean="0"/>
+                        <a:rPr lang="en-US" sz="1200" dirty="0" smtClean="0"/>
                         <a:t>Section 2.1</a:t>
                       </a:r>
                       <a:r>
-                        <a:rPr lang="en-US" sz="1400" baseline="0" dirty="0" smtClean="0"/>
+                        <a:rPr lang="en-US" sz="1200" baseline="0" dirty="0" smtClean="0"/>
                         <a:t> + Figure 1 + Table 1 </a:t>
                       </a:r>
-                      <a:endParaRPr lang="en-US" sz="1400" dirty="0"/>
+                      <a:endParaRPr lang="en-US" sz="1200" dirty="0"/>
                     </a:p>
                   </a:txBody>
                   <a:tcPr>
@@ -4822,21 +4822,21 @@
                   </a:ext>
                 </a:extLst>
               </a:tr>
-              <a:tr h="370840">
+              <a:tr h="1381901">
                 <a:tc>
                   <a:txBody>
                     <a:bodyPr/>
                     <a:lstStyle/>
                     <a:p>
                       <a:r>
-                        <a:rPr lang="en-US" sz="1400" dirty="0" smtClean="0"/>
+                        <a:rPr lang="en-US" sz="1200" dirty="0" smtClean="0"/>
                         <a:t>2</a:t>
                       </a:r>
                       <a:r>
-                        <a:rPr lang="en-US" sz="1400" baseline="0" dirty="0" smtClean="0"/>
+                        <a:rPr lang="en-US" sz="1200" baseline="0" dirty="0" smtClean="0"/>
                         <a:t>7 Nov</a:t>
                       </a:r>
-                      <a:endParaRPr lang="en-US" sz="1400" dirty="0"/>
+                      <a:endParaRPr lang="en-US" sz="1200" dirty="0"/>
                     </a:p>
                   </a:txBody>
                   <a:tcPr>
@@ -4874,12 +4874,31 @@
                         <a:defRPr/>
                       </a:pPr>
                       <a:r>
-                        <a:rPr lang="en-US" sz="1400" dirty="0" smtClean="0"/>
-                        <a:t>Write Section</a:t>
-                      </a:r>
-                      <a:r>
-                        <a:rPr lang="en-US" sz="1400" baseline="0" dirty="0" smtClean="0"/>
-                        <a:t> 2.2. Model (Explain Figure 1)</a:t>
+                        <a:rPr lang="en-US" sz="1200" strike="sngStrike" baseline="0" dirty="0" smtClean="0"/>
+                        <a:t>Work on the model: string to integer table fix columns</a:t>
+                      </a:r>
+                    </a:p>
+                    <a:p>
+                      <a:pPr marL="0" marR="0" lvl="0" indent="0" algn="l" defTabSz="914400" rtl="0" eaLnBrk="1" fontAlgn="auto" latinLnBrk="0" hangingPunct="1">
+                        <a:lnSpc>
+                          <a:spcPct val="100000"/>
+                        </a:lnSpc>
+                        <a:spcBef>
+                          <a:spcPts val="0"/>
+                        </a:spcBef>
+                        <a:spcAft>
+                          <a:spcPts val="0"/>
+                        </a:spcAft>
+                        <a:buClrTx/>
+                        <a:buSzTx/>
+                        <a:buFontTx/>
+                        <a:buNone/>
+                        <a:tabLst/>
+                        <a:defRPr/>
+                      </a:pPr>
+                      <a:r>
+                        <a:rPr lang="en-US" sz="1200" dirty="0" smtClean="0"/>
+                        <a:t>Writing: </a:t>
                       </a:r>
                     </a:p>
                     <a:p>
@@ -4901,20 +4920,16 @@
                         <a:defRPr/>
                       </a:pPr>
                       <a:r>
-                        <a:rPr lang="en-US" sz="1400" dirty="0" smtClean="0"/>
-                        <a:t>(re)</a:t>
-                      </a:r>
-                      <a:r>
-                        <a:rPr lang="en-US" sz="1400" baseline="0" dirty="0" smtClean="0"/>
-                        <a:t> </a:t>
-                      </a:r>
-                      <a:r>
-                        <a:rPr lang="en-US" sz="1400" dirty="0" smtClean="0"/>
-                        <a:t>Write Section</a:t>
-                      </a:r>
-                      <a:r>
-                        <a:rPr lang="en-US" sz="1400" baseline="0" dirty="0" smtClean="0"/>
-                        <a:t> 2.2.1 Process User Inputs</a:t>
+                        <a:rPr lang="en-US" sz="1200" dirty="0" smtClean="0"/>
+                        <a:t>Write </a:t>
+                      </a:r>
+                      <a:r>
+                        <a:rPr lang="en-US" sz="1200" dirty="0" smtClean="0"/>
+                        <a:t>Section</a:t>
+                      </a:r>
+                      <a:r>
+                        <a:rPr lang="en-US" sz="1200" baseline="0" dirty="0" smtClean="0"/>
+                        <a:t> 2.2. Model (Explain Figure 1)</a:t>
                       </a:r>
                     </a:p>
                     <a:p>
@@ -4936,8 +4951,20 @@
                         <a:defRPr/>
                       </a:pPr>
                       <a:r>
-                        <a:rPr lang="en-US" sz="1400" baseline="0" dirty="0" smtClean="0"/>
-                        <a:t>Fix Table 2</a:t>
+                        <a:rPr lang="en-US" sz="1200" dirty="0" smtClean="0"/>
+                        <a:t>(re)</a:t>
+                      </a:r>
+                      <a:r>
+                        <a:rPr lang="en-US" sz="1200" baseline="0" dirty="0" smtClean="0"/>
+                        <a:t> </a:t>
+                      </a:r>
+                      <a:r>
+                        <a:rPr lang="en-US" sz="1200" dirty="0" smtClean="0"/>
+                        <a:t>Write Section</a:t>
+                      </a:r>
+                      <a:r>
+                        <a:rPr lang="en-US" sz="1200" baseline="0" dirty="0" smtClean="0"/>
+                        <a:t> 2.2.1 Process User Inputs</a:t>
                       </a:r>
                     </a:p>
                     <a:p>
@@ -4959,8 +4986,8 @@
                         <a:defRPr/>
                       </a:pPr>
                       <a:r>
-                        <a:rPr lang="en-US" sz="1400" baseline="0" dirty="0" smtClean="0"/>
-                        <a:t>Check figure 2 and improve with all buildings</a:t>
+                        <a:rPr lang="en-US" sz="1200" baseline="0" dirty="0" smtClean="0"/>
+                        <a:t>Fix Table 2</a:t>
                       </a:r>
                     </a:p>
                     <a:p>
@@ -4982,10 +5009,22 @@
                         <a:defRPr/>
                       </a:pPr>
                       <a:r>
-                        <a:rPr lang="en-US" sz="1400" baseline="0" dirty="0" smtClean="0"/>
-                        <a:t>Work on the model: string to integer table fix columns</a:t>
-                      </a:r>
-                      <a:endParaRPr lang="en-US" sz="1400" baseline="0" dirty="0" smtClean="0"/>
+                        <a:rPr lang="en-US" sz="1200" strike="sngStrike" baseline="0" dirty="0" smtClean="0"/>
+                        <a:t>Check figure 2 and </a:t>
+                      </a:r>
+                      <a:r>
+                        <a:rPr lang="en-US" sz="1200" strike="sngStrike" baseline="0" dirty="0" smtClean="0"/>
+                        <a:t>add </a:t>
+                      </a:r>
+                      <a:r>
+                        <a:rPr lang="en-US" sz="1200" strike="sngStrike" baseline="0" dirty="0" smtClean="0"/>
+                        <a:t>all </a:t>
+                      </a:r>
+                      <a:r>
+                        <a:rPr lang="en-US" sz="1200" strike="sngStrike" baseline="0" dirty="0" smtClean="0"/>
+                        <a:t>available buildings</a:t>
+                      </a:r>
+                      <a:endParaRPr lang="en-US" sz="1200" strike="sngStrike" baseline="0" dirty="0" smtClean="0"/>
                     </a:p>
                     <a:p>
                       <a:pPr marL="285750" marR="0" lvl="0" indent="-285750" algn="l" defTabSz="914400" rtl="0" eaLnBrk="1" fontAlgn="auto" latinLnBrk="0" hangingPunct="1">
@@ -5006,31 +5045,12 @@
                         <a:defRPr/>
                       </a:pPr>
                       <a:r>
-                        <a:rPr lang="en-US" sz="1400" strike="sngStrike" baseline="0" dirty="0" smtClean="0"/>
-                        <a:t>Check, maybe remove Table 3 </a:t>
-                      </a:r>
-                    </a:p>
-                    <a:p>
-                      <a:pPr marL="285750" marR="0" lvl="0" indent="-285750" algn="l" defTabSz="914400" rtl="0" eaLnBrk="1" fontAlgn="auto" latinLnBrk="0" hangingPunct="1">
-                        <a:lnSpc>
-                          <a:spcPct val="100000"/>
-                        </a:lnSpc>
-                        <a:spcBef>
-                          <a:spcPts val="0"/>
-                        </a:spcBef>
-                        <a:spcAft>
-                          <a:spcPts val="0"/>
-                        </a:spcAft>
-                        <a:buClrTx/>
-                        <a:buSzTx/>
-                        <a:buFontTx/>
-                        <a:buChar char="-"/>
-                        <a:tabLst/>
-                        <a:defRPr/>
-                      </a:pPr>
-                      <a:r>
-                        <a:rPr lang="en-US" sz="1400" baseline="0" dirty="0" smtClean="0"/>
-                        <a:t>Move SI to excel </a:t>
+                        <a:rPr lang="en-US" sz="1200" strike="sngStrike" baseline="0" dirty="0" smtClean="0"/>
+                        <a:t>Check</a:t>
+                      </a:r>
+                      <a:r>
+                        <a:rPr lang="en-US" sz="1200" strike="sngStrike" baseline="0" dirty="0" smtClean="0"/>
+                        <a:t>, maybe remove Table 3 </a:t>
                       </a:r>
                     </a:p>
                   </a:txBody>
@@ -5044,6 +5064,9 @@
                       <a:headEnd type="none" w="med" len="med"/>
                       <a:tailEnd type="none" w="med" len="med"/>
                     </a:lnB>
+                    <a:solidFill>
+                      <a:srgbClr val="FFFF00"/>
+                    </a:solidFill>
                   </a:tcPr>
                 </a:tc>
                 <a:tc>
@@ -5051,7 +5074,7 @@
                     <a:bodyPr/>
                     <a:lstStyle/>
                     <a:p>
-                      <a:endParaRPr lang="en-US" sz="1400" dirty="0"/>
+                      <a:endParaRPr lang="en-US" sz="1200" dirty="0"/>
                     </a:p>
                   </a:txBody>
                   <a:tcPr>
@@ -5079,10 +5102,14 @@
                     <a:lstStyle/>
                     <a:p>
                       <a:r>
-                        <a:rPr lang="en-US" sz="1400" dirty="0" smtClean="0"/>
-                        <a:t>28 Nov</a:t>
-                      </a:r>
-                      <a:endParaRPr lang="en-US" sz="1400" dirty="0"/>
+                        <a:rPr lang="en-US" sz="1200" dirty="0" smtClean="0"/>
+                        <a:t>28 </a:t>
+                      </a:r>
+                      <a:r>
+                        <a:rPr lang="en-US" sz="1200" smtClean="0"/>
+                        <a:t>Nov (+backlog 27)</a:t>
+                      </a:r>
+                      <a:endParaRPr lang="en-US" sz="1200" dirty="0"/>
                     </a:p>
                   </a:txBody>
                   <a:tcPr>
@@ -5120,12 +5147,43 @@
                         <a:defRPr/>
                       </a:pPr>
                       <a:r>
-                        <a:rPr lang="en-US" sz="1400" dirty="0" smtClean="0"/>
-                        <a:t>Write</a:t>
-                      </a:r>
-                      <a:r>
-                        <a:rPr lang="en-US" sz="1400" baseline="0" dirty="0" smtClean="0"/>
-                        <a:t> Section 2.2.2. Calculate U Values </a:t>
+                        <a:rPr lang="en-US" sz="1200" strike="sngStrike" baseline="0" dirty="0" smtClean="0"/>
+                        <a:t>Meeting </a:t>
+                      </a:r>
+                      <a:r>
+                        <a:rPr lang="en-US" sz="1200" strike="sngStrike" baseline="0" dirty="0" smtClean="0"/>
+                        <a:t>Rene (discuss final results</a:t>
+                      </a:r>
+                      <a:r>
+                        <a:rPr lang="en-US" sz="1200" strike="sngStrike" baseline="0" dirty="0" smtClean="0"/>
+                        <a:t>)</a:t>
+                      </a:r>
+                    </a:p>
+                    <a:p>
+                      <a:pPr marL="0" marR="0" lvl="0" indent="0" algn="l" defTabSz="914400" rtl="0" eaLnBrk="1" fontAlgn="auto" latinLnBrk="0" hangingPunct="1">
+                        <a:lnSpc>
+                          <a:spcPct val="100000"/>
+                        </a:lnSpc>
+                        <a:spcBef>
+                          <a:spcPts val="0"/>
+                        </a:spcBef>
+                        <a:spcAft>
+                          <a:spcPts val="0"/>
+                        </a:spcAft>
+                        <a:buClrTx/>
+                        <a:buSzTx/>
+                        <a:buFontTx/>
+                        <a:buNone/>
+                        <a:tabLst/>
+                        <a:defRPr/>
+                      </a:pPr>
+                      <a:r>
+                        <a:rPr lang="en-US" sz="1200" strike="noStrike" baseline="0" dirty="0" smtClean="0"/>
+                        <a:t>Writing</a:t>
+                      </a:r>
+                      <a:r>
+                        <a:rPr lang="en-US" sz="1200" strike="sngStrike" baseline="0" dirty="0" smtClean="0"/>
+                        <a:t>: </a:t>
                       </a:r>
                     </a:p>
                     <a:p>
@@ -5147,12 +5205,12 @@
                         <a:defRPr/>
                       </a:pPr>
                       <a:r>
-                        <a:rPr lang="en-US" sz="1400" dirty="0" smtClean="0"/>
-                        <a:t>Write</a:t>
-                      </a:r>
-                      <a:r>
-                        <a:rPr lang="en-US" sz="1400" baseline="0" dirty="0" smtClean="0"/>
-                        <a:t> Section 2.2.3. Calculate Space heating </a:t>
+                        <a:rPr lang="en-US" sz="1200" dirty="0" smtClean="0"/>
+                        <a:t>Write Section</a:t>
+                      </a:r>
+                      <a:r>
+                        <a:rPr lang="en-US" sz="1200" baseline="0" dirty="0" smtClean="0"/>
+                        <a:t> 2.2. Model (Explain Figure 1)</a:t>
                       </a:r>
                     </a:p>
                     <a:p>
@@ -5174,8 +5232,20 @@
                         <a:defRPr/>
                       </a:pPr>
                       <a:r>
-                        <a:rPr lang="en-US" sz="1400" dirty="0" smtClean="0"/>
-                        <a:t>Model: Ventilation parameters fix </a:t>
+                        <a:rPr lang="en-US" sz="1200" dirty="0" smtClean="0"/>
+                        <a:t>(re)</a:t>
+                      </a:r>
+                      <a:r>
+                        <a:rPr lang="en-US" sz="1200" baseline="0" dirty="0" smtClean="0"/>
+                        <a:t> </a:t>
+                      </a:r>
+                      <a:r>
+                        <a:rPr lang="en-US" sz="1200" dirty="0" smtClean="0"/>
+                        <a:t>Write Section</a:t>
+                      </a:r>
+                      <a:r>
+                        <a:rPr lang="en-US" sz="1200" baseline="0" dirty="0" smtClean="0"/>
+                        <a:t> 2.2.1 Process User Inputs</a:t>
                       </a:r>
                     </a:p>
                     <a:p>
@@ -5197,43 +5267,8 @@
                         <a:defRPr/>
                       </a:pPr>
                       <a:r>
-                        <a:rPr lang="en-US" sz="1400" dirty="0" smtClean="0"/>
-                        <a:t>Figure</a:t>
-                      </a:r>
-                      <a:r>
-                        <a:rPr lang="en-US" sz="1400" baseline="0" dirty="0" smtClean="0"/>
-                        <a:t> 1 + new: </a:t>
-                      </a:r>
-                      <a:r>
-                        <a:rPr lang="en-US" sz="1400" dirty="0" smtClean="0"/>
-                        <a:t>Ventilation</a:t>
-                      </a:r>
-                      <a:r>
-                        <a:rPr lang="en-US" sz="1400" baseline="0" dirty="0" smtClean="0"/>
-                        <a:t> flow chart concept </a:t>
-                      </a:r>
-                    </a:p>
-                    <a:p>
-                      <a:pPr marL="285750" marR="0" lvl="0" indent="-285750" algn="l" defTabSz="914400" rtl="0" eaLnBrk="1" fontAlgn="auto" latinLnBrk="0" hangingPunct="1">
-                        <a:lnSpc>
-                          <a:spcPct val="100000"/>
-                        </a:lnSpc>
-                        <a:spcBef>
-                          <a:spcPts val="0"/>
-                        </a:spcBef>
-                        <a:spcAft>
-                          <a:spcPts val="0"/>
-                        </a:spcAft>
-                        <a:buClrTx/>
-                        <a:buSzTx/>
-                        <a:buFontTx/>
-                        <a:buChar char="-"/>
-                        <a:tabLst/>
-                        <a:defRPr/>
-                      </a:pPr>
-                      <a:r>
-                        <a:rPr lang="en-US" sz="1400" baseline="0" dirty="0" smtClean="0"/>
-                        <a:t>Meeting Rene (discuss final results)</a:t>
+                        <a:rPr lang="en-US" sz="1200" baseline="0" dirty="0" smtClean="0"/>
+                        <a:t>Fix Table 2</a:t>
                       </a:r>
                     </a:p>
                   </a:txBody>
@@ -5247,6 +5282,9 @@
                       <a:headEnd type="none" w="med" len="med"/>
                       <a:tailEnd type="none" w="med" len="med"/>
                     </a:lnT>
+                    <a:solidFill>
+                      <a:srgbClr val="FFFF00"/>
+                    </a:solidFill>
                   </a:tcPr>
                 </a:tc>
                 <a:tc>
@@ -5255,20 +5293,24 @@
                     <a:lstStyle/>
                     <a:p>
                       <a:r>
-                        <a:rPr lang="en-US" sz="1400" dirty="0" smtClean="0"/>
+                        <a:rPr lang="en-US" sz="1200" dirty="0" smtClean="0"/>
                         <a:t>Sasha checks </a:t>
                       </a:r>
                     </a:p>
                     <a:p>
                       <a:r>
-                        <a:rPr lang="en-US" sz="1400" dirty="0" smtClean="0"/>
+                        <a:rPr lang="en-US" sz="1200" dirty="0" smtClean="0"/>
                         <a:t>Writings</a:t>
                       </a:r>
                       <a:r>
-                        <a:rPr lang="en-US" sz="1400" baseline="0" dirty="0" smtClean="0"/>
-                        <a:t> on Section 2.2, Section 2.2.1 , 2.2.2</a:t>
-                      </a:r>
-                      <a:endParaRPr lang="en-US" sz="1400" dirty="0"/>
+                        <a:rPr lang="en-US" sz="1200" baseline="0" dirty="0" smtClean="0"/>
+                        <a:t> on Section 2.2, Section </a:t>
+                      </a:r>
+                      <a:r>
+                        <a:rPr lang="en-US" sz="1200" baseline="0" dirty="0" smtClean="0"/>
+                        <a:t>2.2.1</a:t>
+                      </a:r>
+                      <a:endParaRPr lang="en-US" sz="1200" dirty="0"/>
                     </a:p>
                   </a:txBody>
                   <a:tcPr>
@@ -5296,10 +5338,14 @@
                     <a:lstStyle/>
                     <a:p>
                       <a:r>
-                        <a:rPr lang="en-US" sz="1400" dirty="0" smtClean="0"/>
-                        <a:t>29 Nov</a:t>
-                      </a:r>
-                      <a:endParaRPr lang="en-US" sz="1400" dirty="0"/>
+                        <a:rPr lang="en-US" sz="1200" dirty="0" smtClean="0"/>
+                        <a:t>29 </a:t>
+                      </a:r>
+                      <a:r>
+                        <a:rPr lang="en-US" sz="1200" dirty="0" smtClean="0"/>
+                        <a:t>Nov (+ backlog 28)</a:t>
+                      </a:r>
+                      <a:endParaRPr lang="en-US" sz="1200" dirty="0"/>
                     </a:p>
                   </a:txBody>
                   <a:tcPr/>
@@ -5327,8 +5373,12 @@
                         <a:defRPr/>
                       </a:pPr>
                       <a:r>
-                        <a:rPr lang="en-US" sz="1400" baseline="0" dirty="0" smtClean="0"/>
-                        <a:t>Model: Check new results </a:t>
+                        <a:rPr lang="en-US" sz="1200" dirty="0" smtClean="0"/>
+                        <a:t>Write</a:t>
+                      </a:r>
+                      <a:r>
+                        <a:rPr lang="en-US" sz="1200" baseline="0" dirty="0" smtClean="0"/>
+                        <a:t> Section 2.2.2. Calculate U Values </a:t>
                       </a:r>
                     </a:p>
                     <a:p>
@@ -5350,10 +5400,13 @@
                         <a:defRPr/>
                       </a:pPr>
                       <a:r>
-                        <a:rPr lang="en-US" sz="1400" baseline="0" dirty="0" smtClean="0"/>
-                        <a:t>Finish Section 2.2.3 Space heating demand </a:t>
-                      </a:r>
-                      <a:endParaRPr lang="en-US" sz="1400" dirty="0" smtClean="0"/>
+                        <a:rPr lang="en-US" sz="1200" dirty="0" smtClean="0"/>
+                        <a:t>Write</a:t>
+                      </a:r>
+                      <a:r>
+                        <a:rPr lang="en-US" sz="1200" baseline="0" dirty="0" smtClean="0"/>
+                        <a:t> Section 2.2.3. Calculate Space heating </a:t>
+                      </a:r>
                     </a:p>
                     <a:p>
                       <a:pPr marL="285750" marR="0" lvl="0" indent="-285750" algn="l" defTabSz="914400" rtl="0" eaLnBrk="1" fontAlgn="auto" latinLnBrk="0" hangingPunct="1">
@@ -5374,8 +5427,8 @@
                         <a:defRPr/>
                       </a:pPr>
                       <a:r>
-                        <a:rPr lang="en-US" sz="1400" baseline="0" dirty="0" smtClean="0"/>
-                        <a:t>check figure 3, table 6</a:t>
+                        <a:rPr lang="en-US" sz="1200" baseline="0" dirty="0" smtClean="0"/>
+                        <a:t>Move SI to excel </a:t>
                       </a:r>
                     </a:p>
                   </a:txBody>
@@ -5386,15 +5439,43 @@
                     <a:bodyPr/>
                     <a:lstStyle/>
                     <a:p>
-                      <a:r>
-                        <a:rPr lang="en-US" sz="1400" dirty="0" smtClean="0"/>
-                        <a:t>Sasha checks 2.2.3</a:t>
-                      </a:r>
-                      <a:r>
-                        <a:rPr lang="en-US" sz="1400" baseline="0" dirty="0" smtClean="0"/>
-                        <a:t> and discuss model ( u value, heat demand) </a:t>
-                      </a:r>
-                      <a:endParaRPr lang="en-US" sz="1400" dirty="0"/>
+                      <a:pPr marL="0" marR="0" lvl="0" indent="0" algn="l" defTabSz="914400" rtl="0" eaLnBrk="1" fontAlgn="auto" latinLnBrk="0" hangingPunct="1">
+                        <a:lnSpc>
+                          <a:spcPct val="100000"/>
+                        </a:lnSpc>
+                        <a:spcBef>
+                          <a:spcPts val="0"/>
+                        </a:spcBef>
+                        <a:spcAft>
+                          <a:spcPts val="0"/>
+                        </a:spcAft>
+                        <a:buClrTx/>
+                        <a:buSzTx/>
+                        <a:buFontTx/>
+                        <a:buNone/>
+                        <a:tabLst/>
+                        <a:defRPr/>
+                      </a:pPr>
+                      <a:r>
+                        <a:rPr lang="en-US" sz="1200" dirty="0" smtClean="0"/>
+                        <a:t>Sasha </a:t>
+                      </a:r>
+                      <a:r>
+                        <a:rPr lang="en-US" sz="1200" dirty="0" smtClean="0"/>
+                        <a:t>checks</a:t>
+                      </a:r>
+                      <a:r>
+                        <a:rPr lang="en-US" sz="1200" baseline="0" dirty="0" smtClean="0"/>
+                        <a:t>, 2.2.2</a:t>
+                      </a:r>
+                      <a:endParaRPr lang="en-US" sz="1200" dirty="0" smtClean="0"/>
+                    </a:p>
+                    <a:p>
+                      <a:r>
+                        <a:rPr lang="en-US" sz="1200" dirty="0" smtClean="0"/>
+                        <a:t> 2.2.3</a:t>
+                      </a:r>
+                      <a:endParaRPr lang="en-US" sz="1200" dirty="0"/>
                     </a:p>
                   </a:txBody>
                   <a:tcPr/>
@@ -5412,10 +5493,10 @@
                     <a:lstStyle/>
                     <a:p>
                       <a:r>
-                        <a:rPr lang="en-US" sz="1400" dirty="0" smtClean="0"/>
+                        <a:rPr lang="en-US" sz="1200" dirty="0" smtClean="0"/>
                         <a:t>30 Nov</a:t>
                       </a:r>
-                      <a:endParaRPr lang="en-US" sz="1400" dirty="0"/>
+                      <a:endParaRPr lang="en-US" sz="1200" dirty="0"/>
                     </a:p>
                   </a:txBody>
                   <a:tcPr/>
@@ -5425,23 +5506,153 @@
                     <a:bodyPr/>
                     <a:lstStyle/>
                     <a:p>
-                      <a:pPr marL="285750" indent="-285750">
+                      <a:pPr marL="0" marR="0" lvl="0" indent="-285750" algn="l" defTabSz="914400" rtl="0" eaLnBrk="1" fontAlgn="auto" latinLnBrk="0" hangingPunct="1">
+                        <a:lnSpc>
+                          <a:spcPct val="100000"/>
+                        </a:lnSpc>
+                        <a:spcBef>
+                          <a:spcPts val="0"/>
+                        </a:spcBef>
+                        <a:spcAft>
+                          <a:spcPts val="0"/>
+                        </a:spcAft>
+                        <a:buClrTx/>
+                        <a:buSzTx/>
                         <a:buFontTx/>
                         <a:buChar char="-"/>
+                        <a:tabLst/>
+                        <a:defRPr/>
                       </a:pPr>
                       <a:r>
-                        <a:rPr lang="en-US" sz="1400" baseline="0" dirty="0" smtClean="0"/>
-                        <a:t>Check LCA calculations (KBOB sources) and adapt section 2.2.4 writing (if needed)</a:t>
+                        <a:rPr lang="en-US" sz="1200" kern="1200" dirty="0" smtClean="0">
+                          <a:solidFill>
+                            <a:schemeClr val="dk1"/>
+                          </a:solidFill>
+                          <a:latin typeface="+mn-lt"/>
+                          <a:ea typeface="+mn-ea"/>
+                          <a:cs typeface="+mn-cs"/>
+                        </a:rPr>
+                        <a:t>Model: Ventilation parameters fix </a:t>
                       </a:r>
                     </a:p>
                     <a:p>
-                      <a:pPr marL="285750" indent="-285750">
+                      <a:pPr marL="0" marR="0" lvl="0" indent="-285750" algn="l" defTabSz="914400" rtl="0" eaLnBrk="1" fontAlgn="auto" latinLnBrk="0" hangingPunct="1">
+                        <a:lnSpc>
+                          <a:spcPct val="100000"/>
+                        </a:lnSpc>
+                        <a:spcBef>
+                          <a:spcPts val="0"/>
+                        </a:spcBef>
+                        <a:spcAft>
+                          <a:spcPts val="0"/>
+                        </a:spcAft>
+                        <a:buClrTx/>
+                        <a:buSzTx/>
                         <a:buFontTx/>
                         <a:buChar char="-"/>
+                        <a:tabLst/>
+                        <a:defRPr/>
                       </a:pPr>
                       <a:r>
-                        <a:rPr lang="en-US" sz="1400" baseline="0" dirty="0" smtClean="0"/>
-                        <a:t>Check Figure 4 and add operational and embodied emissions</a:t>
+                        <a:rPr lang="en-US" sz="1200" kern="1200" dirty="0" smtClean="0">
+                          <a:solidFill>
+                            <a:schemeClr val="dk1"/>
+                          </a:solidFill>
+                          <a:latin typeface="+mn-lt"/>
+                          <a:ea typeface="+mn-ea"/>
+                          <a:cs typeface="+mn-cs"/>
+                        </a:rPr>
+                        <a:t>Figure 1 + new: Ventilation flow chart concept </a:t>
+                      </a:r>
+                    </a:p>
+                    <a:p>
+                      <a:pPr marL="0" marR="0" lvl="0" indent="-285750" algn="l" defTabSz="914400" rtl="0" eaLnBrk="1" fontAlgn="auto" latinLnBrk="0" hangingPunct="1">
+                        <a:lnSpc>
+                          <a:spcPct val="100000"/>
+                        </a:lnSpc>
+                        <a:spcBef>
+                          <a:spcPts val="0"/>
+                        </a:spcBef>
+                        <a:spcAft>
+                          <a:spcPts val="0"/>
+                        </a:spcAft>
+                        <a:buClrTx/>
+                        <a:buSzTx/>
+                        <a:buFontTx/>
+                        <a:buChar char="-"/>
+                        <a:tabLst/>
+                        <a:defRPr/>
+                      </a:pPr>
+                      <a:r>
+                        <a:rPr lang="en-US" sz="1200" kern="1200" dirty="0" smtClean="0">
+                          <a:solidFill>
+                            <a:schemeClr val="dk1"/>
+                          </a:solidFill>
+                          <a:latin typeface="+mn-lt"/>
+                          <a:ea typeface="+mn-ea"/>
+                          <a:cs typeface="+mn-cs"/>
+                        </a:rPr>
+                        <a:t>Model: Check new results </a:t>
+                      </a:r>
+                    </a:p>
+                    <a:p>
+                      <a:pPr marL="0" marR="0" lvl="0" indent="-285750" algn="l" defTabSz="914400" rtl="0" eaLnBrk="1" fontAlgn="auto" latinLnBrk="0" hangingPunct="1">
+                        <a:lnSpc>
+                          <a:spcPct val="100000"/>
+                        </a:lnSpc>
+                        <a:spcBef>
+                          <a:spcPts val="0"/>
+                        </a:spcBef>
+                        <a:spcAft>
+                          <a:spcPts val="0"/>
+                        </a:spcAft>
+                        <a:buClrTx/>
+                        <a:buSzTx/>
+                        <a:buFontTx/>
+                        <a:buChar char="-"/>
+                        <a:tabLst/>
+                        <a:defRPr/>
+                      </a:pPr>
+                      <a:r>
+                        <a:rPr lang="en-US" sz="1200" kern="1200" dirty="0" smtClean="0">
+                          <a:solidFill>
+                            <a:schemeClr val="dk1"/>
+                          </a:solidFill>
+                          <a:latin typeface="+mn-lt"/>
+                          <a:ea typeface="+mn-ea"/>
+                          <a:cs typeface="+mn-cs"/>
+                        </a:rPr>
+                        <a:t>Finish Section 2.2.3 Space heating demand </a:t>
+                      </a:r>
+                    </a:p>
+                    <a:p>
+                      <a:pPr marL="0" marR="0" lvl="0" indent="-285750" algn="l" defTabSz="914400" rtl="0" eaLnBrk="1" fontAlgn="auto" latinLnBrk="0" hangingPunct="1">
+                        <a:lnSpc>
+                          <a:spcPct val="100000"/>
+                        </a:lnSpc>
+                        <a:spcBef>
+                          <a:spcPts val="0"/>
+                        </a:spcBef>
+                        <a:spcAft>
+                          <a:spcPts val="0"/>
+                        </a:spcAft>
+                        <a:buClrTx/>
+                        <a:buSzTx/>
+                        <a:buFontTx/>
+                        <a:buChar char="-"/>
+                        <a:tabLst/>
+                        <a:defRPr/>
+                      </a:pPr>
+                      <a:r>
+                        <a:rPr lang="en-US" sz="1200" kern="1200" dirty="0" smtClean="0">
+                          <a:solidFill>
+                            <a:schemeClr val="dk1"/>
+                          </a:solidFill>
+                          <a:latin typeface="+mn-lt"/>
+                          <a:ea typeface="+mn-ea"/>
+                          <a:cs typeface="+mn-cs"/>
+                        </a:rPr>
+                        <a:t>check figure 3, table 6</a:t>
                       </a:r>
                     </a:p>
                   </a:txBody>
@@ -5452,11 +5663,15 @@
                     <a:bodyPr/>
                     <a:lstStyle/>
                     <a:p>
-                      <a:r>
-                        <a:rPr lang="en-US" sz="1400" dirty="0" smtClean="0"/>
-                        <a:t>Sasha checks and discuss 2.2.4 (LCA)</a:t>
-                      </a:r>
-                      <a:endParaRPr lang="en-US" sz="1400" dirty="0"/>
+                      <a:pPr marL="0" algn="l" defTabSz="914400" rtl="0" eaLnBrk="1" latinLnBrk="0" hangingPunct="1"/>
+                      <a:endParaRPr lang="en-US" sz="1200" kern="1200" dirty="0">
+                        <a:solidFill>
+                          <a:schemeClr val="dk1"/>
+                        </a:solidFill>
+                        <a:latin typeface="+mn-lt"/>
+                        <a:ea typeface="+mn-ea"/>
+                        <a:cs typeface="+mn-cs"/>
+                      </a:endParaRPr>
                     </a:p>
                   </a:txBody>
                   <a:tcPr/>
@@ -5488,7 +5703,7 @@
           <a:p>
             <a:fld id="{A02690AB-37C5-464E-B999-AEA04CFF82B9}" type="datetime1">
               <a:rPr lang="de-DE" smtClean="0"/>
-              <a:t>27.11.2022</a:t>
+              <a:t>29.11.2022</a:t>
             </a:fld>
             <a:endParaRPr lang="de-DE" dirty="0"/>
           </a:p>
@@ -5618,7 +5833,7 @@
           <a:p>
             <a:fld id="{FF15E650-2C9B-4E22-B544-79A90AB3DDC1}" type="datetime1">
               <a:rPr lang="de-DE" smtClean="0"/>
-              <a:t>27.11.2022</a:t>
+              <a:t>29.11.2022</a:t>
             </a:fld>
             <a:endParaRPr lang="de-DE"/>
           </a:p>
@@ -5702,14 +5917,14 @@
             <p:ph idx="1"/>
             <p:extLst>
               <p:ext uri="{D42A27DB-BD31-4B8C-83A1-F6EECF244321}">
-                <p14:modId xmlns:p14="http://schemas.microsoft.com/office/powerpoint/2010/main" val="1227495081"/>
+                <p14:modId xmlns:p14="http://schemas.microsoft.com/office/powerpoint/2010/main" val="4220425281"/>
               </p:ext>
             </p:extLst>
           </p:nvPr>
         </p:nvGraphicFramePr>
         <p:xfrm>
           <a:off x="323850" y="1609746"/>
-          <a:ext cx="8496300" cy="4734560"/>
+          <a:ext cx="8496300" cy="5069840"/>
         </p:xfrm>
         <a:graphic>
           <a:graphicData uri="http://schemas.openxmlformats.org/drawingml/2006/table">
@@ -5747,10 +5962,10 @@
                     <a:lstStyle/>
                     <a:p>
                       <a:r>
-                        <a:rPr lang="en-US" sz="1400" dirty="0" smtClean="0"/>
+                        <a:rPr lang="en-US" sz="1200" dirty="0" smtClean="0"/>
                         <a:t>Dates</a:t>
                       </a:r>
-                      <a:endParaRPr lang="en-US" sz="1400" dirty="0"/>
+                      <a:endParaRPr lang="en-US" sz="1200" dirty="0"/>
                     </a:p>
                   </a:txBody>
                   <a:tcPr/>
@@ -5778,7 +5993,7 @@
                         <a:defRPr/>
                       </a:pPr>
                       <a:r>
-                        <a:rPr lang="en-US" sz="1400" dirty="0" smtClean="0"/>
+                        <a:rPr lang="en-US" sz="1200" dirty="0" smtClean="0"/>
                         <a:t>Work task</a:t>
                       </a:r>
                     </a:p>
@@ -5791,10 +6006,10 @@
                     <a:lstStyle/>
                     <a:p>
                       <a:r>
-                        <a:rPr lang="en-US" sz="1400" dirty="0" smtClean="0"/>
+                        <a:rPr lang="en-US" sz="1200" dirty="0" smtClean="0"/>
                         <a:t>Overall Deadlines</a:t>
                       </a:r>
-                      <a:endParaRPr lang="en-US" sz="1400" dirty="0"/>
+                      <a:endParaRPr lang="en-US" sz="1200" dirty="0"/>
                     </a:p>
                   </a:txBody>
                   <a:tcPr/>
@@ -5812,10 +6027,10 @@
                     <a:lstStyle/>
                     <a:p>
                       <a:r>
-                        <a:rPr lang="en-US" sz="1400" dirty="0" smtClean="0"/>
+                        <a:rPr lang="en-US" sz="1200" dirty="0" smtClean="0"/>
                         <a:t>1 Dec</a:t>
                       </a:r>
-                      <a:endParaRPr lang="en-US" sz="1400" dirty="0"/>
+                      <a:endParaRPr lang="en-US" sz="1200" dirty="0"/>
                     </a:p>
                   </a:txBody>
                   <a:tcPr/>
@@ -5830,8 +6045,8 @@
                         <a:buChar char="-"/>
                       </a:pPr>
                       <a:r>
-                        <a:rPr lang="en-US" sz="1400" baseline="0" dirty="0" smtClean="0"/>
-                        <a:t>Write Section 2.2.5. Scenario assessment </a:t>
+                        <a:rPr lang="en-US" sz="1200" baseline="0" dirty="0" smtClean="0"/>
+                        <a:t>Check LCA calculations (KBOB sources) and adapt section 2.2.4 writing (if needed)</a:t>
                       </a:r>
                     </a:p>
                     <a:p>
@@ -5840,28 +6055,8 @@
                         <a:buChar char="-"/>
                       </a:pPr>
                       <a:r>
-                        <a:rPr lang="en-US" sz="1400" baseline="0" dirty="0" smtClean="0"/>
-                        <a:t>Check Table 4</a:t>
-                      </a:r>
-                    </a:p>
-                    <a:p>
-                      <a:pPr marL="285750" indent="-285750">
-                        <a:buFontTx/>
-                        <a:buChar char="-"/>
-                      </a:pPr>
-                      <a:r>
-                        <a:rPr lang="en-US" sz="1400" baseline="0" dirty="0" smtClean="0"/>
-                        <a:t>Check Figure 5 </a:t>
-                      </a:r>
-                    </a:p>
-                    <a:p>
-                      <a:pPr marL="285750" indent="-285750">
-                        <a:buFontTx/>
-                        <a:buChar char="-"/>
-                      </a:pPr>
-                      <a:r>
-                        <a:rPr lang="en-US" sz="1400" baseline="0" dirty="0" smtClean="0"/>
-                        <a:t>Check model scenario setup</a:t>
+                        <a:rPr lang="en-US" sz="1200" baseline="0" dirty="0" smtClean="0"/>
+                        <a:t>Check Figure 4 and add operational and embodied emissions</a:t>
                       </a:r>
                     </a:p>
                   </a:txBody>
@@ -5872,11 +6067,37 @@
                     <a:bodyPr/>
                     <a:lstStyle/>
                     <a:p>
-                      <a:r>
-                        <a:rPr lang="en-US" sz="1400" dirty="0" smtClean="0"/>
-                        <a:t>Sasha checks 2.2.5</a:t>
-                      </a:r>
-                      <a:endParaRPr lang="en-US" sz="1400" dirty="0"/>
+                      <a:pPr marL="0" marR="0" lvl="0" indent="0" algn="l" defTabSz="914400" rtl="0" eaLnBrk="1" fontAlgn="auto" latinLnBrk="0" hangingPunct="1">
+                        <a:lnSpc>
+                          <a:spcPct val="100000"/>
+                        </a:lnSpc>
+                        <a:spcBef>
+                          <a:spcPts val="0"/>
+                        </a:spcBef>
+                        <a:spcAft>
+                          <a:spcPts val="0"/>
+                        </a:spcAft>
+                        <a:buClrTx/>
+                        <a:buSzTx/>
+                        <a:buFontTx/>
+                        <a:buNone/>
+                        <a:tabLst/>
+                        <a:defRPr/>
+                      </a:pPr>
+                      <a:r>
+                        <a:rPr lang="en-US" sz="1200" kern="1200" dirty="0" smtClean="0">
+                          <a:solidFill>
+                            <a:schemeClr val="dk1"/>
+                          </a:solidFill>
+                          <a:latin typeface="+mn-lt"/>
+                          <a:ea typeface="+mn-ea"/>
+                          <a:cs typeface="+mn-cs"/>
+                        </a:rPr>
+                        <a:t>Sasha discuss model ( u value, heat demand</a:t>
+                      </a:r>
+                    </a:p>
+                    <a:p>
+                      <a:endParaRPr lang="en-US" sz="1200" dirty="0"/>
                     </a:p>
                   </a:txBody>
                   <a:tcPr/>
@@ -5894,16 +6115,141 @@
                     <a:lstStyle/>
                     <a:p>
                       <a:r>
-                        <a:rPr lang="en-US" sz="1400" dirty="0" smtClean="0"/>
+                        <a:rPr lang="en-US" sz="1200" dirty="0" smtClean="0"/>
                         <a:t>2 Dec</a:t>
                       </a:r>
-                      <a:endParaRPr lang="en-US" sz="1400" dirty="0"/>
+                      <a:endParaRPr lang="en-US" sz="1200" dirty="0"/>
                     </a:p>
                   </a:txBody>
                   <a:tcPr>
                     <a:lnB w="12700" cmpd="sng">
                       <a:noFill/>
                     </a:lnB>
+                  </a:tcPr>
+                </a:tc>
+                <a:tc>
+                  <a:txBody>
+                    <a:bodyPr/>
+                    <a:lstStyle/>
+                    <a:p>
+                      <a:pPr marL="285750" indent="-285750">
+                        <a:buFontTx/>
+                        <a:buChar char="-"/>
+                      </a:pPr>
+                      <a:r>
+                        <a:rPr lang="en-US" sz="1200" baseline="0" dirty="0" smtClean="0"/>
+                        <a:t>Write Section 2.2.5. Scenario assessment </a:t>
+                      </a:r>
+                    </a:p>
+                    <a:p>
+                      <a:pPr marL="285750" indent="-285750">
+                        <a:buFontTx/>
+                        <a:buChar char="-"/>
+                      </a:pPr>
+                      <a:r>
+                        <a:rPr lang="en-US" sz="1200" baseline="0" dirty="0" smtClean="0"/>
+                        <a:t>Check Table 4</a:t>
+                      </a:r>
+                    </a:p>
+                    <a:p>
+                      <a:pPr marL="285750" indent="-285750">
+                        <a:buFontTx/>
+                        <a:buChar char="-"/>
+                      </a:pPr>
+                      <a:r>
+                        <a:rPr lang="en-US" sz="1200" baseline="0" dirty="0" smtClean="0"/>
+                        <a:t>Check Figure 5 </a:t>
+                      </a:r>
+                    </a:p>
+                    <a:p>
+                      <a:pPr marL="285750" indent="-285750">
+                        <a:buFontTx/>
+                        <a:buChar char="-"/>
+                      </a:pPr>
+                      <a:r>
+                        <a:rPr lang="en-US" sz="1200" baseline="0" dirty="0" smtClean="0"/>
+                        <a:t>Check model scenario setup</a:t>
+                      </a:r>
+                    </a:p>
+                  </a:txBody>
+                  <a:tcPr>
+                    <a:lnB w="12700" cmpd="sng">
+                      <a:noFill/>
+                    </a:lnB>
+                  </a:tcPr>
+                </a:tc>
+                <a:tc>
+                  <a:txBody>
+                    <a:bodyPr/>
+                    <a:lstStyle/>
+                    <a:p>
+                      <a:r>
+                        <a:rPr lang="en-US" sz="1200" dirty="0" smtClean="0"/>
+                        <a:t>Sasha checks and discuss 2.2.4 (LCA)</a:t>
+                      </a:r>
+                    </a:p>
+                    <a:p>
+                      <a:r>
+                        <a:rPr lang="en-US" sz="1200" dirty="0" smtClean="0"/>
+                        <a:t>Sasha </a:t>
+                      </a:r>
+                      <a:r>
+                        <a:rPr lang="en-US" sz="1200" dirty="0" smtClean="0"/>
+                        <a:t>checks 2.2.5</a:t>
+                      </a:r>
+                      <a:endParaRPr lang="en-US" sz="1200" dirty="0"/>
+                    </a:p>
+                  </a:txBody>
+                  <a:tcPr>
+                    <a:lnB w="12700" cmpd="sng">
+                      <a:noFill/>
+                    </a:lnB>
+                  </a:tcPr>
+                </a:tc>
+                <a:extLst>
+                  <a:ext uri="{0D108BD9-81ED-4DB2-BD59-A6C34878D82A}">
+                    <a16:rowId xmlns:a16="http://schemas.microsoft.com/office/drawing/2014/main" val="3783486380"/>
+                  </a:ext>
+                </a:extLst>
+              </a:tr>
+              <a:tr h="268218">
+                <a:tc>
+                  <a:txBody>
+                    <a:bodyPr/>
+                    <a:lstStyle/>
+                    <a:p>
+                      <a:r>
+                        <a:rPr lang="en-US" sz="1200" dirty="0" smtClean="0"/>
+                        <a:t>3 Dec</a:t>
+                      </a:r>
+                      <a:endParaRPr lang="en-US" sz="1200" dirty="0"/>
+                    </a:p>
+                  </a:txBody>
+                  <a:tcPr>
+                    <a:lnL w="12700" cmpd="sng">
+                      <a:noFill/>
+                    </a:lnL>
+                    <a:lnR w="12700" cmpd="sng">
+                      <a:noFill/>
+                    </a:lnR>
+                    <a:lnT w="12700" cmpd="sng">
+                      <a:noFill/>
+                    </a:lnT>
+                    <a:lnB w="12700" cap="flat" cmpd="sng" algn="ctr">
+                      <a:noFill/>
+                      <a:prstDash val="solid"/>
+                      <a:round/>
+                      <a:headEnd type="none" w="med" len="med"/>
+                      <a:tailEnd type="none" w="med" len="med"/>
+                    </a:lnB>
+                    <a:lnTlToBr w="12700" cmpd="sng">
+                      <a:noFill/>
+                      <a:prstDash val="solid"/>
+                    </a:lnTlToBr>
+                    <a:lnBlToTr w="12700" cmpd="sng">
+                      <a:noFill/>
+                      <a:prstDash val="solid"/>
+                    </a:lnBlToTr>
                   </a:tcPr>
                 </a:tc>
                 <a:tc>
@@ -5929,11 +6275,11 @@
                         <a:defRPr/>
                       </a:pPr>
                       <a:r>
-                        <a:rPr lang="en-US" sz="1400" dirty="0" smtClean="0"/>
+                        <a:rPr lang="en-US" sz="1200" dirty="0" smtClean="0"/>
                         <a:t>(re) Write</a:t>
                       </a:r>
                       <a:r>
-                        <a:rPr lang="en-US" sz="1400" baseline="0" dirty="0" smtClean="0"/>
+                        <a:rPr lang="en-US" sz="1200" baseline="0" dirty="0" smtClean="0"/>
                         <a:t> Section 2.3. Case study (and Table 5)</a:t>
                       </a:r>
                     </a:p>
@@ -5943,16 +6289,37 @@
                         <a:buChar char="-"/>
                       </a:pPr>
                       <a:r>
-                        <a:rPr lang="en-US" sz="1400" baseline="0" dirty="0" smtClean="0"/>
+                        <a:rPr lang="en-US" sz="1200" baseline="0" dirty="0" smtClean="0"/>
                         <a:t>Write Section 2 Methodology intro </a:t>
                       </a:r>
-                      <a:endParaRPr lang="en-US" sz="1400" baseline="0" dirty="0"/>
+                      <a:endParaRPr lang="en-US" sz="1200" baseline="0" dirty="0"/>
                     </a:p>
                   </a:txBody>
                   <a:tcPr>
-                    <a:lnB w="12700" cmpd="sng">
-                      <a:noFill/>
+                    <a:lnL w="12700" cmpd="sng">
+                      <a:noFill/>
+                    </a:lnL>
+                    <a:lnR w="12700" cmpd="sng">
+                      <a:noFill/>
+                    </a:lnR>
+                    <a:lnT w="12700" cmpd="sng">
+                      <a:noFill/>
+                    </a:lnT>
+                    <a:lnB w="12700" cap="flat" cmpd="sng" algn="ctr">
+                      <a:noFill/>
+                      <a:prstDash val="solid"/>
+                      <a:round/>
+                      <a:headEnd type="none" w="med" len="med"/>
+                      <a:tailEnd type="none" w="med" len="med"/>
                     </a:lnB>
+                    <a:lnTlToBr w="12700" cmpd="sng">
+                      <a:noFill/>
+                      <a:prstDash val="solid"/>
+                    </a:lnTlToBr>
+                    <a:lnBlToTr w="12700" cmpd="sng">
+                      <a:noFill/>
+                      <a:prstDash val="solid"/>
+                    </a:lnBlToTr>
                   </a:tcPr>
                 </a:tc>
                 <a:tc>
@@ -5961,46 +6328,21 @@
                     <a:lstStyle/>
                     <a:p>
                       <a:r>
-                        <a:rPr lang="en-US" sz="1400" dirty="0" smtClean="0"/>
+                        <a:rPr lang="en-US" sz="1200" dirty="0" smtClean="0"/>
                         <a:t>Sasha checks</a:t>
                       </a:r>
                       <a:r>
-                        <a:rPr lang="en-US" sz="1400" baseline="0" dirty="0" smtClean="0"/>
+                        <a:rPr lang="en-US" sz="1200" baseline="0" dirty="0" smtClean="0"/>
                         <a:t> 2.3. + Section 2 intro</a:t>
                       </a:r>
-                      <a:endParaRPr lang="en-US" sz="1400" dirty="0" smtClean="0"/>
+                      <a:endParaRPr lang="en-US" sz="1200" dirty="0" smtClean="0"/>
                     </a:p>
                     <a:p>
                       <a:r>
-                        <a:rPr lang="en-US" sz="1400" dirty="0" smtClean="0"/>
+                        <a:rPr lang="en-US" sz="1200" dirty="0" smtClean="0"/>
                         <a:t>Work and review together </a:t>
                       </a:r>
-                      <a:endParaRPr lang="en-US" sz="1400" dirty="0"/>
-                    </a:p>
-                  </a:txBody>
-                  <a:tcPr>
-                    <a:lnB w="12700" cmpd="sng">
-                      <a:noFill/>
-                    </a:lnB>
-                  </a:tcPr>
-                </a:tc>
-                <a:extLst>
-                  <a:ext uri="{0D108BD9-81ED-4DB2-BD59-A6C34878D82A}">
-                    <a16:rowId xmlns:a16="http://schemas.microsoft.com/office/drawing/2014/main" val="3783486380"/>
-                  </a:ext>
-                </a:extLst>
-              </a:tr>
-              <a:tr h="268218">
-                <a:tc>
-                  <a:txBody>
-                    <a:bodyPr/>
-                    <a:lstStyle/>
-                    <a:p>
-                      <a:r>
-                        <a:rPr lang="en-US" sz="1400" dirty="0" smtClean="0"/>
-                        <a:t>3 Dec</a:t>
-                      </a:r>
-                      <a:endParaRPr lang="en-US" sz="1400" dirty="0"/>
+                      <a:endParaRPr lang="en-US" sz="1200" dirty="0"/>
                     </a:p>
                   </a:txBody>
                   <a:tcPr>
@@ -6028,6 +6370,44 @@
                       <a:noFill/>
                       <a:prstDash val="solid"/>
                     </a:lnBlToTr>
+                  </a:tcPr>
+                </a:tc>
+                <a:extLst>
+                  <a:ext uri="{0D108BD9-81ED-4DB2-BD59-A6C34878D82A}">
+                    <a16:rowId xmlns:a16="http://schemas.microsoft.com/office/drawing/2014/main" val="4034592237"/>
+                  </a:ext>
+                </a:extLst>
+              </a:tr>
+              <a:tr h="370840">
+                <a:tc>
+                  <a:txBody>
+                    <a:bodyPr/>
+                    <a:lstStyle/>
+                    <a:p>
+                      <a:r>
+                        <a:rPr lang="en-US" sz="1200" dirty="0" smtClean="0"/>
+                        <a:t>4 Dec</a:t>
+                      </a:r>
+                      <a:endParaRPr lang="en-US" sz="1200" dirty="0"/>
+                    </a:p>
+                  </a:txBody>
+                  <a:tcPr>
+                    <a:lnT w="12700" cap="flat" cmpd="sng" algn="ctr">
+                      <a:noFill/>
+                      <a:prstDash val="solid"/>
+                      <a:round/>
+                      <a:headEnd type="none" w="med" len="med"/>
+                      <a:tailEnd type="none" w="med" len="med"/>
+                    </a:lnT>
+                    <a:lnB w="12700" cap="flat" cmpd="sng" algn="ctr">
+                      <a:solidFill>
+                        <a:schemeClr val="tx1"/>
+                      </a:solidFill>
+                      <a:prstDash val="solid"/>
+                      <a:round/>
+                      <a:headEnd type="none" w="med" len="med"/>
+                      <a:tailEnd type="none" w="med" len="med"/>
+                    </a:lnB>
                   </a:tcPr>
                 </a:tc>
                 <a:tc>
@@ -6053,95 +6433,10 @@
                         <a:defRPr/>
                       </a:pPr>
                       <a:r>
-                        <a:rPr lang="en-US" sz="1400" baseline="0" dirty="0" smtClean="0"/>
+                        <a:rPr lang="en-US" sz="1200" baseline="0" dirty="0" smtClean="0"/>
                         <a:t>Complete Section check </a:t>
                       </a:r>
-                      <a:endParaRPr lang="en-US" sz="1400" dirty="0"/>
-                    </a:p>
-                  </a:txBody>
-                  <a:tcPr>
-                    <a:lnL w="12700" cmpd="sng">
-                      <a:noFill/>
-                    </a:lnL>
-                    <a:lnR w="12700" cmpd="sng">
-                      <a:noFill/>
-                    </a:lnR>
-                    <a:lnT w="12700" cmpd="sng">
-                      <a:noFill/>
-                    </a:lnT>
-                    <a:lnB w="12700" cap="flat" cmpd="sng" algn="ctr">
-                      <a:noFill/>
-                      <a:prstDash val="solid"/>
-                      <a:round/>
-                      <a:headEnd type="none" w="med" len="med"/>
-                      <a:tailEnd type="none" w="med" len="med"/>
-                    </a:lnB>
-                    <a:lnTlToBr w="12700" cmpd="sng">
-                      <a:noFill/>
-                      <a:prstDash val="solid"/>
-                    </a:lnTlToBr>
-                    <a:lnBlToTr w="12700" cmpd="sng">
-                      <a:noFill/>
-                      <a:prstDash val="solid"/>
-                    </a:lnBlToTr>
-                  </a:tcPr>
-                </a:tc>
-                <a:tc>
-                  <a:txBody>
-                    <a:bodyPr/>
-                    <a:lstStyle/>
-                    <a:p>
-                      <a:r>
-                        <a:rPr lang="en-US" sz="1400" dirty="0" smtClean="0"/>
-                        <a:t>Send the draft to Steffi on Section 2</a:t>
-                      </a:r>
-                      <a:endParaRPr lang="en-US" sz="1400" dirty="0"/>
-                    </a:p>
-                  </a:txBody>
-                  <a:tcPr>
-                    <a:lnL w="12700" cmpd="sng">
-                      <a:noFill/>
-                    </a:lnL>
-                    <a:lnR w="12700" cmpd="sng">
-                      <a:noFill/>
-                    </a:lnR>
-                    <a:lnT w="12700" cmpd="sng">
-                      <a:noFill/>
-                    </a:lnT>
-                    <a:lnB w="12700" cap="flat" cmpd="sng" algn="ctr">
-                      <a:noFill/>
-                      <a:prstDash val="solid"/>
-                      <a:round/>
-                      <a:headEnd type="none" w="med" len="med"/>
-                      <a:tailEnd type="none" w="med" len="med"/>
-                    </a:lnB>
-                    <a:lnTlToBr w="12700" cmpd="sng">
-                      <a:noFill/>
-                      <a:prstDash val="solid"/>
-                    </a:lnTlToBr>
-                    <a:lnBlToTr w="12700" cmpd="sng">
-                      <a:noFill/>
-                      <a:prstDash val="solid"/>
-                    </a:lnBlToTr>
-                  </a:tcPr>
-                </a:tc>
-                <a:extLst>
-                  <a:ext uri="{0D108BD9-81ED-4DB2-BD59-A6C34878D82A}">
-                    <a16:rowId xmlns:a16="http://schemas.microsoft.com/office/drawing/2014/main" val="4034592237"/>
-                  </a:ext>
-                </a:extLst>
-              </a:tr>
-              <a:tr h="370840">
-                <a:tc>
-                  <a:txBody>
-                    <a:bodyPr/>
-                    <a:lstStyle/>
-                    <a:p>
-                      <a:r>
-                        <a:rPr lang="en-US" sz="1400" dirty="0" smtClean="0"/>
-                        <a:t>4 Dec</a:t>
-                      </a:r>
-                      <a:endParaRPr lang="en-US" sz="1400" dirty="0"/>
+                      <a:endParaRPr lang="en-US" sz="1200" dirty="0"/>
                     </a:p>
                   </a:txBody>
                   <a:tcPr>
@@ -6169,37 +6464,10 @@
                     <a:lstStyle/>
                     <a:p>
                       <a:r>
-                        <a:rPr lang="en-US" sz="1400" dirty="0" smtClean="0"/>
-                        <a:t>BUFFER</a:t>
-                      </a:r>
-                      <a:endParaRPr lang="en-US" sz="1400" dirty="0"/>
-                    </a:p>
-                  </a:txBody>
-                  <a:tcPr>
-                    <a:lnT w="12700" cap="flat" cmpd="sng" algn="ctr">
-                      <a:noFill/>
-                      <a:prstDash val="solid"/>
-                      <a:round/>
-                      <a:headEnd type="none" w="med" len="med"/>
-                      <a:tailEnd type="none" w="med" len="med"/>
-                    </a:lnT>
-                    <a:lnB w="12700" cap="flat" cmpd="sng" algn="ctr">
-                      <a:solidFill>
-                        <a:schemeClr val="tx1"/>
-                      </a:solidFill>
-                      <a:prstDash val="solid"/>
-                      <a:round/>
-                      <a:headEnd type="none" w="med" len="med"/>
-                      <a:tailEnd type="none" w="med" len="med"/>
-                    </a:lnB>
-                  </a:tcPr>
-                </a:tc>
-                <a:tc>
-                  <a:txBody>
-                    <a:bodyPr/>
-                    <a:lstStyle/>
-                    <a:p>
-                      <a:endParaRPr lang="en-US" sz="1400" dirty="0"/>
+                        <a:rPr lang="en-US" sz="1200" dirty="0" smtClean="0"/>
+                        <a:t>Send the draft to Steffi on Section 2</a:t>
+                      </a:r>
+                      <a:endParaRPr lang="en-US" sz="1200" dirty="0"/>
                     </a:p>
                   </a:txBody>
                   <a:tcPr>
@@ -6234,10 +6502,10 @@
                     <a:lstStyle/>
                     <a:p>
                       <a:r>
-                        <a:rPr lang="en-US" sz="1400" dirty="0" smtClean="0"/>
+                        <a:rPr lang="en-US" sz="1200" dirty="0" smtClean="0"/>
                         <a:t>5 Dec</a:t>
                       </a:r>
-                      <a:endParaRPr lang="en-US" sz="1400" dirty="0"/>
+                      <a:endParaRPr lang="en-US" sz="1200" dirty="0"/>
                     </a:p>
                   </a:txBody>
                   <a:tcPr>
@@ -6260,7 +6528,7 @@
                     <a:bodyPr/>
                     <a:lstStyle/>
                     <a:p>
-                      <a:endParaRPr lang="en-US" sz="1400" dirty="0"/>
+                      <a:endParaRPr lang="en-US" sz="1200" dirty="0"/>
                     </a:p>
                   </a:txBody>
                   <a:tcPr>
@@ -6284,10 +6552,10 @@
                     <a:lstStyle/>
                     <a:p>
                       <a:r>
-                        <a:rPr lang="en-US" sz="1400" dirty="0" smtClean="0"/>
+                        <a:rPr lang="en-US" sz="1200" dirty="0" smtClean="0"/>
                         <a:t>Discussion (SSR): Section 2</a:t>
                       </a:r>
-                      <a:endParaRPr lang="en-US" sz="1400" dirty="0"/>
+                      <a:endParaRPr lang="en-US" sz="1200" dirty="0"/>
                     </a:p>
                   </a:txBody>
                   <a:tcPr>
@@ -6318,10 +6586,10 @@
                     <a:lstStyle/>
                     <a:p>
                       <a:r>
-                        <a:rPr lang="en-US" sz="1400" dirty="0" smtClean="0"/>
+                        <a:rPr lang="en-US" sz="1200" dirty="0" smtClean="0"/>
                         <a:t>6 Dec</a:t>
                       </a:r>
-                      <a:endParaRPr lang="en-US" sz="1400" dirty="0"/>
+                      <a:endParaRPr lang="en-US" sz="1200" dirty="0"/>
                     </a:p>
                   </a:txBody>
                   <a:tcPr>
@@ -6356,7 +6624,7 @@
                     <a:bodyPr/>
                     <a:lstStyle/>
                     <a:p>
-                      <a:endParaRPr lang="en-US" sz="1400" dirty="0"/>
+                      <a:endParaRPr lang="en-US" sz="1200" dirty="0"/>
                     </a:p>
                   </a:txBody>
                   <a:tcPr>
@@ -6391,7 +6659,7 @@
                     <a:bodyPr/>
                     <a:lstStyle/>
                     <a:p>
-                      <a:endParaRPr lang="en-US" sz="1400" dirty="0"/>
+                      <a:endParaRPr lang="en-US" sz="1200" dirty="0"/>
                     </a:p>
                   </a:txBody>
                   <a:tcPr>
@@ -6434,10 +6702,10 @@
                     <a:lstStyle/>
                     <a:p>
                       <a:r>
-                        <a:rPr lang="en-US" sz="1400" dirty="0" smtClean="0"/>
+                        <a:rPr lang="en-US" sz="1200" dirty="0" smtClean="0"/>
                         <a:t>7 Dec</a:t>
                       </a:r>
-                      <a:endParaRPr lang="en-US" sz="1400" dirty="0"/>
+                      <a:endParaRPr lang="en-US" sz="1200" dirty="0"/>
                     </a:p>
                   </a:txBody>
                   <a:tcPr>
@@ -6472,7 +6740,7 @@
                     <a:bodyPr/>
                     <a:lstStyle/>
                     <a:p>
-                      <a:endParaRPr lang="en-US" sz="1400" dirty="0"/>
+                      <a:endParaRPr lang="en-US" sz="1200" dirty="0"/>
                     </a:p>
                   </a:txBody>
                   <a:tcPr>
@@ -6507,7 +6775,7 @@
                     <a:bodyPr/>
                     <a:lstStyle/>
                     <a:p>
-                      <a:endParaRPr lang="en-US" sz="1400" dirty="0"/>
+                      <a:endParaRPr lang="en-US" sz="1200" dirty="0"/>
                     </a:p>
                   </a:txBody>
                   <a:tcPr>
@@ -6550,10 +6818,10 @@
                     <a:lstStyle/>
                     <a:p>
                       <a:r>
-                        <a:rPr lang="en-US" sz="1400" dirty="0" smtClean="0"/>
+                        <a:rPr lang="en-US" sz="1200" dirty="0" smtClean="0"/>
                         <a:t>8 Dec</a:t>
                       </a:r>
-                      <a:endParaRPr lang="en-US" sz="1400" dirty="0"/>
+                      <a:endParaRPr lang="en-US" sz="1200" dirty="0"/>
                     </a:p>
                   </a:txBody>
                   <a:tcPr>
@@ -6588,7 +6856,7 @@
                     <a:bodyPr/>
                     <a:lstStyle/>
                     <a:p>
-                      <a:endParaRPr lang="en-US" sz="1400" dirty="0"/>
+                      <a:endParaRPr lang="en-US" sz="1200" dirty="0"/>
                     </a:p>
                   </a:txBody>
                   <a:tcPr>
@@ -6623,7 +6891,7 @@
                     <a:bodyPr/>
                     <a:lstStyle/>
                     <a:p>
-                      <a:endParaRPr lang="en-US" sz="1400" dirty="0"/>
+                      <a:endParaRPr lang="en-US" sz="1200" dirty="0"/>
                     </a:p>
                   </a:txBody>
                   <a:tcPr>
@@ -6666,10 +6934,10 @@
                     <a:lstStyle/>
                     <a:p>
                       <a:r>
-                        <a:rPr lang="en-US" sz="1400" dirty="0" smtClean="0"/>
+                        <a:rPr lang="en-US" sz="1200" dirty="0" smtClean="0"/>
                         <a:t>9 Dec</a:t>
                       </a:r>
-                      <a:endParaRPr lang="en-US" sz="1400" dirty="0"/>
+                      <a:endParaRPr lang="en-US" sz="1200" dirty="0"/>
                     </a:p>
                   </a:txBody>
                   <a:tcPr>
@@ -6704,7 +6972,7 @@
                     <a:bodyPr/>
                     <a:lstStyle/>
                     <a:p>
-                      <a:endParaRPr lang="en-US" sz="1400" dirty="0"/>
+                      <a:endParaRPr lang="en-US" sz="1200" dirty="0"/>
                     </a:p>
                   </a:txBody>
                   <a:tcPr>
@@ -6739,7 +7007,7 @@
                     <a:bodyPr/>
                     <a:lstStyle/>
                     <a:p>
-                      <a:endParaRPr lang="en-US" sz="1400" dirty="0"/>
+                      <a:endParaRPr lang="en-US" sz="1200" dirty="0"/>
                     </a:p>
                   </a:txBody>
                   <a:tcPr>
@@ -6782,10 +7050,10 @@
                     <a:lstStyle/>
                     <a:p>
                       <a:r>
-                        <a:rPr lang="en-US" sz="1400" dirty="0" smtClean="0"/>
+                        <a:rPr lang="en-US" sz="1200" dirty="0" smtClean="0"/>
                         <a:t>10 Dec</a:t>
                       </a:r>
-                      <a:endParaRPr lang="en-US" sz="1400" dirty="0"/>
+                      <a:endParaRPr lang="en-US" sz="1200" dirty="0"/>
                     </a:p>
                   </a:txBody>
                   <a:tcPr>
@@ -6822,7 +7090,7 @@
                     <a:bodyPr/>
                     <a:lstStyle/>
                     <a:p>
-                      <a:endParaRPr lang="en-US" sz="1400" dirty="0"/>
+                      <a:endParaRPr lang="en-US" sz="1200" dirty="0"/>
                     </a:p>
                   </a:txBody>
                   <a:tcPr>
@@ -6859,7 +7127,7 @@
                     <a:bodyPr/>
                     <a:lstStyle/>
                     <a:p>
-                      <a:endParaRPr lang="en-US" sz="1400" dirty="0"/>
+                      <a:endParaRPr lang="en-US" sz="1200" dirty="0"/>
                     </a:p>
                   </a:txBody>
                   <a:tcPr>
@@ -6970,7 +7238,7 @@
           <a:p>
             <a:fld id="{FF15E650-2C9B-4E22-B544-79A90AB3DDC1}" type="datetime1">
               <a:rPr lang="de-DE" smtClean="0"/>
-              <a:t>27.11.2022</a:t>
+              <a:t>29.11.2022</a:t>
             </a:fld>
             <a:endParaRPr lang="de-DE"/>
           </a:p>
@@ -7150,7 +7418,7 @@
           <a:p>
             <a:fld id="{FF15E650-2C9B-4E22-B544-79A90AB3DDC1}" type="datetime1">
               <a:rPr lang="de-DE" smtClean="0"/>
-              <a:t>27.11.2022</a:t>
+              <a:t>29.11.2022</a:t>
             </a:fld>
             <a:endParaRPr lang="de-DE"/>
           </a:p>
@@ -7316,7 +7584,7 @@
           <a:p>
             <a:fld id="{FF15E650-2C9B-4E22-B544-79A90AB3DDC1}" type="datetime1">
               <a:rPr lang="de-DE" smtClean="0"/>
-              <a:t>27.11.2022</a:t>
+              <a:t>29.11.2022</a:t>
             </a:fld>
             <a:endParaRPr lang="de-DE"/>
           </a:p>
@@ -7545,7 +7813,7 @@
           <a:p>
             <a:fld id="{FF15E650-2C9B-4E22-B544-79A90AB3DDC1}" type="datetime1">
               <a:rPr lang="de-DE" smtClean="0"/>
-              <a:t>27.11.2022</a:t>
+              <a:t>29.11.2022</a:t>
             </a:fld>
             <a:endParaRPr lang="de-DE"/>
           </a:p>
@@ -7891,7 +8159,7 @@
           <a:p>
             <a:fld id="{FF15E650-2C9B-4E22-B544-79A90AB3DDC1}" type="datetime1">
               <a:rPr lang="de-DE" smtClean="0"/>
-              <a:t>27.11.2022</a:t>
+              <a:t>29.11.2022</a:t>
             </a:fld>
             <a:endParaRPr lang="de-DE"/>
           </a:p>
@@ -8068,7 +8336,7 @@
           <a:p>
             <a:fld id="{FF15E650-2C9B-4E22-B544-79A90AB3DDC1}" type="datetime1">
               <a:rPr lang="de-DE" smtClean="0"/>
-              <a:t>27.11.2022</a:t>
+              <a:t>29.11.2022</a:t>
             </a:fld>
             <a:endParaRPr lang="de-DE"/>
           </a:p>

--- a/final/Discussion_paper.pptx
+++ b/final/Discussion_paper.pptx
@@ -5,22 +5,21 @@
     <p:sldMasterId id="2147483648" r:id="rId1"/>
   </p:sldMasterIdLst>
   <p:notesMasterIdLst>
-    <p:notesMasterId r:id="rId15"/>
+    <p:notesMasterId r:id="rId14"/>
   </p:notesMasterIdLst>
   <p:sldIdLst>
     <p:sldId id="440" r:id="rId2"/>
     <p:sldId id="507" r:id="rId3"/>
     <p:sldId id="508" r:id="rId4"/>
-    <p:sldId id="509" r:id="rId5"/>
-    <p:sldId id="497" r:id="rId6"/>
-    <p:sldId id="498" r:id="rId7"/>
-    <p:sldId id="500" r:id="rId8"/>
-    <p:sldId id="505" r:id="rId9"/>
-    <p:sldId id="499" r:id="rId10"/>
-    <p:sldId id="502" r:id="rId11"/>
-    <p:sldId id="503" r:id="rId12"/>
-    <p:sldId id="504" r:id="rId13"/>
-    <p:sldId id="506" r:id="rId14"/>
+    <p:sldId id="497" r:id="rId5"/>
+    <p:sldId id="498" r:id="rId6"/>
+    <p:sldId id="500" r:id="rId7"/>
+    <p:sldId id="505" r:id="rId8"/>
+    <p:sldId id="499" r:id="rId9"/>
+    <p:sldId id="502" r:id="rId10"/>
+    <p:sldId id="503" r:id="rId11"/>
+    <p:sldId id="504" r:id="rId12"/>
+    <p:sldId id="506" r:id="rId13"/>
   </p:sldIdLst>
   <p:sldSz cx="9144000" cy="6858000" type="screen4x3"/>
   <p:notesSz cx="6794500" cy="9931400"/>
@@ -131,7 +130,6 @@
           <p14:sldIdLst>
             <p14:sldId id="507"/>
             <p14:sldId id="508"/>
-            <p14:sldId id="509"/>
           </p14:sldIdLst>
         </p14:section>
         <p14:section name="20221125" id="{67646AD6-D18D-4FBC-8665-5DC0DB45B2AD}">
@@ -4048,7 +4046,7 @@
             <p:ph idx="1"/>
           </p:nvPr>
         </p:nvPicPr>
-        <p:blipFill>
+        <p:blipFill rotWithShape="1">
           <a:blip r:embed="rId2" cstate="print">
             <a:extLst>
               <a:ext uri="{28A0092B-C50C-407E-A947-70E740481C1C}">
@@ -4056,14 +4054,13 @@
               </a:ext>
             </a:extLst>
           </a:blip>
-          <a:stretch>
-            <a:fillRect/>
-          </a:stretch>
+          <a:srcRect b="62220"/>
+          <a:stretch/>
         </p:blipFill>
         <p:spPr>
           <a:xfrm>
-            <a:off x="283880" y="620714"/>
-            <a:ext cx="8576239" cy="5663472"/>
+            <a:off x="485983" y="1144038"/>
+            <a:ext cx="8309709" cy="4362988"/>
           </a:xfrm>
         </p:spPr>
       </p:pic>
@@ -4139,7 +4136,7 @@
     </p:spTree>
     <p:extLst>
       <p:ext uri="{BB962C8B-B14F-4D97-AF65-F5344CB8AC3E}">
-        <p14:creationId xmlns:p14="http://schemas.microsoft.com/office/powerpoint/2010/main" val="3440191758"/>
+        <p14:creationId xmlns:p14="http://schemas.microsoft.com/office/powerpoint/2010/main" val="738812974"/>
       </p:ext>
     </p:extLst>
   </p:cSld>
@@ -4169,34 +4166,6 @@
           <a:chExt cx="0" cy="0"/>
         </a:xfrm>
       </p:grpSpPr>
-      <p:pic>
-        <p:nvPicPr>
-          <p:cNvPr id="7" name="Content Placeholder 6"/>
-          <p:cNvPicPr>
-            <a:picLocks noGrp="1" noChangeAspect="1"/>
-          </p:cNvPicPr>
-          <p:nvPr>
-            <p:ph idx="1"/>
-          </p:nvPr>
-        </p:nvPicPr>
-        <p:blipFill rotWithShape="1">
-          <a:blip r:embed="rId2" cstate="print">
-            <a:extLst>
-              <a:ext uri="{28A0092B-C50C-407E-A947-70E740481C1C}">
-                <a14:useLocalDpi xmlns:a14="http://schemas.microsoft.com/office/drawing/2010/main" val="0"/>
-              </a:ext>
-            </a:extLst>
-          </a:blip>
-          <a:srcRect b="62220"/>
-          <a:stretch/>
-        </p:blipFill>
-        <p:spPr>
-          <a:xfrm>
-            <a:off x="485983" y="1144038"/>
-            <a:ext cx="8309709" cy="4362988"/>
-          </a:xfrm>
-        </p:spPr>
-      </p:pic>
       <p:sp>
         <p:nvSpPr>
           <p:cNvPr id="3" name="Date Placeholder 2"/>
@@ -4261,108 +4230,6 @@
             <a:fld id="{6C6AE60A-B69C-4790-82F7-3882EDF23186}" type="slidenum">
               <a:rPr lang="de-DE" smtClean="0"/>
               <a:t>11</a:t>
-            </a:fld>
-            <a:endParaRPr lang="de-DE"/>
-          </a:p>
-        </p:txBody>
-      </p:sp>
-    </p:spTree>
-    <p:extLst>
-      <p:ext uri="{BB962C8B-B14F-4D97-AF65-F5344CB8AC3E}">
-        <p14:creationId xmlns:p14="http://schemas.microsoft.com/office/powerpoint/2010/main" val="738812974"/>
-      </p:ext>
-    </p:extLst>
-  </p:cSld>
-  <p:clrMapOvr>
-    <a:masterClrMapping/>
-  </p:clrMapOvr>
-  <p:transition>
-    <p:fade/>
-  </p:transition>
-</p:sld>
-</file>
-
-<file path=ppt/slides/slide12.xml><?xml version="1.0" encoding="utf-8"?>
-<p:sld xmlns:a="http://schemas.openxmlformats.org/drawingml/2006/main" xmlns:r="http://schemas.openxmlformats.org/officeDocument/2006/relationships" xmlns:p="http://schemas.openxmlformats.org/presentationml/2006/main" show="0">
-  <p:cSld>
-    <p:spTree>
-      <p:nvGrpSpPr>
-        <p:cNvPr id="1" name=""/>
-        <p:cNvGrpSpPr/>
-        <p:nvPr/>
-      </p:nvGrpSpPr>
-      <p:grpSpPr>
-        <a:xfrm>
-          <a:off x="0" y="0"/>
-          <a:ext cx="0" cy="0"/>
-          <a:chOff x="0" y="0"/>
-          <a:chExt cx="0" cy="0"/>
-        </a:xfrm>
-      </p:grpSpPr>
-      <p:sp>
-        <p:nvSpPr>
-          <p:cNvPr id="3" name="Date Placeholder 2"/>
-          <p:cNvSpPr>
-            <a:spLocks noGrp="1"/>
-          </p:cNvSpPr>
-          <p:nvPr>
-            <p:ph type="dt" sz="half" idx="10"/>
-          </p:nvPr>
-        </p:nvSpPr>
-        <p:spPr/>
-        <p:txBody>
-          <a:bodyPr/>
-          <a:lstStyle/>
-          <a:p>
-            <a:fld id="{FF15E650-2C9B-4E22-B544-79A90AB3DDC1}" type="datetime1">
-              <a:rPr lang="de-DE" smtClean="0"/>
-              <a:t>29.11.2022</a:t>
-            </a:fld>
-            <a:endParaRPr lang="de-DE"/>
-          </a:p>
-        </p:txBody>
-      </p:sp>
-      <p:sp>
-        <p:nvSpPr>
-          <p:cNvPr id="4" name="Footer Placeholder 3"/>
-          <p:cNvSpPr>
-            <a:spLocks noGrp="1"/>
-          </p:cNvSpPr>
-          <p:nvPr>
-            <p:ph type="ftr" sz="quarter" idx="11"/>
-          </p:nvPr>
-        </p:nvSpPr>
-        <p:spPr/>
-        <p:txBody>
-          <a:bodyPr/>
-          <a:lstStyle/>
-          <a:p>
-            <a:r>
-              <a:rPr lang="de-DE" smtClean="0"/>
-              <a:t>Shinde, Rhythima</a:t>
-            </a:r>
-            <a:endParaRPr lang="de-DE"/>
-          </a:p>
-        </p:txBody>
-      </p:sp>
-      <p:sp>
-        <p:nvSpPr>
-          <p:cNvPr id="5" name="Slide Number Placeholder 4"/>
-          <p:cNvSpPr>
-            <a:spLocks noGrp="1"/>
-          </p:cNvSpPr>
-          <p:nvPr>
-            <p:ph type="sldNum" sz="quarter" idx="12"/>
-          </p:nvPr>
-        </p:nvSpPr>
-        <p:spPr/>
-        <p:txBody>
-          <a:bodyPr/>
-          <a:lstStyle/>
-          <a:p>
-            <a:fld id="{6C6AE60A-B69C-4790-82F7-3882EDF23186}" type="slidenum">
-              <a:rPr lang="de-DE" smtClean="0"/>
-              <a:t>12</a:t>
             </a:fld>
             <a:endParaRPr lang="de-DE"/>
           </a:p>
@@ -4413,7 +4280,7 @@
 </p:sld>
 </file>
 
-<file path=ppt/slides/slide13.xml><?xml version="1.0" encoding="utf-8"?>
+<file path=ppt/slides/slide12.xml><?xml version="1.0" encoding="utf-8"?>
 <p:sld xmlns:a="http://schemas.openxmlformats.org/drawingml/2006/main" xmlns:r="http://schemas.openxmlformats.org/officeDocument/2006/relationships" xmlns:p="http://schemas.openxmlformats.org/presentationml/2006/main">
   <p:cSld>
     <p:spTree>
@@ -4561,7 +4428,7 @@
           <a:p>
             <a:fld id="{6C6AE60A-B69C-4790-82F7-3882EDF23186}" type="slidenum">
               <a:rPr lang="de-DE" smtClean="0"/>
-              <a:t>13</a:t>
+              <a:t>12</a:t>
             </a:fld>
             <a:endParaRPr lang="de-DE"/>
           </a:p>
@@ -4633,14 +4500,14 @@
             <p:ph idx="1"/>
             <p:extLst>
               <p:ext uri="{D42A27DB-BD31-4B8C-83A1-F6EECF244321}">
-                <p14:modId xmlns:p14="http://schemas.microsoft.com/office/powerpoint/2010/main" val="1070277297"/>
+                <p14:modId xmlns:p14="http://schemas.microsoft.com/office/powerpoint/2010/main" val="2909653494"/>
               </p:ext>
             </p:extLst>
           </p:nvPr>
         </p:nvGraphicFramePr>
         <p:xfrm>
-          <a:off x="396751" y="1290446"/>
-          <a:ext cx="8496300" cy="4861701"/>
+          <a:off x="396751" y="1473326"/>
+          <a:ext cx="8496300" cy="3769234"/>
         </p:xfrm>
         <a:graphic>
           <a:graphicData uri="http://schemas.openxmlformats.org/drawingml/2006/table">
@@ -4649,14 +4516,14 @@
                 <a:tableStyleId>{5C22544A-7EE6-4342-B048-85BDC9FD1C3A}</a:tableStyleId>
               </a:tblPr>
               <a:tblGrid>
-                <a:gridCol w="866361">
+                <a:gridCol w="1122169">
                   <a:extLst>
                     <a:ext uri="{9D8B030D-6E8A-4147-A177-3AD203B41FA5}">
                       <a16:colId xmlns:a16="http://schemas.microsoft.com/office/drawing/2014/main" val="3156209168"/>
                     </a:ext>
                   </a:extLst>
                 </a:gridCol>
-                <a:gridCol w="5208026">
+                <a:gridCol w="4952218">
                   <a:extLst>
                     <a:ext uri="{9D8B030D-6E8A-4147-A177-3AD203B41FA5}">
                       <a16:colId xmlns:a16="http://schemas.microsoft.com/office/drawing/2014/main" val="2104013299"/>
@@ -4822,7 +4689,7 @@
                   </a:ext>
                 </a:extLst>
               </a:tr>
-              <a:tr h="1381901">
+              <a:tr h="838074">
                 <a:tc>
                   <a:txBody>
                     <a:bodyPr/>
@@ -4920,74 +4787,12 @@
                         <a:defRPr/>
                       </a:pPr>
                       <a:r>
-                        <a:rPr lang="en-US" sz="1200" dirty="0" smtClean="0"/>
-                        <a:t>Write </a:t>
+                        <a:rPr lang="en-US" sz="1200" strike="sngStrike" baseline="0" dirty="0" smtClean="0"/>
+                        <a:t>Check </a:t>
                       </a:r>
                       <a:r>
-                        <a:rPr lang="en-US" sz="1200" dirty="0" smtClean="0"/>
-                        <a:t>Section</a:t>
-                      </a:r>
-                      <a:r>
-                        <a:rPr lang="en-US" sz="1200" baseline="0" dirty="0" smtClean="0"/>
-                        <a:t> 2.2. Model (Explain Figure 1)</a:t>
-                      </a:r>
-                    </a:p>
-                    <a:p>
-                      <a:pPr marL="285750" marR="0" lvl="0" indent="-285750" algn="l" defTabSz="914400" rtl="0" eaLnBrk="1" fontAlgn="auto" latinLnBrk="0" hangingPunct="1">
-                        <a:lnSpc>
-                          <a:spcPct val="100000"/>
-                        </a:lnSpc>
-                        <a:spcBef>
-                          <a:spcPts val="0"/>
-                        </a:spcBef>
-                        <a:spcAft>
-                          <a:spcPts val="0"/>
-                        </a:spcAft>
-                        <a:buClrTx/>
-                        <a:buSzTx/>
-                        <a:buFontTx/>
-                        <a:buChar char="-"/>
-                        <a:tabLst/>
-                        <a:defRPr/>
-                      </a:pPr>
-                      <a:r>
-                        <a:rPr lang="en-US" sz="1200" dirty="0" smtClean="0"/>
-                        <a:t>(re)</a:t>
-                      </a:r>
-                      <a:r>
-                        <a:rPr lang="en-US" sz="1200" baseline="0" dirty="0" smtClean="0"/>
-                        <a:t> </a:t>
-                      </a:r>
-                      <a:r>
-                        <a:rPr lang="en-US" sz="1200" dirty="0" smtClean="0"/>
-                        <a:t>Write Section</a:t>
-                      </a:r>
-                      <a:r>
-                        <a:rPr lang="en-US" sz="1200" baseline="0" dirty="0" smtClean="0"/>
-                        <a:t> 2.2.1 Process User Inputs</a:t>
-                      </a:r>
-                    </a:p>
-                    <a:p>
-                      <a:pPr marL="285750" marR="0" lvl="0" indent="-285750" algn="l" defTabSz="914400" rtl="0" eaLnBrk="1" fontAlgn="auto" latinLnBrk="0" hangingPunct="1">
-                        <a:lnSpc>
-                          <a:spcPct val="100000"/>
-                        </a:lnSpc>
-                        <a:spcBef>
-                          <a:spcPts val="0"/>
-                        </a:spcBef>
-                        <a:spcAft>
-                          <a:spcPts val="0"/>
-                        </a:spcAft>
-                        <a:buClrTx/>
-                        <a:buSzTx/>
-                        <a:buFontTx/>
-                        <a:buChar char="-"/>
-                        <a:tabLst/>
-                        <a:defRPr/>
-                      </a:pPr>
-                      <a:r>
-                        <a:rPr lang="en-US" sz="1200" baseline="0" dirty="0" smtClean="0"/>
-                        <a:t>Fix Table 2</a:t>
+                        <a:rPr lang="en-US" sz="1200" strike="sngStrike" baseline="0" dirty="0" smtClean="0"/>
+                        <a:t>figure 2 and add all available buildings</a:t>
                       </a:r>
                     </a:p>
                     <a:p>
@@ -5010,48 +4815,13 @@
                       </a:pPr>
                       <a:r>
                         <a:rPr lang="en-US" sz="1200" strike="sngStrike" baseline="0" dirty="0" smtClean="0"/>
-                        <a:t>Check figure 2 and </a:t>
+                        <a:t>Check, maybe remove Table </a:t>
                       </a:r>
                       <a:r>
                         <a:rPr lang="en-US" sz="1200" strike="sngStrike" baseline="0" dirty="0" smtClean="0"/>
-                        <a:t>add </a:t>
-                      </a:r>
-                      <a:r>
-                        <a:rPr lang="en-US" sz="1200" strike="sngStrike" baseline="0" dirty="0" smtClean="0"/>
-                        <a:t>all </a:t>
-                      </a:r>
-                      <a:r>
-                        <a:rPr lang="en-US" sz="1200" strike="sngStrike" baseline="0" dirty="0" smtClean="0"/>
-                        <a:t>available buildings</a:t>
+                        <a:t>3 </a:t>
                       </a:r>
                       <a:endParaRPr lang="en-US" sz="1200" strike="sngStrike" baseline="0" dirty="0" smtClean="0"/>
-                    </a:p>
-                    <a:p>
-                      <a:pPr marL="285750" marR="0" lvl="0" indent="-285750" algn="l" defTabSz="914400" rtl="0" eaLnBrk="1" fontAlgn="auto" latinLnBrk="0" hangingPunct="1">
-                        <a:lnSpc>
-                          <a:spcPct val="100000"/>
-                        </a:lnSpc>
-                        <a:spcBef>
-                          <a:spcPts val="0"/>
-                        </a:spcBef>
-                        <a:spcAft>
-                          <a:spcPts val="0"/>
-                        </a:spcAft>
-                        <a:buClrTx/>
-                        <a:buSzTx/>
-                        <a:buFontTx/>
-                        <a:buChar char="-"/>
-                        <a:tabLst/>
-                        <a:defRPr/>
-                      </a:pPr>
-                      <a:r>
-                        <a:rPr lang="en-US" sz="1200" strike="sngStrike" baseline="0" dirty="0" smtClean="0"/>
-                        <a:t>Check</a:t>
-                      </a:r>
-                      <a:r>
-                        <a:rPr lang="en-US" sz="1200" strike="sngStrike" baseline="0" dirty="0" smtClean="0"/>
-                        <a:t>, maybe remove Table 3 </a:t>
-                      </a:r>
                     </a:p>
                   </a:txBody>
                   <a:tcPr>
@@ -5065,7 +4835,7 @@
                       <a:tailEnd type="none" w="med" len="med"/>
                     </a:lnB>
                     <a:solidFill>
-                      <a:srgbClr val="FFFF00"/>
+                      <a:srgbClr val="92D050"/>
                     </a:solidFill>
                   </a:tcPr>
                 </a:tc>
@@ -5103,11 +4873,7 @@
                     <a:p>
                       <a:r>
                         <a:rPr lang="en-US" sz="1200" dirty="0" smtClean="0"/>
-                        <a:t>28 </a:t>
-                      </a:r>
-                      <a:r>
-                        <a:rPr lang="en-US" sz="1200" smtClean="0"/>
-                        <a:t>Nov (+backlog 27)</a:t>
+                        <a:t>28 Nov (+backlog 27)</a:t>
                       </a:r>
                       <a:endParaRPr lang="en-US" sz="1200" dirty="0"/>
                     </a:p>
@@ -5148,15 +4914,7 @@
                       </a:pPr>
                       <a:r>
                         <a:rPr lang="en-US" sz="1200" strike="sngStrike" baseline="0" dirty="0" smtClean="0"/>
-                        <a:t>Meeting </a:t>
-                      </a:r>
-                      <a:r>
-                        <a:rPr lang="en-US" sz="1200" strike="sngStrike" baseline="0" dirty="0" smtClean="0"/>
-                        <a:t>Rene (discuss final results</a:t>
-                      </a:r>
-                      <a:r>
-                        <a:rPr lang="en-US" sz="1200" strike="sngStrike" baseline="0" dirty="0" smtClean="0"/>
-                        <a:t>)</a:t>
+                        <a:t>Meeting Rene (discuss final results)</a:t>
                       </a:r>
                     </a:p>
                     <a:p>
@@ -5179,11 +4937,35 @@
                       </a:pPr>
                       <a:r>
                         <a:rPr lang="en-US" sz="1200" strike="noStrike" baseline="0" dirty="0" smtClean="0"/>
-                        <a:t>Writing</a:t>
+                        <a:t>Writing:</a:t>
+                      </a:r>
+                      <a:endParaRPr lang="en-US" sz="1200" strike="sngStrike" baseline="0" dirty="0" smtClean="0"/>
+                    </a:p>
+                    <a:p>
+                      <a:pPr marL="285750" marR="0" lvl="0" indent="-285750" algn="l" defTabSz="914400" rtl="0" eaLnBrk="1" fontAlgn="auto" latinLnBrk="0" hangingPunct="1">
+                        <a:lnSpc>
+                          <a:spcPct val="100000"/>
+                        </a:lnSpc>
+                        <a:spcBef>
+                          <a:spcPts val="0"/>
+                        </a:spcBef>
+                        <a:spcAft>
+                          <a:spcPts val="0"/>
+                        </a:spcAft>
+                        <a:buClrTx/>
+                        <a:buSzTx/>
+                        <a:buFontTx/>
+                        <a:buChar char="-"/>
+                        <a:tabLst/>
+                        <a:defRPr/>
+                      </a:pPr>
+                      <a:r>
+                        <a:rPr lang="en-US" sz="1200" strike="sngStrike" dirty="0" smtClean="0"/>
+                        <a:t>Write Section</a:t>
                       </a:r>
                       <a:r>
                         <a:rPr lang="en-US" sz="1200" strike="sngStrike" baseline="0" dirty="0" smtClean="0"/>
-                        <a:t>: </a:t>
+                        <a:t> 2.2. Model (Explain Figure 1)</a:t>
                       </a:r>
                     </a:p>
                     <a:p>
@@ -5205,14 +4987,109 @@
                         <a:defRPr/>
                       </a:pPr>
                       <a:r>
+                        <a:rPr lang="en-US" sz="1200" baseline="0" dirty="0" smtClean="0"/>
+                        <a:t>Move SI to excel </a:t>
+                      </a:r>
+                    </a:p>
+                    <a:p>
+                      <a:pPr marL="285750" marR="0" lvl="0" indent="-285750" algn="l" defTabSz="914400" rtl="0" eaLnBrk="1" fontAlgn="auto" latinLnBrk="0" hangingPunct="1">
+                        <a:lnSpc>
+                          <a:spcPct val="100000"/>
+                        </a:lnSpc>
+                        <a:spcBef>
+                          <a:spcPts val="0"/>
+                        </a:spcBef>
+                        <a:spcAft>
+                          <a:spcPts val="0"/>
+                        </a:spcAft>
+                        <a:buClrTx/>
+                        <a:buSzTx/>
+                        <a:buFontTx/>
+                        <a:buChar char="-"/>
+                        <a:tabLst/>
+                        <a:defRPr/>
+                      </a:pPr>
+                      <a:r>
+                        <a:rPr lang="en-US" sz="1200" strike="sngStrike" baseline="0" dirty="0" smtClean="0"/>
+                        <a:t>Fix Table 2 (move to SI)</a:t>
+                      </a:r>
+                      <a:endParaRPr lang="en-US" sz="1200" strike="sngStrike" baseline="0" dirty="0" smtClean="0"/>
+                    </a:p>
+                  </a:txBody>
+                  <a:tcPr>
+                    <a:lnT w="12700" cap="flat" cmpd="sng" algn="ctr">
+                      <a:solidFill>
+                        <a:schemeClr val="tx1"/>
+                      </a:solidFill>
+                      <a:prstDash val="solid"/>
+                      <a:round/>
+                      <a:headEnd type="none" w="med" len="med"/>
+                      <a:tailEnd type="none" w="med" len="med"/>
+                    </a:lnT>
+                    <a:solidFill>
+                      <a:srgbClr val="FFFF00"/>
+                    </a:solidFill>
+                  </a:tcPr>
+                </a:tc>
+                <a:tc>
+                  <a:txBody>
+                    <a:bodyPr/>
+                    <a:lstStyle/>
+                    <a:p>
+                      <a:r>
                         <a:rPr lang="en-US" sz="1200" dirty="0" smtClean="0"/>
-                        <a:t>Write Section</a:t>
+                        <a:t>Sasha checks </a:t>
+                      </a:r>
+                    </a:p>
+                    <a:p>
+                      <a:r>
+                        <a:rPr lang="en-US" sz="1200" dirty="0" smtClean="0"/>
+                        <a:t>Writings</a:t>
                       </a:r>
                       <a:r>
                         <a:rPr lang="en-US" sz="1200" baseline="0" dirty="0" smtClean="0"/>
-                        <a:t> 2.2. Model (Explain Figure 1)</a:t>
+                        <a:t> on Section 2.2, </a:t>
                       </a:r>
+                      <a:endParaRPr lang="en-US" sz="1200" dirty="0"/>
                     </a:p>
+                  </a:txBody>
+                  <a:tcPr>
+                    <a:lnT w="12700" cap="flat" cmpd="sng" algn="ctr">
+                      <a:solidFill>
+                        <a:schemeClr val="tx1"/>
+                      </a:solidFill>
+                      <a:prstDash val="solid"/>
+                      <a:round/>
+                      <a:headEnd type="none" w="med" len="med"/>
+                      <a:tailEnd type="none" w="med" len="med"/>
+                    </a:lnT>
+                  </a:tcPr>
+                </a:tc>
+                <a:extLst>
+                  <a:ext uri="{0D108BD9-81ED-4DB2-BD59-A6C34878D82A}">
+                    <a16:rowId xmlns:a16="http://schemas.microsoft.com/office/drawing/2014/main" val="3169226889"/>
+                  </a:ext>
+                </a:extLst>
+              </a:tr>
+              <a:tr h="370840">
+                <a:tc>
+                  <a:txBody>
+                    <a:bodyPr/>
+                    <a:lstStyle/>
+                    <a:p>
+                      <a:r>
+                        <a:rPr lang="en-US" sz="1200" dirty="0" smtClean="0"/>
+                        <a:t>29 Nov (+ backlog 28)</a:t>
+                      </a:r>
+                      <a:endParaRPr lang="en-US" sz="1200" dirty="0"/>
+                    </a:p>
+                  </a:txBody>
+                  <a:tcPr/>
+                </a:tc>
+                <a:tc>
+                  <a:txBody>
+                    <a:bodyPr/>
+                    <a:lstStyle/>
                     <a:p>
                       <a:pPr marL="285750" marR="0" lvl="0" indent="-285750" algn="l" defTabSz="914400" rtl="0" eaLnBrk="1" fontAlgn="auto" latinLnBrk="0" hangingPunct="1">
                         <a:lnSpc>
@@ -5247,139 +5124,7 @@
                         <a:rPr lang="en-US" sz="1200" baseline="0" dirty="0" smtClean="0"/>
                         <a:t> 2.2.1 Process User Inputs</a:t>
                       </a:r>
-                    </a:p>
-                    <a:p>
-                      <a:pPr marL="285750" marR="0" lvl="0" indent="-285750" algn="l" defTabSz="914400" rtl="0" eaLnBrk="1" fontAlgn="auto" latinLnBrk="0" hangingPunct="1">
-                        <a:lnSpc>
-                          <a:spcPct val="100000"/>
-                        </a:lnSpc>
-                        <a:spcBef>
-                          <a:spcPts val="0"/>
-                        </a:spcBef>
-                        <a:spcAft>
-                          <a:spcPts val="0"/>
-                        </a:spcAft>
-                        <a:buClrTx/>
-                        <a:buSzTx/>
-                        <a:buFontTx/>
-                        <a:buChar char="-"/>
-                        <a:tabLst/>
-                        <a:defRPr/>
-                      </a:pPr>
-                      <a:r>
-                        <a:rPr lang="en-US" sz="1200" baseline="0" dirty="0" smtClean="0"/>
-                        <a:t>Fix Table 2</a:t>
-                      </a:r>
-                    </a:p>
-                  </a:txBody>
-                  <a:tcPr>
-                    <a:lnT w="12700" cap="flat" cmpd="sng" algn="ctr">
-                      <a:solidFill>
-                        <a:schemeClr val="tx1"/>
-                      </a:solidFill>
-                      <a:prstDash val="solid"/>
-                      <a:round/>
-                      <a:headEnd type="none" w="med" len="med"/>
-                      <a:tailEnd type="none" w="med" len="med"/>
-                    </a:lnT>
-                    <a:solidFill>
-                      <a:srgbClr val="FFFF00"/>
-                    </a:solidFill>
-                  </a:tcPr>
-                </a:tc>
-                <a:tc>
-                  <a:txBody>
-                    <a:bodyPr/>
-                    <a:lstStyle/>
-                    <a:p>
-                      <a:r>
-                        <a:rPr lang="en-US" sz="1200" dirty="0" smtClean="0"/>
-                        <a:t>Sasha checks </a:t>
-                      </a:r>
-                    </a:p>
-                    <a:p>
-                      <a:r>
-                        <a:rPr lang="en-US" sz="1200" dirty="0" smtClean="0"/>
-                        <a:t>Writings</a:t>
-                      </a:r>
-                      <a:r>
-                        <a:rPr lang="en-US" sz="1200" baseline="0" dirty="0" smtClean="0"/>
-                        <a:t> on Section 2.2, Section </a:t>
-                      </a:r>
-                      <a:r>
-                        <a:rPr lang="en-US" sz="1200" baseline="0" dirty="0" smtClean="0"/>
-                        <a:t>2.2.1</a:t>
-                      </a:r>
-                      <a:endParaRPr lang="en-US" sz="1200" dirty="0"/>
-                    </a:p>
-                  </a:txBody>
-                  <a:tcPr>
-                    <a:lnT w="12700" cap="flat" cmpd="sng" algn="ctr">
-                      <a:solidFill>
-                        <a:schemeClr val="tx1"/>
-                      </a:solidFill>
-                      <a:prstDash val="solid"/>
-                      <a:round/>
-                      <a:headEnd type="none" w="med" len="med"/>
-                      <a:tailEnd type="none" w="med" len="med"/>
-                    </a:lnT>
-                  </a:tcPr>
-                </a:tc>
-                <a:extLst>
-                  <a:ext uri="{0D108BD9-81ED-4DB2-BD59-A6C34878D82A}">
-                    <a16:rowId xmlns:a16="http://schemas.microsoft.com/office/drawing/2014/main" val="3169226889"/>
-                  </a:ext>
-                </a:extLst>
-              </a:tr>
-              <a:tr h="370840">
-                <a:tc>
-                  <a:txBody>
-                    <a:bodyPr/>
-                    <a:lstStyle/>
-                    <a:p>
-                      <a:r>
-                        <a:rPr lang="en-US" sz="1200" dirty="0" smtClean="0"/>
-                        <a:t>29 </a:t>
-                      </a:r>
-                      <a:r>
-                        <a:rPr lang="en-US" sz="1200" dirty="0" smtClean="0"/>
-                        <a:t>Nov (+ backlog 28)</a:t>
-                      </a:r>
-                      <a:endParaRPr lang="en-US" sz="1200" dirty="0"/>
-                    </a:p>
-                  </a:txBody>
-                  <a:tcPr/>
-                </a:tc>
-                <a:tc>
-                  <a:txBody>
-                    <a:bodyPr/>
-                    <a:lstStyle/>
-                    <a:p>
-                      <a:pPr marL="285750" marR="0" lvl="0" indent="-285750" algn="l" defTabSz="914400" rtl="0" eaLnBrk="1" fontAlgn="auto" latinLnBrk="0" hangingPunct="1">
-                        <a:lnSpc>
-                          <a:spcPct val="100000"/>
-                        </a:lnSpc>
-                        <a:spcBef>
-                          <a:spcPts val="0"/>
-                        </a:spcBef>
-                        <a:spcAft>
-                          <a:spcPts val="0"/>
-                        </a:spcAft>
-                        <a:buClrTx/>
-                        <a:buSzTx/>
-                        <a:buFontTx/>
-                        <a:buChar char="-"/>
-                        <a:tabLst/>
-                        <a:defRPr/>
-                      </a:pPr>
-                      <a:r>
-                        <a:rPr lang="en-US" sz="1200" dirty="0" smtClean="0"/>
-                        <a:t>Write</a:t>
-                      </a:r>
-                      <a:r>
-                        <a:rPr lang="en-US" sz="1200" baseline="0" dirty="0" smtClean="0"/>
-                        <a:t> Section 2.2.2. Calculate U Values </a:t>
-                      </a:r>
+                      <a:endParaRPr lang="en-US" sz="1200" dirty="0" smtClean="0"/>
                     </a:p>
                     <a:p>
                       <a:pPr marL="285750" marR="0" lvl="0" indent="-285750" algn="l" defTabSz="914400" rtl="0" eaLnBrk="1" fontAlgn="auto" latinLnBrk="0" hangingPunct="1">
@@ -5405,31 +5150,13 @@
                       </a:r>
                       <a:r>
                         <a:rPr lang="en-US" sz="1200" baseline="0" dirty="0" smtClean="0"/>
-                        <a:t> Section 2.2.3. Calculate Space heating </a:t>
+                        <a:t> </a:t>
                       </a:r>
-                    </a:p>
-                    <a:p>
-                      <a:pPr marL="285750" marR="0" lvl="0" indent="-285750" algn="l" defTabSz="914400" rtl="0" eaLnBrk="1" fontAlgn="auto" latinLnBrk="0" hangingPunct="1">
-                        <a:lnSpc>
-                          <a:spcPct val="100000"/>
-                        </a:lnSpc>
-                        <a:spcBef>
-                          <a:spcPts val="0"/>
-                        </a:spcBef>
-                        <a:spcAft>
-                          <a:spcPts val="0"/>
-                        </a:spcAft>
-                        <a:buClrTx/>
-                        <a:buSzTx/>
-                        <a:buFontTx/>
-                        <a:buChar char="-"/>
-                        <a:tabLst/>
-                        <a:defRPr/>
-                      </a:pPr>
                       <a:r>
                         <a:rPr lang="en-US" sz="1200" baseline="0" dirty="0" smtClean="0"/>
-                        <a:t>Move SI to excel </a:t>
+                        <a:t>Section 2.2.2. Calculate U Values </a:t>
                       </a:r>
+                      <a:endParaRPr lang="en-US" sz="1200" baseline="0" dirty="0" smtClean="0"/>
                     </a:p>
                   </a:txBody>
                   <a:tcPr/>
@@ -5458,11 +5185,7 @@
                       </a:pPr>
                       <a:r>
                         <a:rPr lang="en-US" sz="1200" dirty="0" smtClean="0"/>
-                        <a:t>Sasha </a:t>
-                      </a:r>
-                      <a:r>
-                        <a:rPr lang="en-US" sz="1200" dirty="0" smtClean="0"/>
-                        <a:t>checks</a:t>
+                        <a:t>Sasha checks</a:t>
                       </a:r>
                       <a:r>
                         <a:rPr lang="en-US" sz="1200" baseline="0" dirty="0" smtClean="0"/>
@@ -5532,7 +5255,7 @@
                           <a:ea typeface="+mn-ea"/>
                           <a:cs typeface="+mn-cs"/>
                         </a:rPr>
-                        <a:t>Model: Ventilation parameters fix </a:t>
+                        <a:t>Model locate how to ventilation parameters fix (for writing)</a:t>
                       </a:r>
                     </a:p>
                     <a:p>
@@ -5562,7 +5285,18 @@
                           <a:ea typeface="+mn-ea"/>
                           <a:cs typeface="+mn-cs"/>
                         </a:rPr>
-                        <a:t>Figure 1 + new: Ventilation flow chart concept </a:t>
+                        <a:t>Figure </a:t>
+                      </a:r>
+                      <a:r>
+                        <a:rPr lang="en-US" sz="1200" kern="1200" dirty="0" smtClean="0">
+                          <a:solidFill>
+                            <a:schemeClr val="dk1"/>
+                          </a:solidFill>
+                          <a:latin typeface="+mn-lt"/>
+                          <a:ea typeface="+mn-ea"/>
+                          <a:cs typeface="+mn-cs"/>
+                        </a:rPr>
+                        <a:t>1 + new: Ventilation flow chart concept </a:t>
                       </a:r>
                     </a:p>
                     <a:p>
@@ -5592,27 +5326,8 @@
                           <a:ea typeface="+mn-ea"/>
                           <a:cs typeface="+mn-cs"/>
                         </a:rPr>
-                        <a:t>Model: Check new results </a:t>
+                        <a:t>Finish </a:t>
                       </a:r>
-                    </a:p>
-                    <a:p>
-                      <a:pPr marL="0" marR="0" lvl="0" indent="-285750" algn="l" defTabSz="914400" rtl="0" eaLnBrk="1" fontAlgn="auto" latinLnBrk="0" hangingPunct="1">
-                        <a:lnSpc>
-                          <a:spcPct val="100000"/>
-                        </a:lnSpc>
-                        <a:spcBef>
-                          <a:spcPts val="0"/>
-                        </a:spcBef>
-                        <a:spcAft>
-                          <a:spcPts val="0"/>
-                        </a:spcAft>
-                        <a:buClrTx/>
-                        <a:buSzTx/>
-                        <a:buFontTx/>
-                        <a:buChar char="-"/>
-                        <a:tabLst/>
-                        <a:defRPr/>
-                      </a:pPr>
                       <a:r>
                         <a:rPr lang="en-US" sz="1200" kern="1200" dirty="0" smtClean="0">
                           <a:solidFill>
@@ -5622,38 +5337,16 @@
                           <a:ea typeface="+mn-ea"/>
                           <a:cs typeface="+mn-cs"/>
                         </a:rPr>
-                        <a:t>Finish Section 2.2.3 Space heating demand </a:t>
+                        <a:t>Section 2.2.3 Space heating demand </a:t>
                       </a:r>
-                    </a:p>
-                    <a:p>
-                      <a:pPr marL="0" marR="0" lvl="0" indent="-285750" algn="l" defTabSz="914400" rtl="0" eaLnBrk="1" fontAlgn="auto" latinLnBrk="0" hangingPunct="1">
-                        <a:lnSpc>
-                          <a:spcPct val="100000"/>
-                        </a:lnSpc>
-                        <a:spcBef>
-                          <a:spcPts val="0"/>
-                        </a:spcBef>
-                        <a:spcAft>
-                          <a:spcPts val="0"/>
-                        </a:spcAft>
-                        <a:buClrTx/>
-                        <a:buSzTx/>
-                        <a:buFontTx/>
-                        <a:buChar char="-"/>
-                        <a:tabLst/>
-                        <a:defRPr/>
-                      </a:pPr>
-                      <a:r>
-                        <a:rPr lang="en-US" sz="1200" kern="1200" dirty="0" smtClean="0">
-                          <a:solidFill>
-                            <a:schemeClr val="dk1"/>
-                          </a:solidFill>
-                          <a:latin typeface="+mn-lt"/>
-                          <a:ea typeface="+mn-ea"/>
-                          <a:cs typeface="+mn-cs"/>
-                        </a:rPr>
-                        <a:t>check figure 3, table 6</a:t>
-                      </a:r>
+                      <a:endParaRPr lang="en-US" sz="1200" kern="1200" dirty="0" smtClean="0">
+                        <a:solidFill>
+                          <a:schemeClr val="dk1"/>
+                        </a:solidFill>
+                        <a:latin typeface="+mn-lt"/>
+                        <a:ea typeface="+mn-ea"/>
+                        <a:cs typeface="+mn-cs"/>
+                      </a:endParaRPr>
                     </a:p>
                   </a:txBody>
                   <a:tcPr/>
@@ -5917,14 +5610,14 @@
             <p:ph idx="1"/>
             <p:extLst>
               <p:ext uri="{D42A27DB-BD31-4B8C-83A1-F6EECF244321}">
-                <p14:modId xmlns:p14="http://schemas.microsoft.com/office/powerpoint/2010/main" val="4220425281"/>
+                <p14:modId xmlns:p14="http://schemas.microsoft.com/office/powerpoint/2010/main" val="2840900251"/>
               </p:ext>
             </p:extLst>
           </p:nvPr>
         </p:nvGraphicFramePr>
         <p:xfrm>
           <a:off x="323850" y="1609746"/>
-          <a:ext cx="8496300" cy="5069840"/>
+          <a:ext cx="8496300" cy="4318000"/>
         </p:xfrm>
         <a:graphic>
           <a:graphicData uri="http://schemas.openxmlformats.org/drawingml/2006/table">
@@ -6056,16 +5749,19 @@
                       </a:pPr>
                       <a:r>
                         <a:rPr lang="en-US" sz="1200" baseline="0" dirty="0" smtClean="0"/>
-                        <a:t>Check Figure 4 and add operational and embodied emissions</a:t>
+                        <a:t>Write Section 2.2.5. Scenario assessment </a:t>
                       </a:r>
                     </a:p>
-                  </a:txBody>
-                  <a:tcPr/>
-                </a:tc>
-                <a:tc>
-                  <a:txBody>
-                    <a:bodyPr/>
-                    <a:lstStyle/>
+                    <a:p>
+                      <a:pPr marL="285750" indent="-285750">
+                        <a:buFontTx/>
+                        <a:buChar char="-"/>
+                      </a:pPr>
+                      <a:r>
+                        <a:rPr lang="en-US" sz="1200" baseline="0" dirty="0" smtClean="0"/>
+                        <a:t>Check Table 2</a:t>
+                      </a:r>
+                    </a:p>
                     <a:p>
                       <a:pPr marL="0" marR="0" lvl="0" indent="0" algn="l" defTabSz="914400" rtl="0" eaLnBrk="1" fontAlgn="auto" latinLnBrk="0" hangingPunct="1">
                         <a:lnSpc>
@@ -6084,19 +5780,33 @@
                         <a:tabLst/>
                         <a:defRPr/>
                       </a:pPr>
+                      <a:endParaRPr lang="en-US" sz="1200" kern="1200" dirty="0" smtClean="0">
+                        <a:solidFill>
+                          <a:schemeClr val="dk1"/>
+                        </a:solidFill>
+                        <a:latin typeface="+mn-lt"/>
+                        <a:ea typeface="+mn-ea"/>
+                        <a:cs typeface="+mn-cs"/>
+                      </a:endParaRPr>
+                    </a:p>
+                  </a:txBody>
+                  <a:tcPr/>
+                </a:tc>
+                <a:tc>
+                  <a:txBody>
+                    <a:bodyPr/>
+                    <a:lstStyle/>
+                    <a:p>
                       <a:r>
-                        <a:rPr lang="en-US" sz="1200" kern="1200" dirty="0" smtClean="0">
-                          <a:solidFill>
-                            <a:schemeClr val="dk1"/>
-                          </a:solidFill>
-                          <a:latin typeface="+mn-lt"/>
-                          <a:ea typeface="+mn-ea"/>
-                          <a:cs typeface="+mn-cs"/>
-                        </a:rPr>
-                        <a:t>Sasha discuss model ( u value, heat demand</a:t>
+                        <a:rPr lang="en-US" sz="1200" dirty="0" smtClean="0"/>
+                        <a:t>Sasha checks and discuss 2.2.4 (LCA)</a:t>
                       </a:r>
                     </a:p>
                     <a:p>
+                      <a:r>
+                        <a:rPr lang="en-US" sz="1200" dirty="0" smtClean="0"/>
+                        <a:t>Sasha checks 2.2.5</a:t>
+                      </a:r>
                       <a:endParaRPr lang="en-US" sz="1200" dirty="0"/>
                     </a:p>
                   </a:txBody>
@@ -6132,13 +5842,30 @@
                     <a:bodyPr/>
                     <a:lstStyle/>
                     <a:p>
-                      <a:pPr marL="285750" indent="-285750">
+                      <a:pPr marL="285750" marR="0" lvl="0" indent="-285750" algn="l" defTabSz="914400" rtl="0" eaLnBrk="1" fontAlgn="auto" latinLnBrk="0" hangingPunct="1">
+                        <a:lnSpc>
+                          <a:spcPct val="100000"/>
+                        </a:lnSpc>
+                        <a:spcBef>
+                          <a:spcPts val="0"/>
+                        </a:spcBef>
+                        <a:spcAft>
+                          <a:spcPts val="0"/>
+                        </a:spcAft>
+                        <a:buClrTx/>
+                        <a:buSzTx/>
                         <a:buFontTx/>
                         <a:buChar char="-"/>
+                        <a:tabLst/>
+                        <a:defRPr/>
                       </a:pPr>
                       <a:r>
+                        <a:rPr lang="en-US" sz="1200" dirty="0" smtClean="0"/>
+                        <a:t>(re) Write</a:t>
+                      </a:r>
+                      <a:r>
                         <a:rPr lang="en-US" sz="1200" baseline="0" dirty="0" smtClean="0"/>
-                        <a:t>Write Section 2.2.5. Scenario assessment </a:t>
+                        <a:t> Section 2.3. Case study (and Table 3)</a:t>
                       </a:r>
                     </a:p>
                     <a:p>
@@ -6148,27 +5875,7 @@
                       </a:pPr>
                       <a:r>
                         <a:rPr lang="en-US" sz="1200" baseline="0" dirty="0" smtClean="0"/>
-                        <a:t>Check Table 4</a:t>
-                      </a:r>
-                    </a:p>
-                    <a:p>
-                      <a:pPr marL="285750" indent="-285750">
-                        <a:buFontTx/>
-                        <a:buChar char="-"/>
-                      </a:pPr>
-                      <a:r>
-                        <a:rPr lang="en-US" sz="1200" baseline="0" dirty="0" smtClean="0"/>
-                        <a:t>Check Figure 5 </a:t>
-                      </a:r>
-                    </a:p>
-                    <a:p>
-                      <a:pPr marL="285750" indent="-285750">
-                        <a:buFontTx/>
-                        <a:buChar char="-"/>
-                      </a:pPr>
-                      <a:r>
-                        <a:rPr lang="en-US" sz="1200" baseline="0" dirty="0" smtClean="0"/>
-                        <a:t>Check model scenario setup</a:t>
+                        <a:t>Write Section 2 Methodology intro </a:t>
                       </a:r>
                     </a:p>
                   </a:txBody>
@@ -6185,17 +5892,18 @@
                     <a:p>
                       <a:r>
                         <a:rPr lang="en-US" sz="1200" dirty="0" smtClean="0"/>
-                        <a:t>Sasha checks and discuss 2.2.4 (LCA)</a:t>
+                        <a:t>Sasha checks</a:t>
                       </a:r>
+                      <a:r>
+                        <a:rPr lang="en-US" sz="1200" baseline="0" dirty="0" smtClean="0"/>
+                        <a:t> 2.3. + Section 2 intro</a:t>
+                      </a:r>
+                      <a:endParaRPr lang="en-US" sz="1200" dirty="0" smtClean="0"/>
                     </a:p>
                     <a:p>
                       <a:r>
                         <a:rPr lang="en-US" sz="1200" dirty="0" smtClean="0"/>
-                        <a:t>Sasha </a:t>
-                      </a:r>
-                      <a:r>
-                        <a:rPr lang="en-US" sz="1200" dirty="0" smtClean="0"/>
-                        <a:t>checks 2.2.5</a:t>
+                        <a:t>Work and review together </a:t>
                       </a:r>
                       <a:endParaRPr lang="en-US" sz="1200" dirty="0"/>
                     </a:p>
@@ -6252,10 +5960,33 @@
                     </a:lnBlToTr>
                   </a:tcPr>
                 </a:tc>
-                <a:tc>
+                <a:tc rowSpan="2">
                   <a:txBody>
                     <a:bodyPr/>
                     <a:lstStyle/>
+                    <a:p>
+                      <a:pPr marL="0" marR="0" lvl="0" indent="0" algn="l" defTabSz="914400" rtl="0" eaLnBrk="1" fontAlgn="auto" latinLnBrk="0" hangingPunct="1">
+                        <a:lnSpc>
+                          <a:spcPct val="100000"/>
+                        </a:lnSpc>
+                        <a:spcBef>
+                          <a:spcPts val="0"/>
+                        </a:spcBef>
+                        <a:spcAft>
+                          <a:spcPts val="0"/>
+                        </a:spcAft>
+                        <a:buClrTx/>
+                        <a:buSzTx/>
+                        <a:buFontTx/>
+                        <a:buNone/>
+                        <a:tabLst/>
+                        <a:defRPr/>
+                      </a:pPr>
+                      <a:r>
+                        <a:rPr lang="en-US" sz="1200" baseline="0" dirty="0" smtClean="0"/>
+                        <a:t>Results section</a:t>
+                      </a:r>
+                    </a:p>
                     <a:p>
                       <a:pPr marL="285750" marR="0" lvl="0" indent="-285750" algn="l" defTabSz="914400" rtl="0" eaLnBrk="1" fontAlgn="auto" latinLnBrk="0" hangingPunct="1">
                         <a:lnSpc>
@@ -6275,12 +6006,8 @@
                         <a:defRPr/>
                       </a:pPr>
                       <a:r>
-                        <a:rPr lang="en-US" sz="1200" dirty="0" smtClean="0"/>
-                        <a:t>(re) Write</a:t>
-                      </a:r>
-                      <a:r>
                         <a:rPr lang="en-US" sz="1200" baseline="0" dirty="0" smtClean="0"/>
-                        <a:t> Section 2.3. Case study (and Table 5)</a:t>
+                        <a:t>Figure on U Values (Figure 2)</a:t>
                       </a:r>
                     </a:p>
                     <a:p>
@@ -6290,9 +6017,122 @@
                       </a:pPr>
                       <a:r>
                         <a:rPr lang="en-US" sz="1200" baseline="0" dirty="0" smtClean="0"/>
-                        <a:t>Write Section 2 Methodology intro </a:t>
+                        <a:t>Check Figure 4 : add operational and embodied</a:t>
                       </a:r>
-                      <a:endParaRPr lang="en-US" sz="1200" baseline="0" dirty="0"/>
+                    </a:p>
+                    <a:p>
+                      <a:pPr marL="0" marR="0" lvl="0" indent="0" algn="l" defTabSz="914400" rtl="0" eaLnBrk="1" fontAlgn="auto" latinLnBrk="0" hangingPunct="1">
+                        <a:lnSpc>
+                          <a:spcPct val="100000"/>
+                        </a:lnSpc>
+                        <a:spcBef>
+                          <a:spcPts val="0"/>
+                        </a:spcBef>
+                        <a:spcAft>
+                          <a:spcPts val="0"/>
+                        </a:spcAft>
+                        <a:buClrTx/>
+                        <a:buSzTx/>
+                        <a:buFontTx/>
+                        <a:buNone/>
+                        <a:tabLst/>
+                        <a:defRPr/>
+                      </a:pPr>
+                      <a:r>
+                        <a:rPr lang="en-US" sz="1200" kern="1200" dirty="0" smtClean="0">
+                          <a:solidFill>
+                            <a:schemeClr val="dk1"/>
+                          </a:solidFill>
+                          <a:latin typeface="+mn-lt"/>
+                          <a:ea typeface="+mn-ea"/>
+                          <a:cs typeface="+mn-cs"/>
+                        </a:rPr>
+                        <a:t>Model: </a:t>
+                      </a:r>
+                    </a:p>
+                    <a:p>
+                      <a:pPr marL="171450" marR="0" lvl="0" indent="-171450" algn="l" defTabSz="914400" rtl="0" eaLnBrk="1" fontAlgn="auto" latinLnBrk="0" hangingPunct="1">
+                        <a:lnSpc>
+                          <a:spcPct val="100000"/>
+                        </a:lnSpc>
+                        <a:spcBef>
+                          <a:spcPts val="0"/>
+                        </a:spcBef>
+                        <a:spcAft>
+                          <a:spcPts val="0"/>
+                        </a:spcAft>
+                        <a:buClrTx/>
+                        <a:buSzTx/>
+                        <a:buFontTx/>
+                        <a:buChar char="-"/>
+                        <a:tabLst/>
+                        <a:defRPr/>
+                      </a:pPr>
+                      <a:r>
+                        <a:rPr lang="en-US" sz="1200" kern="1200" dirty="0" smtClean="0">
+                          <a:solidFill>
+                            <a:schemeClr val="dk1"/>
+                          </a:solidFill>
+                          <a:latin typeface="+mn-lt"/>
+                          <a:ea typeface="+mn-ea"/>
+                          <a:cs typeface="+mn-cs"/>
+                        </a:rPr>
+                        <a:t>check new results with ventilation</a:t>
+                      </a:r>
+                    </a:p>
+                    <a:p>
+                      <a:pPr marL="171450" marR="0" lvl="0" indent="-171450" algn="l" defTabSz="914400" rtl="0" eaLnBrk="1" fontAlgn="auto" latinLnBrk="0" hangingPunct="1">
+                        <a:lnSpc>
+                          <a:spcPct val="100000"/>
+                        </a:lnSpc>
+                        <a:spcBef>
+                          <a:spcPts val="0"/>
+                        </a:spcBef>
+                        <a:spcAft>
+                          <a:spcPts val="0"/>
+                        </a:spcAft>
+                        <a:buClrTx/>
+                        <a:buSzTx/>
+                        <a:buFontTx/>
+                        <a:buChar char="-"/>
+                        <a:tabLst/>
+                        <a:defRPr/>
+                      </a:pPr>
+                      <a:r>
+                        <a:rPr lang="en-US" sz="1200" kern="1200" dirty="0" smtClean="0">
+                          <a:solidFill>
+                            <a:schemeClr val="dk1"/>
+                          </a:solidFill>
+                          <a:latin typeface="+mn-lt"/>
+                          <a:ea typeface="+mn-ea"/>
+                          <a:cs typeface="+mn-cs"/>
+                        </a:rPr>
+                        <a:t>check / edit figure 3, table 4</a:t>
+                      </a:r>
+                    </a:p>
+                    <a:p>
+                      <a:pPr marL="171450" marR="0" lvl="0" indent="-171450" algn="l" defTabSz="914400" rtl="0" eaLnBrk="1" fontAlgn="auto" latinLnBrk="0" hangingPunct="1">
+                        <a:lnSpc>
+                          <a:spcPct val="100000"/>
+                        </a:lnSpc>
+                        <a:spcBef>
+                          <a:spcPts val="0"/>
+                        </a:spcBef>
+                        <a:spcAft>
+                          <a:spcPts val="0"/>
+                        </a:spcAft>
+                        <a:buClrTx/>
+                        <a:buSzTx/>
+                        <a:buFontTx/>
+                        <a:buChar char="-"/>
+                        <a:tabLst/>
+                        <a:defRPr/>
+                      </a:pPr>
+                      <a:r>
+                        <a:rPr lang="en-US" sz="1200" baseline="0" dirty="0" smtClean="0"/>
+                        <a:t>check model scenario setup: Figure 5 </a:t>
+                      </a:r>
+                      <a:endParaRPr lang="en-US" sz="1200" baseline="0" dirty="0" smtClean="0"/>
                     </a:p>
                   </a:txBody>
                   <a:tcPr>
@@ -6306,7 +6146,9 @@
                       <a:noFill/>
                     </a:lnT>
                     <a:lnB w="12700" cap="flat" cmpd="sng" algn="ctr">
-                      <a:noFill/>
+                      <a:solidFill>
+                        <a:schemeClr val="tx1"/>
+                      </a:solidFill>
                       <a:prstDash val="solid"/>
                       <a:round/>
                       <a:headEnd type="none" w="med" len="med"/>
@@ -6322,27 +6164,42 @@
                     </a:lnBlToTr>
                   </a:tcPr>
                 </a:tc>
-                <a:tc>
+                <a:tc rowSpan="2">
                   <a:txBody>
                     <a:bodyPr/>
                     <a:lstStyle/>
                     <a:p>
+                      <a:pPr marL="0" marR="0" lvl="0" indent="0" algn="l" defTabSz="914400" rtl="0" eaLnBrk="1" fontAlgn="auto" latinLnBrk="0" hangingPunct="1">
+                        <a:lnSpc>
+                          <a:spcPct val="100000"/>
+                        </a:lnSpc>
+                        <a:spcBef>
+                          <a:spcPts val="0"/>
+                        </a:spcBef>
+                        <a:spcAft>
+                          <a:spcPts val="0"/>
+                        </a:spcAft>
+                        <a:buClrTx/>
+                        <a:buSzTx/>
+                        <a:buFontTx/>
+                        <a:buNone/>
+                        <a:tabLst/>
+                        <a:defRPr/>
+                      </a:pPr>
                       <a:r>
-                        <a:rPr lang="en-US" sz="1200" dirty="0" smtClean="0"/>
-                        <a:t>Sasha checks</a:t>
+                        <a:rPr lang="en-US" sz="1200" kern="1200" dirty="0" smtClean="0">
+                          <a:solidFill>
+                            <a:schemeClr val="dk1"/>
+                          </a:solidFill>
+                          <a:latin typeface="+mn-lt"/>
+                          <a:ea typeface="+mn-ea"/>
+                          <a:cs typeface="+mn-cs"/>
+                        </a:rPr>
+                        <a:t>Send the draft to Steffi on Section 2</a:t>
                       </a:r>
-                      <a:r>
-                        <a:rPr lang="en-US" sz="1200" baseline="0" dirty="0" smtClean="0"/>
-                        <a:t> 2.3. + Section 2 intro</a:t>
-                      </a:r>
-                      <a:endParaRPr lang="en-US" sz="1200" dirty="0" smtClean="0"/>
                     </a:p>
                     <a:p>
-                      <a:r>
-                        <a:rPr lang="en-US" sz="1200" dirty="0" smtClean="0"/>
-                        <a:t>Work and review together </a:t>
-                      </a:r>
-                      <a:endParaRPr lang="en-US" sz="1200" dirty="0"/>
+                      <a:endParaRPr lang="en-US" dirty="0"/>
                     </a:p>
                   </a:txBody>
                   <a:tcPr>
@@ -6356,7 +6213,9 @@
                       <a:noFill/>
                     </a:lnT>
                     <a:lnB w="12700" cap="flat" cmpd="sng" algn="ctr">
-                      <a:noFill/>
+                      <a:solidFill>
+                        <a:schemeClr val="tx1"/>
+                      </a:solidFill>
                       <a:prstDash val="solid"/>
                       <a:round/>
                       <a:headEnd type="none" w="med" len="med"/>
@@ -6410,7 +6269,7 @@
                     </a:lnB>
                   </a:tcPr>
                 </a:tc>
-                <a:tc>
+                <a:tc vMerge="1">
                   <a:txBody>
                     <a:bodyPr/>
                     <a:lstStyle/>
@@ -6432,11 +6291,7 @@
                         <a:tabLst/>
                         <a:defRPr/>
                       </a:pPr>
-                      <a:r>
-                        <a:rPr lang="en-US" sz="1200" baseline="0" dirty="0" smtClean="0"/>
-                        <a:t>Complete Section check </a:t>
-                      </a:r>
-                      <a:endParaRPr lang="en-US" sz="1200" dirty="0"/>
+                      <a:endParaRPr lang="en-US" sz="1200" baseline="0" dirty="0" smtClean="0"/>
                     </a:p>
                   </a:txBody>
                   <a:tcPr>
@@ -6458,15 +6313,11 @@
                     </a:lnB>
                   </a:tcPr>
                 </a:tc>
-                <a:tc>
+                <a:tc vMerge="1">
                   <a:txBody>
                     <a:bodyPr/>
                     <a:lstStyle/>
                     <a:p>
-                      <a:r>
-                        <a:rPr lang="en-US" sz="1200" dirty="0" smtClean="0"/>
-                        <a:t>Send the draft to Steffi on Section 2</a:t>
-                      </a:r>
                       <a:endParaRPr lang="en-US" sz="1200" dirty="0"/>
                     </a:p>
                   </a:txBody>
@@ -6528,7 +6379,24 @@
                     <a:bodyPr/>
                     <a:lstStyle/>
                     <a:p>
-                      <a:endParaRPr lang="en-US" sz="1200" dirty="0"/>
+                      <a:pPr marL="0" marR="0" lvl="0" indent="0" algn="l" defTabSz="914400" rtl="0" eaLnBrk="1" fontAlgn="auto" latinLnBrk="0" hangingPunct="1">
+                        <a:lnSpc>
+                          <a:spcPct val="100000"/>
+                        </a:lnSpc>
+                        <a:spcBef>
+                          <a:spcPts val="0"/>
+                        </a:spcBef>
+                        <a:spcAft>
+                          <a:spcPts val="0"/>
+                        </a:spcAft>
+                        <a:buClrTx/>
+                        <a:buSzTx/>
+                        <a:buFontTx/>
+                        <a:buNone/>
+                        <a:tabLst/>
+                        <a:defRPr/>
+                      </a:pPr>
+                      <a:endParaRPr lang="en-US" sz="1200" baseline="0" dirty="0" smtClean="0"/>
                     </a:p>
                   </a:txBody>
                   <a:tcPr>
@@ -6811,360 +6679,6 @@
                   </a:ext>
                 </a:extLst>
               </a:tr>
-              <a:tr h="370840">
-                <a:tc>
-                  <a:txBody>
-                    <a:bodyPr/>
-                    <a:lstStyle/>
-                    <a:p>
-                      <a:r>
-                        <a:rPr lang="en-US" sz="1200" dirty="0" smtClean="0"/>
-                        <a:t>8 Dec</a:t>
-                      </a:r>
-                      <a:endParaRPr lang="en-US" sz="1200" dirty="0"/>
-                    </a:p>
-                  </a:txBody>
-                  <a:tcPr>
-                    <a:lnL w="12700" cmpd="sng">
-                      <a:noFill/>
-                    </a:lnL>
-                    <a:lnR w="12700" cmpd="sng">
-                      <a:noFill/>
-                    </a:lnR>
-                    <a:lnT w="12700" cmpd="sng">
-                      <a:noFill/>
-                    </a:lnT>
-                    <a:lnB w="12700" cap="flat" cmpd="sng" algn="ctr">
-                      <a:noFill/>
-                      <a:prstDash val="solid"/>
-                      <a:round/>
-                      <a:headEnd type="none" w="med" len="med"/>
-                      <a:tailEnd type="none" w="med" len="med"/>
-                    </a:lnB>
-                    <a:lnTlToBr w="12700" cmpd="sng">
-                      <a:noFill/>
-                      <a:prstDash val="solid"/>
-                    </a:lnTlToBr>
-                    <a:lnBlToTr w="12700" cmpd="sng">
-                      <a:noFill/>
-                      <a:prstDash val="solid"/>
-                    </a:lnBlToTr>
-                  </a:tcPr>
-                </a:tc>
-                <a:tc>
-                  <a:txBody>
-                    <a:bodyPr/>
-                    <a:lstStyle/>
-                    <a:p>
-                      <a:endParaRPr lang="en-US" sz="1200" dirty="0"/>
-                    </a:p>
-                  </a:txBody>
-                  <a:tcPr>
-                    <a:lnL w="12700" cmpd="sng">
-                      <a:noFill/>
-                    </a:lnL>
-                    <a:lnR w="12700" cmpd="sng">
-                      <a:noFill/>
-                    </a:lnR>
-                    <a:lnT w="12700" cmpd="sng">
-                      <a:noFill/>
-                    </a:lnT>
-                    <a:lnB w="12700" cap="flat" cmpd="sng" algn="ctr">
-                      <a:noFill/>
-                      <a:prstDash val="solid"/>
-                      <a:round/>
-                      <a:headEnd type="none" w="med" len="med"/>
-                      <a:tailEnd type="none" w="med" len="med"/>
-                    </a:lnB>
-                    <a:lnTlToBr w="12700" cmpd="sng">
-                      <a:noFill/>
-                      <a:prstDash val="solid"/>
-                    </a:lnTlToBr>
-                    <a:lnBlToTr w="12700" cmpd="sng">
-                      <a:noFill/>
-                      <a:prstDash val="solid"/>
-                    </a:lnBlToTr>
-                  </a:tcPr>
-                </a:tc>
-                <a:tc>
-                  <a:txBody>
-                    <a:bodyPr/>
-                    <a:lstStyle/>
-                    <a:p>
-                      <a:endParaRPr lang="en-US" sz="1200" dirty="0"/>
-                    </a:p>
-                  </a:txBody>
-                  <a:tcPr>
-                    <a:lnL w="12700" cmpd="sng">
-                      <a:noFill/>
-                    </a:lnL>
-                    <a:lnR w="12700" cmpd="sng">
-                      <a:noFill/>
-                    </a:lnR>
-                    <a:lnT w="12700" cmpd="sng">
-                      <a:noFill/>
-                    </a:lnT>
-                    <a:lnB w="12700" cap="flat" cmpd="sng" algn="ctr">
-                      <a:noFill/>
-                      <a:prstDash val="solid"/>
-                      <a:round/>
-                      <a:headEnd type="none" w="med" len="med"/>
-                      <a:tailEnd type="none" w="med" len="med"/>
-                    </a:lnB>
-                    <a:lnTlToBr w="12700" cmpd="sng">
-                      <a:noFill/>
-                      <a:prstDash val="solid"/>
-                    </a:lnTlToBr>
-                    <a:lnBlToTr w="12700" cmpd="sng">
-                      <a:noFill/>
-                      <a:prstDash val="solid"/>
-                    </a:lnBlToTr>
-                  </a:tcPr>
-                </a:tc>
-                <a:extLst>
-                  <a:ext uri="{0D108BD9-81ED-4DB2-BD59-A6C34878D82A}">
-                    <a16:rowId xmlns:a16="http://schemas.microsoft.com/office/drawing/2014/main" val="4100554123"/>
-                  </a:ext>
-                </a:extLst>
-              </a:tr>
-              <a:tr h="370840">
-                <a:tc>
-                  <a:txBody>
-                    <a:bodyPr/>
-                    <a:lstStyle/>
-                    <a:p>
-                      <a:r>
-                        <a:rPr lang="en-US" sz="1200" dirty="0" smtClean="0"/>
-                        <a:t>9 Dec</a:t>
-                      </a:r>
-                      <a:endParaRPr lang="en-US" sz="1200" dirty="0"/>
-                    </a:p>
-                  </a:txBody>
-                  <a:tcPr>
-                    <a:lnL w="12700" cmpd="sng">
-                      <a:noFill/>
-                    </a:lnL>
-                    <a:lnR w="12700" cmpd="sng">
-                      <a:noFill/>
-                    </a:lnR>
-                    <a:lnT w="12700" cmpd="sng">
-                      <a:noFill/>
-                    </a:lnT>
-                    <a:lnB w="12700" cap="flat" cmpd="sng" algn="ctr">
-                      <a:noFill/>
-                      <a:prstDash val="solid"/>
-                      <a:round/>
-                      <a:headEnd type="none" w="med" len="med"/>
-                      <a:tailEnd type="none" w="med" len="med"/>
-                    </a:lnB>
-                    <a:lnTlToBr w="12700" cmpd="sng">
-                      <a:noFill/>
-                      <a:prstDash val="solid"/>
-                    </a:lnTlToBr>
-                    <a:lnBlToTr w="12700" cmpd="sng">
-                      <a:noFill/>
-                      <a:prstDash val="solid"/>
-                    </a:lnBlToTr>
-                  </a:tcPr>
-                </a:tc>
-                <a:tc>
-                  <a:txBody>
-                    <a:bodyPr/>
-                    <a:lstStyle/>
-                    <a:p>
-                      <a:endParaRPr lang="en-US" sz="1200" dirty="0"/>
-                    </a:p>
-                  </a:txBody>
-                  <a:tcPr>
-                    <a:lnL w="12700" cmpd="sng">
-                      <a:noFill/>
-                    </a:lnL>
-                    <a:lnR w="12700" cmpd="sng">
-                      <a:noFill/>
-                    </a:lnR>
-                    <a:lnT w="12700" cmpd="sng">
-                      <a:noFill/>
-                    </a:lnT>
-                    <a:lnB w="12700" cap="flat" cmpd="sng" algn="ctr">
-                      <a:noFill/>
-                      <a:prstDash val="solid"/>
-                      <a:round/>
-                      <a:headEnd type="none" w="med" len="med"/>
-                      <a:tailEnd type="none" w="med" len="med"/>
-                    </a:lnB>
-                    <a:lnTlToBr w="12700" cmpd="sng">
-                      <a:noFill/>
-                      <a:prstDash val="solid"/>
-                    </a:lnTlToBr>
-                    <a:lnBlToTr w="12700" cmpd="sng">
-                      <a:noFill/>
-                      <a:prstDash val="solid"/>
-                    </a:lnBlToTr>
-                  </a:tcPr>
-                </a:tc>
-                <a:tc>
-                  <a:txBody>
-                    <a:bodyPr/>
-                    <a:lstStyle/>
-                    <a:p>
-                      <a:endParaRPr lang="en-US" sz="1200" dirty="0"/>
-                    </a:p>
-                  </a:txBody>
-                  <a:tcPr>
-                    <a:lnL w="12700" cmpd="sng">
-                      <a:noFill/>
-                    </a:lnL>
-                    <a:lnR w="12700" cmpd="sng">
-                      <a:noFill/>
-                    </a:lnR>
-                    <a:lnT w="12700" cmpd="sng">
-                      <a:noFill/>
-                    </a:lnT>
-                    <a:lnB w="12700" cap="flat" cmpd="sng" algn="ctr">
-                      <a:noFill/>
-                      <a:prstDash val="solid"/>
-                      <a:round/>
-                      <a:headEnd type="none" w="med" len="med"/>
-                      <a:tailEnd type="none" w="med" len="med"/>
-                    </a:lnB>
-                    <a:lnTlToBr w="12700" cmpd="sng">
-                      <a:noFill/>
-                      <a:prstDash val="solid"/>
-                    </a:lnTlToBr>
-                    <a:lnBlToTr w="12700" cmpd="sng">
-                      <a:noFill/>
-                      <a:prstDash val="solid"/>
-                    </a:lnBlToTr>
-                  </a:tcPr>
-                </a:tc>
-                <a:extLst>
-                  <a:ext uri="{0D108BD9-81ED-4DB2-BD59-A6C34878D82A}">
-                    <a16:rowId xmlns:a16="http://schemas.microsoft.com/office/drawing/2014/main" val="1393980410"/>
-                  </a:ext>
-                </a:extLst>
-              </a:tr>
-              <a:tr h="370840">
-                <a:tc>
-                  <a:txBody>
-                    <a:bodyPr/>
-                    <a:lstStyle/>
-                    <a:p>
-                      <a:r>
-                        <a:rPr lang="en-US" sz="1200" dirty="0" smtClean="0"/>
-                        <a:t>10 Dec</a:t>
-                      </a:r>
-                      <a:endParaRPr lang="en-US" sz="1200" dirty="0"/>
-                    </a:p>
-                  </a:txBody>
-                  <a:tcPr>
-                    <a:lnL w="12700" cmpd="sng">
-                      <a:noFill/>
-                    </a:lnL>
-                    <a:lnR w="12700" cmpd="sng">
-                      <a:noFill/>
-                    </a:lnR>
-                    <a:lnT w="12700" cmpd="sng">
-                      <a:noFill/>
-                    </a:lnT>
-                    <a:lnB w="12700" cap="flat" cmpd="sng" algn="ctr">
-                      <a:solidFill>
-                        <a:schemeClr val="tx1"/>
-                      </a:solidFill>
-                      <a:prstDash val="solid"/>
-                      <a:round/>
-                      <a:headEnd type="none" w="med" len="med"/>
-                      <a:tailEnd type="none" w="med" len="med"/>
-                    </a:lnB>
-                    <a:lnTlToBr w="12700" cmpd="sng">
-                      <a:noFill/>
-                      <a:prstDash val="solid"/>
-                    </a:lnTlToBr>
-                    <a:lnBlToTr w="12700" cmpd="sng">
-                      <a:noFill/>
-                      <a:prstDash val="solid"/>
-                    </a:lnBlToTr>
-                  </a:tcPr>
-                </a:tc>
-                <a:tc>
-                  <a:txBody>
-                    <a:bodyPr/>
-                    <a:lstStyle/>
-                    <a:p>
-                      <a:endParaRPr lang="en-US" sz="1200" dirty="0"/>
-                    </a:p>
-                  </a:txBody>
-                  <a:tcPr>
-                    <a:lnL w="12700" cmpd="sng">
-                      <a:noFill/>
-                    </a:lnL>
-                    <a:lnR w="12700" cmpd="sng">
-                      <a:noFill/>
-                    </a:lnR>
-                    <a:lnT w="12700" cmpd="sng">
-                      <a:noFill/>
-                    </a:lnT>
-                    <a:lnB w="12700" cap="flat" cmpd="sng" algn="ctr">
-                      <a:solidFill>
-                        <a:schemeClr val="tx1"/>
-                      </a:solidFill>
-                      <a:prstDash val="solid"/>
-                      <a:round/>
-                      <a:headEnd type="none" w="med" len="med"/>
-                      <a:tailEnd type="none" w="med" len="med"/>
-                    </a:lnB>
-                    <a:lnTlToBr w="12700" cmpd="sng">
-                      <a:noFill/>
-                      <a:prstDash val="solid"/>
-                    </a:lnTlToBr>
-                    <a:lnBlToTr w="12700" cmpd="sng">
-                      <a:noFill/>
-                      <a:prstDash val="solid"/>
-                    </a:lnBlToTr>
-                  </a:tcPr>
-                </a:tc>
-                <a:tc>
-                  <a:txBody>
-                    <a:bodyPr/>
-                    <a:lstStyle/>
-                    <a:p>
-                      <a:endParaRPr lang="en-US" sz="1200" dirty="0"/>
-                    </a:p>
-                  </a:txBody>
-                  <a:tcPr>
-                    <a:lnL w="12700" cmpd="sng">
-                      <a:noFill/>
-                    </a:lnL>
-                    <a:lnR w="12700" cmpd="sng">
-                      <a:noFill/>
-                    </a:lnR>
-                    <a:lnT w="12700" cmpd="sng">
-                      <a:noFill/>
-                    </a:lnT>
-                    <a:lnB w="12700" cap="flat" cmpd="sng" algn="ctr">
-                      <a:solidFill>
-                        <a:schemeClr val="tx1"/>
-                      </a:solidFill>
-                      <a:prstDash val="solid"/>
-                      <a:round/>
-                      <a:headEnd type="none" w="med" len="med"/>
-                      <a:tailEnd type="none" w="med" len="med"/>
-                    </a:lnB>
-                    <a:lnTlToBr w="12700" cmpd="sng">
-                      <a:noFill/>
-                      <a:prstDash val="solid"/>
-                    </a:lnTlToBr>
-                    <a:lnBlToTr w="12700" cmpd="sng">
-                      <a:noFill/>
-                      <a:prstDash val="solid"/>
-                    </a:lnBlToTr>
-                  </a:tcPr>
-                </a:tc>
-                <a:extLst>
-                  <a:ext uri="{0D108BD9-81ED-4DB2-BD59-A6C34878D82A}">
-                    <a16:rowId xmlns:a16="http://schemas.microsoft.com/office/drawing/2014/main" val="2812435033"/>
-                  </a:ext>
-                </a:extLst>
-              </a:tr>
             </a:tbl>
           </a:graphicData>
         </a:graphic>
@@ -7212,146 +6726,6 @@
             <p:ph idx="1"/>
           </p:nvPr>
         </p:nvSpPr>
-        <p:spPr/>
-        <p:txBody>
-          <a:bodyPr/>
-          <a:lstStyle/>
-          <a:p>
-            <a:endParaRPr lang="en-US"/>
-          </a:p>
-        </p:txBody>
-      </p:sp>
-      <p:sp>
-        <p:nvSpPr>
-          <p:cNvPr id="3" name="Date Placeholder 2"/>
-          <p:cNvSpPr>
-            <a:spLocks noGrp="1"/>
-          </p:cNvSpPr>
-          <p:nvPr>
-            <p:ph type="dt" sz="half" idx="10"/>
-          </p:nvPr>
-        </p:nvSpPr>
-        <p:spPr/>
-        <p:txBody>
-          <a:bodyPr/>
-          <a:lstStyle/>
-          <a:p>
-            <a:fld id="{FF15E650-2C9B-4E22-B544-79A90AB3DDC1}" type="datetime1">
-              <a:rPr lang="de-DE" smtClean="0"/>
-              <a:t>29.11.2022</a:t>
-            </a:fld>
-            <a:endParaRPr lang="de-DE"/>
-          </a:p>
-        </p:txBody>
-      </p:sp>
-      <p:sp>
-        <p:nvSpPr>
-          <p:cNvPr id="4" name="Footer Placeholder 3"/>
-          <p:cNvSpPr>
-            <a:spLocks noGrp="1"/>
-          </p:cNvSpPr>
-          <p:nvPr>
-            <p:ph type="ftr" sz="quarter" idx="11"/>
-          </p:nvPr>
-        </p:nvSpPr>
-        <p:spPr/>
-        <p:txBody>
-          <a:bodyPr/>
-          <a:lstStyle/>
-          <a:p>
-            <a:r>
-              <a:rPr lang="de-DE" smtClean="0"/>
-              <a:t>Shinde, Rhythima</a:t>
-            </a:r>
-            <a:endParaRPr lang="de-DE"/>
-          </a:p>
-        </p:txBody>
-      </p:sp>
-      <p:sp>
-        <p:nvSpPr>
-          <p:cNvPr id="5" name="Slide Number Placeholder 4"/>
-          <p:cNvSpPr>
-            <a:spLocks noGrp="1"/>
-          </p:cNvSpPr>
-          <p:nvPr>
-            <p:ph type="sldNum" sz="quarter" idx="12"/>
-          </p:nvPr>
-        </p:nvSpPr>
-        <p:spPr/>
-        <p:txBody>
-          <a:bodyPr/>
-          <a:lstStyle/>
-          <a:p>
-            <a:fld id="{6C6AE60A-B69C-4790-82F7-3882EDF23186}" type="slidenum">
-              <a:rPr lang="de-DE" smtClean="0"/>
-              <a:t>4</a:t>
-            </a:fld>
-            <a:endParaRPr lang="de-DE"/>
-          </a:p>
-        </p:txBody>
-      </p:sp>
-      <p:sp>
-        <p:nvSpPr>
-          <p:cNvPr id="6" name="Title 5"/>
-          <p:cNvSpPr>
-            <a:spLocks noGrp="1"/>
-          </p:cNvSpPr>
-          <p:nvPr>
-            <p:ph type="title"/>
-          </p:nvPr>
-        </p:nvSpPr>
-        <p:spPr/>
-        <p:txBody>
-          <a:bodyPr/>
-          <a:lstStyle/>
-          <a:p>
-            <a:endParaRPr lang="en-US"/>
-          </a:p>
-        </p:txBody>
-      </p:sp>
-    </p:spTree>
-    <p:extLst>
-      <p:ext uri="{BB962C8B-B14F-4D97-AF65-F5344CB8AC3E}">
-        <p14:creationId xmlns:p14="http://schemas.microsoft.com/office/powerpoint/2010/main" val="195212479"/>
-      </p:ext>
-    </p:extLst>
-  </p:cSld>
-  <p:clrMapOvr>
-    <a:masterClrMapping/>
-  </p:clrMapOvr>
-  <p:transition>
-    <p:fade/>
-  </p:transition>
-</p:sld>
-</file>
-
-<file path=ppt/slides/slide5.xml><?xml version="1.0" encoding="utf-8"?>
-<p:sld xmlns:a="http://schemas.openxmlformats.org/drawingml/2006/main" xmlns:r="http://schemas.openxmlformats.org/officeDocument/2006/relationships" xmlns:p="http://schemas.openxmlformats.org/presentationml/2006/main">
-  <p:cSld>
-    <p:spTree>
-      <p:nvGrpSpPr>
-        <p:cNvPr id="1" name=""/>
-        <p:cNvGrpSpPr/>
-        <p:nvPr/>
-      </p:nvGrpSpPr>
-      <p:grpSpPr>
-        <a:xfrm>
-          <a:off x="0" y="0"/>
-          <a:ext cx="0" cy="0"/>
-          <a:chOff x="0" y="0"/>
-          <a:chExt cx="0" cy="0"/>
-        </a:xfrm>
-      </p:grpSpPr>
-      <p:sp>
-        <p:nvSpPr>
-          <p:cNvPr id="2" name="Content Placeholder 1"/>
-          <p:cNvSpPr>
-            <a:spLocks noGrp="1"/>
-          </p:cNvSpPr>
-          <p:nvPr>
-            <p:ph idx="1"/>
-          </p:nvPr>
-        </p:nvSpPr>
         <p:spPr>
           <a:xfrm>
             <a:off x="323850" y="2552116"/>
@@ -7464,7 +6838,7 @@
           <a:p>
             <a:fld id="{6C6AE60A-B69C-4790-82F7-3882EDF23186}" type="slidenum">
               <a:rPr lang="de-DE" smtClean="0"/>
-              <a:t>5</a:t>
+              <a:t>4</a:t>
             </a:fld>
             <a:endParaRPr lang="de-DE"/>
           </a:p>
@@ -7550,7 +6924,7 @@
 </p:sld>
 </file>
 
-<file path=ppt/slides/slide6.xml><?xml version="1.0" encoding="utf-8"?>
+<file path=ppt/slides/slide5.xml><?xml version="1.0" encoding="utf-8"?>
 <p:sld xmlns:a="http://schemas.openxmlformats.org/drawingml/2006/main" xmlns:r="http://schemas.openxmlformats.org/officeDocument/2006/relationships" xmlns:p="http://schemas.openxmlformats.org/presentationml/2006/main">
   <p:cSld>
     <p:spTree>
@@ -7630,7 +7004,7 @@
           <a:p>
             <a:fld id="{6C6AE60A-B69C-4790-82F7-3882EDF23186}" type="slidenum">
               <a:rPr lang="de-DE" smtClean="0"/>
-              <a:t>6</a:t>
+              <a:t>5</a:t>
             </a:fld>
             <a:endParaRPr lang="de-DE"/>
           </a:p>
@@ -7760,7 +7134,7 @@
 </p:sld>
 </file>
 
-<file path=ppt/slides/slide7.xml><?xml version="1.0" encoding="utf-8"?>
+<file path=ppt/slides/slide6.xml><?xml version="1.0" encoding="utf-8"?>
 <p:sld xmlns:a="http://schemas.openxmlformats.org/drawingml/2006/main" xmlns:r="http://schemas.openxmlformats.org/officeDocument/2006/relationships" xmlns:p="http://schemas.openxmlformats.org/presentationml/2006/main">
   <p:cSld>
     <p:spTree>
@@ -7859,7 +7233,7 @@
           <a:p>
             <a:fld id="{6C6AE60A-B69C-4790-82F7-3882EDF23186}" type="slidenum">
               <a:rPr lang="de-DE" smtClean="0"/>
-              <a:t>7</a:t>
+              <a:t>6</a:t>
             </a:fld>
             <a:endParaRPr lang="de-DE"/>
           </a:p>
@@ -8100,7 +7474,7 @@
 </p:sld>
 </file>
 
-<file path=ppt/slides/slide8.xml><?xml version="1.0" encoding="utf-8"?>
+<file path=ppt/slides/slide7.xml><?xml version="1.0" encoding="utf-8"?>
 <p:sld xmlns:a="http://schemas.openxmlformats.org/drawingml/2006/main" xmlns:r="http://schemas.openxmlformats.org/officeDocument/2006/relationships" xmlns:p="http://schemas.openxmlformats.org/presentationml/2006/main">
   <p:cSld>
     <p:spTree>
@@ -8205,7 +7579,7 @@
           <a:p>
             <a:fld id="{6C6AE60A-B69C-4790-82F7-3882EDF23186}" type="slidenum">
               <a:rPr lang="de-DE" smtClean="0"/>
-              <a:t>8</a:t>
+              <a:t>7</a:t>
             </a:fld>
             <a:endParaRPr lang="de-DE"/>
           </a:p>
@@ -8273,7 +7647,7 @@
 </p:sld>
 </file>
 
-<file path=ppt/slides/slide9.xml><?xml version="1.0" encoding="utf-8"?>
+<file path=ppt/slides/slide8.xml><?xml version="1.0" encoding="utf-8"?>
 <p:sld xmlns:a="http://schemas.openxmlformats.org/drawingml/2006/main" xmlns:r="http://schemas.openxmlformats.org/officeDocument/2006/relationships" xmlns:p="http://schemas.openxmlformats.org/presentationml/2006/main">
   <p:cSld>
     <p:spTree>
@@ -8382,7 +7756,7 @@
           <a:p>
             <a:fld id="{6C6AE60A-B69C-4790-82F7-3882EDF23186}" type="slidenum">
               <a:rPr lang="de-DE" smtClean="0"/>
-              <a:t>9</a:t>
+              <a:t>8</a:t>
             </a:fld>
             <a:endParaRPr lang="de-DE"/>
           </a:p>
@@ -8485,6 +7859,137 @@
     <p:extLst>
       <p:ext uri="{BB962C8B-B14F-4D97-AF65-F5344CB8AC3E}">
         <p14:creationId xmlns:p14="http://schemas.microsoft.com/office/powerpoint/2010/main" val="350331564"/>
+      </p:ext>
+    </p:extLst>
+  </p:cSld>
+  <p:clrMapOvr>
+    <a:masterClrMapping/>
+  </p:clrMapOvr>
+  <p:transition>
+    <p:fade/>
+  </p:transition>
+</p:sld>
+</file>
+
+<file path=ppt/slides/slide9.xml><?xml version="1.0" encoding="utf-8"?>
+<p:sld xmlns:a="http://schemas.openxmlformats.org/drawingml/2006/main" xmlns:r="http://schemas.openxmlformats.org/officeDocument/2006/relationships" xmlns:p="http://schemas.openxmlformats.org/presentationml/2006/main" show="0">
+  <p:cSld>
+    <p:spTree>
+      <p:nvGrpSpPr>
+        <p:cNvPr id="1" name=""/>
+        <p:cNvGrpSpPr/>
+        <p:nvPr/>
+      </p:nvGrpSpPr>
+      <p:grpSpPr>
+        <a:xfrm>
+          <a:off x="0" y="0"/>
+          <a:ext cx="0" cy="0"/>
+          <a:chOff x="0" y="0"/>
+          <a:chExt cx="0" cy="0"/>
+        </a:xfrm>
+      </p:grpSpPr>
+      <p:pic>
+        <p:nvPicPr>
+          <p:cNvPr id="7" name="Content Placeholder 6"/>
+          <p:cNvPicPr>
+            <a:picLocks noGrp="1" noChangeAspect="1"/>
+          </p:cNvPicPr>
+          <p:nvPr>
+            <p:ph idx="1"/>
+          </p:nvPr>
+        </p:nvPicPr>
+        <p:blipFill>
+          <a:blip r:embed="rId2" cstate="print">
+            <a:extLst>
+              <a:ext uri="{28A0092B-C50C-407E-A947-70E740481C1C}">
+                <a14:useLocalDpi xmlns:a14="http://schemas.microsoft.com/office/drawing/2010/main" val="0"/>
+              </a:ext>
+            </a:extLst>
+          </a:blip>
+          <a:stretch>
+            <a:fillRect/>
+          </a:stretch>
+        </p:blipFill>
+        <p:spPr>
+          <a:xfrm>
+            <a:off x="283880" y="620714"/>
+            <a:ext cx="8576239" cy="5663472"/>
+          </a:xfrm>
+        </p:spPr>
+      </p:pic>
+      <p:sp>
+        <p:nvSpPr>
+          <p:cNvPr id="3" name="Date Placeholder 2"/>
+          <p:cNvSpPr>
+            <a:spLocks noGrp="1"/>
+          </p:cNvSpPr>
+          <p:nvPr>
+            <p:ph type="dt" sz="half" idx="10"/>
+          </p:nvPr>
+        </p:nvSpPr>
+        <p:spPr/>
+        <p:txBody>
+          <a:bodyPr/>
+          <a:lstStyle/>
+          <a:p>
+            <a:fld id="{FF15E650-2C9B-4E22-B544-79A90AB3DDC1}" type="datetime1">
+              <a:rPr lang="de-DE" smtClean="0"/>
+              <a:t>29.11.2022</a:t>
+            </a:fld>
+            <a:endParaRPr lang="de-DE"/>
+          </a:p>
+        </p:txBody>
+      </p:sp>
+      <p:sp>
+        <p:nvSpPr>
+          <p:cNvPr id="4" name="Footer Placeholder 3"/>
+          <p:cNvSpPr>
+            <a:spLocks noGrp="1"/>
+          </p:cNvSpPr>
+          <p:nvPr>
+            <p:ph type="ftr" sz="quarter" idx="11"/>
+          </p:nvPr>
+        </p:nvSpPr>
+        <p:spPr/>
+        <p:txBody>
+          <a:bodyPr/>
+          <a:lstStyle/>
+          <a:p>
+            <a:r>
+              <a:rPr lang="de-DE" smtClean="0"/>
+              <a:t>Shinde, Rhythima</a:t>
+            </a:r>
+            <a:endParaRPr lang="de-DE"/>
+          </a:p>
+        </p:txBody>
+      </p:sp>
+      <p:sp>
+        <p:nvSpPr>
+          <p:cNvPr id="5" name="Slide Number Placeholder 4"/>
+          <p:cNvSpPr>
+            <a:spLocks noGrp="1"/>
+          </p:cNvSpPr>
+          <p:nvPr>
+            <p:ph type="sldNum" sz="quarter" idx="12"/>
+          </p:nvPr>
+        </p:nvSpPr>
+        <p:spPr/>
+        <p:txBody>
+          <a:bodyPr/>
+          <a:lstStyle/>
+          <a:p>
+            <a:fld id="{6C6AE60A-B69C-4790-82F7-3882EDF23186}" type="slidenum">
+              <a:rPr lang="de-DE" smtClean="0"/>
+              <a:t>9</a:t>
+            </a:fld>
+            <a:endParaRPr lang="de-DE"/>
+          </a:p>
+        </p:txBody>
+      </p:sp>
+    </p:spTree>
+    <p:extLst>
+      <p:ext uri="{BB962C8B-B14F-4D97-AF65-F5344CB8AC3E}">
+        <p14:creationId xmlns:p14="http://schemas.microsoft.com/office/powerpoint/2010/main" val="3440191758"/>
       </p:ext>
     </p:extLst>
   </p:cSld>

--- a/final/Discussion_paper.pptx
+++ b/final/Discussion_paper.pptx
@@ -4500,14 +4500,14 @@
             <p:ph idx="1"/>
             <p:extLst>
               <p:ext uri="{D42A27DB-BD31-4B8C-83A1-F6EECF244321}">
-                <p14:modId xmlns:p14="http://schemas.microsoft.com/office/powerpoint/2010/main" val="2909653494"/>
+                <p14:modId xmlns:p14="http://schemas.microsoft.com/office/powerpoint/2010/main" val="370343903"/>
               </p:ext>
             </p:extLst>
           </p:nvPr>
         </p:nvGraphicFramePr>
         <p:xfrm>
-          <a:off x="396751" y="1473326"/>
-          <a:ext cx="8496300" cy="3769234"/>
+          <a:off x="396751" y="1473325"/>
+          <a:ext cx="8496300" cy="4238119"/>
         </p:xfrm>
         <a:graphic>
           <a:graphicData uri="http://schemas.openxmlformats.org/drawingml/2006/table">
@@ -4516,14 +4516,14 @@
                 <a:tableStyleId>{5C22544A-7EE6-4342-B048-85BDC9FD1C3A}</a:tableStyleId>
               </a:tblPr>
               <a:tblGrid>
-                <a:gridCol w="1122169">
+                <a:gridCol w="1246419">
                   <a:extLst>
                     <a:ext uri="{9D8B030D-6E8A-4147-A177-3AD203B41FA5}">
                       <a16:colId xmlns:a16="http://schemas.microsoft.com/office/drawing/2014/main" val="3156209168"/>
                     </a:ext>
                   </a:extLst>
                 </a:gridCol>
-                <a:gridCol w="4952218">
+                <a:gridCol w="4827968">
                   <a:extLst>
                     <a:ext uri="{9D8B030D-6E8A-4147-A177-3AD203B41FA5}">
                       <a16:colId xmlns:a16="http://schemas.microsoft.com/office/drawing/2014/main" val="2104013299"/>
@@ -4538,7 +4538,7 @@
                   </a:extLst>
                 </a:gridCol>
               </a:tblGrid>
-              <a:tr h="370840">
+              <a:tr h="407006">
                 <a:tc>
                   <a:txBody>
                     <a:bodyPr/>
@@ -4603,7 +4603,7 @@
                   </a:ext>
                 </a:extLst>
               </a:tr>
-              <a:tr h="370840">
+              <a:tr h="553486">
                 <a:tc>
                   <a:txBody>
                     <a:bodyPr/>
@@ -4666,9 +4666,16 @@
                         <a:rPr lang="en-US" sz="1200" baseline="0" dirty="0" smtClean="0"/>
                         <a:t> </a:t>
                       </a:r>
+                      <a:endParaRPr lang="en-US" sz="1200" baseline="0" dirty="0" smtClean="0"/>
+                    </a:p>
+                    <a:p>
                       <a:r>
                         <a:rPr lang="en-US" sz="1200" dirty="0" smtClean="0"/>
-                        <a:t>Section 2.1</a:t>
+                        <a:t>Section </a:t>
+                      </a:r>
+                      <a:r>
+                        <a:rPr lang="en-US" sz="1200" dirty="0" smtClean="0"/>
+                        <a:t>2.1</a:t>
                       </a:r>
                       <a:r>
                         <a:rPr lang="en-US" sz="1200" baseline="0" dirty="0" smtClean="0"/>
@@ -4689,7 +4696,7 @@
                   </a:ext>
                 </a:extLst>
               </a:tr>
-              <a:tr h="838074">
+              <a:tr h="969401">
                 <a:tc>
                   <a:txBody>
                     <a:bodyPr/>
@@ -4788,11 +4795,7 @@
                       </a:pPr>
                       <a:r>
                         <a:rPr lang="en-US" sz="1200" strike="sngStrike" baseline="0" dirty="0" smtClean="0"/>
-                        <a:t>Check </a:t>
-                      </a:r>
-                      <a:r>
-                        <a:rPr lang="en-US" sz="1200" strike="sngStrike" baseline="0" dirty="0" smtClean="0"/>
-                        <a:t>figure 2 and add all available buildings</a:t>
+                        <a:t>Check figure 2 and add all available buildings</a:t>
                       </a:r>
                     </a:p>
                     <a:p>
@@ -4815,13 +4818,8 @@
                       </a:pPr>
                       <a:r>
                         <a:rPr lang="en-US" sz="1200" strike="sngStrike" baseline="0" dirty="0" smtClean="0"/>
-                        <a:t>Check, maybe remove Table </a:t>
+                        <a:t>Check, maybe remove Table 3 </a:t>
                       </a:r>
-                      <a:r>
-                        <a:rPr lang="en-US" sz="1200" strike="sngStrike" baseline="0" dirty="0" smtClean="0"/>
-                        <a:t>3 </a:t>
-                      </a:r>
-                      <a:endParaRPr lang="en-US" sz="1200" strike="sngStrike" baseline="0" dirty="0" smtClean="0"/>
                     </a:p>
                   </a:txBody>
                   <a:tcPr>
@@ -4865,7 +4863,7 @@
                   </a:ext>
                 </a:extLst>
               </a:tr>
-              <a:tr h="370840">
+              <a:tr h="1103934">
                 <a:tc>
                   <a:txBody>
                     <a:bodyPr/>
@@ -4987,8 +4985,16 @@
                         <a:defRPr/>
                       </a:pPr>
                       <a:r>
-                        <a:rPr lang="en-US" sz="1200" baseline="0" dirty="0" smtClean="0"/>
-                        <a:t>Move SI to excel </a:t>
+                        <a:rPr lang="en-US" sz="1200" strike="sngStrike" baseline="0" dirty="0" smtClean="0"/>
+                        <a:t>Fix </a:t>
+                      </a:r>
+                      <a:r>
+                        <a:rPr lang="en-US" sz="1200" strike="sngStrike" baseline="0" dirty="0" smtClean="0"/>
+                        <a:t>Table 2 (move to </a:t>
+                      </a:r>
+                      <a:r>
+                        <a:rPr lang="en-US" sz="1200" strike="sngStrike" baseline="0" dirty="0" smtClean="0"/>
+                        <a:t>SI) </a:t>
                       </a:r>
                     </a:p>
                     <a:p>
@@ -5011,9 +5017,8 @@
                       </a:pPr>
                       <a:r>
                         <a:rPr lang="en-US" sz="1200" strike="sngStrike" baseline="0" dirty="0" smtClean="0"/>
-                        <a:t>Fix Table 2 (move to SI)</a:t>
+                        <a:t>Move SI to excel </a:t>
                       </a:r>
-                      <a:endParaRPr lang="en-US" sz="1200" strike="sngStrike" baseline="0" dirty="0" smtClean="0"/>
                     </a:p>
                   </a:txBody>
                   <a:tcPr>
@@ -5027,7 +5032,7 @@
                       <a:tailEnd type="none" w="med" len="med"/>
                     </a:lnT>
                     <a:solidFill>
-                      <a:srgbClr val="FFFF00"/>
+                      <a:srgbClr val="92D050"/>
                     </a:solidFill>
                   </a:tcPr>
                 </a:tc>
@@ -5071,7 +5076,7 @@
                   </a:ext>
                 </a:extLst>
               </a:tr>
-              <a:tr h="370840">
+              <a:tr h="501788">
                 <a:tc>
                   <a:txBody>
                     <a:bodyPr/>
@@ -5079,7 +5084,15 @@
                     <a:p>
                       <a:r>
                         <a:rPr lang="en-US" sz="1200" dirty="0" smtClean="0"/>
-                        <a:t>29 Nov (+ backlog 28)</a:t>
+                        <a:t>29 Nov </a:t>
+                      </a:r>
+                      <a:r>
+                        <a:rPr lang="en-US" sz="1200" dirty="0" smtClean="0"/>
+                        <a:t>          (+backlog </a:t>
+                      </a:r>
+                      <a:r>
+                        <a:rPr lang="en-US" sz="1200" dirty="0" smtClean="0"/>
+                        <a:t>28)</a:t>
                       </a:r>
                       <a:endParaRPr lang="en-US" sz="1200" dirty="0"/>
                     </a:p>
@@ -5150,13 +5163,8 @@
                       </a:r>
                       <a:r>
                         <a:rPr lang="en-US" sz="1200" baseline="0" dirty="0" smtClean="0"/>
-                        <a:t> </a:t>
+                        <a:t> Section 2.2.2. Calculate U Values </a:t>
                       </a:r>
-                      <a:r>
-                        <a:rPr lang="en-US" sz="1200" baseline="0" dirty="0" smtClean="0"/>
-                        <a:t>Section 2.2.2. Calculate U Values </a:t>
-                      </a:r>
-                      <a:endParaRPr lang="en-US" sz="1200" baseline="0" dirty="0" smtClean="0"/>
                     </a:p>
                   </a:txBody>
                   <a:tcPr/>
@@ -5185,18 +5193,19 @@
                       </a:pPr>
                       <a:r>
                         <a:rPr lang="en-US" sz="1200" dirty="0" smtClean="0"/>
-                        <a:t>Sasha checks</a:t>
+                        <a:t>Sasha </a:t>
+                      </a:r>
+                      <a:r>
+                        <a:rPr lang="en-US" sz="1200" dirty="0" smtClean="0"/>
+                        <a:t>checks</a:t>
                       </a:r>
                       <a:r>
                         <a:rPr lang="en-US" sz="1200" baseline="0" dirty="0" smtClean="0"/>
-                        <a:t>, 2.2.2</a:t>
+                        <a:t> 2.2.2, </a:t>
                       </a:r>
-                      <a:endParaRPr lang="en-US" sz="1200" dirty="0" smtClean="0"/>
-                    </a:p>
-                    <a:p>
                       <a:r>
                         <a:rPr lang="en-US" sz="1200" dirty="0" smtClean="0"/>
-                        <a:t> 2.2.3</a:t>
+                        <a:t>2.2.3</a:t>
                       </a:r>
                       <a:endParaRPr lang="en-US" sz="1200" dirty="0"/>
                     </a:p>
@@ -5209,7 +5218,7 @@
                   </a:ext>
                 </a:extLst>
               </a:tr>
-              <a:tr h="370840">
+              <a:tr h="702504">
                 <a:tc>
                   <a:txBody>
                     <a:bodyPr/>
@@ -5217,7 +5226,11 @@
                     <a:p>
                       <a:r>
                         <a:rPr lang="en-US" sz="1200" dirty="0" smtClean="0"/>
-                        <a:t>30 Nov</a:t>
+                        <a:t>30 </a:t>
+                      </a:r>
+                      <a:r>
+                        <a:rPr lang="en-US" sz="1200" dirty="0" smtClean="0"/>
+                        <a:t>Nov </a:t>
                       </a:r>
                       <a:endParaRPr lang="en-US" sz="1200" dirty="0"/>
                     </a:p>
@@ -5285,18 +5298,7 @@
                           <a:ea typeface="+mn-ea"/>
                           <a:cs typeface="+mn-cs"/>
                         </a:rPr>
-                        <a:t>Figure </a:t>
-                      </a:r>
-                      <a:r>
-                        <a:rPr lang="en-US" sz="1200" kern="1200" dirty="0" smtClean="0">
-                          <a:solidFill>
-                            <a:schemeClr val="dk1"/>
-                          </a:solidFill>
-                          <a:latin typeface="+mn-lt"/>
-                          <a:ea typeface="+mn-ea"/>
-                          <a:cs typeface="+mn-cs"/>
-                        </a:rPr>
-                        <a:t>1 + new: Ventilation flow chart concept </a:t>
+                        <a:t>Figure 1 + new: Ventilation flow chart concept </a:t>
                       </a:r>
                     </a:p>
                     <a:p>
@@ -5326,27 +5328,8 @@
                           <a:ea typeface="+mn-ea"/>
                           <a:cs typeface="+mn-cs"/>
                         </a:rPr>
-                        <a:t>Finish </a:t>
+                        <a:t>Finish Section 2.2.3 Space heating demand </a:t>
                       </a:r>
-                      <a:r>
-                        <a:rPr lang="en-US" sz="1200" kern="1200" dirty="0" smtClean="0">
-                          <a:solidFill>
-                            <a:schemeClr val="dk1"/>
-                          </a:solidFill>
-                          <a:latin typeface="+mn-lt"/>
-                          <a:ea typeface="+mn-ea"/>
-                          <a:cs typeface="+mn-cs"/>
-                        </a:rPr>
-                        <a:t>Section 2.2.3 Space heating demand </a:t>
-                      </a:r>
-                      <a:endParaRPr lang="en-US" sz="1200" kern="1200" dirty="0" smtClean="0">
-                        <a:solidFill>
-                          <a:schemeClr val="dk1"/>
-                        </a:solidFill>
-                        <a:latin typeface="+mn-lt"/>
-                        <a:ea typeface="+mn-ea"/>
-                        <a:cs typeface="+mn-cs"/>
-                      </a:endParaRPr>
                     </a:p>
                   </a:txBody>
                   <a:tcPr/>
@@ -6132,7 +6115,6 @@
                         <a:rPr lang="en-US" sz="1200" baseline="0" dirty="0" smtClean="0"/>
                         <a:t>check model scenario setup: Figure 5 </a:t>
                       </a:r>
-                      <a:endParaRPr lang="en-US" sz="1200" baseline="0" dirty="0" smtClean="0"/>
                     </a:p>
                   </a:txBody>
                   <a:tcPr>

--- a/final/Discussion_paper.pptx
+++ b/final/Discussion_paper.pptx
@@ -287,7 +287,7 @@
           <a:p>
             <a:fld id="{BCDB334D-D17F-49C4-91DD-37BB7E818209}" type="datetimeFigureOut">
               <a:rPr lang="de-CH" smtClean="0"/>
-              <a:t>29.11.2022</a:t>
+              <a:t>30.11.2022</a:t>
             </a:fld>
             <a:endParaRPr lang="de-CH"/>
           </a:p>
@@ -712,7 +712,7 @@
           <a:p>
             <a:fld id="{3CF37669-2BCF-46DA-B042-E354827809F7}" type="datetime1">
               <a:rPr lang="de-DE" smtClean="0"/>
-              <a:t>29.11.2022</a:t>
+              <a:t>30.11.2022</a:t>
             </a:fld>
             <a:endParaRPr lang="de-DE"/>
           </a:p>
@@ -941,7 +941,7 @@
           <a:p>
             <a:fld id="{DD0AF57A-3629-4D20-9CDE-C9CA7A3667AA}" type="datetime1">
               <a:rPr lang="de-DE" smtClean="0"/>
-              <a:t>29.11.2022</a:t>
+              <a:t>30.11.2022</a:t>
             </a:fld>
             <a:endParaRPr lang="de-DE"/>
           </a:p>
@@ -1213,7 +1213,7 @@
           <a:p>
             <a:fld id="{A02690AB-37C5-464E-B999-AEA04CFF82B9}" type="datetime1">
               <a:rPr lang="de-DE" smtClean="0"/>
-              <a:t>29.11.2022</a:t>
+              <a:t>30.11.2022</a:t>
             </a:fld>
             <a:endParaRPr lang="de-DE" dirty="0"/>
           </a:p>
@@ -1522,7 +1522,7 @@
           <a:p>
             <a:fld id="{D6387CFC-9D6A-4A2B-A4A9-D1A02656E42F}" type="datetime1">
               <a:rPr lang="de-DE" smtClean="0"/>
-              <a:t>29.11.2022</a:t>
+              <a:t>30.11.2022</a:t>
             </a:fld>
             <a:endParaRPr lang="de-DE"/>
           </a:p>
@@ -2126,7 +2126,7 @@
           <a:p>
             <a:fld id="{FF15E650-2C9B-4E22-B544-79A90AB3DDC1}" type="datetime1">
               <a:rPr lang="de-DE" smtClean="0"/>
-              <a:t>29.11.2022</a:t>
+              <a:t>30.11.2022</a:t>
             </a:fld>
             <a:endParaRPr lang="de-DE"/>
           </a:p>
@@ -2459,7 +2459,7 @@
           <a:p>
             <a:fld id="{61621C89-5216-48C0-BC08-43A5D37DC60A}" type="datetime1">
               <a:rPr lang="de-DE" smtClean="0"/>
-              <a:t>29.11.2022</a:t>
+              <a:t>30.11.2022</a:t>
             </a:fld>
             <a:endParaRPr lang="de-DE"/>
           </a:p>
@@ -2583,7 +2583,7 @@
           <a:p>
             <a:fld id="{F1FF226D-F83D-4818-9860-D08642397BB7}" type="datetime1">
               <a:rPr lang="de-DE" smtClean="0"/>
-              <a:t>29.11.2022</a:t>
+              <a:t>30.11.2022</a:t>
             </a:fld>
             <a:endParaRPr lang="de-DE"/>
           </a:p>
@@ -2710,7 +2710,7 @@
           <a:p>
             <a:fld id="{A5F31C7A-EA54-4BF4-ACB0-2765243AF525}" type="datetime1">
               <a:rPr lang="de-DE" smtClean="0"/>
-              <a:t>29.11.2022</a:t>
+              <a:t>30.11.2022</a:t>
             </a:fld>
             <a:endParaRPr lang="de-DE"/>
           </a:p>
@@ -2853,7 +2853,7 @@
           <a:p>
             <a:fld id="{EFD419F0-1738-4192-8FF2-BE957FD32662}" type="datetime1">
               <a:rPr lang="de-DE" smtClean="0"/>
-              <a:t>29.11.2022</a:t>
+              <a:t>30.11.2022</a:t>
             </a:fld>
             <a:endParaRPr lang="de-DE"/>
           </a:p>
@@ -3251,7 +3251,7 @@
           <a:p>
             <a:fld id="{D78D58C2-FBCE-4B47-BBAC-2891E9120B14}" type="datetime1">
               <a:rPr lang="de-DE" smtClean="0"/>
-              <a:t>29.11.2022</a:t>
+              <a:t>30.11.2022</a:t>
             </a:fld>
             <a:endParaRPr lang="de-DE" dirty="0"/>
           </a:p>
@@ -3921,7 +3921,7 @@
           <a:p>
             <a:fld id="{3CF37669-2BCF-46DA-B042-E354827809F7}" type="datetime1">
               <a:rPr lang="de-DE" smtClean="0"/>
-              <a:t>29.11.2022</a:t>
+              <a:t>30.11.2022</a:t>
             </a:fld>
             <a:endParaRPr lang="de-DE"/>
           </a:p>
@@ -4081,7 +4081,7 @@
           <a:p>
             <a:fld id="{FF15E650-2C9B-4E22-B544-79A90AB3DDC1}" type="datetime1">
               <a:rPr lang="de-DE" smtClean="0"/>
-              <a:t>29.11.2022</a:t>
+              <a:t>30.11.2022</a:t>
             </a:fld>
             <a:endParaRPr lang="de-DE"/>
           </a:p>
@@ -4183,7 +4183,7 @@
           <a:p>
             <a:fld id="{FF15E650-2C9B-4E22-B544-79A90AB3DDC1}" type="datetime1">
               <a:rPr lang="de-DE" smtClean="0"/>
-              <a:t>29.11.2022</a:t>
+              <a:t>30.11.2022</a:t>
             </a:fld>
             <a:endParaRPr lang="de-DE"/>
           </a:p>
@@ -4382,7 +4382,7 @@
           <a:p>
             <a:fld id="{FF15E650-2C9B-4E22-B544-79A90AB3DDC1}" type="datetime1">
               <a:rPr lang="de-DE" smtClean="0"/>
-              <a:t>29.11.2022</a:t>
+              <a:t>30.11.2022</a:t>
             </a:fld>
             <a:endParaRPr lang="de-DE"/>
           </a:p>
@@ -4500,14 +4500,14 @@
             <p:ph idx="1"/>
             <p:extLst>
               <p:ext uri="{D42A27DB-BD31-4B8C-83A1-F6EECF244321}">
-                <p14:modId xmlns:p14="http://schemas.microsoft.com/office/powerpoint/2010/main" val="370343903"/>
+                <p14:modId xmlns:p14="http://schemas.microsoft.com/office/powerpoint/2010/main" val="202363736"/>
               </p:ext>
             </p:extLst>
           </p:nvPr>
         </p:nvGraphicFramePr>
         <p:xfrm>
           <a:off x="396751" y="1473325"/>
-          <a:ext cx="8496300" cy="4238119"/>
+          <a:ext cx="8496300" cy="4712282"/>
         </p:xfrm>
         <a:graphic>
           <a:graphicData uri="http://schemas.openxmlformats.org/drawingml/2006/table">
@@ -4666,16 +4666,11 @@
                         <a:rPr lang="en-US" sz="1200" baseline="0" dirty="0" smtClean="0"/>
                         <a:t> </a:t>
                       </a:r>
-                      <a:endParaRPr lang="en-US" sz="1200" baseline="0" dirty="0" smtClean="0"/>
                     </a:p>
                     <a:p>
                       <a:r>
                         <a:rPr lang="en-US" sz="1200" dirty="0" smtClean="0"/>
-                        <a:t>Section </a:t>
-                      </a:r>
-                      <a:r>
-                        <a:rPr lang="en-US" sz="1200" dirty="0" smtClean="0"/>
-                        <a:t>2.1</a:t>
+                        <a:t>Section 2.1</a:t>
                       </a:r>
                       <a:r>
                         <a:rPr lang="en-US" sz="1200" baseline="0" dirty="0" smtClean="0"/>
@@ -4696,7 +4691,7 @@
                   </a:ext>
                 </a:extLst>
               </a:tr>
-              <a:tr h="969401">
+              <a:tr h="336884">
                 <a:tc>
                   <a:txBody>
                     <a:bodyPr/>
@@ -4708,7 +4703,11 @@
                       </a:r>
                       <a:r>
                         <a:rPr lang="en-US" sz="1200" baseline="0" dirty="0" smtClean="0"/>
-                        <a:t>7 Nov</a:t>
+                        <a:t>7 </a:t>
+                      </a:r>
+                      <a:r>
+                        <a:rPr lang="en-US" sz="1200" baseline="0" dirty="0" smtClean="0"/>
+                        <a:t>– 28 Nov</a:t>
                       </a:r>
                       <a:endParaRPr lang="en-US" sz="1200" dirty="0"/>
                     </a:p>
@@ -4749,77 +4748,13 @@
                       </a:pPr>
                       <a:r>
                         <a:rPr lang="en-US" sz="1200" strike="sngStrike" baseline="0" dirty="0" smtClean="0"/>
-                        <a:t>Work on the model: string to integer table fix columns</a:t>
+                        <a:t>Work on the model: string to integer table fix </a:t>
                       </a:r>
-                    </a:p>
-                    <a:p>
-                      <a:pPr marL="0" marR="0" lvl="0" indent="0" algn="l" defTabSz="914400" rtl="0" eaLnBrk="1" fontAlgn="auto" latinLnBrk="0" hangingPunct="1">
-                        <a:lnSpc>
-                          <a:spcPct val="100000"/>
-                        </a:lnSpc>
-                        <a:spcBef>
-                          <a:spcPts val="0"/>
-                        </a:spcBef>
-                        <a:spcAft>
-                          <a:spcPts val="0"/>
-                        </a:spcAft>
-                        <a:buClrTx/>
-                        <a:buSzTx/>
-                        <a:buFontTx/>
-                        <a:buNone/>
-                        <a:tabLst/>
-                        <a:defRPr/>
-                      </a:pPr>
-                      <a:r>
-                        <a:rPr lang="en-US" sz="1200" dirty="0" smtClean="0"/>
-                        <a:t>Writing: </a:t>
-                      </a:r>
-                    </a:p>
-                    <a:p>
-                      <a:pPr marL="285750" marR="0" lvl="0" indent="-285750" algn="l" defTabSz="914400" rtl="0" eaLnBrk="1" fontAlgn="auto" latinLnBrk="0" hangingPunct="1">
-                        <a:lnSpc>
-                          <a:spcPct val="100000"/>
-                        </a:lnSpc>
-                        <a:spcBef>
-                          <a:spcPts val="0"/>
-                        </a:spcBef>
-                        <a:spcAft>
-                          <a:spcPts val="0"/>
-                        </a:spcAft>
-                        <a:buClrTx/>
-                        <a:buSzTx/>
-                        <a:buFontTx/>
-                        <a:buChar char="-"/>
-                        <a:tabLst/>
-                        <a:defRPr/>
-                      </a:pPr>
                       <a:r>
                         <a:rPr lang="en-US" sz="1200" strike="sngStrike" baseline="0" dirty="0" smtClean="0"/>
-                        <a:t>Check figure 2 and add all available buildings</a:t>
+                        <a:t>columns</a:t>
                       </a:r>
-                    </a:p>
-                    <a:p>
-                      <a:pPr marL="285750" marR="0" lvl="0" indent="-285750" algn="l" defTabSz="914400" rtl="0" eaLnBrk="1" fontAlgn="auto" latinLnBrk="0" hangingPunct="1">
-                        <a:lnSpc>
-                          <a:spcPct val="100000"/>
-                        </a:lnSpc>
-                        <a:spcBef>
-                          <a:spcPts val="0"/>
-                        </a:spcBef>
-                        <a:spcAft>
-                          <a:spcPts val="0"/>
-                        </a:spcAft>
-                        <a:buClrTx/>
-                        <a:buSzTx/>
-                        <a:buFontTx/>
-                        <a:buChar char="-"/>
-                        <a:tabLst/>
-                        <a:defRPr/>
-                      </a:pPr>
-                      <a:r>
-                        <a:rPr lang="en-US" sz="1200" strike="sngStrike" baseline="0" dirty="0" smtClean="0"/>
-                        <a:t>Check, maybe remove Table 3 </a:t>
-                      </a:r>
+                      <a:endParaRPr lang="en-US" sz="1200" strike="sngStrike" baseline="0" dirty="0" smtClean="0"/>
                     </a:p>
                   </a:txBody>
                   <a:tcPr>
@@ -4863,16 +4798,179 @@
                   </a:ext>
                 </a:extLst>
               </a:tr>
-              <a:tr h="1103934">
+              <a:tr h="763146">
                 <a:tc>
                   <a:txBody>
                     <a:bodyPr/>
                     <a:lstStyle/>
                     <a:p>
                       <a:r>
-                        <a:rPr lang="en-US" sz="1200" dirty="0" smtClean="0"/>
-                        <a:t>28 Nov (+backlog 27)</a:t>
+                        <a:rPr lang="en-US" sz="1200" strike="noStrike" kern="1200" baseline="0" dirty="0" smtClean="0">
+                          <a:solidFill>
+                            <a:schemeClr val="dk1"/>
+                          </a:solidFill>
+                          <a:latin typeface="+mn-lt"/>
+                          <a:ea typeface="+mn-ea"/>
+                          <a:cs typeface="+mn-cs"/>
+                        </a:rPr>
+                        <a:t>28 </a:t>
                       </a:r>
+                      <a:r>
+                        <a:rPr lang="en-US" sz="1200" strike="noStrike" kern="1200" baseline="0" dirty="0" smtClean="0">
+                          <a:solidFill>
+                            <a:schemeClr val="dk1"/>
+                          </a:solidFill>
+                          <a:latin typeface="+mn-lt"/>
+                          <a:ea typeface="+mn-ea"/>
+                          <a:cs typeface="+mn-cs"/>
+                        </a:rPr>
+                        <a:t>Nov</a:t>
+                      </a:r>
+                      <a:endParaRPr lang="en-US" sz="1200" strike="noStrike" kern="1200" baseline="0" dirty="0">
+                        <a:solidFill>
+                          <a:schemeClr val="dk1"/>
+                        </a:solidFill>
+                        <a:latin typeface="+mn-lt"/>
+                        <a:ea typeface="+mn-ea"/>
+                        <a:cs typeface="+mn-cs"/>
+                      </a:endParaRPr>
+                    </a:p>
+                  </a:txBody>
+                  <a:tcPr>
+                    <a:lnT w="12700" cap="flat" cmpd="sng" algn="ctr">
+                      <a:solidFill>
+                        <a:schemeClr val="tx1"/>
+                      </a:solidFill>
+                      <a:prstDash val="solid"/>
+                      <a:round/>
+                      <a:headEnd type="none" w="med" len="med"/>
+                      <a:tailEnd type="none" w="med" len="med"/>
+                    </a:lnT>
+                  </a:tcPr>
+                </a:tc>
+                <a:tc>
+                  <a:txBody>
+                    <a:bodyPr/>
+                    <a:lstStyle/>
+                    <a:p>
+                      <a:pPr marL="0" marR="0" lvl="0" indent="0" algn="l" defTabSz="914400" rtl="0" eaLnBrk="1" fontAlgn="auto" latinLnBrk="0" hangingPunct="1">
+                        <a:lnSpc>
+                          <a:spcPct val="100000"/>
+                        </a:lnSpc>
+                        <a:spcBef>
+                          <a:spcPts val="0"/>
+                        </a:spcBef>
+                        <a:spcAft>
+                          <a:spcPts val="0"/>
+                        </a:spcAft>
+                        <a:buClrTx/>
+                        <a:buSzTx/>
+                        <a:buFontTx/>
+                        <a:buNone/>
+                        <a:tabLst/>
+                        <a:defRPr/>
+                      </a:pPr>
+                      <a:r>
+                        <a:rPr lang="en-US" sz="1200" strike="sngStrike" kern="1200" baseline="0" dirty="0" smtClean="0">
+                          <a:solidFill>
+                            <a:schemeClr val="dk1"/>
+                          </a:solidFill>
+                          <a:latin typeface="+mn-lt"/>
+                          <a:ea typeface="+mn-ea"/>
+                          <a:cs typeface="+mn-cs"/>
+                        </a:rPr>
+                        <a:t>Writing: </a:t>
+                      </a:r>
+                    </a:p>
+                    <a:p>
+                      <a:pPr marL="285750" marR="0" lvl="0" indent="-285750" algn="l" defTabSz="914400" rtl="0" eaLnBrk="1" fontAlgn="auto" latinLnBrk="0" hangingPunct="1">
+                        <a:lnSpc>
+                          <a:spcPct val="100000"/>
+                        </a:lnSpc>
+                        <a:spcBef>
+                          <a:spcPts val="0"/>
+                        </a:spcBef>
+                        <a:spcAft>
+                          <a:spcPts val="0"/>
+                        </a:spcAft>
+                        <a:buClrTx/>
+                        <a:buSzTx/>
+                        <a:buFontTx/>
+                        <a:buChar char="-"/>
+                        <a:tabLst/>
+                        <a:defRPr/>
+                      </a:pPr>
+                      <a:r>
+                        <a:rPr lang="en-US" sz="1200" strike="sngStrike" kern="1200" baseline="0" dirty="0" smtClean="0">
+                          <a:solidFill>
+                            <a:schemeClr val="dk1"/>
+                          </a:solidFill>
+                          <a:latin typeface="+mn-lt"/>
+                          <a:ea typeface="+mn-ea"/>
+                          <a:cs typeface="+mn-cs"/>
+                        </a:rPr>
+                        <a:t>Check figure 2 and add all available buildings</a:t>
+                      </a:r>
+                    </a:p>
+                    <a:p>
+                      <a:pPr marL="285750" marR="0" lvl="0" indent="-285750" algn="l" defTabSz="914400" rtl="0" eaLnBrk="1" fontAlgn="auto" latinLnBrk="0" hangingPunct="1">
+                        <a:lnSpc>
+                          <a:spcPct val="100000"/>
+                        </a:lnSpc>
+                        <a:spcBef>
+                          <a:spcPts val="0"/>
+                        </a:spcBef>
+                        <a:spcAft>
+                          <a:spcPts val="0"/>
+                        </a:spcAft>
+                        <a:buClrTx/>
+                        <a:buSzTx/>
+                        <a:buFontTx/>
+                        <a:buChar char="-"/>
+                        <a:tabLst/>
+                        <a:defRPr/>
+                      </a:pPr>
+                      <a:r>
+                        <a:rPr lang="en-US" sz="1200" strike="sngStrike" kern="1200" baseline="0" dirty="0" smtClean="0">
+                          <a:solidFill>
+                            <a:schemeClr val="dk1"/>
+                          </a:solidFill>
+                          <a:latin typeface="+mn-lt"/>
+                          <a:ea typeface="+mn-ea"/>
+                          <a:cs typeface="+mn-cs"/>
+                        </a:rPr>
+                        <a:t>Check, maybe remove Table 3 </a:t>
+                      </a:r>
+                      <a:endParaRPr lang="en-US" sz="1200" strike="sngStrike" kern="1200" baseline="0" dirty="0">
+                        <a:solidFill>
+                          <a:schemeClr val="dk1"/>
+                        </a:solidFill>
+                        <a:latin typeface="+mn-lt"/>
+                        <a:ea typeface="+mn-ea"/>
+                        <a:cs typeface="+mn-cs"/>
+                      </a:endParaRPr>
+                    </a:p>
+                  </a:txBody>
+                  <a:tcPr>
+                    <a:lnT w="12700" cap="flat" cmpd="sng" algn="ctr">
+                      <a:solidFill>
+                        <a:schemeClr val="tx1"/>
+                      </a:solidFill>
+                      <a:prstDash val="solid"/>
+                      <a:round/>
+                      <a:headEnd type="none" w="med" len="med"/>
+                      <a:tailEnd type="none" w="med" len="med"/>
+                    </a:lnT>
+                    <a:solidFill>
+                      <a:srgbClr val="92D050"/>
+                    </a:solidFill>
+                  </a:tcPr>
+                </a:tc>
+                <a:tc>
+                  <a:txBody>
+                    <a:bodyPr/>
+                    <a:lstStyle/>
+                    <a:p>
                       <a:endParaRPr lang="en-US" sz="1200" dirty="0"/>
                     </a:p>
                   </a:txBody>
@@ -4887,6 +4985,31 @@
                       <a:tailEnd type="none" w="med" len="med"/>
                     </a:lnT>
                   </a:tcPr>
+                </a:tc>
+                <a:extLst>
+                  <a:ext uri="{0D108BD9-81ED-4DB2-BD59-A6C34878D82A}">
+                    <a16:rowId xmlns:a16="http://schemas.microsoft.com/office/drawing/2014/main" val="3169226889"/>
+                  </a:ext>
+                </a:extLst>
+              </a:tr>
+              <a:tr h="501788">
+                <a:tc>
+                  <a:txBody>
+                    <a:bodyPr/>
+                    <a:lstStyle/>
+                    <a:p>
+                      <a:r>
+                        <a:rPr lang="en-US" sz="1200" dirty="0" smtClean="0"/>
+                        <a:t>29 </a:t>
+                      </a:r>
+                      <a:r>
+                        <a:rPr lang="en-US" sz="1200" dirty="0" smtClean="0"/>
+                        <a:t>Nov</a:t>
+                      </a:r>
+                      <a:endParaRPr lang="en-US" sz="1200" dirty="0"/>
+                    </a:p>
+                  </a:txBody>
+                  <a:tcPr/>
                 </a:tc>
                 <a:tc>
                   <a:txBody>
@@ -4913,6 +5036,29 @@
                       <a:r>
                         <a:rPr lang="en-US" sz="1200" strike="sngStrike" baseline="0" dirty="0" smtClean="0"/>
                         <a:t>Meeting Rene (discuss final results)</a:t>
+                      </a:r>
+                    </a:p>
+                    <a:p>
+                      <a:pPr marL="285750" marR="0" lvl="0" indent="-285750" algn="l" defTabSz="914400" rtl="0" eaLnBrk="1" fontAlgn="auto" latinLnBrk="0" hangingPunct="1">
+                        <a:lnSpc>
+                          <a:spcPct val="100000"/>
+                        </a:lnSpc>
+                        <a:spcBef>
+                          <a:spcPts val="0"/>
+                        </a:spcBef>
+                        <a:spcAft>
+                          <a:spcPts val="0"/>
+                        </a:spcAft>
+                        <a:buClrTx/>
+                        <a:buSzTx/>
+                        <a:buFontTx/>
+                        <a:buChar char="-"/>
+                        <a:tabLst/>
+                        <a:defRPr/>
+                      </a:pPr>
+                      <a:r>
+                        <a:rPr lang="en-US" sz="1200" strike="sngStrike" baseline="0" dirty="0" smtClean="0"/>
+                        <a:t>Work on the model </a:t>
                       </a:r>
                     </a:p>
                     <a:p>
@@ -4986,15 +5132,7 @@
                       </a:pPr>
                       <a:r>
                         <a:rPr lang="en-US" sz="1200" strike="sngStrike" baseline="0" dirty="0" smtClean="0"/>
-                        <a:t>Fix </a:t>
-                      </a:r>
-                      <a:r>
-                        <a:rPr lang="en-US" sz="1200" strike="sngStrike" baseline="0" dirty="0" smtClean="0"/>
-                        <a:t>Table 2 (move to </a:t>
-                      </a:r>
-                      <a:r>
-                        <a:rPr lang="en-US" sz="1200" strike="sngStrike" baseline="0" dirty="0" smtClean="0"/>
-                        <a:t>SI) </a:t>
+                        <a:t>Fix Table 2 (move to SI) </a:t>
                       </a:r>
                     </a:p>
                     <a:p>
@@ -5022,15 +5160,6 @@
                     </a:p>
                   </a:txBody>
                   <a:tcPr>
-                    <a:lnT w="12700" cap="flat" cmpd="sng" algn="ctr">
-                      <a:solidFill>
-                        <a:schemeClr val="tx1"/>
-                      </a:solidFill>
-                      <a:prstDash val="solid"/>
-                      <a:round/>
-                      <a:headEnd type="none" w="med" len="med"/>
-                      <a:tailEnd type="none" w="med" len="med"/>
-                    </a:lnT>
                     <a:solidFill>
                       <a:srgbClr val="92D050"/>
                     </a:solidFill>
@@ -5055,28 +5184,42 @@
                         <a:rPr lang="en-US" sz="1200" baseline="0" dirty="0" smtClean="0"/>
                         <a:t> on Section 2.2, </a:t>
                       </a:r>
+                      <a:endParaRPr lang="en-US" sz="1200" dirty="0" smtClean="0"/>
+                    </a:p>
+                    <a:p>
+                      <a:pPr marL="0" marR="0" lvl="0" indent="0" algn="l" defTabSz="914400" rtl="0" eaLnBrk="1" fontAlgn="auto" latinLnBrk="0" hangingPunct="1">
+                        <a:lnSpc>
+                          <a:spcPct val="100000"/>
+                        </a:lnSpc>
+                        <a:spcBef>
+                          <a:spcPts val="0"/>
+                        </a:spcBef>
+                        <a:spcAft>
+                          <a:spcPts val="0"/>
+                        </a:spcAft>
+                        <a:buClrTx/>
+                        <a:buSzTx/>
+                        <a:buFontTx/>
+                        <a:buNone/>
+                        <a:tabLst/>
+                        <a:defRPr/>
+                      </a:pPr>
                       <a:endParaRPr lang="en-US" sz="1200" dirty="0"/>
                     </a:p>
                   </a:txBody>
                   <a:tcPr>
-                    <a:lnT w="12700" cap="flat" cmpd="sng" algn="ctr">
-                      <a:solidFill>
-                        <a:schemeClr val="tx1"/>
-                      </a:solidFill>
-                      <a:prstDash val="solid"/>
-                      <a:round/>
-                      <a:headEnd type="none" w="med" len="med"/>
-                      <a:tailEnd type="none" w="med" len="med"/>
-                    </a:lnT>
+                    <a:solidFill>
+                      <a:srgbClr val="92D050"/>
+                    </a:solidFill>
                   </a:tcPr>
                 </a:tc>
                 <a:extLst>
                   <a:ext uri="{0D108BD9-81ED-4DB2-BD59-A6C34878D82A}">
-                    <a16:rowId xmlns:a16="http://schemas.microsoft.com/office/drawing/2014/main" val="3169226889"/>
+                    <a16:rowId xmlns:a16="http://schemas.microsoft.com/office/drawing/2014/main" val="4034592237"/>
                   </a:ext>
                 </a:extLst>
               </a:tr>
-              <a:tr h="501788">
+              <a:tr h="420074">
                 <a:tc>
                   <a:txBody>
                     <a:bodyPr/>
@@ -5084,15 +5227,7 @@
                     <a:p>
                       <a:r>
                         <a:rPr lang="en-US" sz="1200" dirty="0" smtClean="0"/>
-                        <a:t>29 Nov </a:t>
-                      </a:r>
-                      <a:r>
-                        <a:rPr lang="en-US" sz="1200" dirty="0" smtClean="0"/>
-                        <a:t>          (+backlog </a:t>
-                      </a:r>
-                      <a:r>
-                        <a:rPr lang="en-US" sz="1200" dirty="0" smtClean="0"/>
-                        <a:t>28)</a:t>
+                        <a:t>30 Nov </a:t>
                       </a:r>
                       <a:endParaRPr lang="en-US" sz="1200" dirty="0"/>
                     </a:p>
@@ -5122,22 +5257,22 @@
                         <a:defRPr/>
                       </a:pPr>
                       <a:r>
-                        <a:rPr lang="en-US" sz="1200" dirty="0" smtClean="0"/>
+                        <a:rPr lang="en-US" sz="1200" strike="sngStrike" dirty="0" smtClean="0"/>
                         <a:t>(re)</a:t>
                       </a:r>
                       <a:r>
-                        <a:rPr lang="en-US" sz="1200" baseline="0" dirty="0" smtClean="0"/>
+                        <a:rPr lang="en-US" sz="1200" strike="sngStrike" baseline="0" dirty="0" smtClean="0"/>
                         <a:t> </a:t>
                       </a:r>
                       <a:r>
-                        <a:rPr lang="en-US" sz="1200" dirty="0" smtClean="0"/>
+                        <a:rPr lang="en-US" sz="1200" strike="sngStrike" dirty="0" smtClean="0"/>
                         <a:t>Write Section</a:t>
                       </a:r>
                       <a:r>
-                        <a:rPr lang="en-US" sz="1200" baseline="0" dirty="0" smtClean="0"/>
+                        <a:rPr lang="en-US" sz="1200" strike="sngStrike" baseline="0" dirty="0" smtClean="0"/>
                         <a:t> 2.2.1 Process User Inputs</a:t>
                       </a:r>
-                      <a:endParaRPr lang="en-US" sz="1200" dirty="0" smtClean="0"/>
+                      <a:endParaRPr lang="en-US" sz="1200" strike="sngStrike" dirty="0" smtClean="0"/>
                     </a:p>
                     <a:p>
                       <a:pPr marL="285750" marR="0" lvl="0" indent="-285750" algn="l" defTabSz="914400" rtl="0" eaLnBrk="1" fontAlgn="auto" latinLnBrk="0" hangingPunct="1">
@@ -5158,63 +5293,42 @@
                         <a:defRPr/>
                       </a:pPr>
                       <a:r>
-                        <a:rPr lang="en-US" sz="1200" dirty="0" smtClean="0"/>
+                        <a:rPr lang="en-US" sz="1200" strike="sngStrike" dirty="0" smtClean="0"/>
                         <a:t>Write</a:t>
                       </a:r>
                       <a:r>
-                        <a:rPr lang="en-US" sz="1200" baseline="0" dirty="0" smtClean="0"/>
+                        <a:rPr lang="en-US" sz="1200" strike="sngStrike" baseline="0" dirty="0" smtClean="0"/>
                         <a:t> Section 2.2.2. Calculate U Values </a:t>
                       </a:r>
                     </a:p>
                   </a:txBody>
-                  <a:tcPr/>
+                  <a:tcPr>
+                    <a:solidFill>
+                      <a:srgbClr val="92D050"/>
+                    </a:solidFill>
+                  </a:tcPr>
                 </a:tc>
                 <a:tc>
                   <a:txBody>
                     <a:bodyPr/>
                     <a:lstStyle/>
                     <a:p>
-                      <a:pPr marL="0" marR="0" lvl="0" indent="0" algn="l" defTabSz="914400" rtl="0" eaLnBrk="1" fontAlgn="auto" latinLnBrk="0" hangingPunct="1">
-                        <a:lnSpc>
-                          <a:spcPct val="100000"/>
-                        </a:lnSpc>
-                        <a:spcBef>
-                          <a:spcPts val="0"/>
-                        </a:spcBef>
-                        <a:spcAft>
-                          <a:spcPts val="0"/>
-                        </a:spcAft>
-                        <a:buClrTx/>
-                        <a:buSzTx/>
-                        <a:buFontTx/>
-                        <a:buNone/>
-                        <a:tabLst/>
-                        <a:defRPr/>
-                      </a:pPr>
-                      <a:r>
-                        <a:rPr lang="en-US" sz="1200" dirty="0" smtClean="0"/>
-                        <a:t>Sasha </a:t>
-                      </a:r>
-                      <a:r>
-                        <a:rPr lang="en-US" sz="1200" dirty="0" smtClean="0"/>
-                        <a:t>checks</a:t>
-                      </a:r>
-                      <a:r>
-                        <a:rPr lang="en-US" sz="1200" baseline="0" dirty="0" smtClean="0"/>
-                        <a:t> 2.2.2, </a:t>
-                      </a:r>
-                      <a:r>
-                        <a:rPr lang="en-US" sz="1200" dirty="0" smtClean="0"/>
-                        <a:t>2.2.3</a:t>
-                      </a:r>
-                      <a:endParaRPr lang="en-US" sz="1200" dirty="0"/>
+                      <a:pPr marL="0" algn="l" defTabSz="914400" rtl="0" eaLnBrk="1" latinLnBrk="0" hangingPunct="1"/>
+                      <a:endParaRPr lang="en-US" sz="1200" kern="1200" dirty="0">
+                        <a:solidFill>
+                          <a:schemeClr val="dk1"/>
+                        </a:solidFill>
+                        <a:latin typeface="+mn-lt"/>
+                        <a:ea typeface="+mn-ea"/>
+                        <a:cs typeface="+mn-cs"/>
+                      </a:endParaRPr>
                     </a:p>
                   </a:txBody>
                   <a:tcPr/>
                 </a:tc>
                 <a:extLst>
                   <a:ext uri="{0D108BD9-81ED-4DB2-BD59-A6C34878D82A}">
-                    <a16:rowId xmlns:a16="http://schemas.microsoft.com/office/drawing/2014/main" val="4034592237"/>
+                    <a16:rowId xmlns:a16="http://schemas.microsoft.com/office/drawing/2014/main" val="3196519158"/>
                   </a:ext>
                 </a:extLst>
               </a:tr>
@@ -5226,11 +5340,11 @@
                     <a:p>
                       <a:r>
                         <a:rPr lang="en-US" sz="1200" dirty="0" smtClean="0"/>
-                        <a:t>30 </a:t>
+                        <a:t>1 Dec</a:t>
                       </a:r>
                       <a:r>
-                        <a:rPr lang="en-US" sz="1200" dirty="0" smtClean="0"/>
-                        <a:t>Nov </a:t>
+                        <a:rPr lang="en-US" sz="1200" baseline="0" dirty="0" smtClean="0"/>
+                        <a:t> </a:t>
                       </a:r>
                       <a:endParaRPr lang="en-US" sz="1200" dirty="0"/>
                     </a:p>
@@ -5260,7 +5374,7 @@
                         <a:defRPr/>
                       </a:pPr>
                       <a:r>
-                        <a:rPr lang="en-US" sz="1200" kern="1200" dirty="0" smtClean="0">
+                        <a:rPr lang="en-US" sz="1200" strike="sngStrike" kern="1200" dirty="0" smtClean="0">
                           <a:solidFill>
                             <a:schemeClr val="dk1"/>
                           </a:solidFill>
@@ -5331,13 +5445,113 @@
                         <a:t>Finish Section 2.2.3 Space heating demand </a:t>
                       </a:r>
                     </a:p>
+                    <a:p>
+                      <a:pPr marL="0" marR="0" lvl="0" indent="0" algn="l" defTabSz="914400" rtl="0" eaLnBrk="1" fontAlgn="auto" latinLnBrk="0" hangingPunct="1">
+                        <a:lnSpc>
+                          <a:spcPct val="100000"/>
+                        </a:lnSpc>
+                        <a:spcBef>
+                          <a:spcPts val="0"/>
+                        </a:spcBef>
+                        <a:spcAft>
+                          <a:spcPts val="0"/>
+                        </a:spcAft>
+                        <a:buClrTx/>
+                        <a:buSzTx/>
+                        <a:buFontTx/>
+                        <a:buNone/>
+                        <a:tabLst/>
+                        <a:defRPr/>
+                      </a:pPr>
+                      <a:r>
+                        <a:rPr lang="en-US" sz="1200" kern="1200" dirty="0" smtClean="0">
+                          <a:solidFill>
+                            <a:schemeClr val="dk1"/>
+                          </a:solidFill>
+                          <a:latin typeface="+mn-lt"/>
+                          <a:ea typeface="+mn-ea"/>
+                          <a:cs typeface="+mn-cs"/>
+                        </a:rPr>
+                        <a:t>-------------------------------------------------------------------------------------------</a:t>
+                      </a:r>
+                    </a:p>
+                    <a:p>
+                      <a:pPr marL="0" marR="0" lvl="0" indent="-285750" algn="l" defTabSz="914400" rtl="0" eaLnBrk="1" fontAlgn="auto" latinLnBrk="0" hangingPunct="1">
+                        <a:lnSpc>
+                          <a:spcPct val="100000"/>
+                        </a:lnSpc>
+                        <a:spcBef>
+                          <a:spcPts val="0"/>
+                        </a:spcBef>
+                        <a:spcAft>
+                          <a:spcPts val="0"/>
+                        </a:spcAft>
+                        <a:buClrTx/>
+                        <a:buSzTx/>
+                        <a:buFontTx/>
+                        <a:buChar char="-"/>
+                        <a:tabLst/>
+                        <a:defRPr/>
+                      </a:pPr>
+                      <a:r>
+                        <a:rPr lang="en-US" sz="1200" baseline="0" dirty="0" smtClean="0"/>
+                        <a:t>Check LCA calculations (KBOB sources) and adapt writing 2.2.4</a:t>
+                      </a:r>
+                      <a:endParaRPr lang="en-US" sz="1200" kern="1200" dirty="0" smtClean="0">
+                        <a:solidFill>
+                          <a:schemeClr val="dk1"/>
+                        </a:solidFill>
+                        <a:latin typeface="+mn-lt"/>
+                        <a:ea typeface="+mn-ea"/>
+                        <a:cs typeface="+mn-cs"/>
+                      </a:endParaRPr>
+                    </a:p>
                   </a:txBody>
-                  <a:tcPr/>
+                  <a:tcPr>
+                    <a:solidFill>
+                      <a:srgbClr val="EBECE7"/>
+                    </a:solidFill>
+                  </a:tcPr>
                 </a:tc>
                 <a:tc>
                   <a:txBody>
                     <a:bodyPr/>
                     <a:lstStyle/>
+                    <a:p>
+                      <a:pPr marL="0" marR="0" lvl="0" indent="0" algn="l" defTabSz="914400" rtl="0" eaLnBrk="1" fontAlgn="auto" latinLnBrk="0" hangingPunct="1">
+                        <a:lnSpc>
+                          <a:spcPct val="100000"/>
+                        </a:lnSpc>
+                        <a:spcBef>
+                          <a:spcPts val="0"/>
+                        </a:spcBef>
+                        <a:spcAft>
+                          <a:spcPts val="0"/>
+                        </a:spcAft>
+                        <a:buClrTx/>
+                        <a:buSzTx/>
+                        <a:buFontTx/>
+                        <a:buNone/>
+                        <a:tabLst/>
+                        <a:defRPr/>
+                      </a:pPr>
+                      <a:r>
+                        <a:rPr lang="en-US" sz="1200" dirty="0" smtClean="0"/>
+                        <a:t>Sasha checks</a:t>
+                      </a:r>
+                      <a:r>
+                        <a:rPr lang="en-US" sz="1200" baseline="0" dirty="0" smtClean="0"/>
+                        <a:t> 2.2.1, </a:t>
+                      </a:r>
+                      <a:r>
+                        <a:rPr lang="en-US" sz="1200" dirty="0" smtClean="0"/>
+                        <a:t>2.2.2,</a:t>
+                      </a:r>
+                      <a:r>
+                        <a:rPr lang="en-US" sz="1200" baseline="0" dirty="0" smtClean="0"/>
+                        <a:t> 2.2.3</a:t>
+                      </a:r>
+                    </a:p>
                     <a:p>
                       <a:pPr marL="0" algn="l" defTabSz="914400" rtl="0" eaLnBrk="1" latinLnBrk="0" hangingPunct="1"/>
                       <a:endParaRPr lang="en-US" sz="1200" kern="1200" dirty="0">
@@ -5354,7 +5568,7 @@
                 </a:tc>
                 <a:extLst>
                   <a:ext uri="{0D108BD9-81ED-4DB2-BD59-A6C34878D82A}">
-                    <a16:rowId xmlns:a16="http://schemas.microsoft.com/office/drawing/2014/main" val="3196519158"/>
+                    <a16:rowId xmlns:a16="http://schemas.microsoft.com/office/drawing/2014/main" val="831016645"/>
                   </a:ext>
                 </a:extLst>
               </a:tr>
@@ -5379,7 +5593,7 @@
           <a:p>
             <a:fld id="{A02690AB-37C5-464E-B999-AEA04CFF82B9}" type="datetime1">
               <a:rPr lang="de-DE" smtClean="0"/>
-              <a:t>29.11.2022</a:t>
+              <a:t>30.11.2022</a:t>
             </a:fld>
             <a:endParaRPr lang="de-DE" dirty="0"/>
           </a:p>
@@ -5509,7 +5723,7 @@
           <a:p>
             <a:fld id="{FF15E650-2C9B-4E22-B544-79A90AB3DDC1}" type="datetime1">
               <a:rPr lang="de-DE" smtClean="0"/>
-              <a:t>29.11.2022</a:t>
+              <a:t>30.11.2022</a:t>
             </a:fld>
             <a:endParaRPr lang="de-DE"/>
           </a:p>
@@ -5593,14 +5807,14 @@
             <p:ph idx="1"/>
             <p:extLst>
               <p:ext uri="{D42A27DB-BD31-4B8C-83A1-F6EECF244321}">
-                <p14:modId xmlns:p14="http://schemas.microsoft.com/office/powerpoint/2010/main" val="2840900251"/>
+                <p14:modId xmlns:p14="http://schemas.microsoft.com/office/powerpoint/2010/main" val="963133062"/>
               </p:ext>
             </p:extLst>
           </p:nvPr>
         </p:nvGraphicFramePr>
         <p:xfrm>
           <a:off x="323850" y="1609746"/>
-          <a:ext cx="8496300" cy="4318000"/>
+          <a:ext cx="8496300" cy="3865880"/>
         </p:xfrm>
         <a:graphic>
           <a:graphicData uri="http://schemas.openxmlformats.org/drawingml/2006/table">
@@ -5609,14 +5823,14 @@
                 <a:tableStyleId>{5C22544A-7EE6-4342-B048-85BDC9FD1C3A}</a:tableStyleId>
               </a:tblPr>
               <a:tblGrid>
-                <a:gridCol w="985757">
+                <a:gridCol w="1003061">
                   <a:extLst>
                     <a:ext uri="{9D8B030D-6E8A-4147-A177-3AD203B41FA5}">
                       <a16:colId xmlns:a16="http://schemas.microsoft.com/office/drawing/2014/main" val="3156209168"/>
                     </a:ext>
                   </a:extLst>
                 </a:gridCol>
-                <a:gridCol w="4339525">
+                <a:gridCol w="4322221">
                   <a:extLst>
                     <a:ext uri="{9D8B030D-6E8A-4147-A177-3AD203B41FA5}">
                       <a16:colId xmlns:a16="http://schemas.microsoft.com/office/drawing/2014/main" val="2104013299"/>
@@ -5704,7 +5918,7 @@
                     <a:p>
                       <a:r>
                         <a:rPr lang="en-US" sz="1200" dirty="0" smtClean="0"/>
-                        <a:t>1 Dec</a:t>
+                        <a:t>2 Dec</a:t>
                       </a:r>
                       <a:endParaRPr lang="en-US" sz="1200" dirty="0"/>
                     </a:p>
@@ -5722,108 +5936,21 @@
                       </a:pPr>
                       <a:r>
                         <a:rPr lang="en-US" sz="1200" baseline="0" dirty="0" smtClean="0"/>
-                        <a:t>Check LCA calculations (KBOB sources) and adapt section 2.2.4 writing (if needed)</a:t>
+                        <a:t>Write </a:t>
+                      </a:r>
+                      <a:r>
+                        <a:rPr lang="en-US" sz="1200" baseline="0" dirty="0" smtClean="0"/>
+                        <a:t>Section </a:t>
+                      </a:r>
+                      <a:r>
+                        <a:rPr lang="en-US" sz="1200" baseline="0" dirty="0" smtClean="0"/>
+                        <a:t>2.3. </a:t>
+                      </a:r>
+                      <a:r>
+                        <a:rPr lang="en-US" sz="1200" baseline="0" dirty="0" smtClean="0"/>
+                        <a:t>Scenario assessment </a:t>
                       </a:r>
                     </a:p>
-                    <a:p>
-                      <a:pPr marL="285750" indent="-285750">
-                        <a:buFontTx/>
-                        <a:buChar char="-"/>
-                      </a:pPr>
-                      <a:r>
-                        <a:rPr lang="en-US" sz="1200" baseline="0" dirty="0" smtClean="0"/>
-                        <a:t>Write Section 2.2.5. Scenario assessment </a:t>
-                      </a:r>
-                    </a:p>
-                    <a:p>
-                      <a:pPr marL="285750" indent="-285750">
-                        <a:buFontTx/>
-                        <a:buChar char="-"/>
-                      </a:pPr>
-                      <a:r>
-                        <a:rPr lang="en-US" sz="1200" baseline="0" dirty="0" smtClean="0"/>
-                        <a:t>Check Table 2</a:t>
-                      </a:r>
-                    </a:p>
-                    <a:p>
-                      <a:pPr marL="0" marR="0" lvl="0" indent="0" algn="l" defTabSz="914400" rtl="0" eaLnBrk="1" fontAlgn="auto" latinLnBrk="0" hangingPunct="1">
-                        <a:lnSpc>
-                          <a:spcPct val="100000"/>
-                        </a:lnSpc>
-                        <a:spcBef>
-                          <a:spcPts val="0"/>
-                        </a:spcBef>
-                        <a:spcAft>
-                          <a:spcPts val="0"/>
-                        </a:spcAft>
-                        <a:buClrTx/>
-                        <a:buSzTx/>
-                        <a:buFontTx/>
-                        <a:buNone/>
-                        <a:tabLst/>
-                        <a:defRPr/>
-                      </a:pPr>
-                      <a:endParaRPr lang="en-US" sz="1200" kern="1200" dirty="0" smtClean="0">
-                        <a:solidFill>
-                          <a:schemeClr val="dk1"/>
-                        </a:solidFill>
-                        <a:latin typeface="+mn-lt"/>
-                        <a:ea typeface="+mn-ea"/>
-                        <a:cs typeface="+mn-cs"/>
-                      </a:endParaRPr>
-                    </a:p>
-                  </a:txBody>
-                  <a:tcPr/>
-                </a:tc>
-                <a:tc>
-                  <a:txBody>
-                    <a:bodyPr/>
-                    <a:lstStyle/>
-                    <a:p>
-                      <a:r>
-                        <a:rPr lang="en-US" sz="1200" dirty="0" smtClean="0"/>
-                        <a:t>Sasha checks and discuss 2.2.4 (LCA)</a:t>
-                      </a:r>
-                    </a:p>
-                    <a:p>
-                      <a:r>
-                        <a:rPr lang="en-US" sz="1200" dirty="0" smtClean="0"/>
-                        <a:t>Sasha checks 2.2.5</a:t>
-                      </a:r>
-                      <a:endParaRPr lang="en-US" sz="1200" dirty="0"/>
-                    </a:p>
-                  </a:txBody>
-                  <a:tcPr/>
-                </a:tc>
-                <a:extLst>
-                  <a:ext uri="{0D108BD9-81ED-4DB2-BD59-A6C34878D82A}">
-                    <a16:rowId xmlns:a16="http://schemas.microsoft.com/office/drawing/2014/main" val="767013920"/>
-                  </a:ext>
-                </a:extLst>
-              </a:tr>
-              <a:tr h="370840">
-                <a:tc>
-                  <a:txBody>
-                    <a:bodyPr/>
-                    <a:lstStyle/>
-                    <a:p>
-                      <a:r>
-                        <a:rPr lang="en-US" sz="1200" dirty="0" smtClean="0"/>
-                        <a:t>2 Dec</a:t>
-                      </a:r>
-                      <a:endParaRPr lang="en-US" sz="1200" dirty="0"/>
-                    </a:p>
-                  </a:txBody>
-                  <a:tcPr>
-                    <a:lnB w="12700" cmpd="sng">
-                      <a:noFill/>
-                    </a:lnB>
-                  </a:tcPr>
-                </a:tc>
-                <a:tc>
-                  <a:txBody>
-                    <a:bodyPr/>
-                    <a:lstStyle/>
                     <a:p>
                       <a:pPr marL="285750" marR="0" lvl="0" indent="-285750" algn="l" defTabSz="914400" rtl="0" eaLnBrk="1" fontAlgn="auto" latinLnBrk="0" hangingPunct="1">
                         <a:lnSpc>
@@ -5848,7 +5975,7 @@
                       </a:r>
                       <a:r>
                         <a:rPr lang="en-US" sz="1200" baseline="0" dirty="0" smtClean="0"/>
-                        <a:t> Section 2.3. Case study (and Table 3)</a:t>
+                        <a:t> Section 2.4. Case study (and Table 3)</a:t>
                       </a:r>
                     </a:p>
                     <a:p>
@@ -5860,6 +5987,97 @@
                         <a:rPr lang="en-US" sz="1200" baseline="0" dirty="0" smtClean="0"/>
                         <a:t>Write Section 2 Methodology intro </a:t>
                       </a:r>
+                    </a:p>
+                  </a:txBody>
+                  <a:tcPr/>
+                </a:tc>
+                <a:tc>
+                  <a:txBody>
+                    <a:bodyPr/>
+                    <a:lstStyle/>
+                    <a:p>
+                      <a:pPr marL="0" marR="0" lvl="0" indent="0" algn="l" defTabSz="914400" rtl="0" eaLnBrk="1" fontAlgn="auto" latinLnBrk="0" hangingPunct="1">
+                        <a:lnSpc>
+                          <a:spcPct val="100000"/>
+                        </a:lnSpc>
+                        <a:spcBef>
+                          <a:spcPts val="0"/>
+                        </a:spcBef>
+                        <a:spcAft>
+                          <a:spcPts val="0"/>
+                        </a:spcAft>
+                        <a:buClrTx/>
+                        <a:buSzTx/>
+                        <a:buFontTx/>
+                        <a:buNone/>
+                        <a:tabLst/>
+                        <a:defRPr/>
+                      </a:pPr>
+                      <a:r>
+                        <a:rPr lang="en-US" sz="1200" dirty="0" smtClean="0"/>
+                        <a:t>Sasha checks</a:t>
+                      </a:r>
+                      <a:r>
+                        <a:rPr lang="en-US" sz="1200" baseline="0" dirty="0" smtClean="0"/>
+                        <a:t> section 2.2.4</a:t>
+                      </a:r>
+                      <a:endParaRPr lang="en-US" sz="1200" baseline="0" dirty="0" smtClean="0"/>
+                    </a:p>
+                  </a:txBody>
+                  <a:tcPr/>
+                </a:tc>
+                <a:extLst>
+                  <a:ext uri="{0D108BD9-81ED-4DB2-BD59-A6C34878D82A}">
+                    <a16:rowId xmlns:a16="http://schemas.microsoft.com/office/drawing/2014/main" val="767013920"/>
+                  </a:ext>
+                </a:extLst>
+              </a:tr>
+              <a:tr h="370840">
+                <a:tc>
+                  <a:txBody>
+                    <a:bodyPr/>
+                    <a:lstStyle/>
+                    <a:p>
+                      <a:r>
+                        <a:rPr lang="en-US" sz="1200" dirty="0" smtClean="0"/>
+                        <a:t>3 Dec</a:t>
+                      </a:r>
+                      <a:endParaRPr lang="en-US" sz="1200" dirty="0"/>
+                    </a:p>
+                  </a:txBody>
+                  <a:tcPr>
+                    <a:lnB w="12700" cmpd="sng">
+                      <a:noFill/>
+                    </a:lnB>
+                  </a:tcPr>
+                </a:tc>
+                <a:tc>
+                  <a:txBody>
+                    <a:bodyPr/>
+                    <a:lstStyle/>
+                    <a:p>
+                      <a:pPr marL="0" marR="0" lvl="0" indent="0" algn="l" defTabSz="914400" rtl="0" eaLnBrk="1" fontAlgn="auto" latinLnBrk="0" hangingPunct="1">
+                        <a:lnSpc>
+                          <a:spcPct val="100000"/>
+                        </a:lnSpc>
+                        <a:spcBef>
+                          <a:spcPts val="0"/>
+                        </a:spcBef>
+                        <a:spcAft>
+                          <a:spcPts val="0"/>
+                        </a:spcAft>
+                        <a:buClrTx/>
+                        <a:buSzTx/>
+                        <a:buFontTx/>
+                        <a:buNone/>
+                        <a:tabLst/>
+                        <a:defRPr/>
+                      </a:pPr>
+                      <a:r>
+                        <a:rPr lang="en-US" sz="1200" baseline="0" dirty="0" smtClean="0"/>
+                        <a:t>WRITING BUFFER</a:t>
+                      </a:r>
+                      <a:endParaRPr lang="en-US" sz="1200" baseline="0" dirty="0" smtClean="0"/>
                     </a:p>
                   </a:txBody>
                   <a:tcPr>
@@ -5879,14 +6097,7 @@
                       </a:r>
                       <a:r>
                         <a:rPr lang="en-US" sz="1200" baseline="0" dirty="0" smtClean="0"/>
-                        <a:t> 2.3. + Section 2 intro</a:t>
-                      </a:r>
-                      <a:endParaRPr lang="en-US" sz="1200" dirty="0" smtClean="0"/>
-                    </a:p>
-                    <a:p>
-                      <a:r>
-                        <a:rPr lang="en-US" sz="1200" dirty="0" smtClean="0"/>
-                        <a:t>Work and review together </a:t>
+                        <a:t> 2.3</a:t>
                       </a:r>
                       <a:endParaRPr lang="en-US" sz="1200" dirty="0"/>
                     </a:p>
@@ -5903,17 +6114,31 @@
                   </a:ext>
                 </a:extLst>
               </a:tr>
-              <a:tr h="268218">
+              <a:tr h="639058">
                 <a:tc>
                   <a:txBody>
                     <a:bodyPr/>
                     <a:lstStyle/>
                     <a:p>
                       <a:r>
-                        <a:rPr lang="en-US" sz="1200" dirty="0" smtClean="0"/>
-                        <a:t>3 Dec</a:t>
+                        <a:rPr lang="en-US" sz="1200" kern="1200" dirty="0" smtClean="0">
+                          <a:solidFill>
+                            <a:schemeClr val="dk1"/>
+                          </a:solidFill>
+                          <a:latin typeface="+mn-lt"/>
+                          <a:ea typeface="+mn-ea"/>
+                          <a:cs typeface="+mn-cs"/>
+                        </a:rPr>
+                        <a:t>4 Dec</a:t>
                       </a:r>
-                      <a:endParaRPr lang="en-US" sz="1200" dirty="0"/>
+                      <a:endParaRPr lang="en-US" sz="1200" kern="1200" dirty="0">
+                        <a:solidFill>
+                          <a:schemeClr val="dk1"/>
+                        </a:solidFill>
+                        <a:latin typeface="+mn-lt"/>
+                        <a:ea typeface="+mn-ea"/>
+                        <a:cs typeface="+mn-cs"/>
+                      </a:endParaRPr>
                     </a:p>
                   </a:txBody>
                   <a:tcPr>
@@ -5927,7 +6152,9 @@
                       <a:noFill/>
                     </a:lnT>
                     <a:lnB w="12700" cap="flat" cmpd="sng" algn="ctr">
-                      <a:noFill/>
+                      <a:solidFill>
+                        <a:schemeClr val="tx1"/>
+                      </a:solidFill>
                       <a:prstDash val="solid"/>
                       <a:round/>
                       <a:headEnd type="none" w="med" len="med"/>
@@ -5943,7 +6170,7 @@
                     </a:lnBlToTr>
                   </a:tcPr>
                 </a:tc>
-                <a:tc rowSpan="2">
+                <a:tc>
                   <a:txBody>
                     <a:bodyPr/>
                     <a:lstStyle/>
@@ -6115,6 +6342,11 @@
                         <a:rPr lang="en-US" sz="1200" baseline="0" dirty="0" smtClean="0"/>
                         <a:t>check model scenario setup: Figure 5 </a:t>
                       </a:r>
+                      <a:r>
+                        <a:rPr lang="en-US" sz="1200" baseline="0" dirty="0" smtClean="0"/>
+                        <a:t>, table 2</a:t>
+                      </a:r>
+                      <a:endParaRPr lang="en-US" sz="1200" baseline="0" dirty="0" smtClean="0"/>
                     </a:p>
                   </a:txBody>
                   <a:tcPr>
@@ -6146,7 +6378,7 @@
                     </a:lnBlToTr>
                   </a:tcPr>
                 </a:tc>
-                <a:tc rowSpan="2">
+                <a:tc>
                   <a:txBody>
                     <a:bodyPr/>
                     <a:lstStyle/>
@@ -6216,115 +6448,6 @@
                 <a:extLst>
                   <a:ext uri="{0D108BD9-81ED-4DB2-BD59-A6C34878D82A}">
                     <a16:rowId xmlns:a16="http://schemas.microsoft.com/office/drawing/2014/main" val="4034592237"/>
-                  </a:ext>
-                </a:extLst>
-              </a:tr>
-              <a:tr h="370840">
-                <a:tc>
-                  <a:txBody>
-                    <a:bodyPr/>
-                    <a:lstStyle/>
-                    <a:p>
-                      <a:r>
-                        <a:rPr lang="en-US" sz="1200" dirty="0" smtClean="0"/>
-                        <a:t>4 Dec</a:t>
-                      </a:r>
-                      <a:endParaRPr lang="en-US" sz="1200" dirty="0"/>
-                    </a:p>
-                  </a:txBody>
-                  <a:tcPr>
-                    <a:lnT w="12700" cap="flat" cmpd="sng" algn="ctr">
-                      <a:noFill/>
-                      <a:prstDash val="solid"/>
-                      <a:round/>
-                      <a:headEnd type="none" w="med" len="med"/>
-                      <a:tailEnd type="none" w="med" len="med"/>
-                    </a:lnT>
-                    <a:lnB w="12700" cap="flat" cmpd="sng" algn="ctr">
-                      <a:solidFill>
-                        <a:schemeClr val="tx1"/>
-                      </a:solidFill>
-                      <a:prstDash val="solid"/>
-                      <a:round/>
-                      <a:headEnd type="none" w="med" len="med"/>
-                      <a:tailEnd type="none" w="med" len="med"/>
-                    </a:lnB>
-                  </a:tcPr>
-                </a:tc>
-                <a:tc vMerge="1">
-                  <a:txBody>
-                    <a:bodyPr/>
-                    <a:lstStyle/>
-                    <a:p>
-                      <a:pPr marL="0" marR="0" lvl="0" indent="0" algn="l" defTabSz="914400" rtl="0" eaLnBrk="1" fontAlgn="auto" latinLnBrk="0" hangingPunct="1">
-                        <a:lnSpc>
-                          <a:spcPct val="100000"/>
-                        </a:lnSpc>
-                        <a:spcBef>
-                          <a:spcPts val="0"/>
-                        </a:spcBef>
-                        <a:spcAft>
-                          <a:spcPts val="0"/>
-                        </a:spcAft>
-                        <a:buClrTx/>
-                        <a:buSzTx/>
-                        <a:buFontTx/>
-                        <a:buNone/>
-                        <a:tabLst/>
-                        <a:defRPr/>
-                      </a:pPr>
-                      <a:endParaRPr lang="en-US" sz="1200" baseline="0" dirty="0" smtClean="0"/>
-                    </a:p>
-                  </a:txBody>
-                  <a:tcPr>
-                    <a:lnT w="12700" cap="flat" cmpd="sng" algn="ctr">
-                      <a:noFill/>
-                      <a:prstDash val="solid"/>
-                      <a:round/>
-                      <a:headEnd type="none" w="med" len="med"/>
-                      <a:tailEnd type="none" w="med" len="med"/>
-                    </a:lnT>
-                    <a:lnB w="12700" cap="flat" cmpd="sng" algn="ctr">
-                      <a:solidFill>
-                        <a:schemeClr val="tx1"/>
-                      </a:solidFill>
-                      <a:prstDash val="solid"/>
-                      <a:round/>
-                      <a:headEnd type="none" w="med" len="med"/>
-                      <a:tailEnd type="none" w="med" len="med"/>
-                    </a:lnB>
-                  </a:tcPr>
-                </a:tc>
-                <a:tc vMerge="1">
-                  <a:txBody>
-                    <a:bodyPr/>
-                    <a:lstStyle/>
-                    <a:p>
-                      <a:endParaRPr lang="en-US" sz="1200" dirty="0"/>
-                    </a:p>
-                  </a:txBody>
-                  <a:tcPr>
-                    <a:lnT w="12700" cap="flat" cmpd="sng" algn="ctr">
-                      <a:noFill/>
-                      <a:prstDash val="solid"/>
-                      <a:round/>
-                      <a:headEnd type="none" w="med" len="med"/>
-                      <a:tailEnd type="none" w="med" len="med"/>
-                    </a:lnT>
-                    <a:lnB w="12700" cap="flat" cmpd="sng" algn="ctr">
-                      <a:solidFill>
-                        <a:schemeClr val="tx1"/>
-                      </a:solidFill>
-                      <a:prstDash val="solid"/>
-                      <a:round/>
-                      <a:headEnd type="none" w="med" len="med"/>
-                      <a:tailEnd type="none" w="med" len="med"/>
-                    </a:lnB>
-                  </a:tcPr>
-                </a:tc>
-                <a:extLst>
-                  <a:ext uri="{0D108BD9-81ED-4DB2-BD59-A6C34878D82A}">
-                    <a16:rowId xmlns:a16="http://schemas.microsoft.com/office/drawing/2014/main" val="603086232"/>
                   </a:ext>
                 </a:extLst>
               </a:tr>
@@ -6774,7 +6897,7 @@
           <a:p>
             <a:fld id="{FF15E650-2C9B-4E22-B544-79A90AB3DDC1}" type="datetime1">
               <a:rPr lang="de-DE" smtClean="0"/>
-              <a:t>29.11.2022</a:t>
+              <a:t>30.11.2022</a:t>
             </a:fld>
             <a:endParaRPr lang="de-DE"/>
           </a:p>
@@ -6940,7 +7063,7 @@
           <a:p>
             <a:fld id="{FF15E650-2C9B-4E22-B544-79A90AB3DDC1}" type="datetime1">
               <a:rPr lang="de-DE" smtClean="0"/>
-              <a:t>29.11.2022</a:t>
+              <a:t>30.11.2022</a:t>
             </a:fld>
             <a:endParaRPr lang="de-DE"/>
           </a:p>
@@ -7169,7 +7292,7 @@
           <a:p>
             <a:fld id="{FF15E650-2C9B-4E22-B544-79A90AB3DDC1}" type="datetime1">
               <a:rPr lang="de-DE" smtClean="0"/>
-              <a:t>29.11.2022</a:t>
+              <a:t>30.11.2022</a:t>
             </a:fld>
             <a:endParaRPr lang="de-DE"/>
           </a:p>
@@ -7515,7 +7638,7 @@
           <a:p>
             <a:fld id="{FF15E650-2C9B-4E22-B544-79A90AB3DDC1}" type="datetime1">
               <a:rPr lang="de-DE" smtClean="0"/>
-              <a:t>29.11.2022</a:t>
+              <a:t>30.11.2022</a:t>
             </a:fld>
             <a:endParaRPr lang="de-DE"/>
           </a:p>
@@ -7692,7 +7815,7 @@
           <a:p>
             <a:fld id="{FF15E650-2C9B-4E22-B544-79A90AB3DDC1}" type="datetime1">
               <a:rPr lang="de-DE" smtClean="0"/>
-              <a:t>29.11.2022</a:t>
+              <a:t>30.11.2022</a:t>
             </a:fld>
             <a:endParaRPr lang="de-DE"/>
           </a:p>
@@ -7916,7 +8039,7 @@
           <a:p>
             <a:fld id="{FF15E650-2C9B-4E22-B544-79A90AB3DDC1}" type="datetime1">
               <a:rPr lang="de-DE" smtClean="0"/>
-              <a:t>29.11.2022</a:t>
+              <a:t>30.11.2022</a:t>
             </a:fld>
             <a:endParaRPr lang="de-DE"/>
           </a:p>

--- a/final/Discussion_paper.pptx
+++ b/final/Discussion_paper.pptx
@@ -287,7 +287,7 @@
           <a:p>
             <a:fld id="{BCDB334D-D17F-49C4-91DD-37BB7E818209}" type="datetimeFigureOut">
               <a:rPr lang="de-CH" smtClean="0"/>
-              <a:t>30.11.2022</a:t>
+              <a:t>01.12.2022</a:t>
             </a:fld>
             <a:endParaRPr lang="de-CH"/>
           </a:p>
@@ -712,7 +712,7 @@
           <a:p>
             <a:fld id="{3CF37669-2BCF-46DA-B042-E354827809F7}" type="datetime1">
               <a:rPr lang="de-DE" smtClean="0"/>
-              <a:t>30.11.2022</a:t>
+              <a:t>01.12.2022</a:t>
             </a:fld>
             <a:endParaRPr lang="de-DE"/>
           </a:p>
@@ -941,7 +941,7 @@
           <a:p>
             <a:fld id="{DD0AF57A-3629-4D20-9CDE-C9CA7A3667AA}" type="datetime1">
               <a:rPr lang="de-DE" smtClean="0"/>
-              <a:t>30.11.2022</a:t>
+              <a:t>01.12.2022</a:t>
             </a:fld>
             <a:endParaRPr lang="de-DE"/>
           </a:p>
@@ -1213,7 +1213,7 @@
           <a:p>
             <a:fld id="{A02690AB-37C5-464E-B999-AEA04CFF82B9}" type="datetime1">
               <a:rPr lang="de-DE" smtClean="0"/>
-              <a:t>30.11.2022</a:t>
+              <a:t>01.12.2022</a:t>
             </a:fld>
             <a:endParaRPr lang="de-DE" dirty="0"/>
           </a:p>
@@ -1522,7 +1522,7 @@
           <a:p>
             <a:fld id="{D6387CFC-9D6A-4A2B-A4A9-D1A02656E42F}" type="datetime1">
               <a:rPr lang="de-DE" smtClean="0"/>
-              <a:t>30.11.2022</a:t>
+              <a:t>01.12.2022</a:t>
             </a:fld>
             <a:endParaRPr lang="de-DE"/>
           </a:p>
@@ -2126,7 +2126,7 @@
           <a:p>
             <a:fld id="{FF15E650-2C9B-4E22-B544-79A90AB3DDC1}" type="datetime1">
               <a:rPr lang="de-DE" smtClean="0"/>
-              <a:t>30.11.2022</a:t>
+              <a:t>01.12.2022</a:t>
             </a:fld>
             <a:endParaRPr lang="de-DE"/>
           </a:p>
@@ -2459,7 +2459,7 @@
           <a:p>
             <a:fld id="{61621C89-5216-48C0-BC08-43A5D37DC60A}" type="datetime1">
               <a:rPr lang="de-DE" smtClean="0"/>
-              <a:t>30.11.2022</a:t>
+              <a:t>01.12.2022</a:t>
             </a:fld>
             <a:endParaRPr lang="de-DE"/>
           </a:p>
@@ -2583,7 +2583,7 @@
           <a:p>
             <a:fld id="{F1FF226D-F83D-4818-9860-D08642397BB7}" type="datetime1">
               <a:rPr lang="de-DE" smtClean="0"/>
-              <a:t>30.11.2022</a:t>
+              <a:t>01.12.2022</a:t>
             </a:fld>
             <a:endParaRPr lang="de-DE"/>
           </a:p>
@@ -2710,7 +2710,7 @@
           <a:p>
             <a:fld id="{A5F31C7A-EA54-4BF4-ACB0-2765243AF525}" type="datetime1">
               <a:rPr lang="de-DE" smtClean="0"/>
-              <a:t>30.11.2022</a:t>
+              <a:t>01.12.2022</a:t>
             </a:fld>
             <a:endParaRPr lang="de-DE"/>
           </a:p>
@@ -2853,7 +2853,7 @@
           <a:p>
             <a:fld id="{EFD419F0-1738-4192-8FF2-BE957FD32662}" type="datetime1">
               <a:rPr lang="de-DE" smtClean="0"/>
-              <a:t>30.11.2022</a:t>
+              <a:t>01.12.2022</a:t>
             </a:fld>
             <a:endParaRPr lang="de-DE"/>
           </a:p>
@@ -3251,7 +3251,7 @@
           <a:p>
             <a:fld id="{D78D58C2-FBCE-4B47-BBAC-2891E9120B14}" type="datetime1">
               <a:rPr lang="de-DE" smtClean="0"/>
-              <a:t>30.11.2022</a:t>
+              <a:t>01.12.2022</a:t>
             </a:fld>
             <a:endParaRPr lang="de-DE" dirty="0"/>
           </a:p>
@@ -3921,7 +3921,7 @@
           <a:p>
             <a:fld id="{3CF37669-2BCF-46DA-B042-E354827809F7}" type="datetime1">
               <a:rPr lang="de-DE" smtClean="0"/>
-              <a:t>30.11.2022</a:t>
+              <a:t>01.12.2022</a:t>
             </a:fld>
             <a:endParaRPr lang="de-DE"/>
           </a:p>
@@ -4081,7 +4081,7 @@
           <a:p>
             <a:fld id="{FF15E650-2C9B-4E22-B544-79A90AB3DDC1}" type="datetime1">
               <a:rPr lang="de-DE" smtClean="0"/>
-              <a:t>30.11.2022</a:t>
+              <a:t>01.12.2022</a:t>
             </a:fld>
             <a:endParaRPr lang="de-DE"/>
           </a:p>
@@ -4183,7 +4183,7 @@
           <a:p>
             <a:fld id="{FF15E650-2C9B-4E22-B544-79A90AB3DDC1}" type="datetime1">
               <a:rPr lang="de-DE" smtClean="0"/>
-              <a:t>30.11.2022</a:t>
+              <a:t>01.12.2022</a:t>
             </a:fld>
             <a:endParaRPr lang="de-DE"/>
           </a:p>
@@ -4382,7 +4382,7 @@
           <a:p>
             <a:fld id="{FF15E650-2C9B-4E22-B544-79A90AB3DDC1}" type="datetime1">
               <a:rPr lang="de-DE" smtClean="0"/>
-              <a:t>30.11.2022</a:t>
+              <a:t>01.12.2022</a:t>
             </a:fld>
             <a:endParaRPr lang="de-DE"/>
           </a:p>
@@ -4500,14 +4500,14 @@
             <p:ph idx="1"/>
             <p:extLst>
               <p:ext uri="{D42A27DB-BD31-4B8C-83A1-F6EECF244321}">
-                <p14:modId xmlns:p14="http://schemas.microsoft.com/office/powerpoint/2010/main" val="202363736"/>
+                <p14:modId xmlns:p14="http://schemas.microsoft.com/office/powerpoint/2010/main" val="912320982"/>
               </p:ext>
             </p:extLst>
           </p:nvPr>
         </p:nvGraphicFramePr>
         <p:xfrm>
           <a:off x="396751" y="1473325"/>
-          <a:ext cx="8496300" cy="4712282"/>
+          <a:ext cx="8496300" cy="5078042"/>
         </p:xfrm>
         <a:graphic>
           <a:graphicData uri="http://schemas.openxmlformats.org/drawingml/2006/table">
@@ -4628,11 +4628,11 @@
                         <a:buChar char="-"/>
                       </a:pPr>
                       <a:r>
-                        <a:rPr lang="en-US" sz="1200" dirty="0" smtClean="0"/>
+                        <a:rPr lang="en-US" sz="1200" strike="sngStrike" dirty="0" smtClean="0"/>
                         <a:t>Model</a:t>
                       </a:r>
                       <a:r>
-                        <a:rPr lang="en-US" sz="1200" baseline="0" dirty="0" smtClean="0"/>
+                        <a:rPr lang="en-US" sz="1200" strike="sngStrike" baseline="0" dirty="0" smtClean="0"/>
                         <a:t>: all views have all parameters allocated</a:t>
                       </a:r>
                     </a:p>
@@ -4642,7 +4642,7 @@
                         <a:buChar char="-"/>
                       </a:pPr>
                       <a:r>
-                        <a:rPr lang="en-US" sz="1200" baseline="0" dirty="0" smtClean="0"/>
+                        <a:rPr lang="en-US" sz="1200" strike="sngStrike" baseline="0" dirty="0" smtClean="0"/>
                         <a:t>Model: environments reactivated</a:t>
                       </a:r>
                     </a:p>
@@ -4703,11 +4703,7 @@
                       </a:r>
                       <a:r>
                         <a:rPr lang="en-US" sz="1200" baseline="0" dirty="0" smtClean="0"/>
-                        <a:t>7 </a:t>
-                      </a:r>
-                      <a:r>
-                        <a:rPr lang="en-US" sz="1200" baseline="0" dirty="0" smtClean="0"/>
-                        <a:t>– 28 Nov</a:t>
+                        <a:t>7 – 28 Nov</a:t>
                       </a:r>
                       <a:endParaRPr lang="en-US" sz="1200" dirty="0"/>
                     </a:p>
@@ -4748,13 +4744,8 @@
                       </a:pPr>
                       <a:r>
                         <a:rPr lang="en-US" sz="1200" strike="sngStrike" baseline="0" dirty="0" smtClean="0"/>
-                        <a:t>Work on the model: string to integer table fix </a:t>
+                        <a:t>Work on the model: string to integer table fix columns</a:t>
                       </a:r>
-                      <a:r>
-                        <a:rPr lang="en-US" sz="1200" strike="sngStrike" baseline="0" dirty="0" smtClean="0"/>
-                        <a:t>columns</a:t>
-                      </a:r>
-                      <a:endParaRPr lang="en-US" sz="1200" strike="sngStrike" baseline="0" dirty="0" smtClean="0"/>
                     </a:p>
                   </a:txBody>
                   <a:tcPr>
@@ -4813,18 +4804,7 @@
                           <a:ea typeface="+mn-ea"/>
                           <a:cs typeface="+mn-cs"/>
                         </a:rPr>
-                        <a:t>28 </a:t>
-                      </a:r>
-                      <a:r>
-                        <a:rPr lang="en-US" sz="1200" strike="noStrike" kern="1200" baseline="0" dirty="0" smtClean="0">
-                          <a:solidFill>
-                            <a:schemeClr val="dk1"/>
-                          </a:solidFill>
-                          <a:latin typeface="+mn-lt"/>
-                          <a:ea typeface="+mn-ea"/>
-                          <a:cs typeface="+mn-cs"/>
-                        </a:rPr>
-                        <a:t>Nov</a:t>
+                        <a:t>28 Nov</a:t>
                       </a:r>
                       <a:endParaRPr lang="en-US" sz="1200" strike="noStrike" kern="1200" baseline="0" dirty="0">
                         <a:solidFill>
@@ -5000,11 +4980,7 @@
                     <a:p>
                       <a:r>
                         <a:rPr lang="en-US" sz="1200" dirty="0" smtClean="0"/>
-                        <a:t>29 </a:t>
-                      </a:r>
-                      <a:r>
-                        <a:rPr lang="en-US" sz="1200" dirty="0" smtClean="0"/>
-                        <a:t>Nov</a:t>
+                        <a:t>29 Nov</a:t>
                       </a:r>
                       <a:endParaRPr lang="en-US" sz="1200" dirty="0"/>
                     </a:p>
@@ -5404,7 +5380,7 @@
                         <a:defRPr/>
                       </a:pPr>
                       <a:r>
-                        <a:rPr lang="en-US" sz="1200" kern="1200" dirty="0" smtClean="0">
+                        <a:rPr lang="en-US" sz="1200" strike="sngStrike" kern="1200" dirty="0" smtClean="0">
                           <a:solidFill>
                             <a:schemeClr val="dk1"/>
                           </a:solidFill>
@@ -5434,7 +5410,7 @@
                         <a:defRPr/>
                       </a:pPr>
                       <a:r>
-                        <a:rPr lang="en-US" sz="1200" kern="1200" dirty="0" smtClean="0">
+                        <a:rPr lang="en-US" sz="1200" strike="sngStrike" kern="1200" dirty="0" smtClean="0">
                           <a:solidFill>
                             <a:schemeClr val="dk1"/>
                           </a:solidFill>
@@ -5476,7 +5452,7 @@
                       </a:r>
                     </a:p>
                     <a:p>
-                      <a:pPr marL="0" marR="0" lvl="0" indent="-285750" algn="l" defTabSz="914400" rtl="0" eaLnBrk="1" fontAlgn="auto" latinLnBrk="0" hangingPunct="1">
+                      <a:pPr marL="285750" marR="0" lvl="0" indent="-285750" algn="l" defTabSz="914400" rtl="0" eaLnBrk="1" fontAlgn="auto" latinLnBrk="0" hangingPunct="1">
                         <a:lnSpc>
                           <a:spcPct val="100000"/>
                         </a:lnSpc>
@@ -5494,31 +5470,16 @@
                         <a:defRPr/>
                       </a:pPr>
                       <a:r>
-                        <a:rPr lang="en-US" sz="1200" baseline="0" dirty="0" smtClean="0"/>
-                        <a:t>Check LCA calculations (KBOB sources) and adapt writing 2.2.4</a:t>
+                        <a:rPr lang="en-US" sz="1200" strike="sngStrike" dirty="0" smtClean="0"/>
+                        <a:t>(re) Write</a:t>
                       </a:r>
-                      <a:endParaRPr lang="en-US" sz="1200" kern="1200" dirty="0" smtClean="0">
-                        <a:solidFill>
-                          <a:schemeClr val="dk1"/>
-                        </a:solidFill>
-                        <a:latin typeface="+mn-lt"/>
-                        <a:ea typeface="+mn-ea"/>
-                        <a:cs typeface="+mn-cs"/>
-                      </a:endParaRPr>
+                      <a:r>
+                        <a:rPr lang="en-US" sz="1200" strike="sngStrike" baseline="0" dirty="0" smtClean="0"/>
+                        <a:t> Section 2.3. Case study (and Table 3)</a:t>
+                      </a:r>
                     </a:p>
-                  </a:txBody>
-                  <a:tcPr>
-                    <a:solidFill>
-                      <a:srgbClr val="EBECE7"/>
-                    </a:solidFill>
-                  </a:tcPr>
-                </a:tc>
-                <a:tc>
-                  <a:txBody>
-                    <a:bodyPr/>
-                    <a:lstStyle/>
                     <a:p>
-                      <a:pPr marL="0" marR="0" lvl="0" indent="0" algn="l" defTabSz="914400" rtl="0" eaLnBrk="1" fontAlgn="auto" latinLnBrk="0" hangingPunct="1">
+                      <a:pPr marL="285750" marR="0" lvl="0" indent="-285750" algn="l" defTabSz="914400" rtl="0" eaLnBrk="1" fontAlgn="auto" latinLnBrk="0" hangingPunct="1">
                         <a:lnSpc>
                           <a:spcPct val="100000"/>
                         </a:lnSpc>
@@ -5531,27 +5492,50 @@
                         <a:buClrTx/>
                         <a:buSzTx/>
                         <a:buFontTx/>
-                        <a:buNone/>
+                        <a:buChar char="-"/>
                         <a:tabLst/>
                         <a:defRPr/>
                       </a:pPr>
                       <a:r>
-                        <a:rPr lang="en-US" sz="1200" dirty="0" smtClean="0"/>
-                        <a:t>Sasha checks</a:t>
-                      </a:r>
-                      <a:r>
-                        <a:rPr lang="en-US" sz="1200" baseline="0" dirty="0" smtClean="0"/>
-                        <a:t> 2.2.1, </a:t>
-                      </a:r>
-                      <a:r>
-                        <a:rPr lang="en-US" sz="1200" dirty="0" smtClean="0"/>
-                        <a:t>2.2.2,</a:t>
-                      </a:r>
-                      <a:r>
-                        <a:rPr lang="en-US" sz="1200" baseline="0" dirty="0" smtClean="0"/>
-                        <a:t> 2.2.3</a:t>
+                        <a:rPr lang="en-US" sz="1200" strike="sngStrike" baseline="0" dirty="0" smtClean="0"/>
+                        <a:t>Write Section 2.3.2. Scenario assessment </a:t>
                       </a:r>
                     </a:p>
+                    <a:p>
+                      <a:pPr marL="285750" marR="0" lvl="0" indent="-285750" algn="l" defTabSz="914400" rtl="0" eaLnBrk="1" fontAlgn="auto" latinLnBrk="0" hangingPunct="1">
+                        <a:lnSpc>
+                          <a:spcPct val="100000"/>
+                        </a:lnSpc>
+                        <a:spcBef>
+                          <a:spcPts val="0"/>
+                        </a:spcBef>
+                        <a:spcAft>
+                          <a:spcPts val="0"/>
+                        </a:spcAft>
+                        <a:buClrTx/>
+                        <a:buSzTx/>
+                        <a:buFontTx/>
+                        <a:buChar char="-"/>
+                        <a:tabLst/>
+                        <a:defRPr/>
+                      </a:pPr>
+                      <a:r>
+                        <a:rPr lang="en-US" sz="1200" strike="sngStrike" baseline="0" dirty="0" smtClean="0"/>
+                        <a:t>Section 2.3.1</a:t>
+                      </a:r>
+                      <a:endParaRPr lang="en-US" sz="1200" baseline="0" dirty="0" smtClean="0"/>
+                    </a:p>
+                  </a:txBody>
+                  <a:tcPr>
+                    <a:solidFill>
+                      <a:srgbClr val="92D050"/>
+                    </a:solidFill>
+                  </a:tcPr>
+                </a:tc>
+                <a:tc>
+                  <a:txBody>
+                    <a:bodyPr/>
+                    <a:lstStyle/>
                     <a:p>
                       <a:pPr marL="0" algn="l" defTabSz="914400" rtl="0" eaLnBrk="1" latinLnBrk="0" hangingPunct="1"/>
                       <a:endParaRPr lang="en-US" sz="1200" kern="1200" dirty="0">
@@ -5593,7 +5577,7 @@
           <a:p>
             <a:fld id="{A02690AB-37C5-464E-B999-AEA04CFF82B9}" type="datetime1">
               <a:rPr lang="de-DE" smtClean="0"/>
-              <a:t>30.11.2022</a:t>
+              <a:t>01.12.2022</a:t>
             </a:fld>
             <a:endParaRPr lang="de-DE" dirty="0"/>
           </a:p>
@@ -5723,7 +5707,7 @@
           <a:p>
             <a:fld id="{FF15E650-2C9B-4E22-B544-79A90AB3DDC1}" type="datetime1">
               <a:rPr lang="de-DE" smtClean="0"/>
-              <a:t>30.11.2022</a:t>
+              <a:t>01.12.2022</a:t>
             </a:fld>
             <a:endParaRPr lang="de-DE"/>
           </a:p>
@@ -5807,14 +5791,14 @@
             <p:ph idx="1"/>
             <p:extLst>
               <p:ext uri="{D42A27DB-BD31-4B8C-83A1-F6EECF244321}">
-                <p14:modId xmlns:p14="http://schemas.microsoft.com/office/powerpoint/2010/main" val="963133062"/>
+                <p14:modId xmlns:p14="http://schemas.microsoft.com/office/powerpoint/2010/main" val="3799510847"/>
               </p:ext>
             </p:extLst>
           </p:nvPr>
         </p:nvGraphicFramePr>
         <p:xfrm>
           <a:off x="323850" y="1609746"/>
-          <a:ext cx="8496300" cy="3865880"/>
+          <a:ext cx="8496300" cy="3495040"/>
         </p:xfrm>
         <a:graphic>
           <a:graphicData uri="http://schemas.openxmlformats.org/drawingml/2006/table">
@@ -5910,7 +5894,7 @@
                   </a:ext>
                 </a:extLst>
               </a:tr>
-              <a:tr h="370840">
+              <a:tr h="583859">
                 <a:tc>
                   <a:txBody>
                     <a:bodyPr/>
@@ -5935,48 +5919,14 @@
                         <a:buChar char="-"/>
                       </a:pPr>
                       <a:r>
-                        <a:rPr lang="en-US" sz="1200" baseline="0" dirty="0" smtClean="0"/>
+                        <a:rPr lang="en-US" sz="1200" strike="sngStrike" baseline="0" dirty="0" smtClean="0"/>
                         <a:t>Write </a:t>
                       </a:r>
                       <a:r>
-                        <a:rPr lang="en-US" sz="1200" baseline="0" dirty="0" smtClean="0"/>
-                        <a:t>Section </a:t>
+                        <a:rPr lang="en-US" sz="1200" strike="sngStrike" baseline="0" dirty="0" smtClean="0"/>
+                        <a:t>Section 2 Methodology intro </a:t>
                       </a:r>
-                      <a:r>
-                        <a:rPr lang="en-US" sz="1200" baseline="0" dirty="0" smtClean="0"/>
-                        <a:t>2.3. </a:t>
-                      </a:r>
-                      <a:r>
-                        <a:rPr lang="en-US" sz="1200" baseline="0" dirty="0" smtClean="0"/>
-                        <a:t>Scenario assessment </a:t>
-                      </a:r>
-                    </a:p>
-                    <a:p>
-                      <a:pPr marL="285750" marR="0" lvl="0" indent="-285750" algn="l" defTabSz="914400" rtl="0" eaLnBrk="1" fontAlgn="auto" latinLnBrk="0" hangingPunct="1">
-                        <a:lnSpc>
-                          <a:spcPct val="100000"/>
-                        </a:lnSpc>
-                        <a:spcBef>
-                          <a:spcPts val="0"/>
-                        </a:spcBef>
-                        <a:spcAft>
-                          <a:spcPts val="0"/>
-                        </a:spcAft>
-                        <a:buClrTx/>
-                        <a:buSzTx/>
-                        <a:buFontTx/>
-                        <a:buChar char="-"/>
-                        <a:tabLst/>
-                        <a:defRPr/>
-                      </a:pPr>
-                      <a:r>
-                        <a:rPr lang="en-US" sz="1200" dirty="0" smtClean="0"/>
-                        <a:t>(re) Write</a:t>
-                      </a:r>
-                      <a:r>
-                        <a:rPr lang="en-US" sz="1200" baseline="0" dirty="0" smtClean="0"/>
-                        <a:t> Section 2.4. Case study (and Table 3)</a:t>
-                      </a:r>
+                      <a:endParaRPr lang="en-US" sz="1200" strike="sngStrike" baseline="0" dirty="0" smtClean="0"/>
                     </a:p>
                     <a:p>
                       <a:pPr marL="285750" indent="-285750">
@@ -5984,8 +5934,8 @@
                         <a:buChar char="-"/>
                       </a:pPr>
                       <a:r>
-                        <a:rPr lang="en-US" sz="1200" baseline="0" dirty="0" smtClean="0"/>
-                        <a:t>Write Section 2 Methodology intro </a:t>
+                        <a:rPr lang="en-US" sz="1200" strike="noStrike" baseline="0" dirty="0" smtClean="0"/>
+                        <a:t>Improve Section 2.3</a:t>
                       </a:r>
                     </a:p>
                   </a:txBody>
@@ -6019,7 +5969,30 @@
                       </a:r>
                       <a:r>
                         <a:rPr lang="en-US" sz="1200" baseline="0" dirty="0" smtClean="0"/>
-                        <a:t> section 2.2.4</a:t>
+                        <a:t> writing</a:t>
+                      </a:r>
+                    </a:p>
+                    <a:p>
+                      <a:pPr marL="0" marR="0" lvl="0" indent="0" algn="l" defTabSz="914400" rtl="0" eaLnBrk="1" fontAlgn="auto" latinLnBrk="0" hangingPunct="1">
+                        <a:lnSpc>
+                          <a:spcPct val="100000"/>
+                        </a:lnSpc>
+                        <a:spcBef>
+                          <a:spcPts val="0"/>
+                        </a:spcBef>
+                        <a:spcAft>
+                          <a:spcPts val="0"/>
+                        </a:spcAft>
+                        <a:buClrTx/>
+                        <a:buSzTx/>
+                        <a:buFontTx/>
+                        <a:buNone/>
+                        <a:tabLst/>
+                        <a:defRPr/>
+                      </a:pPr>
+                      <a:r>
+                        <a:rPr lang="en-US" sz="1200" baseline="0" dirty="0" smtClean="0"/>
+                        <a:t>Check LCA calculations (KBOB sources) and adapt writing 2.2.3</a:t>
                       </a:r>
                       <a:endParaRPr lang="en-US" sz="1200" baseline="0" dirty="0" smtClean="0"/>
                     </a:p>
@@ -6046,111 +6019,6 @@
                     </a:p>
                   </a:txBody>
                   <a:tcPr>
-                    <a:lnB w="12700" cmpd="sng">
-                      <a:noFill/>
-                    </a:lnB>
-                  </a:tcPr>
-                </a:tc>
-                <a:tc>
-                  <a:txBody>
-                    <a:bodyPr/>
-                    <a:lstStyle/>
-                    <a:p>
-                      <a:pPr marL="0" marR="0" lvl="0" indent="0" algn="l" defTabSz="914400" rtl="0" eaLnBrk="1" fontAlgn="auto" latinLnBrk="0" hangingPunct="1">
-                        <a:lnSpc>
-                          <a:spcPct val="100000"/>
-                        </a:lnSpc>
-                        <a:spcBef>
-                          <a:spcPts val="0"/>
-                        </a:spcBef>
-                        <a:spcAft>
-                          <a:spcPts val="0"/>
-                        </a:spcAft>
-                        <a:buClrTx/>
-                        <a:buSzTx/>
-                        <a:buFontTx/>
-                        <a:buNone/>
-                        <a:tabLst/>
-                        <a:defRPr/>
-                      </a:pPr>
-                      <a:r>
-                        <a:rPr lang="en-US" sz="1200" baseline="0" dirty="0" smtClean="0"/>
-                        <a:t>WRITING BUFFER</a:t>
-                      </a:r>
-                      <a:endParaRPr lang="en-US" sz="1200" baseline="0" dirty="0" smtClean="0"/>
-                    </a:p>
-                  </a:txBody>
-                  <a:tcPr>
-                    <a:lnB w="12700" cmpd="sng">
-                      <a:noFill/>
-                    </a:lnB>
-                  </a:tcPr>
-                </a:tc>
-                <a:tc>
-                  <a:txBody>
-                    <a:bodyPr/>
-                    <a:lstStyle/>
-                    <a:p>
-                      <a:r>
-                        <a:rPr lang="en-US" sz="1200" dirty="0" smtClean="0"/>
-                        <a:t>Sasha checks</a:t>
-                      </a:r>
-                      <a:r>
-                        <a:rPr lang="en-US" sz="1200" baseline="0" dirty="0" smtClean="0"/>
-                        <a:t> 2.3</a:t>
-                      </a:r>
-                      <a:endParaRPr lang="en-US" sz="1200" dirty="0"/>
-                    </a:p>
-                  </a:txBody>
-                  <a:tcPr>
-                    <a:lnB w="12700" cmpd="sng">
-                      <a:noFill/>
-                    </a:lnB>
-                  </a:tcPr>
-                </a:tc>
-                <a:extLst>
-                  <a:ext uri="{0D108BD9-81ED-4DB2-BD59-A6C34878D82A}">
-                    <a16:rowId xmlns:a16="http://schemas.microsoft.com/office/drawing/2014/main" val="3783486380"/>
-                  </a:ext>
-                </a:extLst>
-              </a:tr>
-              <a:tr h="639058">
-                <a:tc>
-                  <a:txBody>
-                    <a:bodyPr/>
-                    <a:lstStyle/>
-                    <a:p>
-                      <a:r>
-                        <a:rPr lang="en-US" sz="1200" kern="1200" dirty="0" smtClean="0">
-                          <a:solidFill>
-                            <a:schemeClr val="dk1"/>
-                          </a:solidFill>
-                          <a:latin typeface="+mn-lt"/>
-                          <a:ea typeface="+mn-ea"/>
-                          <a:cs typeface="+mn-cs"/>
-                        </a:rPr>
-                        <a:t>4 Dec</a:t>
-                      </a:r>
-                      <a:endParaRPr lang="en-US" sz="1200" kern="1200" dirty="0">
-                        <a:solidFill>
-                          <a:schemeClr val="dk1"/>
-                        </a:solidFill>
-                        <a:latin typeface="+mn-lt"/>
-                        <a:ea typeface="+mn-ea"/>
-                        <a:cs typeface="+mn-cs"/>
-                      </a:endParaRPr>
-                    </a:p>
-                  </a:txBody>
-                  <a:tcPr>
-                    <a:lnL w="12700" cmpd="sng">
-                      <a:noFill/>
-                    </a:lnL>
-                    <a:lnR w="12700" cmpd="sng">
-                      <a:noFill/>
-                    </a:lnR>
-                    <a:lnT w="12700" cmpd="sng">
-                      <a:noFill/>
-                    </a:lnT>
                     <a:lnB w="12700" cap="flat" cmpd="sng" algn="ctr">
                       <a:solidFill>
                         <a:schemeClr val="tx1"/>
@@ -6160,14 +6028,6 @@
                       <a:headEnd type="none" w="med" len="med"/>
                       <a:tailEnd type="none" w="med" len="med"/>
                     </a:lnB>
-                    <a:lnTlToBr w="12700" cmpd="sng">
-                      <a:noFill/>
-                      <a:prstDash val="solid"/>
-                    </a:lnTlToBr>
-                    <a:lnBlToTr w="12700" cmpd="sng">
-                      <a:noFill/>
-                      <a:prstDash val="solid"/>
-                    </a:lnBlToTr>
                   </a:tcPr>
                 </a:tc>
                 <a:tc>
@@ -6340,25 +6200,12 @@
                       </a:pPr>
                       <a:r>
                         <a:rPr lang="en-US" sz="1200" baseline="0" dirty="0" smtClean="0"/>
-                        <a:t>check model scenario setup: Figure 5 </a:t>
-                      </a:r>
-                      <a:r>
-                        <a:rPr lang="en-US" sz="1200" baseline="0" dirty="0" smtClean="0"/>
-                        <a:t>, table 2</a:t>
+                        <a:t>check model scenario setup: Figure 5 , table 2</a:t>
                       </a:r>
                       <a:endParaRPr lang="en-US" sz="1200" baseline="0" dirty="0" smtClean="0"/>
                     </a:p>
                   </a:txBody>
                   <a:tcPr>
-                    <a:lnL w="12700" cmpd="sng">
-                      <a:noFill/>
-                    </a:lnL>
-                    <a:lnR w="12700" cmpd="sng">
-                      <a:noFill/>
-                    </a:lnR>
-                    <a:lnT w="12700" cmpd="sng">
-                      <a:noFill/>
-                    </a:lnT>
                     <a:lnB w="12700" cap="flat" cmpd="sng" algn="ctr">
                       <a:solidFill>
                         <a:schemeClr val="tx1"/>
@@ -6368,14 +6215,6 @@
                       <a:headEnd type="none" w="med" len="med"/>
                       <a:tailEnd type="none" w="med" len="med"/>
                     </a:lnB>
-                    <a:lnTlToBr w="12700" cmpd="sng">
-                      <a:noFill/>
-                      <a:prstDash val="solid"/>
-                    </a:lnTlToBr>
-                    <a:lnBlToTr w="12700" cmpd="sng">
-                      <a:noFill/>
-                      <a:prstDash val="solid"/>
-                    </a:lnBlToTr>
                   </a:tcPr>
                 </a:tc>
                 <a:tc>
@@ -6401,6 +6240,17 @@
                         <a:defRPr/>
                       </a:pPr>
                       <a:r>
+                        <a:rPr lang="en-US" sz="1200" kern="1200" smtClean="0">
+                          <a:solidFill>
+                            <a:schemeClr val="dk1"/>
+                          </a:solidFill>
+                          <a:latin typeface="+mn-lt"/>
+                          <a:ea typeface="+mn-ea"/>
+                          <a:cs typeface="+mn-cs"/>
+                        </a:rPr>
+                        <a:t>Send </a:t>
+                      </a:r>
+                      <a:r>
                         <a:rPr lang="en-US" sz="1200" kern="1200" dirty="0" smtClean="0">
                           <a:solidFill>
                             <a:schemeClr val="dk1"/>
@@ -6409,23 +6259,14 @@
                           <a:ea typeface="+mn-ea"/>
                           <a:cs typeface="+mn-cs"/>
                         </a:rPr>
-                        <a:t>Send the draft to Steffi on Section 2</a:t>
+                        <a:t>the draft to Steffi on Section 2</a:t>
                       </a:r>
                     </a:p>
                     <a:p>
-                      <a:endParaRPr lang="en-US" dirty="0"/>
+                      <a:endParaRPr lang="en-US" sz="1200" dirty="0"/>
                     </a:p>
                   </a:txBody>
                   <a:tcPr>
-                    <a:lnL w="12700" cmpd="sng">
-                      <a:noFill/>
-                    </a:lnL>
-                    <a:lnR w="12700" cmpd="sng">
-                      <a:noFill/>
-                    </a:lnR>
-                    <a:lnT w="12700" cmpd="sng">
-                      <a:noFill/>
-                    </a:lnT>
                     <a:lnB w="12700" cap="flat" cmpd="sng" algn="ctr">
                       <a:solidFill>
                         <a:schemeClr val="tx1"/>
@@ -6435,19 +6276,11 @@
                       <a:headEnd type="none" w="med" len="med"/>
                       <a:tailEnd type="none" w="med" len="med"/>
                     </a:lnB>
-                    <a:lnTlToBr w="12700" cmpd="sng">
-                      <a:noFill/>
-                      <a:prstDash val="solid"/>
-                    </a:lnTlToBr>
-                    <a:lnBlToTr w="12700" cmpd="sng">
-                      <a:noFill/>
-                      <a:prstDash val="solid"/>
-                    </a:lnBlToTr>
                   </a:tcPr>
                 </a:tc>
                 <a:extLst>
                   <a:ext uri="{0D108BD9-81ED-4DB2-BD59-A6C34878D82A}">
-                    <a16:rowId xmlns:a16="http://schemas.microsoft.com/office/drawing/2014/main" val="4034592237"/>
+                    <a16:rowId xmlns:a16="http://schemas.microsoft.com/office/drawing/2014/main" val="3783486380"/>
                   </a:ext>
                 </a:extLst>
               </a:tr>
@@ -6897,7 +6730,7 @@
           <a:p>
             <a:fld id="{FF15E650-2C9B-4E22-B544-79A90AB3DDC1}" type="datetime1">
               <a:rPr lang="de-DE" smtClean="0"/>
-              <a:t>30.11.2022</a:t>
+              <a:t>01.12.2022</a:t>
             </a:fld>
             <a:endParaRPr lang="de-DE"/>
           </a:p>
@@ -7063,7 +6896,7 @@
           <a:p>
             <a:fld id="{FF15E650-2C9B-4E22-B544-79A90AB3DDC1}" type="datetime1">
               <a:rPr lang="de-DE" smtClean="0"/>
-              <a:t>30.11.2022</a:t>
+              <a:t>01.12.2022</a:t>
             </a:fld>
             <a:endParaRPr lang="de-DE"/>
           </a:p>
@@ -7292,7 +7125,7 @@
           <a:p>
             <a:fld id="{FF15E650-2C9B-4E22-B544-79A90AB3DDC1}" type="datetime1">
               <a:rPr lang="de-DE" smtClean="0"/>
-              <a:t>30.11.2022</a:t>
+              <a:t>01.12.2022</a:t>
             </a:fld>
             <a:endParaRPr lang="de-DE"/>
           </a:p>
@@ -7638,7 +7471,7 @@
           <a:p>
             <a:fld id="{FF15E650-2C9B-4E22-B544-79A90AB3DDC1}" type="datetime1">
               <a:rPr lang="de-DE" smtClean="0"/>
-              <a:t>30.11.2022</a:t>
+              <a:t>01.12.2022</a:t>
             </a:fld>
             <a:endParaRPr lang="de-DE"/>
           </a:p>
@@ -7815,7 +7648,7 @@
           <a:p>
             <a:fld id="{FF15E650-2C9B-4E22-B544-79A90AB3DDC1}" type="datetime1">
               <a:rPr lang="de-DE" smtClean="0"/>
-              <a:t>30.11.2022</a:t>
+              <a:t>01.12.2022</a:t>
             </a:fld>
             <a:endParaRPr lang="de-DE"/>
           </a:p>
@@ -8039,7 +7872,7 @@
           <a:p>
             <a:fld id="{FF15E650-2C9B-4E22-B544-79A90AB3DDC1}" type="datetime1">
               <a:rPr lang="de-DE" smtClean="0"/>
-              <a:t>30.11.2022</a:t>
+              <a:t>01.12.2022</a:t>
             </a:fld>
             <a:endParaRPr lang="de-DE"/>
           </a:p>

--- a/final/Discussion_paper.pptx
+++ b/final/Discussion_paper.pptx
@@ -5,21 +5,26 @@
     <p:sldMasterId id="2147483648" r:id="rId1"/>
   </p:sldMasterIdLst>
   <p:notesMasterIdLst>
-    <p:notesMasterId r:id="rId14"/>
+    <p:notesMasterId r:id="rId19"/>
   </p:notesMasterIdLst>
   <p:sldIdLst>
     <p:sldId id="440" r:id="rId2"/>
     <p:sldId id="507" r:id="rId3"/>
-    <p:sldId id="508" r:id="rId4"/>
-    <p:sldId id="497" r:id="rId5"/>
-    <p:sldId id="498" r:id="rId6"/>
-    <p:sldId id="500" r:id="rId7"/>
-    <p:sldId id="505" r:id="rId8"/>
-    <p:sldId id="499" r:id="rId9"/>
-    <p:sldId id="502" r:id="rId10"/>
-    <p:sldId id="503" r:id="rId11"/>
-    <p:sldId id="504" r:id="rId12"/>
-    <p:sldId id="506" r:id="rId13"/>
+    <p:sldId id="515" r:id="rId4"/>
+    <p:sldId id="509" r:id="rId5"/>
+    <p:sldId id="510" r:id="rId6"/>
+    <p:sldId id="511" r:id="rId7"/>
+    <p:sldId id="512" r:id="rId8"/>
+    <p:sldId id="513" r:id="rId9"/>
+    <p:sldId id="497" r:id="rId10"/>
+    <p:sldId id="500" r:id="rId11"/>
+    <p:sldId id="514" r:id="rId12"/>
+    <p:sldId id="505" r:id="rId13"/>
+    <p:sldId id="499" r:id="rId14"/>
+    <p:sldId id="502" r:id="rId15"/>
+    <p:sldId id="503" r:id="rId16"/>
+    <p:sldId id="504" r:id="rId17"/>
+    <p:sldId id="506" r:id="rId18"/>
   </p:sldIdLst>
   <p:sldSz cx="9144000" cy="6858000" type="screen4x3"/>
   <p:notesSz cx="6794500" cy="9931400"/>
@@ -126,17 +131,26 @@
             <p14:sldId id="440"/>
           </p14:sldIdLst>
         </p14:section>
-        <p14:section name="20221205" id="{927281F9-EDD4-4FA2-90DC-6074500DF242}">
+        <p14:section name="timeline" id="{927281F9-EDD4-4FA2-90DC-6074500DF242}">
           <p14:sldIdLst>
             <p14:sldId id="507"/>
-            <p14:sldId id="508"/>
+            <p14:sldId id="515"/>
+          </p14:sldIdLst>
+        </p14:section>
+        <p14:section name="20221205" id="{D1E9D497-3A75-4935-976A-C19C63C8E074}">
+          <p14:sldIdLst>
+            <p14:sldId id="509"/>
+            <p14:sldId id="510"/>
+            <p14:sldId id="511"/>
+            <p14:sldId id="512"/>
+            <p14:sldId id="513"/>
           </p14:sldIdLst>
         </p14:section>
         <p14:section name="20221125" id="{67646AD6-D18D-4FBC-8665-5DC0DB45B2AD}">
           <p14:sldIdLst>
             <p14:sldId id="497"/>
-            <p14:sldId id="498"/>
             <p14:sldId id="500"/>
+            <p14:sldId id="514"/>
             <p14:sldId id="505"/>
             <p14:sldId id="499"/>
             <p14:sldId id="502"/>
@@ -287,7 +301,7 @@
           <a:p>
             <a:fld id="{BCDB334D-D17F-49C4-91DD-37BB7E818209}" type="datetimeFigureOut">
               <a:rPr lang="de-CH" smtClean="0"/>
-              <a:t>01.12.2022</a:t>
+              <a:t>09.12.2022</a:t>
             </a:fld>
             <a:endParaRPr lang="de-CH"/>
           </a:p>
@@ -712,7 +726,7 @@
           <a:p>
             <a:fld id="{3CF37669-2BCF-46DA-B042-E354827809F7}" type="datetime1">
               <a:rPr lang="de-DE" smtClean="0"/>
-              <a:t>01.12.2022</a:t>
+              <a:t>09.12.2022</a:t>
             </a:fld>
             <a:endParaRPr lang="de-DE"/>
           </a:p>
@@ -941,7 +955,7 @@
           <a:p>
             <a:fld id="{DD0AF57A-3629-4D20-9CDE-C9CA7A3667AA}" type="datetime1">
               <a:rPr lang="de-DE" smtClean="0"/>
-              <a:t>01.12.2022</a:t>
+              <a:t>09.12.2022</a:t>
             </a:fld>
             <a:endParaRPr lang="de-DE"/>
           </a:p>
@@ -1213,7 +1227,7 @@
           <a:p>
             <a:fld id="{A02690AB-37C5-464E-B999-AEA04CFF82B9}" type="datetime1">
               <a:rPr lang="de-DE" smtClean="0"/>
-              <a:t>01.12.2022</a:t>
+              <a:t>09.12.2022</a:t>
             </a:fld>
             <a:endParaRPr lang="de-DE" dirty="0"/>
           </a:p>
@@ -1522,7 +1536,7 @@
           <a:p>
             <a:fld id="{D6387CFC-9D6A-4A2B-A4A9-D1A02656E42F}" type="datetime1">
               <a:rPr lang="de-DE" smtClean="0"/>
-              <a:t>01.12.2022</a:t>
+              <a:t>09.12.2022</a:t>
             </a:fld>
             <a:endParaRPr lang="de-DE"/>
           </a:p>
@@ -2126,7 +2140,7 @@
           <a:p>
             <a:fld id="{FF15E650-2C9B-4E22-B544-79A90AB3DDC1}" type="datetime1">
               <a:rPr lang="de-DE" smtClean="0"/>
-              <a:t>01.12.2022</a:t>
+              <a:t>09.12.2022</a:t>
             </a:fld>
             <a:endParaRPr lang="de-DE"/>
           </a:p>
@@ -2459,7 +2473,7 @@
           <a:p>
             <a:fld id="{61621C89-5216-48C0-BC08-43A5D37DC60A}" type="datetime1">
               <a:rPr lang="de-DE" smtClean="0"/>
-              <a:t>01.12.2022</a:t>
+              <a:t>09.12.2022</a:t>
             </a:fld>
             <a:endParaRPr lang="de-DE"/>
           </a:p>
@@ -2583,7 +2597,7 @@
           <a:p>
             <a:fld id="{F1FF226D-F83D-4818-9860-D08642397BB7}" type="datetime1">
               <a:rPr lang="de-DE" smtClean="0"/>
-              <a:t>01.12.2022</a:t>
+              <a:t>09.12.2022</a:t>
             </a:fld>
             <a:endParaRPr lang="de-DE"/>
           </a:p>
@@ -2710,7 +2724,7 @@
           <a:p>
             <a:fld id="{A5F31C7A-EA54-4BF4-ACB0-2765243AF525}" type="datetime1">
               <a:rPr lang="de-DE" smtClean="0"/>
-              <a:t>01.12.2022</a:t>
+              <a:t>09.12.2022</a:t>
             </a:fld>
             <a:endParaRPr lang="de-DE"/>
           </a:p>
@@ -2853,7 +2867,7 @@
           <a:p>
             <a:fld id="{EFD419F0-1738-4192-8FF2-BE957FD32662}" type="datetime1">
               <a:rPr lang="de-DE" smtClean="0"/>
-              <a:t>01.12.2022</a:t>
+              <a:t>09.12.2022</a:t>
             </a:fld>
             <a:endParaRPr lang="de-DE"/>
           </a:p>
@@ -3251,7 +3265,7 @@
           <a:p>
             <a:fld id="{D78D58C2-FBCE-4B47-BBAC-2891E9120B14}" type="datetime1">
               <a:rPr lang="de-DE" smtClean="0"/>
-              <a:t>01.12.2022</a:t>
+              <a:t>09.12.2022</a:t>
             </a:fld>
             <a:endParaRPr lang="de-DE" dirty="0"/>
           </a:p>
@@ -3921,7 +3935,7 @@
           <a:p>
             <a:fld id="{3CF37669-2BCF-46DA-B042-E354827809F7}" type="datetime1">
               <a:rPr lang="de-DE" smtClean="0"/>
-              <a:t>01.12.2022</a:t>
+              <a:t>09.12.2022</a:t>
             </a:fld>
             <a:endParaRPr lang="de-DE"/>
           </a:p>
@@ -4020,267 +4034,6 @@
 </file>
 
 <file path=ppt/slides/slide10.xml><?xml version="1.0" encoding="utf-8"?>
-<p:sld xmlns:a="http://schemas.openxmlformats.org/drawingml/2006/main" xmlns:r="http://schemas.openxmlformats.org/officeDocument/2006/relationships" xmlns:p="http://schemas.openxmlformats.org/presentationml/2006/main" show="0">
-  <p:cSld>
-    <p:spTree>
-      <p:nvGrpSpPr>
-        <p:cNvPr id="1" name=""/>
-        <p:cNvGrpSpPr/>
-        <p:nvPr/>
-      </p:nvGrpSpPr>
-      <p:grpSpPr>
-        <a:xfrm>
-          <a:off x="0" y="0"/>
-          <a:ext cx="0" cy="0"/>
-          <a:chOff x="0" y="0"/>
-          <a:chExt cx="0" cy="0"/>
-        </a:xfrm>
-      </p:grpSpPr>
-      <p:pic>
-        <p:nvPicPr>
-          <p:cNvPr id="7" name="Content Placeholder 6"/>
-          <p:cNvPicPr>
-            <a:picLocks noGrp="1" noChangeAspect="1"/>
-          </p:cNvPicPr>
-          <p:nvPr>
-            <p:ph idx="1"/>
-          </p:nvPr>
-        </p:nvPicPr>
-        <p:blipFill rotWithShape="1">
-          <a:blip r:embed="rId2" cstate="print">
-            <a:extLst>
-              <a:ext uri="{28A0092B-C50C-407E-A947-70E740481C1C}">
-                <a14:useLocalDpi xmlns:a14="http://schemas.microsoft.com/office/drawing/2010/main" val="0"/>
-              </a:ext>
-            </a:extLst>
-          </a:blip>
-          <a:srcRect b="62220"/>
-          <a:stretch/>
-        </p:blipFill>
-        <p:spPr>
-          <a:xfrm>
-            <a:off x="485983" y="1144038"/>
-            <a:ext cx="8309709" cy="4362988"/>
-          </a:xfrm>
-        </p:spPr>
-      </p:pic>
-      <p:sp>
-        <p:nvSpPr>
-          <p:cNvPr id="3" name="Date Placeholder 2"/>
-          <p:cNvSpPr>
-            <a:spLocks noGrp="1"/>
-          </p:cNvSpPr>
-          <p:nvPr>
-            <p:ph type="dt" sz="half" idx="10"/>
-          </p:nvPr>
-        </p:nvSpPr>
-        <p:spPr/>
-        <p:txBody>
-          <a:bodyPr/>
-          <a:lstStyle/>
-          <a:p>
-            <a:fld id="{FF15E650-2C9B-4E22-B544-79A90AB3DDC1}" type="datetime1">
-              <a:rPr lang="de-DE" smtClean="0"/>
-              <a:t>01.12.2022</a:t>
-            </a:fld>
-            <a:endParaRPr lang="de-DE"/>
-          </a:p>
-        </p:txBody>
-      </p:sp>
-      <p:sp>
-        <p:nvSpPr>
-          <p:cNvPr id="4" name="Footer Placeholder 3"/>
-          <p:cNvSpPr>
-            <a:spLocks noGrp="1"/>
-          </p:cNvSpPr>
-          <p:nvPr>
-            <p:ph type="ftr" sz="quarter" idx="11"/>
-          </p:nvPr>
-        </p:nvSpPr>
-        <p:spPr/>
-        <p:txBody>
-          <a:bodyPr/>
-          <a:lstStyle/>
-          <a:p>
-            <a:r>
-              <a:rPr lang="de-DE" smtClean="0"/>
-              <a:t>Shinde, Rhythima</a:t>
-            </a:r>
-            <a:endParaRPr lang="de-DE"/>
-          </a:p>
-        </p:txBody>
-      </p:sp>
-      <p:sp>
-        <p:nvSpPr>
-          <p:cNvPr id="5" name="Slide Number Placeholder 4"/>
-          <p:cNvSpPr>
-            <a:spLocks noGrp="1"/>
-          </p:cNvSpPr>
-          <p:nvPr>
-            <p:ph type="sldNum" sz="quarter" idx="12"/>
-          </p:nvPr>
-        </p:nvSpPr>
-        <p:spPr/>
-        <p:txBody>
-          <a:bodyPr/>
-          <a:lstStyle/>
-          <a:p>
-            <a:fld id="{6C6AE60A-B69C-4790-82F7-3882EDF23186}" type="slidenum">
-              <a:rPr lang="de-DE" smtClean="0"/>
-              <a:t>10</a:t>
-            </a:fld>
-            <a:endParaRPr lang="de-DE"/>
-          </a:p>
-        </p:txBody>
-      </p:sp>
-    </p:spTree>
-    <p:extLst>
-      <p:ext uri="{BB962C8B-B14F-4D97-AF65-F5344CB8AC3E}">
-        <p14:creationId xmlns:p14="http://schemas.microsoft.com/office/powerpoint/2010/main" val="738812974"/>
-      </p:ext>
-    </p:extLst>
-  </p:cSld>
-  <p:clrMapOvr>
-    <a:masterClrMapping/>
-  </p:clrMapOvr>
-  <p:transition>
-    <p:fade/>
-  </p:transition>
-</p:sld>
-</file>
-
-<file path=ppt/slides/slide11.xml><?xml version="1.0" encoding="utf-8"?>
-<p:sld xmlns:a="http://schemas.openxmlformats.org/drawingml/2006/main" xmlns:r="http://schemas.openxmlformats.org/officeDocument/2006/relationships" xmlns:p="http://schemas.openxmlformats.org/presentationml/2006/main" show="0">
-  <p:cSld>
-    <p:spTree>
-      <p:nvGrpSpPr>
-        <p:cNvPr id="1" name=""/>
-        <p:cNvGrpSpPr/>
-        <p:nvPr/>
-      </p:nvGrpSpPr>
-      <p:grpSpPr>
-        <a:xfrm>
-          <a:off x="0" y="0"/>
-          <a:ext cx="0" cy="0"/>
-          <a:chOff x="0" y="0"/>
-          <a:chExt cx="0" cy="0"/>
-        </a:xfrm>
-      </p:grpSpPr>
-      <p:sp>
-        <p:nvSpPr>
-          <p:cNvPr id="3" name="Date Placeholder 2"/>
-          <p:cNvSpPr>
-            <a:spLocks noGrp="1"/>
-          </p:cNvSpPr>
-          <p:nvPr>
-            <p:ph type="dt" sz="half" idx="10"/>
-          </p:nvPr>
-        </p:nvSpPr>
-        <p:spPr/>
-        <p:txBody>
-          <a:bodyPr/>
-          <a:lstStyle/>
-          <a:p>
-            <a:fld id="{FF15E650-2C9B-4E22-B544-79A90AB3DDC1}" type="datetime1">
-              <a:rPr lang="de-DE" smtClean="0"/>
-              <a:t>01.12.2022</a:t>
-            </a:fld>
-            <a:endParaRPr lang="de-DE"/>
-          </a:p>
-        </p:txBody>
-      </p:sp>
-      <p:sp>
-        <p:nvSpPr>
-          <p:cNvPr id="4" name="Footer Placeholder 3"/>
-          <p:cNvSpPr>
-            <a:spLocks noGrp="1"/>
-          </p:cNvSpPr>
-          <p:nvPr>
-            <p:ph type="ftr" sz="quarter" idx="11"/>
-          </p:nvPr>
-        </p:nvSpPr>
-        <p:spPr/>
-        <p:txBody>
-          <a:bodyPr/>
-          <a:lstStyle/>
-          <a:p>
-            <a:r>
-              <a:rPr lang="de-DE" smtClean="0"/>
-              <a:t>Shinde, Rhythima</a:t>
-            </a:r>
-            <a:endParaRPr lang="de-DE"/>
-          </a:p>
-        </p:txBody>
-      </p:sp>
-      <p:sp>
-        <p:nvSpPr>
-          <p:cNvPr id="5" name="Slide Number Placeholder 4"/>
-          <p:cNvSpPr>
-            <a:spLocks noGrp="1"/>
-          </p:cNvSpPr>
-          <p:nvPr>
-            <p:ph type="sldNum" sz="quarter" idx="12"/>
-          </p:nvPr>
-        </p:nvSpPr>
-        <p:spPr/>
-        <p:txBody>
-          <a:bodyPr/>
-          <a:lstStyle/>
-          <a:p>
-            <a:fld id="{6C6AE60A-B69C-4790-82F7-3882EDF23186}" type="slidenum">
-              <a:rPr lang="de-DE" smtClean="0"/>
-              <a:t>11</a:t>
-            </a:fld>
-            <a:endParaRPr lang="de-DE"/>
-          </a:p>
-        </p:txBody>
-      </p:sp>
-      <p:pic>
-        <p:nvPicPr>
-          <p:cNvPr id="7" name="Content Placeholder 6"/>
-          <p:cNvPicPr>
-            <a:picLocks noChangeAspect="1"/>
-          </p:cNvPicPr>
-          <p:nvPr/>
-        </p:nvPicPr>
-        <p:blipFill rotWithShape="1">
-          <a:blip r:embed="rId2" cstate="print">
-            <a:extLst>
-              <a:ext uri="{28A0092B-C50C-407E-A947-70E740481C1C}">
-                <a14:useLocalDpi xmlns:a14="http://schemas.microsoft.com/office/drawing/2010/main" val="0"/>
-              </a:ext>
-            </a:extLst>
-          </a:blip>
-          <a:srcRect t="37780"/>
-          <a:stretch/>
-        </p:blipFill>
-        <p:spPr>
-          <a:xfrm>
-            <a:off x="561610" y="680643"/>
-            <a:ext cx="7894871" cy="6826603"/>
-          </a:xfrm>
-          <a:prstGeom prst="rect">
-            <a:avLst/>
-          </a:prstGeom>
-        </p:spPr>
-      </p:pic>
-    </p:spTree>
-    <p:extLst>
-      <p:ext uri="{BB962C8B-B14F-4D97-AF65-F5344CB8AC3E}">
-        <p14:creationId xmlns:p14="http://schemas.microsoft.com/office/powerpoint/2010/main" val="3488915725"/>
-      </p:ext>
-    </p:extLst>
-  </p:cSld>
-  <p:clrMapOvr>
-    <a:masterClrMapping/>
-  </p:clrMapOvr>
-  <p:transition>
-    <p:fade/>
-  </p:transition>
-</p:sld>
-</file>
-
-<file path=ppt/slides/slide12.xml><?xml version="1.0" encoding="utf-8"?>
 <p:sld xmlns:a="http://schemas.openxmlformats.org/drawingml/2006/main" xmlns:r="http://schemas.openxmlformats.org/officeDocument/2006/relationships" xmlns:p="http://schemas.openxmlformats.org/presentationml/2006/main">
   <p:cSld>
     <p:spTree>
@@ -4312,56 +4065,7 @@
           <a:bodyPr/>
           <a:lstStyle/>
           <a:p>
-            <a:r>
-              <a:rPr lang="en-US" dirty="0" smtClean="0"/>
-              <a:t>Heat demand </a:t>
-            </a:r>
-          </a:p>
-          <a:p>
-            <a:pPr lvl="1"/>
-            <a:r>
-              <a:rPr lang="en-US" dirty="0" smtClean="0"/>
-              <a:t>Fixed the views on the server database and dependencies </a:t>
-            </a:r>
-          </a:p>
-          <a:p>
-            <a:pPr lvl="1"/>
-            <a:r>
-              <a:rPr lang="en-US" dirty="0" smtClean="0"/>
-              <a:t>Ventilation effects and window configurations discussed</a:t>
-            </a:r>
-          </a:p>
-          <a:p>
-            <a:r>
-              <a:rPr lang="en-US" dirty="0" smtClean="0"/>
-              <a:t>LCA </a:t>
-            </a:r>
-          </a:p>
-          <a:p>
-            <a:pPr lvl="1"/>
-            <a:r>
-              <a:rPr lang="en-US" dirty="0" smtClean="0"/>
-              <a:t>Introduced </a:t>
-            </a:r>
-            <a:r>
-              <a:rPr lang="en-US" dirty="0"/>
-              <a:t>embodied and operational </a:t>
-            </a:r>
-          </a:p>
-          <a:p>
-            <a:pPr marL="0" indent="0">
-              <a:buNone/>
-            </a:pPr>
-            <a:endParaRPr lang="en-US" dirty="0" smtClean="0"/>
-          </a:p>
-          <a:p>
-            <a:endParaRPr lang="en-US" dirty="0"/>
-          </a:p>
-          <a:p>
-            <a:pPr marL="0" indent="0">
-              <a:buNone/>
-            </a:pPr>
-            <a:endParaRPr lang="en-US" dirty="0"/>
+            <a:endParaRPr lang="en-US"/>
           </a:p>
         </p:txBody>
       </p:sp>
@@ -4382,7 +4086,7 @@
           <a:p>
             <a:fld id="{FF15E650-2C9B-4E22-B544-79A90AB3DDC1}" type="datetime1">
               <a:rPr lang="de-DE" smtClean="0"/>
-              <a:t>01.12.2022</a:t>
+              <a:t>09.12.2022</a:t>
             </a:fld>
             <a:endParaRPr lang="de-DE"/>
           </a:p>
@@ -4428,2750 +4132,7 @@
           <a:p>
             <a:fld id="{6C6AE60A-B69C-4790-82F7-3882EDF23186}" type="slidenum">
               <a:rPr lang="de-DE" smtClean="0"/>
-              <a:t>12</a:t>
-            </a:fld>
-            <a:endParaRPr lang="de-DE"/>
-          </a:p>
-        </p:txBody>
-      </p:sp>
-      <p:sp>
-        <p:nvSpPr>
-          <p:cNvPr id="6" name="Title 5"/>
-          <p:cNvSpPr>
-            <a:spLocks noGrp="1"/>
-          </p:cNvSpPr>
-          <p:nvPr>
-            <p:ph type="title"/>
-          </p:nvPr>
-        </p:nvSpPr>
-        <p:spPr/>
-        <p:txBody>
-          <a:bodyPr/>
-          <a:lstStyle/>
-          <a:p>
-            <a:r>
-              <a:rPr lang="en-US" dirty="0" smtClean="0"/>
-              <a:t>Model / Results - edits</a:t>
-            </a:r>
-            <a:endParaRPr lang="en-US" dirty="0"/>
-          </a:p>
-        </p:txBody>
-      </p:sp>
-    </p:spTree>
-    <p:extLst>
-      <p:ext uri="{BB962C8B-B14F-4D97-AF65-F5344CB8AC3E}">
-        <p14:creationId xmlns:p14="http://schemas.microsoft.com/office/powerpoint/2010/main" val="4148966194"/>
-      </p:ext>
-    </p:extLst>
-  </p:cSld>
-  <p:clrMapOvr>
-    <a:masterClrMapping/>
-  </p:clrMapOvr>
-  <p:transition>
-    <p:fade/>
-  </p:transition>
-</p:sld>
-</file>
-
-<file path=ppt/slides/slide2.xml><?xml version="1.0" encoding="utf-8"?>
-<p:sld xmlns:a="http://schemas.openxmlformats.org/drawingml/2006/main" xmlns:r="http://schemas.openxmlformats.org/officeDocument/2006/relationships" xmlns:p="http://schemas.openxmlformats.org/presentationml/2006/main">
-  <p:cSld>
-    <p:spTree>
-      <p:nvGrpSpPr>
-        <p:cNvPr id="1" name=""/>
-        <p:cNvGrpSpPr/>
-        <p:nvPr/>
-      </p:nvGrpSpPr>
-      <p:grpSpPr>
-        <a:xfrm>
-          <a:off x="0" y="0"/>
-          <a:ext cx="0" cy="0"/>
-          <a:chOff x="0" y="0"/>
-          <a:chExt cx="0" cy="0"/>
-        </a:xfrm>
-      </p:grpSpPr>
-      <p:graphicFrame>
-        <p:nvGraphicFramePr>
-          <p:cNvPr id="10" name="Content Placeholder 9"/>
-          <p:cNvGraphicFramePr>
-            <a:graphicFrameLocks noGrp="1"/>
-          </p:cNvGraphicFramePr>
-          <p:nvPr>
-            <p:ph idx="1"/>
-            <p:extLst>
-              <p:ext uri="{D42A27DB-BD31-4B8C-83A1-F6EECF244321}">
-                <p14:modId xmlns:p14="http://schemas.microsoft.com/office/powerpoint/2010/main" val="912320982"/>
-              </p:ext>
-            </p:extLst>
-          </p:nvPr>
-        </p:nvGraphicFramePr>
-        <p:xfrm>
-          <a:off x="396751" y="1473325"/>
-          <a:ext cx="8496300" cy="5078042"/>
-        </p:xfrm>
-        <a:graphic>
-          <a:graphicData uri="http://schemas.openxmlformats.org/drawingml/2006/table">
-            <a:tbl>
-              <a:tblPr firstRow="1" bandRow="1">
-                <a:tableStyleId>{5C22544A-7EE6-4342-B048-85BDC9FD1C3A}</a:tableStyleId>
-              </a:tblPr>
-              <a:tblGrid>
-                <a:gridCol w="1246419">
-                  <a:extLst>
-                    <a:ext uri="{9D8B030D-6E8A-4147-A177-3AD203B41FA5}">
-                      <a16:colId xmlns:a16="http://schemas.microsoft.com/office/drawing/2014/main" val="3156209168"/>
-                    </a:ext>
-                  </a:extLst>
-                </a:gridCol>
-                <a:gridCol w="4827968">
-                  <a:extLst>
-                    <a:ext uri="{9D8B030D-6E8A-4147-A177-3AD203B41FA5}">
-                      <a16:colId xmlns:a16="http://schemas.microsoft.com/office/drawing/2014/main" val="2104013299"/>
-                    </a:ext>
-                  </a:extLst>
-                </a:gridCol>
-                <a:gridCol w="2421913">
-                  <a:extLst>
-                    <a:ext uri="{9D8B030D-6E8A-4147-A177-3AD203B41FA5}">
-                      <a16:colId xmlns:a16="http://schemas.microsoft.com/office/drawing/2014/main" val="2802742579"/>
-                    </a:ext>
-                  </a:extLst>
-                </a:gridCol>
-              </a:tblGrid>
-              <a:tr h="407006">
-                <a:tc>
-                  <a:txBody>
-                    <a:bodyPr/>
-                    <a:lstStyle/>
-                    <a:p>
-                      <a:r>
-                        <a:rPr lang="en-US" sz="1200" dirty="0" smtClean="0"/>
-                        <a:t>Dates</a:t>
-                      </a:r>
-                      <a:endParaRPr lang="en-US" sz="1200" dirty="0"/>
-                    </a:p>
-                  </a:txBody>
-                  <a:tcPr/>
-                </a:tc>
-                <a:tc>
-                  <a:txBody>
-                    <a:bodyPr/>
-                    <a:lstStyle/>
-                    <a:p>
-                      <a:pPr marL="0" marR="0" lvl="0" indent="0" algn="l" defTabSz="914400" rtl="0" eaLnBrk="1" fontAlgn="auto" latinLnBrk="0" hangingPunct="1">
-                        <a:lnSpc>
-                          <a:spcPct val="100000"/>
-                        </a:lnSpc>
-                        <a:spcBef>
-                          <a:spcPts val="0"/>
-                        </a:spcBef>
-                        <a:spcAft>
-                          <a:spcPts val="0"/>
-                        </a:spcAft>
-                        <a:buClrTx/>
-                        <a:buSzTx/>
-                        <a:buFontTx/>
-                        <a:buNone/>
-                        <a:tabLst/>
-                        <a:defRPr/>
-                      </a:pPr>
-                      <a:r>
-                        <a:rPr lang="en-US" sz="1200" dirty="0" smtClean="0"/>
-                        <a:t>Work task</a:t>
-                      </a:r>
-                    </a:p>
-                  </a:txBody>
-                  <a:tcPr/>
-                </a:tc>
-                <a:tc>
-                  <a:txBody>
-                    <a:bodyPr/>
-                    <a:lstStyle/>
-                    <a:p>
-                      <a:r>
-                        <a:rPr lang="en-US" sz="1200" dirty="0" smtClean="0"/>
-                        <a:t>Overall Deadlines/ Review</a:t>
-                      </a:r>
-                      <a:endParaRPr lang="en-US" sz="1200" dirty="0"/>
-                    </a:p>
-                  </a:txBody>
-                  <a:tcPr/>
-                </a:tc>
-                <a:extLst>
-                  <a:ext uri="{0D108BD9-81ED-4DB2-BD59-A6C34878D82A}">
-                    <a16:rowId xmlns:a16="http://schemas.microsoft.com/office/drawing/2014/main" val="1859987649"/>
-                  </a:ext>
-                </a:extLst>
-              </a:tr>
-              <a:tr h="553486">
-                <a:tc>
-                  <a:txBody>
-                    <a:bodyPr/>
-                    <a:lstStyle/>
-                    <a:p>
-                      <a:r>
-                        <a:rPr lang="en-US" sz="1200" dirty="0" smtClean="0"/>
-                        <a:t>25 Nov </a:t>
-                      </a:r>
-                      <a:endParaRPr lang="en-US" sz="1200" dirty="0"/>
-                    </a:p>
-                  </a:txBody>
-                  <a:tcPr/>
-                </a:tc>
-                <a:tc>
-                  <a:txBody>
-                    <a:bodyPr/>
-                    <a:lstStyle/>
-                    <a:p>
-                      <a:pPr marL="285750" indent="-285750">
-                        <a:buFontTx/>
-                        <a:buChar char="-"/>
-                      </a:pPr>
-                      <a:r>
-                        <a:rPr lang="en-US" sz="1200" strike="sngStrike" dirty="0" smtClean="0"/>
-                        <a:t>Model</a:t>
-                      </a:r>
-                      <a:r>
-                        <a:rPr lang="en-US" sz="1200" strike="sngStrike" baseline="0" dirty="0" smtClean="0"/>
-                        <a:t>: all views have all parameters allocated</a:t>
-                      </a:r>
-                    </a:p>
-                    <a:p>
-                      <a:pPr marL="285750" indent="-285750">
-                        <a:buFontTx/>
-                        <a:buChar char="-"/>
-                      </a:pPr>
-                      <a:r>
-                        <a:rPr lang="en-US" sz="1200" strike="sngStrike" baseline="0" dirty="0" smtClean="0"/>
-                        <a:t>Model: environments reactivated</a:t>
-                      </a:r>
-                    </a:p>
-                  </a:txBody>
-                  <a:tcPr>
-                    <a:solidFill>
-                      <a:srgbClr val="92D050"/>
-                    </a:solidFill>
-                  </a:tcPr>
-                </a:tc>
-                <a:tc>
-                  <a:txBody>
-                    <a:bodyPr/>
-                    <a:lstStyle/>
-                    <a:p>
-                      <a:r>
-                        <a:rPr lang="en-US" sz="1200" dirty="0" smtClean="0"/>
-                        <a:t>Discussion (SSR):</a:t>
-                      </a:r>
-                      <a:r>
-                        <a:rPr lang="en-US" sz="1200" baseline="0" dirty="0" smtClean="0"/>
-                        <a:t> </a:t>
-                      </a:r>
-                    </a:p>
-                    <a:p>
-                      <a:r>
-                        <a:rPr lang="en-US" sz="1200" dirty="0" smtClean="0"/>
-                        <a:t>Section 2.1</a:t>
-                      </a:r>
-                      <a:r>
-                        <a:rPr lang="en-US" sz="1200" baseline="0" dirty="0" smtClean="0"/>
-                        <a:t> + Figure 1 + Table 1 </a:t>
-                      </a:r>
-                      <a:endParaRPr lang="en-US" sz="1200" dirty="0"/>
-                    </a:p>
-                  </a:txBody>
-                  <a:tcPr>
-                    <a:solidFill>
-                      <a:srgbClr val="92D050"/>
-                    </a:solidFill>
-                  </a:tcPr>
-                </a:tc>
-                <a:extLst>
-                  <a:ext uri="{0D108BD9-81ED-4DB2-BD59-A6C34878D82A}">
-                    <a16:rowId xmlns:a16="http://schemas.microsoft.com/office/drawing/2014/main" val="3523275828"/>
-                  </a:ext>
-                </a:extLst>
-              </a:tr>
-              <a:tr h="336884">
-                <a:tc>
-                  <a:txBody>
-                    <a:bodyPr/>
-                    <a:lstStyle/>
-                    <a:p>
-                      <a:r>
-                        <a:rPr lang="en-US" sz="1200" dirty="0" smtClean="0"/>
-                        <a:t>2</a:t>
-                      </a:r>
-                      <a:r>
-                        <a:rPr lang="en-US" sz="1200" baseline="0" dirty="0" smtClean="0"/>
-                        <a:t>7 – 28 Nov</a:t>
-                      </a:r>
-                      <a:endParaRPr lang="en-US" sz="1200" dirty="0"/>
-                    </a:p>
-                  </a:txBody>
-                  <a:tcPr>
-                    <a:lnB w="12700" cap="flat" cmpd="sng" algn="ctr">
-                      <a:solidFill>
-                        <a:schemeClr val="tx1"/>
-                      </a:solidFill>
-                      <a:prstDash val="solid"/>
-                      <a:round/>
-                      <a:headEnd type="none" w="med" len="med"/>
-                      <a:tailEnd type="none" w="med" len="med"/>
-                    </a:lnB>
-                  </a:tcPr>
-                </a:tc>
-                <a:tc>
-                  <a:txBody>
-                    <a:bodyPr/>
-                    <a:lstStyle/>
-                    <a:p>
-                      <a:pPr marL="285750" marR="0" lvl="0" indent="-285750" algn="l" defTabSz="914400" rtl="0" eaLnBrk="1" fontAlgn="auto" latinLnBrk="0" hangingPunct="1">
-                        <a:lnSpc>
-                          <a:spcPct val="100000"/>
-                        </a:lnSpc>
-                        <a:spcBef>
-                          <a:spcPts val="0"/>
-                        </a:spcBef>
-                        <a:spcAft>
-                          <a:spcPts val="0"/>
-                        </a:spcAft>
-                        <a:buClrTx/>
-                        <a:buSzTx/>
-                        <a:buFontTx/>
-                        <a:buChar char="-"/>
-                        <a:tabLst/>
-                        <a:defRPr/>
-                      </a:pPr>
-                      <a:r>
-                        <a:rPr lang="en-US" sz="1200" strike="sngStrike" baseline="0" dirty="0" smtClean="0"/>
-                        <a:t>Work on the model: string to integer table fix columns</a:t>
-                      </a:r>
-                    </a:p>
-                  </a:txBody>
-                  <a:tcPr>
-                    <a:lnB w="12700" cap="flat" cmpd="sng" algn="ctr">
-                      <a:solidFill>
-                        <a:schemeClr val="tx1"/>
-                      </a:solidFill>
-                      <a:prstDash val="solid"/>
-                      <a:round/>
-                      <a:headEnd type="none" w="med" len="med"/>
-                      <a:tailEnd type="none" w="med" len="med"/>
-                    </a:lnB>
-                    <a:solidFill>
-                      <a:srgbClr val="92D050"/>
-                    </a:solidFill>
-                  </a:tcPr>
-                </a:tc>
-                <a:tc>
-                  <a:txBody>
-                    <a:bodyPr/>
-                    <a:lstStyle/>
-                    <a:p>
-                      <a:endParaRPr lang="en-US" sz="1200" dirty="0"/>
-                    </a:p>
-                  </a:txBody>
-                  <a:tcPr>
-                    <a:lnB w="12700" cap="flat" cmpd="sng" algn="ctr">
-                      <a:solidFill>
-                        <a:schemeClr val="tx1"/>
-                      </a:solidFill>
-                      <a:prstDash val="solid"/>
-                      <a:round/>
-                      <a:headEnd type="none" w="med" len="med"/>
-                      <a:tailEnd type="none" w="med" len="med"/>
-                    </a:lnB>
-                  </a:tcPr>
-                </a:tc>
-                <a:extLst>
-                  <a:ext uri="{0D108BD9-81ED-4DB2-BD59-A6C34878D82A}">
-                    <a16:rowId xmlns:a16="http://schemas.microsoft.com/office/drawing/2014/main" val="2386732025"/>
-                  </a:ext>
-                </a:extLst>
-              </a:tr>
-              <a:tr h="763146">
-                <a:tc>
-                  <a:txBody>
-                    <a:bodyPr/>
-                    <a:lstStyle/>
-                    <a:p>
-                      <a:r>
-                        <a:rPr lang="en-US" sz="1200" strike="noStrike" kern="1200" baseline="0" dirty="0" smtClean="0">
-                          <a:solidFill>
-                            <a:schemeClr val="dk1"/>
-                          </a:solidFill>
-                          <a:latin typeface="+mn-lt"/>
-                          <a:ea typeface="+mn-ea"/>
-                          <a:cs typeface="+mn-cs"/>
-                        </a:rPr>
-                        <a:t>28 Nov</a:t>
-                      </a:r>
-                      <a:endParaRPr lang="en-US" sz="1200" strike="noStrike" kern="1200" baseline="0" dirty="0">
-                        <a:solidFill>
-                          <a:schemeClr val="dk1"/>
-                        </a:solidFill>
-                        <a:latin typeface="+mn-lt"/>
-                        <a:ea typeface="+mn-ea"/>
-                        <a:cs typeface="+mn-cs"/>
-                      </a:endParaRPr>
-                    </a:p>
-                  </a:txBody>
-                  <a:tcPr>
-                    <a:lnT w="12700" cap="flat" cmpd="sng" algn="ctr">
-                      <a:solidFill>
-                        <a:schemeClr val="tx1"/>
-                      </a:solidFill>
-                      <a:prstDash val="solid"/>
-                      <a:round/>
-                      <a:headEnd type="none" w="med" len="med"/>
-                      <a:tailEnd type="none" w="med" len="med"/>
-                    </a:lnT>
-                  </a:tcPr>
-                </a:tc>
-                <a:tc>
-                  <a:txBody>
-                    <a:bodyPr/>
-                    <a:lstStyle/>
-                    <a:p>
-                      <a:pPr marL="0" marR="0" lvl="0" indent="0" algn="l" defTabSz="914400" rtl="0" eaLnBrk="1" fontAlgn="auto" latinLnBrk="0" hangingPunct="1">
-                        <a:lnSpc>
-                          <a:spcPct val="100000"/>
-                        </a:lnSpc>
-                        <a:spcBef>
-                          <a:spcPts val="0"/>
-                        </a:spcBef>
-                        <a:spcAft>
-                          <a:spcPts val="0"/>
-                        </a:spcAft>
-                        <a:buClrTx/>
-                        <a:buSzTx/>
-                        <a:buFontTx/>
-                        <a:buNone/>
-                        <a:tabLst/>
-                        <a:defRPr/>
-                      </a:pPr>
-                      <a:r>
-                        <a:rPr lang="en-US" sz="1200" strike="sngStrike" kern="1200" baseline="0" dirty="0" smtClean="0">
-                          <a:solidFill>
-                            <a:schemeClr val="dk1"/>
-                          </a:solidFill>
-                          <a:latin typeface="+mn-lt"/>
-                          <a:ea typeface="+mn-ea"/>
-                          <a:cs typeface="+mn-cs"/>
-                        </a:rPr>
-                        <a:t>Writing: </a:t>
-                      </a:r>
-                    </a:p>
-                    <a:p>
-                      <a:pPr marL="285750" marR="0" lvl="0" indent="-285750" algn="l" defTabSz="914400" rtl="0" eaLnBrk="1" fontAlgn="auto" latinLnBrk="0" hangingPunct="1">
-                        <a:lnSpc>
-                          <a:spcPct val="100000"/>
-                        </a:lnSpc>
-                        <a:spcBef>
-                          <a:spcPts val="0"/>
-                        </a:spcBef>
-                        <a:spcAft>
-                          <a:spcPts val="0"/>
-                        </a:spcAft>
-                        <a:buClrTx/>
-                        <a:buSzTx/>
-                        <a:buFontTx/>
-                        <a:buChar char="-"/>
-                        <a:tabLst/>
-                        <a:defRPr/>
-                      </a:pPr>
-                      <a:r>
-                        <a:rPr lang="en-US" sz="1200" strike="sngStrike" kern="1200" baseline="0" dirty="0" smtClean="0">
-                          <a:solidFill>
-                            <a:schemeClr val="dk1"/>
-                          </a:solidFill>
-                          <a:latin typeface="+mn-lt"/>
-                          <a:ea typeface="+mn-ea"/>
-                          <a:cs typeface="+mn-cs"/>
-                        </a:rPr>
-                        <a:t>Check figure 2 and add all available buildings</a:t>
-                      </a:r>
-                    </a:p>
-                    <a:p>
-                      <a:pPr marL="285750" marR="0" lvl="0" indent="-285750" algn="l" defTabSz="914400" rtl="0" eaLnBrk="1" fontAlgn="auto" latinLnBrk="0" hangingPunct="1">
-                        <a:lnSpc>
-                          <a:spcPct val="100000"/>
-                        </a:lnSpc>
-                        <a:spcBef>
-                          <a:spcPts val="0"/>
-                        </a:spcBef>
-                        <a:spcAft>
-                          <a:spcPts val="0"/>
-                        </a:spcAft>
-                        <a:buClrTx/>
-                        <a:buSzTx/>
-                        <a:buFontTx/>
-                        <a:buChar char="-"/>
-                        <a:tabLst/>
-                        <a:defRPr/>
-                      </a:pPr>
-                      <a:r>
-                        <a:rPr lang="en-US" sz="1200" strike="sngStrike" kern="1200" baseline="0" dirty="0" smtClean="0">
-                          <a:solidFill>
-                            <a:schemeClr val="dk1"/>
-                          </a:solidFill>
-                          <a:latin typeface="+mn-lt"/>
-                          <a:ea typeface="+mn-ea"/>
-                          <a:cs typeface="+mn-cs"/>
-                        </a:rPr>
-                        <a:t>Check, maybe remove Table 3 </a:t>
-                      </a:r>
-                      <a:endParaRPr lang="en-US" sz="1200" strike="sngStrike" kern="1200" baseline="0" dirty="0">
-                        <a:solidFill>
-                          <a:schemeClr val="dk1"/>
-                        </a:solidFill>
-                        <a:latin typeface="+mn-lt"/>
-                        <a:ea typeface="+mn-ea"/>
-                        <a:cs typeface="+mn-cs"/>
-                      </a:endParaRPr>
-                    </a:p>
-                  </a:txBody>
-                  <a:tcPr>
-                    <a:lnT w="12700" cap="flat" cmpd="sng" algn="ctr">
-                      <a:solidFill>
-                        <a:schemeClr val="tx1"/>
-                      </a:solidFill>
-                      <a:prstDash val="solid"/>
-                      <a:round/>
-                      <a:headEnd type="none" w="med" len="med"/>
-                      <a:tailEnd type="none" w="med" len="med"/>
-                    </a:lnT>
-                    <a:solidFill>
-                      <a:srgbClr val="92D050"/>
-                    </a:solidFill>
-                  </a:tcPr>
-                </a:tc>
-                <a:tc>
-                  <a:txBody>
-                    <a:bodyPr/>
-                    <a:lstStyle/>
-                    <a:p>
-                      <a:endParaRPr lang="en-US" sz="1200" dirty="0"/>
-                    </a:p>
-                  </a:txBody>
-                  <a:tcPr>
-                    <a:lnT w="12700" cap="flat" cmpd="sng" algn="ctr">
-                      <a:solidFill>
-                        <a:schemeClr val="tx1"/>
-                      </a:solidFill>
-                      <a:prstDash val="solid"/>
-                      <a:round/>
-                      <a:headEnd type="none" w="med" len="med"/>
-                      <a:tailEnd type="none" w="med" len="med"/>
-                    </a:lnT>
-                  </a:tcPr>
-                </a:tc>
-                <a:extLst>
-                  <a:ext uri="{0D108BD9-81ED-4DB2-BD59-A6C34878D82A}">
-                    <a16:rowId xmlns:a16="http://schemas.microsoft.com/office/drawing/2014/main" val="3169226889"/>
-                  </a:ext>
-                </a:extLst>
-              </a:tr>
-              <a:tr h="501788">
-                <a:tc>
-                  <a:txBody>
-                    <a:bodyPr/>
-                    <a:lstStyle/>
-                    <a:p>
-                      <a:r>
-                        <a:rPr lang="en-US" sz="1200" dirty="0" smtClean="0"/>
-                        <a:t>29 Nov</a:t>
-                      </a:r>
-                      <a:endParaRPr lang="en-US" sz="1200" dirty="0"/>
-                    </a:p>
-                  </a:txBody>
-                  <a:tcPr/>
-                </a:tc>
-                <a:tc>
-                  <a:txBody>
-                    <a:bodyPr/>
-                    <a:lstStyle/>
-                    <a:p>
-                      <a:pPr marL="285750" marR="0" lvl="0" indent="-285750" algn="l" defTabSz="914400" rtl="0" eaLnBrk="1" fontAlgn="auto" latinLnBrk="0" hangingPunct="1">
-                        <a:lnSpc>
-                          <a:spcPct val="100000"/>
-                        </a:lnSpc>
-                        <a:spcBef>
-                          <a:spcPts val="0"/>
-                        </a:spcBef>
-                        <a:spcAft>
-                          <a:spcPts val="0"/>
-                        </a:spcAft>
-                        <a:buClrTx/>
-                        <a:buSzTx/>
-                        <a:buFontTx/>
-                        <a:buChar char="-"/>
-                        <a:tabLst/>
-                        <a:defRPr/>
-                      </a:pPr>
-                      <a:r>
-                        <a:rPr lang="en-US" sz="1200" strike="sngStrike" baseline="0" dirty="0" smtClean="0"/>
-                        <a:t>Meeting Rene (discuss final results)</a:t>
-                      </a:r>
-                    </a:p>
-                    <a:p>
-                      <a:pPr marL="285750" marR="0" lvl="0" indent="-285750" algn="l" defTabSz="914400" rtl="0" eaLnBrk="1" fontAlgn="auto" latinLnBrk="0" hangingPunct="1">
-                        <a:lnSpc>
-                          <a:spcPct val="100000"/>
-                        </a:lnSpc>
-                        <a:spcBef>
-                          <a:spcPts val="0"/>
-                        </a:spcBef>
-                        <a:spcAft>
-                          <a:spcPts val="0"/>
-                        </a:spcAft>
-                        <a:buClrTx/>
-                        <a:buSzTx/>
-                        <a:buFontTx/>
-                        <a:buChar char="-"/>
-                        <a:tabLst/>
-                        <a:defRPr/>
-                      </a:pPr>
-                      <a:r>
-                        <a:rPr lang="en-US" sz="1200" strike="sngStrike" baseline="0" dirty="0" smtClean="0"/>
-                        <a:t>Work on the model </a:t>
-                      </a:r>
-                    </a:p>
-                    <a:p>
-                      <a:pPr marL="0" marR="0" lvl="0" indent="0" algn="l" defTabSz="914400" rtl="0" eaLnBrk="1" fontAlgn="auto" latinLnBrk="0" hangingPunct="1">
-                        <a:lnSpc>
-                          <a:spcPct val="100000"/>
-                        </a:lnSpc>
-                        <a:spcBef>
-                          <a:spcPts val="0"/>
-                        </a:spcBef>
-                        <a:spcAft>
-                          <a:spcPts val="0"/>
-                        </a:spcAft>
-                        <a:buClrTx/>
-                        <a:buSzTx/>
-                        <a:buFontTx/>
-                        <a:buNone/>
-                        <a:tabLst/>
-                        <a:defRPr/>
-                      </a:pPr>
-                      <a:r>
-                        <a:rPr lang="en-US" sz="1200" strike="noStrike" baseline="0" dirty="0" smtClean="0"/>
-                        <a:t>Writing:</a:t>
-                      </a:r>
-                      <a:endParaRPr lang="en-US" sz="1200" strike="sngStrike" baseline="0" dirty="0" smtClean="0"/>
-                    </a:p>
-                    <a:p>
-                      <a:pPr marL="285750" marR="0" lvl="0" indent="-285750" algn="l" defTabSz="914400" rtl="0" eaLnBrk="1" fontAlgn="auto" latinLnBrk="0" hangingPunct="1">
-                        <a:lnSpc>
-                          <a:spcPct val="100000"/>
-                        </a:lnSpc>
-                        <a:spcBef>
-                          <a:spcPts val="0"/>
-                        </a:spcBef>
-                        <a:spcAft>
-                          <a:spcPts val="0"/>
-                        </a:spcAft>
-                        <a:buClrTx/>
-                        <a:buSzTx/>
-                        <a:buFontTx/>
-                        <a:buChar char="-"/>
-                        <a:tabLst/>
-                        <a:defRPr/>
-                      </a:pPr>
-                      <a:r>
-                        <a:rPr lang="en-US" sz="1200" strike="sngStrike" dirty="0" smtClean="0"/>
-                        <a:t>Write Section</a:t>
-                      </a:r>
-                      <a:r>
-                        <a:rPr lang="en-US" sz="1200" strike="sngStrike" baseline="0" dirty="0" smtClean="0"/>
-                        <a:t> 2.2. Model (Explain Figure 1)</a:t>
-                      </a:r>
-                    </a:p>
-                    <a:p>
-                      <a:pPr marL="285750" marR="0" lvl="0" indent="-285750" algn="l" defTabSz="914400" rtl="0" eaLnBrk="1" fontAlgn="auto" latinLnBrk="0" hangingPunct="1">
-                        <a:lnSpc>
-                          <a:spcPct val="100000"/>
-                        </a:lnSpc>
-                        <a:spcBef>
-                          <a:spcPts val="0"/>
-                        </a:spcBef>
-                        <a:spcAft>
-                          <a:spcPts val="0"/>
-                        </a:spcAft>
-                        <a:buClrTx/>
-                        <a:buSzTx/>
-                        <a:buFontTx/>
-                        <a:buChar char="-"/>
-                        <a:tabLst/>
-                        <a:defRPr/>
-                      </a:pPr>
-                      <a:r>
-                        <a:rPr lang="en-US" sz="1200" strike="sngStrike" baseline="0" dirty="0" smtClean="0"/>
-                        <a:t>Fix Table 2 (move to SI) </a:t>
-                      </a:r>
-                    </a:p>
-                    <a:p>
-                      <a:pPr marL="285750" marR="0" lvl="0" indent="-285750" algn="l" defTabSz="914400" rtl="0" eaLnBrk="1" fontAlgn="auto" latinLnBrk="0" hangingPunct="1">
-                        <a:lnSpc>
-                          <a:spcPct val="100000"/>
-                        </a:lnSpc>
-                        <a:spcBef>
-                          <a:spcPts val="0"/>
-                        </a:spcBef>
-                        <a:spcAft>
-                          <a:spcPts val="0"/>
-                        </a:spcAft>
-                        <a:buClrTx/>
-                        <a:buSzTx/>
-                        <a:buFontTx/>
-                        <a:buChar char="-"/>
-                        <a:tabLst/>
-                        <a:defRPr/>
-                      </a:pPr>
-                      <a:r>
-                        <a:rPr lang="en-US" sz="1200" strike="sngStrike" baseline="0" dirty="0" smtClean="0"/>
-                        <a:t>Move SI to excel </a:t>
-                      </a:r>
-                    </a:p>
-                  </a:txBody>
-                  <a:tcPr>
-                    <a:solidFill>
-                      <a:srgbClr val="92D050"/>
-                    </a:solidFill>
-                  </a:tcPr>
-                </a:tc>
-                <a:tc>
-                  <a:txBody>
-                    <a:bodyPr/>
-                    <a:lstStyle/>
-                    <a:p>
-                      <a:r>
-                        <a:rPr lang="en-US" sz="1200" dirty="0" smtClean="0"/>
-                        <a:t>Sasha checks </a:t>
-                      </a:r>
-                    </a:p>
-                    <a:p>
-                      <a:r>
-                        <a:rPr lang="en-US" sz="1200" dirty="0" smtClean="0"/>
-                        <a:t>Writings</a:t>
-                      </a:r>
-                      <a:r>
-                        <a:rPr lang="en-US" sz="1200" baseline="0" dirty="0" smtClean="0"/>
-                        <a:t> on Section 2.2, </a:t>
-                      </a:r>
-                      <a:endParaRPr lang="en-US" sz="1200" dirty="0" smtClean="0"/>
-                    </a:p>
-                    <a:p>
-                      <a:pPr marL="0" marR="0" lvl="0" indent="0" algn="l" defTabSz="914400" rtl="0" eaLnBrk="1" fontAlgn="auto" latinLnBrk="0" hangingPunct="1">
-                        <a:lnSpc>
-                          <a:spcPct val="100000"/>
-                        </a:lnSpc>
-                        <a:spcBef>
-                          <a:spcPts val="0"/>
-                        </a:spcBef>
-                        <a:spcAft>
-                          <a:spcPts val="0"/>
-                        </a:spcAft>
-                        <a:buClrTx/>
-                        <a:buSzTx/>
-                        <a:buFontTx/>
-                        <a:buNone/>
-                        <a:tabLst/>
-                        <a:defRPr/>
-                      </a:pPr>
-                      <a:endParaRPr lang="en-US" sz="1200" dirty="0"/>
-                    </a:p>
-                  </a:txBody>
-                  <a:tcPr>
-                    <a:solidFill>
-                      <a:srgbClr val="92D050"/>
-                    </a:solidFill>
-                  </a:tcPr>
-                </a:tc>
-                <a:extLst>
-                  <a:ext uri="{0D108BD9-81ED-4DB2-BD59-A6C34878D82A}">
-                    <a16:rowId xmlns:a16="http://schemas.microsoft.com/office/drawing/2014/main" val="4034592237"/>
-                  </a:ext>
-                </a:extLst>
-              </a:tr>
-              <a:tr h="420074">
-                <a:tc>
-                  <a:txBody>
-                    <a:bodyPr/>
-                    <a:lstStyle/>
-                    <a:p>
-                      <a:r>
-                        <a:rPr lang="en-US" sz="1200" dirty="0" smtClean="0"/>
-                        <a:t>30 Nov </a:t>
-                      </a:r>
-                      <a:endParaRPr lang="en-US" sz="1200" dirty="0"/>
-                    </a:p>
-                  </a:txBody>
-                  <a:tcPr/>
-                </a:tc>
-                <a:tc>
-                  <a:txBody>
-                    <a:bodyPr/>
-                    <a:lstStyle/>
-                    <a:p>
-                      <a:pPr marL="285750" marR="0" lvl="0" indent="-285750" algn="l" defTabSz="914400" rtl="0" eaLnBrk="1" fontAlgn="auto" latinLnBrk="0" hangingPunct="1">
-                        <a:lnSpc>
-                          <a:spcPct val="100000"/>
-                        </a:lnSpc>
-                        <a:spcBef>
-                          <a:spcPts val="0"/>
-                        </a:spcBef>
-                        <a:spcAft>
-                          <a:spcPts val="0"/>
-                        </a:spcAft>
-                        <a:buClrTx/>
-                        <a:buSzTx/>
-                        <a:buFontTx/>
-                        <a:buChar char="-"/>
-                        <a:tabLst/>
-                        <a:defRPr/>
-                      </a:pPr>
-                      <a:r>
-                        <a:rPr lang="en-US" sz="1200" strike="sngStrike" dirty="0" smtClean="0"/>
-                        <a:t>(re)</a:t>
-                      </a:r>
-                      <a:r>
-                        <a:rPr lang="en-US" sz="1200" strike="sngStrike" baseline="0" dirty="0" smtClean="0"/>
-                        <a:t> </a:t>
-                      </a:r>
-                      <a:r>
-                        <a:rPr lang="en-US" sz="1200" strike="sngStrike" dirty="0" smtClean="0"/>
-                        <a:t>Write Section</a:t>
-                      </a:r>
-                      <a:r>
-                        <a:rPr lang="en-US" sz="1200" strike="sngStrike" baseline="0" dirty="0" smtClean="0"/>
-                        <a:t> 2.2.1 Process User Inputs</a:t>
-                      </a:r>
-                      <a:endParaRPr lang="en-US" sz="1200" strike="sngStrike" dirty="0" smtClean="0"/>
-                    </a:p>
-                    <a:p>
-                      <a:pPr marL="285750" marR="0" lvl="0" indent="-285750" algn="l" defTabSz="914400" rtl="0" eaLnBrk="1" fontAlgn="auto" latinLnBrk="0" hangingPunct="1">
-                        <a:lnSpc>
-                          <a:spcPct val="100000"/>
-                        </a:lnSpc>
-                        <a:spcBef>
-                          <a:spcPts val="0"/>
-                        </a:spcBef>
-                        <a:spcAft>
-                          <a:spcPts val="0"/>
-                        </a:spcAft>
-                        <a:buClrTx/>
-                        <a:buSzTx/>
-                        <a:buFontTx/>
-                        <a:buChar char="-"/>
-                        <a:tabLst/>
-                        <a:defRPr/>
-                      </a:pPr>
-                      <a:r>
-                        <a:rPr lang="en-US" sz="1200" strike="sngStrike" dirty="0" smtClean="0"/>
-                        <a:t>Write</a:t>
-                      </a:r>
-                      <a:r>
-                        <a:rPr lang="en-US" sz="1200" strike="sngStrike" baseline="0" dirty="0" smtClean="0"/>
-                        <a:t> Section 2.2.2. Calculate U Values </a:t>
-                      </a:r>
-                    </a:p>
-                  </a:txBody>
-                  <a:tcPr>
-                    <a:solidFill>
-                      <a:srgbClr val="92D050"/>
-                    </a:solidFill>
-                  </a:tcPr>
-                </a:tc>
-                <a:tc>
-                  <a:txBody>
-                    <a:bodyPr/>
-                    <a:lstStyle/>
-                    <a:p>
-                      <a:pPr marL="0" algn="l" defTabSz="914400" rtl="0" eaLnBrk="1" latinLnBrk="0" hangingPunct="1"/>
-                      <a:endParaRPr lang="en-US" sz="1200" kern="1200" dirty="0">
-                        <a:solidFill>
-                          <a:schemeClr val="dk1"/>
-                        </a:solidFill>
-                        <a:latin typeface="+mn-lt"/>
-                        <a:ea typeface="+mn-ea"/>
-                        <a:cs typeface="+mn-cs"/>
-                      </a:endParaRPr>
-                    </a:p>
-                  </a:txBody>
-                  <a:tcPr/>
-                </a:tc>
-                <a:extLst>
-                  <a:ext uri="{0D108BD9-81ED-4DB2-BD59-A6C34878D82A}">
-                    <a16:rowId xmlns:a16="http://schemas.microsoft.com/office/drawing/2014/main" val="3196519158"/>
-                  </a:ext>
-                </a:extLst>
-              </a:tr>
-              <a:tr h="702504">
-                <a:tc>
-                  <a:txBody>
-                    <a:bodyPr/>
-                    <a:lstStyle/>
-                    <a:p>
-                      <a:r>
-                        <a:rPr lang="en-US" sz="1200" dirty="0" smtClean="0"/>
-                        <a:t>1 Dec</a:t>
-                      </a:r>
-                      <a:r>
-                        <a:rPr lang="en-US" sz="1200" baseline="0" dirty="0" smtClean="0"/>
-                        <a:t> </a:t>
-                      </a:r>
-                      <a:endParaRPr lang="en-US" sz="1200" dirty="0"/>
-                    </a:p>
-                  </a:txBody>
-                  <a:tcPr/>
-                </a:tc>
-                <a:tc>
-                  <a:txBody>
-                    <a:bodyPr/>
-                    <a:lstStyle/>
-                    <a:p>
-                      <a:pPr marL="0" marR="0" lvl="0" indent="-285750" algn="l" defTabSz="914400" rtl="0" eaLnBrk="1" fontAlgn="auto" latinLnBrk="0" hangingPunct="1">
-                        <a:lnSpc>
-                          <a:spcPct val="100000"/>
-                        </a:lnSpc>
-                        <a:spcBef>
-                          <a:spcPts val="0"/>
-                        </a:spcBef>
-                        <a:spcAft>
-                          <a:spcPts val="0"/>
-                        </a:spcAft>
-                        <a:buClrTx/>
-                        <a:buSzTx/>
-                        <a:buFontTx/>
-                        <a:buChar char="-"/>
-                        <a:tabLst/>
-                        <a:defRPr/>
-                      </a:pPr>
-                      <a:r>
-                        <a:rPr lang="en-US" sz="1200" strike="sngStrike" kern="1200" dirty="0" smtClean="0">
-                          <a:solidFill>
-                            <a:schemeClr val="dk1"/>
-                          </a:solidFill>
-                          <a:latin typeface="+mn-lt"/>
-                          <a:ea typeface="+mn-ea"/>
-                          <a:cs typeface="+mn-cs"/>
-                        </a:rPr>
-                        <a:t>Model locate how to ventilation parameters fix (for writing)</a:t>
-                      </a:r>
-                    </a:p>
-                    <a:p>
-                      <a:pPr marL="0" marR="0" lvl="0" indent="-285750" algn="l" defTabSz="914400" rtl="0" eaLnBrk="1" fontAlgn="auto" latinLnBrk="0" hangingPunct="1">
-                        <a:lnSpc>
-                          <a:spcPct val="100000"/>
-                        </a:lnSpc>
-                        <a:spcBef>
-                          <a:spcPts val="0"/>
-                        </a:spcBef>
-                        <a:spcAft>
-                          <a:spcPts val="0"/>
-                        </a:spcAft>
-                        <a:buClrTx/>
-                        <a:buSzTx/>
-                        <a:buFontTx/>
-                        <a:buChar char="-"/>
-                        <a:tabLst/>
-                        <a:defRPr/>
-                      </a:pPr>
-                      <a:r>
-                        <a:rPr lang="en-US" sz="1200" strike="sngStrike" kern="1200" dirty="0" smtClean="0">
-                          <a:solidFill>
-                            <a:schemeClr val="dk1"/>
-                          </a:solidFill>
-                          <a:latin typeface="+mn-lt"/>
-                          <a:ea typeface="+mn-ea"/>
-                          <a:cs typeface="+mn-cs"/>
-                        </a:rPr>
-                        <a:t>Figure 1 + new: Ventilation flow chart concept </a:t>
-                      </a:r>
-                    </a:p>
-                    <a:p>
-                      <a:pPr marL="0" marR="0" lvl="0" indent="-285750" algn="l" defTabSz="914400" rtl="0" eaLnBrk="1" fontAlgn="auto" latinLnBrk="0" hangingPunct="1">
-                        <a:lnSpc>
-                          <a:spcPct val="100000"/>
-                        </a:lnSpc>
-                        <a:spcBef>
-                          <a:spcPts val="0"/>
-                        </a:spcBef>
-                        <a:spcAft>
-                          <a:spcPts val="0"/>
-                        </a:spcAft>
-                        <a:buClrTx/>
-                        <a:buSzTx/>
-                        <a:buFontTx/>
-                        <a:buChar char="-"/>
-                        <a:tabLst/>
-                        <a:defRPr/>
-                      </a:pPr>
-                      <a:r>
-                        <a:rPr lang="en-US" sz="1200" strike="sngStrike" kern="1200" dirty="0" smtClean="0">
-                          <a:solidFill>
-                            <a:schemeClr val="dk1"/>
-                          </a:solidFill>
-                          <a:latin typeface="+mn-lt"/>
-                          <a:ea typeface="+mn-ea"/>
-                          <a:cs typeface="+mn-cs"/>
-                        </a:rPr>
-                        <a:t>Finish Section 2.2.3 Space heating demand </a:t>
-                      </a:r>
-                    </a:p>
-                    <a:p>
-                      <a:pPr marL="0" marR="0" lvl="0" indent="0" algn="l" defTabSz="914400" rtl="0" eaLnBrk="1" fontAlgn="auto" latinLnBrk="0" hangingPunct="1">
-                        <a:lnSpc>
-                          <a:spcPct val="100000"/>
-                        </a:lnSpc>
-                        <a:spcBef>
-                          <a:spcPts val="0"/>
-                        </a:spcBef>
-                        <a:spcAft>
-                          <a:spcPts val="0"/>
-                        </a:spcAft>
-                        <a:buClrTx/>
-                        <a:buSzTx/>
-                        <a:buFontTx/>
-                        <a:buNone/>
-                        <a:tabLst/>
-                        <a:defRPr/>
-                      </a:pPr>
-                      <a:r>
-                        <a:rPr lang="en-US" sz="1200" kern="1200" dirty="0" smtClean="0">
-                          <a:solidFill>
-                            <a:schemeClr val="dk1"/>
-                          </a:solidFill>
-                          <a:latin typeface="+mn-lt"/>
-                          <a:ea typeface="+mn-ea"/>
-                          <a:cs typeface="+mn-cs"/>
-                        </a:rPr>
-                        <a:t>-------------------------------------------------------------------------------------------</a:t>
-                      </a:r>
-                    </a:p>
-                    <a:p>
-                      <a:pPr marL="285750" marR="0" lvl="0" indent="-285750" algn="l" defTabSz="914400" rtl="0" eaLnBrk="1" fontAlgn="auto" latinLnBrk="0" hangingPunct="1">
-                        <a:lnSpc>
-                          <a:spcPct val="100000"/>
-                        </a:lnSpc>
-                        <a:spcBef>
-                          <a:spcPts val="0"/>
-                        </a:spcBef>
-                        <a:spcAft>
-                          <a:spcPts val="0"/>
-                        </a:spcAft>
-                        <a:buClrTx/>
-                        <a:buSzTx/>
-                        <a:buFontTx/>
-                        <a:buChar char="-"/>
-                        <a:tabLst/>
-                        <a:defRPr/>
-                      </a:pPr>
-                      <a:r>
-                        <a:rPr lang="en-US" sz="1200" strike="sngStrike" dirty="0" smtClean="0"/>
-                        <a:t>(re) Write</a:t>
-                      </a:r>
-                      <a:r>
-                        <a:rPr lang="en-US" sz="1200" strike="sngStrike" baseline="0" dirty="0" smtClean="0"/>
-                        <a:t> Section 2.3. Case study (and Table 3)</a:t>
-                      </a:r>
-                    </a:p>
-                    <a:p>
-                      <a:pPr marL="285750" marR="0" lvl="0" indent="-285750" algn="l" defTabSz="914400" rtl="0" eaLnBrk="1" fontAlgn="auto" latinLnBrk="0" hangingPunct="1">
-                        <a:lnSpc>
-                          <a:spcPct val="100000"/>
-                        </a:lnSpc>
-                        <a:spcBef>
-                          <a:spcPts val="0"/>
-                        </a:spcBef>
-                        <a:spcAft>
-                          <a:spcPts val="0"/>
-                        </a:spcAft>
-                        <a:buClrTx/>
-                        <a:buSzTx/>
-                        <a:buFontTx/>
-                        <a:buChar char="-"/>
-                        <a:tabLst/>
-                        <a:defRPr/>
-                      </a:pPr>
-                      <a:r>
-                        <a:rPr lang="en-US" sz="1200" strike="sngStrike" baseline="0" dirty="0" smtClean="0"/>
-                        <a:t>Write Section 2.3.2. Scenario assessment </a:t>
-                      </a:r>
-                    </a:p>
-                    <a:p>
-                      <a:pPr marL="285750" marR="0" lvl="0" indent="-285750" algn="l" defTabSz="914400" rtl="0" eaLnBrk="1" fontAlgn="auto" latinLnBrk="0" hangingPunct="1">
-                        <a:lnSpc>
-                          <a:spcPct val="100000"/>
-                        </a:lnSpc>
-                        <a:spcBef>
-                          <a:spcPts val="0"/>
-                        </a:spcBef>
-                        <a:spcAft>
-                          <a:spcPts val="0"/>
-                        </a:spcAft>
-                        <a:buClrTx/>
-                        <a:buSzTx/>
-                        <a:buFontTx/>
-                        <a:buChar char="-"/>
-                        <a:tabLst/>
-                        <a:defRPr/>
-                      </a:pPr>
-                      <a:r>
-                        <a:rPr lang="en-US" sz="1200" strike="sngStrike" baseline="0" dirty="0" smtClean="0"/>
-                        <a:t>Section 2.3.1</a:t>
-                      </a:r>
-                      <a:endParaRPr lang="en-US" sz="1200" baseline="0" dirty="0" smtClean="0"/>
-                    </a:p>
-                  </a:txBody>
-                  <a:tcPr>
-                    <a:solidFill>
-                      <a:srgbClr val="92D050"/>
-                    </a:solidFill>
-                  </a:tcPr>
-                </a:tc>
-                <a:tc>
-                  <a:txBody>
-                    <a:bodyPr/>
-                    <a:lstStyle/>
-                    <a:p>
-                      <a:pPr marL="0" algn="l" defTabSz="914400" rtl="0" eaLnBrk="1" latinLnBrk="0" hangingPunct="1"/>
-                      <a:endParaRPr lang="en-US" sz="1200" kern="1200" dirty="0">
-                        <a:solidFill>
-                          <a:schemeClr val="dk1"/>
-                        </a:solidFill>
-                        <a:latin typeface="+mn-lt"/>
-                        <a:ea typeface="+mn-ea"/>
-                        <a:cs typeface="+mn-cs"/>
-                      </a:endParaRPr>
-                    </a:p>
-                  </a:txBody>
-                  <a:tcPr/>
-                </a:tc>
-                <a:extLst>
-                  <a:ext uri="{0D108BD9-81ED-4DB2-BD59-A6C34878D82A}">
-                    <a16:rowId xmlns:a16="http://schemas.microsoft.com/office/drawing/2014/main" val="831016645"/>
-                  </a:ext>
-                </a:extLst>
-              </a:tr>
-            </a:tbl>
-          </a:graphicData>
-        </a:graphic>
-      </p:graphicFrame>
-      <p:sp>
-        <p:nvSpPr>
-          <p:cNvPr id="4" name="Date Placeholder 3"/>
-          <p:cNvSpPr>
-            <a:spLocks noGrp="1"/>
-          </p:cNvSpPr>
-          <p:nvPr>
-            <p:ph type="dt" sz="half" idx="10"/>
-          </p:nvPr>
-        </p:nvSpPr>
-        <p:spPr/>
-        <p:txBody>
-          <a:bodyPr/>
-          <a:lstStyle/>
-          <a:p>
-            <a:fld id="{A02690AB-37C5-464E-B999-AEA04CFF82B9}" type="datetime1">
-              <a:rPr lang="de-DE" smtClean="0"/>
-              <a:t>01.12.2022</a:t>
-            </a:fld>
-            <a:endParaRPr lang="de-DE" dirty="0"/>
-          </a:p>
-        </p:txBody>
-      </p:sp>
-      <p:sp>
-        <p:nvSpPr>
-          <p:cNvPr id="5" name="Footer Placeholder 4"/>
-          <p:cNvSpPr>
-            <a:spLocks noGrp="1"/>
-          </p:cNvSpPr>
-          <p:nvPr>
-            <p:ph type="ftr" sz="quarter" idx="11"/>
-          </p:nvPr>
-        </p:nvSpPr>
-        <p:spPr/>
-        <p:txBody>
-          <a:bodyPr/>
-          <a:lstStyle/>
-          <a:p>
-            <a:r>
-              <a:rPr lang="de-DE" smtClean="0"/>
-              <a:t>Shinde, Rhythima</a:t>
-            </a:r>
-            <a:endParaRPr lang="de-DE"/>
-          </a:p>
-        </p:txBody>
-      </p:sp>
-      <p:sp>
-        <p:nvSpPr>
-          <p:cNvPr id="6" name="Slide Number Placeholder 5"/>
-          <p:cNvSpPr>
-            <a:spLocks noGrp="1"/>
-          </p:cNvSpPr>
-          <p:nvPr>
-            <p:ph type="sldNum" sz="quarter" idx="12"/>
-          </p:nvPr>
-        </p:nvSpPr>
-        <p:spPr/>
-        <p:txBody>
-          <a:bodyPr/>
-          <a:lstStyle/>
-          <a:p>
-            <a:fld id="{6C6AE60A-B69C-4790-82F7-3882EDF23186}" type="slidenum">
-              <a:rPr lang="de-DE" smtClean="0"/>
-              <a:t>2</a:t>
-            </a:fld>
-            <a:endParaRPr lang="de-DE"/>
-          </a:p>
-        </p:txBody>
-      </p:sp>
-      <p:sp>
-        <p:nvSpPr>
-          <p:cNvPr id="8" name="Title 7"/>
-          <p:cNvSpPr>
-            <a:spLocks noGrp="1"/>
-          </p:cNvSpPr>
-          <p:nvPr>
-            <p:ph type="title"/>
-          </p:nvPr>
-        </p:nvSpPr>
-        <p:spPr>
-          <a:xfrm>
-            <a:off x="323850" y="620714"/>
-            <a:ext cx="8496300" cy="611401"/>
-          </a:xfrm>
-        </p:spPr>
-        <p:txBody>
-          <a:bodyPr/>
-          <a:lstStyle/>
-          <a:p>
-            <a:r>
-              <a:rPr lang="en-US" dirty="0" smtClean="0"/>
-              <a:t>Timeline</a:t>
-            </a:r>
-            <a:endParaRPr lang="en-US" dirty="0"/>
-          </a:p>
-        </p:txBody>
-      </p:sp>
-    </p:spTree>
-    <p:extLst>
-      <p:ext uri="{BB962C8B-B14F-4D97-AF65-F5344CB8AC3E}">
-        <p14:creationId xmlns:p14="http://schemas.microsoft.com/office/powerpoint/2010/main" val="1066166856"/>
-      </p:ext>
-    </p:extLst>
-  </p:cSld>
-  <p:clrMapOvr>
-    <a:masterClrMapping/>
-  </p:clrMapOvr>
-  <p:transition>
-    <p:fade/>
-  </p:transition>
-</p:sld>
-</file>
-
-<file path=ppt/slides/slide3.xml><?xml version="1.0" encoding="utf-8"?>
-<p:sld xmlns:a="http://schemas.openxmlformats.org/drawingml/2006/main" xmlns:r="http://schemas.openxmlformats.org/officeDocument/2006/relationships" xmlns:p="http://schemas.openxmlformats.org/presentationml/2006/main">
-  <p:cSld>
-    <p:spTree>
-      <p:nvGrpSpPr>
-        <p:cNvPr id="1" name=""/>
-        <p:cNvGrpSpPr/>
-        <p:nvPr/>
-      </p:nvGrpSpPr>
-      <p:grpSpPr>
-        <a:xfrm>
-          <a:off x="0" y="0"/>
-          <a:ext cx="0" cy="0"/>
-          <a:chOff x="0" y="0"/>
-          <a:chExt cx="0" cy="0"/>
-        </a:xfrm>
-      </p:grpSpPr>
-      <p:sp>
-        <p:nvSpPr>
-          <p:cNvPr id="3" name="Date Placeholder 2"/>
-          <p:cNvSpPr>
-            <a:spLocks noGrp="1"/>
-          </p:cNvSpPr>
-          <p:nvPr>
-            <p:ph type="dt" sz="half" idx="10"/>
-          </p:nvPr>
-        </p:nvSpPr>
-        <p:spPr/>
-        <p:txBody>
-          <a:bodyPr/>
-          <a:lstStyle/>
-          <a:p>
-            <a:fld id="{FF15E650-2C9B-4E22-B544-79A90AB3DDC1}" type="datetime1">
-              <a:rPr lang="de-DE" smtClean="0"/>
-              <a:t>01.12.2022</a:t>
-            </a:fld>
-            <a:endParaRPr lang="de-DE"/>
-          </a:p>
-        </p:txBody>
-      </p:sp>
-      <p:sp>
-        <p:nvSpPr>
-          <p:cNvPr id="4" name="Footer Placeholder 3"/>
-          <p:cNvSpPr>
-            <a:spLocks noGrp="1"/>
-          </p:cNvSpPr>
-          <p:nvPr>
-            <p:ph type="ftr" sz="quarter" idx="11"/>
-          </p:nvPr>
-        </p:nvSpPr>
-        <p:spPr/>
-        <p:txBody>
-          <a:bodyPr/>
-          <a:lstStyle/>
-          <a:p>
-            <a:r>
-              <a:rPr lang="de-DE" smtClean="0"/>
-              <a:t>Shinde, Rhythima</a:t>
-            </a:r>
-            <a:endParaRPr lang="de-DE"/>
-          </a:p>
-        </p:txBody>
-      </p:sp>
-      <p:sp>
-        <p:nvSpPr>
-          <p:cNvPr id="5" name="Slide Number Placeholder 4"/>
-          <p:cNvSpPr>
-            <a:spLocks noGrp="1"/>
-          </p:cNvSpPr>
-          <p:nvPr>
-            <p:ph type="sldNum" sz="quarter" idx="12"/>
-          </p:nvPr>
-        </p:nvSpPr>
-        <p:spPr/>
-        <p:txBody>
-          <a:bodyPr/>
-          <a:lstStyle/>
-          <a:p>
-            <a:fld id="{6C6AE60A-B69C-4790-82F7-3882EDF23186}" type="slidenum">
-              <a:rPr lang="de-DE" smtClean="0"/>
-              <a:t>3</a:t>
-            </a:fld>
-            <a:endParaRPr lang="de-DE"/>
-          </a:p>
-        </p:txBody>
-      </p:sp>
-      <p:sp>
-        <p:nvSpPr>
-          <p:cNvPr id="6" name="Title 5"/>
-          <p:cNvSpPr>
-            <a:spLocks noGrp="1"/>
-          </p:cNvSpPr>
-          <p:nvPr>
-            <p:ph type="title"/>
-          </p:nvPr>
-        </p:nvSpPr>
-        <p:spPr/>
-        <p:txBody>
-          <a:bodyPr/>
-          <a:lstStyle/>
-          <a:p>
-            <a:r>
-              <a:rPr lang="en-US" dirty="0"/>
-              <a:t>Timeline</a:t>
-            </a:r>
-          </a:p>
-        </p:txBody>
-      </p:sp>
-      <p:graphicFrame>
-        <p:nvGraphicFramePr>
-          <p:cNvPr id="7" name="Content Placeholder 9"/>
-          <p:cNvGraphicFramePr>
-            <a:graphicFrameLocks noGrp="1"/>
-          </p:cNvGraphicFramePr>
-          <p:nvPr>
-            <p:ph idx="1"/>
-            <p:extLst>
-              <p:ext uri="{D42A27DB-BD31-4B8C-83A1-F6EECF244321}">
-                <p14:modId xmlns:p14="http://schemas.microsoft.com/office/powerpoint/2010/main" val="3799510847"/>
-              </p:ext>
-            </p:extLst>
-          </p:nvPr>
-        </p:nvGraphicFramePr>
-        <p:xfrm>
-          <a:off x="323850" y="1609746"/>
-          <a:ext cx="8496300" cy="3495040"/>
-        </p:xfrm>
-        <a:graphic>
-          <a:graphicData uri="http://schemas.openxmlformats.org/drawingml/2006/table">
-            <a:tbl>
-              <a:tblPr firstRow="1" bandRow="1">
-                <a:tableStyleId>{5C22544A-7EE6-4342-B048-85BDC9FD1C3A}</a:tableStyleId>
-              </a:tblPr>
-              <a:tblGrid>
-                <a:gridCol w="1003061">
-                  <a:extLst>
-                    <a:ext uri="{9D8B030D-6E8A-4147-A177-3AD203B41FA5}">
-                      <a16:colId xmlns:a16="http://schemas.microsoft.com/office/drawing/2014/main" val="3156209168"/>
-                    </a:ext>
-                  </a:extLst>
-                </a:gridCol>
-                <a:gridCol w="4322221">
-                  <a:extLst>
-                    <a:ext uri="{9D8B030D-6E8A-4147-A177-3AD203B41FA5}">
-                      <a16:colId xmlns:a16="http://schemas.microsoft.com/office/drawing/2014/main" val="2104013299"/>
-                    </a:ext>
-                  </a:extLst>
-                </a:gridCol>
-                <a:gridCol w="3171018">
-                  <a:extLst>
-                    <a:ext uri="{9D8B030D-6E8A-4147-A177-3AD203B41FA5}">
-                      <a16:colId xmlns:a16="http://schemas.microsoft.com/office/drawing/2014/main" val="2802742579"/>
-                    </a:ext>
-                  </a:extLst>
-                </a:gridCol>
-              </a:tblGrid>
-              <a:tr h="370840">
-                <a:tc>
-                  <a:txBody>
-                    <a:bodyPr/>
-                    <a:lstStyle/>
-                    <a:p>
-                      <a:r>
-                        <a:rPr lang="en-US" sz="1200" dirty="0" smtClean="0"/>
-                        <a:t>Dates</a:t>
-                      </a:r>
-                      <a:endParaRPr lang="en-US" sz="1200" dirty="0"/>
-                    </a:p>
-                  </a:txBody>
-                  <a:tcPr/>
-                </a:tc>
-                <a:tc>
-                  <a:txBody>
-                    <a:bodyPr/>
-                    <a:lstStyle/>
-                    <a:p>
-                      <a:pPr marL="0" marR="0" lvl="0" indent="0" algn="l" defTabSz="914400" rtl="0" eaLnBrk="1" fontAlgn="auto" latinLnBrk="0" hangingPunct="1">
-                        <a:lnSpc>
-                          <a:spcPct val="100000"/>
-                        </a:lnSpc>
-                        <a:spcBef>
-                          <a:spcPts val="0"/>
-                        </a:spcBef>
-                        <a:spcAft>
-                          <a:spcPts val="0"/>
-                        </a:spcAft>
-                        <a:buClrTx/>
-                        <a:buSzTx/>
-                        <a:buFontTx/>
-                        <a:buNone/>
-                        <a:tabLst/>
-                        <a:defRPr/>
-                      </a:pPr>
-                      <a:r>
-                        <a:rPr lang="en-US" sz="1200" dirty="0" smtClean="0"/>
-                        <a:t>Work task</a:t>
-                      </a:r>
-                    </a:p>
-                  </a:txBody>
-                  <a:tcPr/>
-                </a:tc>
-                <a:tc>
-                  <a:txBody>
-                    <a:bodyPr/>
-                    <a:lstStyle/>
-                    <a:p>
-                      <a:r>
-                        <a:rPr lang="en-US" sz="1200" dirty="0" smtClean="0"/>
-                        <a:t>Overall Deadlines</a:t>
-                      </a:r>
-                      <a:endParaRPr lang="en-US" sz="1200" dirty="0"/>
-                    </a:p>
-                  </a:txBody>
-                  <a:tcPr/>
-                </a:tc>
-                <a:extLst>
-                  <a:ext uri="{0D108BD9-81ED-4DB2-BD59-A6C34878D82A}">
-                    <a16:rowId xmlns:a16="http://schemas.microsoft.com/office/drawing/2014/main" val="1859987649"/>
-                  </a:ext>
-                </a:extLst>
-              </a:tr>
-              <a:tr h="583859">
-                <a:tc>
-                  <a:txBody>
-                    <a:bodyPr/>
-                    <a:lstStyle/>
-                    <a:p>
-                      <a:r>
-                        <a:rPr lang="en-US" sz="1200" dirty="0" smtClean="0"/>
-                        <a:t>2 Dec</a:t>
-                      </a:r>
-                      <a:endParaRPr lang="en-US" sz="1200" dirty="0"/>
-                    </a:p>
-                  </a:txBody>
-                  <a:tcPr/>
-                </a:tc>
-                <a:tc>
-                  <a:txBody>
-                    <a:bodyPr/>
-                    <a:lstStyle/>
-                    <a:p>
-                      <a:pPr marL="285750" indent="-285750">
-                        <a:buFontTx/>
-                        <a:buChar char="-"/>
-                      </a:pPr>
-                      <a:r>
-                        <a:rPr lang="en-US" sz="1200" strike="sngStrike" baseline="0" dirty="0" smtClean="0"/>
-                        <a:t>Write </a:t>
-                      </a:r>
-                      <a:r>
-                        <a:rPr lang="en-US" sz="1200" strike="sngStrike" baseline="0" dirty="0" smtClean="0"/>
-                        <a:t>Section 2 Methodology intro </a:t>
-                      </a:r>
-                      <a:endParaRPr lang="en-US" sz="1200" strike="sngStrike" baseline="0" dirty="0" smtClean="0"/>
-                    </a:p>
-                    <a:p>
-                      <a:pPr marL="285750" indent="-285750">
-                        <a:buFontTx/>
-                        <a:buChar char="-"/>
-                      </a:pPr>
-                      <a:r>
-                        <a:rPr lang="en-US" sz="1200" strike="noStrike" baseline="0" dirty="0" smtClean="0"/>
-                        <a:t>Improve Section 2.3</a:t>
-                      </a:r>
-                    </a:p>
-                  </a:txBody>
-                  <a:tcPr/>
-                </a:tc>
-                <a:tc>
-                  <a:txBody>
-                    <a:bodyPr/>
-                    <a:lstStyle/>
-                    <a:p>
-                      <a:pPr marL="0" marR="0" lvl="0" indent="0" algn="l" defTabSz="914400" rtl="0" eaLnBrk="1" fontAlgn="auto" latinLnBrk="0" hangingPunct="1">
-                        <a:lnSpc>
-                          <a:spcPct val="100000"/>
-                        </a:lnSpc>
-                        <a:spcBef>
-                          <a:spcPts val="0"/>
-                        </a:spcBef>
-                        <a:spcAft>
-                          <a:spcPts val="0"/>
-                        </a:spcAft>
-                        <a:buClrTx/>
-                        <a:buSzTx/>
-                        <a:buFontTx/>
-                        <a:buNone/>
-                        <a:tabLst/>
-                        <a:defRPr/>
-                      </a:pPr>
-                      <a:r>
-                        <a:rPr lang="en-US" sz="1200" dirty="0" smtClean="0"/>
-                        <a:t>Sasha checks</a:t>
-                      </a:r>
-                      <a:r>
-                        <a:rPr lang="en-US" sz="1200" baseline="0" dirty="0" smtClean="0"/>
-                        <a:t> writing</a:t>
-                      </a:r>
-                    </a:p>
-                    <a:p>
-                      <a:pPr marL="0" marR="0" lvl="0" indent="0" algn="l" defTabSz="914400" rtl="0" eaLnBrk="1" fontAlgn="auto" latinLnBrk="0" hangingPunct="1">
-                        <a:lnSpc>
-                          <a:spcPct val="100000"/>
-                        </a:lnSpc>
-                        <a:spcBef>
-                          <a:spcPts val="0"/>
-                        </a:spcBef>
-                        <a:spcAft>
-                          <a:spcPts val="0"/>
-                        </a:spcAft>
-                        <a:buClrTx/>
-                        <a:buSzTx/>
-                        <a:buFontTx/>
-                        <a:buNone/>
-                        <a:tabLst/>
-                        <a:defRPr/>
-                      </a:pPr>
-                      <a:r>
-                        <a:rPr lang="en-US" sz="1200" baseline="0" dirty="0" smtClean="0"/>
-                        <a:t>Check LCA calculations (KBOB sources) and adapt writing 2.2.3</a:t>
-                      </a:r>
-                      <a:endParaRPr lang="en-US" sz="1200" baseline="0" dirty="0" smtClean="0"/>
-                    </a:p>
-                  </a:txBody>
-                  <a:tcPr/>
-                </a:tc>
-                <a:extLst>
-                  <a:ext uri="{0D108BD9-81ED-4DB2-BD59-A6C34878D82A}">
-                    <a16:rowId xmlns:a16="http://schemas.microsoft.com/office/drawing/2014/main" val="767013920"/>
-                  </a:ext>
-                </a:extLst>
-              </a:tr>
-              <a:tr h="370840">
-                <a:tc>
-                  <a:txBody>
-                    <a:bodyPr/>
-                    <a:lstStyle/>
-                    <a:p>
-                      <a:r>
-                        <a:rPr lang="en-US" sz="1200" dirty="0" smtClean="0"/>
-                        <a:t>3 Dec</a:t>
-                      </a:r>
-                      <a:endParaRPr lang="en-US" sz="1200" dirty="0"/>
-                    </a:p>
-                  </a:txBody>
-                  <a:tcPr>
-                    <a:lnB w="12700" cap="flat" cmpd="sng" algn="ctr">
-                      <a:solidFill>
-                        <a:schemeClr val="tx1"/>
-                      </a:solidFill>
-                      <a:prstDash val="solid"/>
-                      <a:round/>
-                      <a:headEnd type="none" w="med" len="med"/>
-                      <a:tailEnd type="none" w="med" len="med"/>
-                    </a:lnB>
-                  </a:tcPr>
-                </a:tc>
-                <a:tc>
-                  <a:txBody>
-                    <a:bodyPr/>
-                    <a:lstStyle/>
-                    <a:p>
-                      <a:pPr marL="0" marR="0" lvl="0" indent="0" algn="l" defTabSz="914400" rtl="0" eaLnBrk="1" fontAlgn="auto" latinLnBrk="0" hangingPunct="1">
-                        <a:lnSpc>
-                          <a:spcPct val="100000"/>
-                        </a:lnSpc>
-                        <a:spcBef>
-                          <a:spcPts val="0"/>
-                        </a:spcBef>
-                        <a:spcAft>
-                          <a:spcPts val="0"/>
-                        </a:spcAft>
-                        <a:buClrTx/>
-                        <a:buSzTx/>
-                        <a:buFontTx/>
-                        <a:buNone/>
-                        <a:tabLst/>
-                        <a:defRPr/>
-                      </a:pPr>
-                      <a:r>
-                        <a:rPr lang="en-US" sz="1200" baseline="0" dirty="0" smtClean="0"/>
-                        <a:t>Results section</a:t>
-                      </a:r>
-                    </a:p>
-                    <a:p>
-                      <a:pPr marL="285750" marR="0" lvl="0" indent="-285750" algn="l" defTabSz="914400" rtl="0" eaLnBrk="1" fontAlgn="auto" latinLnBrk="0" hangingPunct="1">
-                        <a:lnSpc>
-                          <a:spcPct val="100000"/>
-                        </a:lnSpc>
-                        <a:spcBef>
-                          <a:spcPts val="0"/>
-                        </a:spcBef>
-                        <a:spcAft>
-                          <a:spcPts val="0"/>
-                        </a:spcAft>
-                        <a:buClrTx/>
-                        <a:buSzTx/>
-                        <a:buFontTx/>
-                        <a:buChar char="-"/>
-                        <a:tabLst/>
-                        <a:defRPr/>
-                      </a:pPr>
-                      <a:r>
-                        <a:rPr lang="en-US" sz="1200" baseline="0" dirty="0" smtClean="0"/>
-                        <a:t>Figure on U Values (Figure 2)</a:t>
-                      </a:r>
-                    </a:p>
-                    <a:p>
-                      <a:pPr marL="285750" indent="-285750">
-                        <a:buFontTx/>
-                        <a:buChar char="-"/>
-                      </a:pPr>
-                      <a:r>
-                        <a:rPr lang="en-US" sz="1200" baseline="0" dirty="0" smtClean="0"/>
-                        <a:t>Check Figure 4 : add operational and embodied</a:t>
-                      </a:r>
-                    </a:p>
-                    <a:p>
-                      <a:pPr marL="0" marR="0" lvl="0" indent="0" algn="l" defTabSz="914400" rtl="0" eaLnBrk="1" fontAlgn="auto" latinLnBrk="0" hangingPunct="1">
-                        <a:lnSpc>
-                          <a:spcPct val="100000"/>
-                        </a:lnSpc>
-                        <a:spcBef>
-                          <a:spcPts val="0"/>
-                        </a:spcBef>
-                        <a:spcAft>
-                          <a:spcPts val="0"/>
-                        </a:spcAft>
-                        <a:buClrTx/>
-                        <a:buSzTx/>
-                        <a:buFontTx/>
-                        <a:buNone/>
-                        <a:tabLst/>
-                        <a:defRPr/>
-                      </a:pPr>
-                      <a:r>
-                        <a:rPr lang="en-US" sz="1200" kern="1200" dirty="0" smtClean="0">
-                          <a:solidFill>
-                            <a:schemeClr val="dk1"/>
-                          </a:solidFill>
-                          <a:latin typeface="+mn-lt"/>
-                          <a:ea typeface="+mn-ea"/>
-                          <a:cs typeface="+mn-cs"/>
-                        </a:rPr>
-                        <a:t>Model: </a:t>
-                      </a:r>
-                    </a:p>
-                    <a:p>
-                      <a:pPr marL="171450" marR="0" lvl="0" indent="-171450" algn="l" defTabSz="914400" rtl="0" eaLnBrk="1" fontAlgn="auto" latinLnBrk="0" hangingPunct="1">
-                        <a:lnSpc>
-                          <a:spcPct val="100000"/>
-                        </a:lnSpc>
-                        <a:spcBef>
-                          <a:spcPts val="0"/>
-                        </a:spcBef>
-                        <a:spcAft>
-                          <a:spcPts val="0"/>
-                        </a:spcAft>
-                        <a:buClrTx/>
-                        <a:buSzTx/>
-                        <a:buFontTx/>
-                        <a:buChar char="-"/>
-                        <a:tabLst/>
-                        <a:defRPr/>
-                      </a:pPr>
-                      <a:r>
-                        <a:rPr lang="en-US" sz="1200" kern="1200" dirty="0" smtClean="0">
-                          <a:solidFill>
-                            <a:schemeClr val="dk1"/>
-                          </a:solidFill>
-                          <a:latin typeface="+mn-lt"/>
-                          <a:ea typeface="+mn-ea"/>
-                          <a:cs typeface="+mn-cs"/>
-                        </a:rPr>
-                        <a:t>check new results with ventilation</a:t>
-                      </a:r>
-                    </a:p>
-                    <a:p>
-                      <a:pPr marL="171450" marR="0" lvl="0" indent="-171450" algn="l" defTabSz="914400" rtl="0" eaLnBrk="1" fontAlgn="auto" latinLnBrk="0" hangingPunct="1">
-                        <a:lnSpc>
-                          <a:spcPct val="100000"/>
-                        </a:lnSpc>
-                        <a:spcBef>
-                          <a:spcPts val="0"/>
-                        </a:spcBef>
-                        <a:spcAft>
-                          <a:spcPts val="0"/>
-                        </a:spcAft>
-                        <a:buClrTx/>
-                        <a:buSzTx/>
-                        <a:buFontTx/>
-                        <a:buChar char="-"/>
-                        <a:tabLst/>
-                        <a:defRPr/>
-                      </a:pPr>
-                      <a:r>
-                        <a:rPr lang="en-US" sz="1200" kern="1200" dirty="0" smtClean="0">
-                          <a:solidFill>
-                            <a:schemeClr val="dk1"/>
-                          </a:solidFill>
-                          <a:latin typeface="+mn-lt"/>
-                          <a:ea typeface="+mn-ea"/>
-                          <a:cs typeface="+mn-cs"/>
-                        </a:rPr>
-                        <a:t>check / edit figure 3, table 4</a:t>
-                      </a:r>
-                    </a:p>
-                    <a:p>
-                      <a:pPr marL="171450" marR="0" lvl="0" indent="-171450" algn="l" defTabSz="914400" rtl="0" eaLnBrk="1" fontAlgn="auto" latinLnBrk="0" hangingPunct="1">
-                        <a:lnSpc>
-                          <a:spcPct val="100000"/>
-                        </a:lnSpc>
-                        <a:spcBef>
-                          <a:spcPts val="0"/>
-                        </a:spcBef>
-                        <a:spcAft>
-                          <a:spcPts val="0"/>
-                        </a:spcAft>
-                        <a:buClrTx/>
-                        <a:buSzTx/>
-                        <a:buFontTx/>
-                        <a:buChar char="-"/>
-                        <a:tabLst/>
-                        <a:defRPr/>
-                      </a:pPr>
-                      <a:r>
-                        <a:rPr lang="en-US" sz="1200" baseline="0" dirty="0" smtClean="0"/>
-                        <a:t>check model scenario setup: Figure 5 , table 2</a:t>
-                      </a:r>
-                      <a:endParaRPr lang="en-US" sz="1200" baseline="0" dirty="0" smtClean="0"/>
-                    </a:p>
-                  </a:txBody>
-                  <a:tcPr>
-                    <a:lnB w="12700" cap="flat" cmpd="sng" algn="ctr">
-                      <a:solidFill>
-                        <a:schemeClr val="tx1"/>
-                      </a:solidFill>
-                      <a:prstDash val="solid"/>
-                      <a:round/>
-                      <a:headEnd type="none" w="med" len="med"/>
-                      <a:tailEnd type="none" w="med" len="med"/>
-                    </a:lnB>
-                  </a:tcPr>
-                </a:tc>
-                <a:tc>
-                  <a:txBody>
-                    <a:bodyPr/>
-                    <a:lstStyle/>
-                    <a:p>
-                      <a:pPr marL="0" marR="0" lvl="0" indent="0" algn="l" defTabSz="914400" rtl="0" eaLnBrk="1" fontAlgn="auto" latinLnBrk="0" hangingPunct="1">
-                        <a:lnSpc>
-                          <a:spcPct val="100000"/>
-                        </a:lnSpc>
-                        <a:spcBef>
-                          <a:spcPts val="0"/>
-                        </a:spcBef>
-                        <a:spcAft>
-                          <a:spcPts val="0"/>
-                        </a:spcAft>
-                        <a:buClrTx/>
-                        <a:buSzTx/>
-                        <a:buFontTx/>
-                        <a:buNone/>
-                        <a:tabLst/>
-                        <a:defRPr/>
-                      </a:pPr>
-                      <a:r>
-                        <a:rPr lang="en-US" sz="1200" kern="1200" smtClean="0">
-                          <a:solidFill>
-                            <a:schemeClr val="dk1"/>
-                          </a:solidFill>
-                          <a:latin typeface="+mn-lt"/>
-                          <a:ea typeface="+mn-ea"/>
-                          <a:cs typeface="+mn-cs"/>
-                        </a:rPr>
-                        <a:t>Send </a:t>
-                      </a:r>
-                      <a:r>
-                        <a:rPr lang="en-US" sz="1200" kern="1200" dirty="0" smtClean="0">
-                          <a:solidFill>
-                            <a:schemeClr val="dk1"/>
-                          </a:solidFill>
-                          <a:latin typeface="+mn-lt"/>
-                          <a:ea typeface="+mn-ea"/>
-                          <a:cs typeface="+mn-cs"/>
-                        </a:rPr>
-                        <a:t>the draft to Steffi on Section 2</a:t>
-                      </a:r>
-                    </a:p>
-                    <a:p>
-                      <a:endParaRPr lang="en-US" sz="1200" dirty="0"/>
-                    </a:p>
-                  </a:txBody>
-                  <a:tcPr>
-                    <a:lnB w="12700" cap="flat" cmpd="sng" algn="ctr">
-                      <a:solidFill>
-                        <a:schemeClr val="tx1"/>
-                      </a:solidFill>
-                      <a:prstDash val="solid"/>
-                      <a:round/>
-                      <a:headEnd type="none" w="med" len="med"/>
-                      <a:tailEnd type="none" w="med" len="med"/>
-                    </a:lnB>
-                  </a:tcPr>
-                </a:tc>
-                <a:extLst>
-                  <a:ext uri="{0D108BD9-81ED-4DB2-BD59-A6C34878D82A}">
-                    <a16:rowId xmlns:a16="http://schemas.microsoft.com/office/drawing/2014/main" val="3783486380"/>
-                  </a:ext>
-                </a:extLst>
-              </a:tr>
-              <a:tr h="370840">
-                <a:tc>
-                  <a:txBody>
-                    <a:bodyPr/>
-                    <a:lstStyle/>
-                    <a:p>
-                      <a:r>
-                        <a:rPr lang="en-US" sz="1200" dirty="0" smtClean="0"/>
-                        <a:t>5 Dec</a:t>
-                      </a:r>
-                      <a:endParaRPr lang="en-US" sz="1200" dirty="0"/>
-                    </a:p>
-                  </a:txBody>
-                  <a:tcPr>
-                    <a:lnT w="12700" cap="flat" cmpd="sng" algn="ctr">
-                      <a:solidFill>
-                        <a:schemeClr val="tx1"/>
-                      </a:solidFill>
-                      <a:prstDash val="solid"/>
-                      <a:round/>
-                      <a:headEnd type="none" w="med" len="med"/>
-                      <a:tailEnd type="none" w="med" len="med"/>
-                    </a:lnT>
-                    <a:lnB w="12700" cmpd="sng">
-                      <a:noFill/>
-                    </a:lnB>
-                  </a:tcPr>
-                </a:tc>
-                <a:tc>
-                  <a:txBody>
-                    <a:bodyPr/>
-                    <a:lstStyle/>
-                    <a:p>
-                      <a:pPr marL="0" marR="0" lvl="0" indent="0" algn="l" defTabSz="914400" rtl="0" eaLnBrk="1" fontAlgn="auto" latinLnBrk="0" hangingPunct="1">
-                        <a:lnSpc>
-                          <a:spcPct val="100000"/>
-                        </a:lnSpc>
-                        <a:spcBef>
-                          <a:spcPts val="0"/>
-                        </a:spcBef>
-                        <a:spcAft>
-                          <a:spcPts val="0"/>
-                        </a:spcAft>
-                        <a:buClrTx/>
-                        <a:buSzTx/>
-                        <a:buFontTx/>
-                        <a:buNone/>
-                        <a:tabLst/>
-                        <a:defRPr/>
-                      </a:pPr>
-                      <a:endParaRPr lang="en-US" sz="1200" baseline="0" dirty="0" smtClean="0"/>
-                    </a:p>
-                  </a:txBody>
-                  <a:tcPr>
-                    <a:lnT w="12700" cap="flat" cmpd="sng" algn="ctr">
-                      <a:solidFill>
-                        <a:schemeClr val="tx1"/>
-                      </a:solidFill>
-                      <a:prstDash val="solid"/>
-                      <a:round/>
-                      <a:headEnd type="none" w="med" len="med"/>
-                      <a:tailEnd type="none" w="med" len="med"/>
-                    </a:lnT>
-                    <a:lnB w="12700" cmpd="sng">
-                      <a:noFill/>
-                    </a:lnB>
-                  </a:tcPr>
-                </a:tc>
-                <a:tc>
-                  <a:txBody>
-                    <a:bodyPr/>
-                    <a:lstStyle/>
-                    <a:p>
-                      <a:r>
-                        <a:rPr lang="en-US" sz="1200" dirty="0" smtClean="0"/>
-                        <a:t>Discussion (SSR): Section 2</a:t>
-                      </a:r>
-                      <a:endParaRPr lang="en-US" sz="1200" dirty="0"/>
-                    </a:p>
-                  </a:txBody>
-                  <a:tcPr>
-                    <a:lnT w="12700" cap="flat" cmpd="sng" algn="ctr">
-                      <a:solidFill>
-                        <a:schemeClr val="tx1"/>
-                      </a:solidFill>
-                      <a:prstDash val="solid"/>
-                      <a:round/>
-                      <a:headEnd type="none" w="med" len="med"/>
-                      <a:tailEnd type="none" w="med" len="med"/>
-                    </a:lnT>
-                    <a:lnB w="12700" cmpd="sng">
-                      <a:noFill/>
-                    </a:lnB>
-                  </a:tcPr>
-                </a:tc>
-                <a:extLst>
-                  <a:ext uri="{0D108BD9-81ED-4DB2-BD59-A6C34878D82A}">
-                    <a16:rowId xmlns:a16="http://schemas.microsoft.com/office/drawing/2014/main" val="1335448183"/>
-                  </a:ext>
-                </a:extLst>
-              </a:tr>
-              <a:tr h="370840">
-                <a:tc>
-                  <a:txBody>
-                    <a:bodyPr/>
-                    <a:lstStyle/>
-                    <a:p>
-                      <a:r>
-                        <a:rPr lang="en-US" sz="1200" dirty="0" smtClean="0"/>
-                        <a:t>6 Dec</a:t>
-                      </a:r>
-                      <a:endParaRPr lang="en-US" sz="1200" dirty="0"/>
-                    </a:p>
-                  </a:txBody>
-                  <a:tcPr>
-                    <a:lnL w="12700" cmpd="sng">
-                      <a:noFill/>
-                    </a:lnL>
-                    <a:lnR w="12700" cmpd="sng">
-                      <a:noFill/>
-                    </a:lnR>
-                    <a:lnT w="12700" cmpd="sng">
-                      <a:noFill/>
-                    </a:lnT>
-                    <a:lnB w="12700" cap="flat" cmpd="sng" algn="ctr">
-                      <a:noFill/>
-                      <a:prstDash val="solid"/>
-                      <a:round/>
-                      <a:headEnd type="none" w="med" len="med"/>
-                      <a:tailEnd type="none" w="med" len="med"/>
-                    </a:lnB>
-                    <a:lnTlToBr w="12700" cmpd="sng">
-                      <a:noFill/>
-                      <a:prstDash val="solid"/>
-                    </a:lnTlToBr>
-                    <a:lnBlToTr w="12700" cmpd="sng">
-                      <a:noFill/>
-                      <a:prstDash val="solid"/>
-                    </a:lnBlToTr>
-                  </a:tcPr>
-                </a:tc>
-                <a:tc>
-                  <a:txBody>
-                    <a:bodyPr/>
-                    <a:lstStyle/>
-                    <a:p>
-                      <a:endParaRPr lang="en-US" sz="1200" dirty="0"/>
-                    </a:p>
-                  </a:txBody>
-                  <a:tcPr>
-                    <a:lnL w="12700" cmpd="sng">
-                      <a:noFill/>
-                    </a:lnL>
-                    <a:lnR w="12700" cmpd="sng">
-                      <a:noFill/>
-                    </a:lnR>
-                    <a:lnT w="12700" cmpd="sng">
-                      <a:noFill/>
-                    </a:lnT>
-                    <a:lnB w="12700" cap="flat" cmpd="sng" algn="ctr">
-                      <a:noFill/>
-                      <a:prstDash val="solid"/>
-                      <a:round/>
-                      <a:headEnd type="none" w="med" len="med"/>
-                      <a:tailEnd type="none" w="med" len="med"/>
-                    </a:lnB>
-                    <a:lnTlToBr w="12700" cmpd="sng">
-                      <a:noFill/>
-                      <a:prstDash val="solid"/>
-                    </a:lnTlToBr>
-                    <a:lnBlToTr w="12700" cmpd="sng">
-                      <a:noFill/>
-                      <a:prstDash val="solid"/>
-                    </a:lnBlToTr>
-                  </a:tcPr>
-                </a:tc>
-                <a:tc>
-                  <a:txBody>
-                    <a:bodyPr/>
-                    <a:lstStyle/>
-                    <a:p>
-                      <a:endParaRPr lang="en-US" sz="1200" dirty="0"/>
-                    </a:p>
-                  </a:txBody>
-                  <a:tcPr>
-                    <a:lnL w="12700" cmpd="sng">
-                      <a:noFill/>
-                    </a:lnL>
-                    <a:lnR w="12700" cmpd="sng">
-                      <a:noFill/>
-                    </a:lnR>
-                    <a:lnT w="12700" cmpd="sng">
-                      <a:noFill/>
-                    </a:lnT>
-                    <a:lnB w="12700" cap="flat" cmpd="sng" algn="ctr">
-                      <a:noFill/>
-                      <a:prstDash val="solid"/>
-                      <a:round/>
-                      <a:headEnd type="none" w="med" len="med"/>
-                      <a:tailEnd type="none" w="med" len="med"/>
-                    </a:lnB>
-                    <a:lnTlToBr w="12700" cmpd="sng">
-                      <a:noFill/>
-                      <a:prstDash val="solid"/>
-                    </a:lnTlToBr>
-                    <a:lnBlToTr w="12700" cmpd="sng">
-                      <a:noFill/>
-                      <a:prstDash val="solid"/>
-                    </a:lnBlToTr>
-                  </a:tcPr>
-                </a:tc>
-                <a:extLst>
-                  <a:ext uri="{0D108BD9-81ED-4DB2-BD59-A6C34878D82A}">
-                    <a16:rowId xmlns:a16="http://schemas.microsoft.com/office/drawing/2014/main" val="3185309040"/>
-                  </a:ext>
-                </a:extLst>
-              </a:tr>
-              <a:tr h="370840">
-                <a:tc>
-                  <a:txBody>
-                    <a:bodyPr/>
-                    <a:lstStyle/>
-                    <a:p>
-                      <a:r>
-                        <a:rPr lang="en-US" sz="1200" dirty="0" smtClean="0"/>
-                        <a:t>7 Dec</a:t>
-                      </a:r>
-                      <a:endParaRPr lang="en-US" sz="1200" dirty="0"/>
-                    </a:p>
-                  </a:txBody>
-                  <a:tcPr>
-                    <a:lnL w="12700" cmpd="sng">
-                      <a:noFill/>
-                    </a:lnL>
-                    <a:lnR w="12700" cmpd="sng">
-                      <a:noFill/>
-                    </a:lnR>
-                    <a:lnT w="12700" cmpd="sng">
-                      <a:noFill/>
-                    </a:lnT>
-                    <a:lnB w="12700" cap="flat" cmpd="sng" algn="ctr">
-                      <a:noFill/>
-                      <a:prstDash val="solid"/>
-                      <a:round/>
-                      <a:headEnd type="none" w="med" len="med"/>
-                      <a:tailEnd type="none" w="med" len="med"/>
-                    </a:lnB>
-                    <a:lnTlToBr w="12700" cmpd="sng">
-                      <a:noFill/>
-                      <a:prstDash val="solid"/>
-                    </a:lnTlToBr>
-                    <a:lnBlToTr w="12700" cmpd="sng">
-                      <a:noFill/>
-                      <a:prstDash val="solid"/>
-                    </a:lnBlToTr>
-                  </a:tcPr>
-                </a:tc>
-                <a:tc>
-                  <a:txBody>
-                    <a:bodyPr/>
-                    <a:lstStyle/>
-                    <a:p>
-                      <a:endParaRPr lang="en-US" sz="1200" dirty="0"/>
-                    </a:p>
-                  </a:txBody>
-                  <a:tcPr>
-                    <a:lnL w="12700" cmpd="sng">
-                      <a:noFill/>
-                    </a:lnL>
-                    <a:lnR w="12700" cmpd="sng">
-                      <a:noFill/>
-                    </a:lnR>
-                    <a:lnT w="12700" cmpd="sng">
-                      <a:noFill/>
-                    </a:lnT>
-                    <a:lnB w="12700" cap="flat" cmpd="sng" algn="ctr">
-                      <a:noFill/>
-                      <a:prstDash val="solid"/>
-                      <a:round/>
-                      <a:headEnd type="none" w="med" len="med"/>
-                      <a:tailEnd type="none" w="med" len="med"/>
-                    </a:lnB>
-                    <a:lnTlToBr w="12700" cmpd="sng">
-                      <a:noFill/>
-                      <a:prstDash val="solid"/>
-                    </a:lnTlToBr>
-                    <a:lnBlToTr w="12700" cmpd="sng">
-                      <a:noFill/>
-                      <a:prstDash val="solid"/>
-                    </a:lnBlToTr>
-                  </a:tcPr>
-                </a:tc>
-                <a:tc>
-                  <a:txBody>
-                    <a:bodyPr/>
-                    <a:lstStyle/>
-                    <a:p>
-                      <a:endParaRPr lang="en-US" sz="1200" dirty="0"/>
-                    </a:p>
-                  </a:txBody>
-                  <a:tcPr>
-                    <a:lnL w="12700" cmpd="sng">
-                      <a:noFill/>
-                    </a:lnL>
-                    <a:lnR w="12700" cmpd="sng">
-                      <a:noFill/>
-                    </a:lnR>
-                    <a:lnT w="12700" cmpd="sng">
-                      <a:noFill/>
-                    </a:lnT>
-                    <a:lnB w="12700" cap="flat" cmpd="sng" algn="ctr">
-                      <a:noFill/>
-                      <a:prstDash val="solid"/>
-                      <a:round/>
-                      <a:headEnd type="none" w="med" len="med"/>
-                      <a:tailEnd type="none" w="med" len="med"/>
-                    </a:lnB>
-                    <a:lnTlToBr w="12700" cmpd="sng">
-                      <a:noFill/>
-                      <a:prstDash val="solid"/>
-                    </a:lnTlToBr>
-                    <a:lnBlToTr w="12700" cmpd="sng">
-                      <a:noFill/>
-                      <a:prstDash val="solid"/>
-                    </a:lnBlToTr>
-                  </a:tcPr>
-                </a:tc>
-                <a:extLst>
-                  <a:ext uri="{0D108BD9-81ED-4DB2-BD59-A6C34878D82A}">
-                    <a16:rowId xmlns:a16="http://schemas.microsoft.com/office/drawing/2014/main" val="1690439538"/>
-                  </a:ext>
-                </a:extLst>
-              </a:tr>
-            </a:tbl>
-          </a:graphicData>
-        </a:graphic>
-      </p:graphicFrame>
-    </p:spTree>
-    <p:extLst>
-      <p:ext uri="{BB962C8B-B14F-4D97-AF65-F5344CB8AC3E}">
-        <p14:creationId xmlns:p14="http://schemas.microsoft.com/office/powerpoint/2010/main" val="2942202906"/>
-      </p:ext>
-    </p:extLst>
-  </p:cSld>
-  <p:clrMapOvr>
-    <a:masterClrMapping/>
-  </p:clrMapOvr>
-  <p:transition>
-    <p:fade/>
-  </p:transition>
-</p:sld>
-</file>
-
-<file path=ppt/slides/slide4.xml><?xml version="1.0" encoding="utf-8"?>
-<p:sld xmlns:a="http://schemas.openxmlformats.org/drawingml/2006/main" xmlns:r="http://schemas.openxmlformats.org/officeDocument/2006/relationships" xmlns:p="http://schemas.openxmlformats.org/presentationml/2006/main">
-  <p:cSld>
-    <p:spTree>
-      <p:nvGrpSpPr>
-        <p:cNvPr id="1" name=""/>
-        <p:cNvGrpSpPr/>
-        <p:nvPr/>
-      </p:nvGrpSpPr>
-      <p:grpSpPr>
-        <a:xfrm>
-          <a:off x="0" y="0"/>
-          <a:ext cx="0" cy="0"/>
-          <a:chOff x="0" y="0"/>
-          <a:chExt cx="0" cy="0"/>
-        </a:xfrm>
-      </p:grpSpPr>
-      <p:sp>
-        <p:nvSpPr>
-          <p:cNvPr id="2" name="Content Placeholder 1"/>
-          <p:cNvSpPr>
-            <a:spLocks noGrp="1"/>
-          </p:cNvSpPr>
-          <p:nvPr>
-            <p:ph idx="1"/>
-          </p:nvPr>
-        </p:nvSpPr>
-        <p:spPr>
-          <a:xfrm>
-            <a:off x="323850" y="2552116"/>
-            <a:ext cx="8496300" cy="3681994"/>
-          </a:xfrm>
-        </p:spPr>
-        <p:txBody>
-          <a:bodyPr/>
-          <a:lstStyle/>
-          <a:p>
-            <a:pPr marL="457200" indent="-457200">
-              <a:buAutoNum type="arabicPeriod"/>
-            </a:pPr>
-            <a:r>
-              <a:rPr lang="en-US" dirty="0" smtClean="0"/>
-              <a:t>Paper </a:t>
-            </a:r>
-          </a:p>
-          <a:p>
-            <a:pPr marL="457200" indent="-457200">
-              <a:buAutoNum type="arabicPeriod"/>
-            </a:pPr>
-            <a:endParaRPr lang="en-US" dirty="0"/>
-          </a:p>
-          <a:p>
-            <a:pPr marL="457200" indent="-457200">
-              <a:buAutoNum type="arabicPeriod"/>
-            </a:pPr>
-            <a:r>
-              <a:rPr lang="en-US" dirty="0" smtClean="0"/>
-              <a:t>Model &amp; Results</a:t>
-            </a:r>
-          </a:p>
-          <a:p>
-            <a:pPr lvl="1"/>
-            <a:endParaRPr lang="en-US" dirty="0"/>
-          </a:p>
-          <a:p>
-            <a:pPr lvl="1"/>
-            <a:endParaRPr lang="en-US" dirty="0"/>
-          </a:p>
-          <a:p>
-            <a:pPr marL="0" indent="0">
-              <a:buNone/>
-            </a:pPr>
-            <a:endParaRPr lang="en-US" dirty="0"/>
-          </a:p>
-        </p:txBody>
-      </p:sp>
-      <p:sp>
-        <p:nvSpPr>
-          <p:cNvPr id="3" name="Date Placeholder 2"/>
-          <p:cNvSpPr>
-            <a:spLocks noGrp="1"/>
-          </p:cNvSpPr>
-          <p:nvPr>
-            <p:ph type="dt" sz="half" idx="10"/>
-          </p:nvPr>
-        </p:nvSpPr>
-        <p:spPr/>
-        <p:txBody>
-          <a:bodyPr/>
-          <a:lstStyle/>
-          <a:p>
-            <a:fld id="{FF15E650-2C9B-4E22-B544-79A90AB3DDC1}" type="datetime1">
-              <a:rPr lang="de-DE" smtClean="0"/>
-              <a:t>01.12.2022</a:t>
-            </a:fld>
-            <a:endParaRPr lang="de-DE"/>
-          </a:p>
-        </p:txBody>
-      </p:sp>
-      <p:sp>
-        <p:nvSpPr>
-          <p:cNvPr id="4" name="Footer Placeholder 3"/>
-          <p:cNvSpPr>
-            <a:spLocks noGrp="1"/>
-          </p:cNvSpPr>
-          <p:nvPr>
-            <p:ph type="ftr" sz="quarter" idx="11"/>
-          </p:nvPr>
-        </p:nvSpPr>
-        <p:spPr/>
-        <p:txBody>
-          <a:bodyPr/>
-          <a:lstStyle/>
-          <a:p>
-            <a:r>
-              <a:rPr lang="de-DE" smtClean="0"/>
-              <a:t>Shinde, Rhythima</a:t>
-            </a:r>
-            <a:endParaRPr lang="de-DE"/>
-          </a:p>
-        </p:txBody>
-      </p:sp>
-      <p:sp>
-        <p:nvSpPr>
-          <p:cNvPr id="5" name="Slide Number Placeholder 4"/>
-          <p:cNvSpPr>
-            <a:spLocks noGrp="1"/>
-          </p:cNvSpPr>
-          <p:nvPr>
-            <p:ph type="sldNum" sz="quarter" idx="12"/>
-          </p:nvPr>
-        </p:nvSpPr>
-        <p:spPr/>
-        <p:txBody>
-          <a:bodyPr/>
-          <a:lstStyle/>
-          <a:p>
-            <a:fld id="{6C6AE60A-B69C-4790-82F7-3882EDF23186}" type="slidenum">
-              <a:rPr lang="de-DE" smtClean="0"/>
-              <a:t>4</a:t>
-            </a:fld>
-            <a:endParaRPr lang="de-DE"/>
-          </a:p>
-        </p:txBody>
-      </p:sp>
-      <p:sp>
-        <p:nvSpPr>
-          <p:cNvPr id="6" name="Title 5"/>
-          <p:cNvSpPr>
-            <a:spLocks noGrp="1"/>
-          </p:cNvSpPr>
-          <p:nvPr>
-            <p:ph type="title"/>
-          </p:nvPr>
-        </p:nvSpPr>
-        <p:spPr/>
-        <p:txBody>
-          <a:bodyPr/>
-          <a:lstStyle/>
-          <a:p>
-            <a:r>
-              <a:rPr lang="en-US" dirty="0" smtClean="0"/>
-              <a:t>Agenda</a:t>
-            </a:r>
-            <a:endParaRPr lang="en-US" dirty="0"/>
-          </a:p>
-        </p:txBody>
-      </p:sp>
-      <p:sp>
-        <p:nvSpPr>
-          <p:cNvPr id="7" name="TextBox 6">
-            <a:hlinkClick r:id="rId2"/>
-          </p:cNvPr>
-          <p:cNvSpPr txBox="1"/>
-          <p:nvPr/>
-        </p:nvSpPr>
-        <p:spPr>
-          <a:xfrm>
-            <a:off x="323850" y="1887749"/>
-            <a:ext cx="2121093" cy="369332"/>
-          </a:xfrm>
-          <a:prstGeom prst="rect">
-            <a:avLst/>
-          </a:prstGeom>
-          <a:noFill/>
-        </p:spPr>
-        <p:txBody>
-          <a:bodyPr wrap="none" rtlCol="0">
-            <a:spAutoFit/>
-          </a:bodyPr>
-          <a:lstStyle/>
-          <a:p>
-            <a:r>
-              <a:rPr lang="en-US" dirty="0" smtClean="0">
-                <a:hlinkClick r:id="rId2"/>
-              </a:rPr>
-              <a:t>Old plan till 24 Nov</a:t>
-            </a:r>
-            <a:endParaRPr lang="en-US" dirty="0"/>
-          </a:p>
-        </p:txBody>
-      </p:sp>
-    </p:spTree>
-    <p:extLst>
-      <p:ext uri="{BB962C8B-B14F-4D97-AF65-F5344CB8AC3E}">
-        <p14:creationId xmlns:p14="http://schemas.microsoft.com/office/powerpoint/2010/main" val="2461387543"/>
-      </p:ext>
-    </p:extLst>
-  </p:cSld>
-  <p:clrMapOvr>
-    <a:masterClrMapping/>
-  </p:clrMapOvr>
-  <p:transition>
-    <p:fade/>
-  </p:transition>
-  <p:timing>
-    <p:tnLst>
-      <p:par>
-        <p:cTn id="1" dur="indefinite" restart="never" nodeType="tmRoot"/>
-      </p:par>
-    </p:tnLst>
-  </p:timing>
-</p:sld>
-</file>
-
-<file path=ppt/slides/slide5.xml><?xml version="1.0" encoding="utf-8"?>
-<p:sld xmlns:a="http://schemas.openxmlformats.org/drawingml/2006/main" xmlns:r="http://schemas.openxmlformats.org/officeDocument/2006/relationships" xmlns:p="http://schemas.openxmlformats.org/presentationml/2006/main">
-  <p:cSld>
-    <p:spTree>
-      <p:nvGrpSpPr>
-        <p:cNvPr id="1" name=""/>
-        <p:cNvGrpSpPr/>
-        <p:nvPr/>
-      </p:nvGrpSpPr>
-      <p:grpSpPr>
-        <a:xfrm>
-          <a:off x="0" y="0"/>
-          <a:ext cx="0" cy="0"/>
-          <a:chOff x="0" y="0"/>
-          <a:chExt cx="0" cy="0"/>
-        </a:xfrm>
-      </p:grpSpPr>
-      <p:sp>
-        <p:nvSpPr>
-          <p:cNvPr id="3" name="Date Placeholder 2"/>
-          <p:cNvSpPr>
-            <a:spLocks noGrp="1"/>
-          </p:cNvSpPr>
-          <p:nvPr>
-            <p:ph type="dt" sz="half" idx="10"/>
-          </p:nvPr>
-        </p:nvSpPr>
-        <p:spPr/>
-        <p:txBody>
-          <a:bodyPr/>
-          <a:lstStyle/>
-          <a:p>
-            <a:fld id="{FF15E650-2C9B-4E22-B544-79A90AB3DDC1}" type="datetime1">
-              <a:rPr lang="de-DE" smtClean="0"/>
-              <a:t>01.12.2022</a:t>
-            </a:fld>
-            <a:endParaRPr lang="de-DE"/>
-          </a:p>
-        </p:txBody>
-      </p:sp>
-      <p:sp>
-        <p:nvSpPr>
-          <p:cNvPr id="4" name="Footer Placeholder 3"/>
-          <p:cNvSpPr>
-            <a:spLocks noGrp="1"/>
-          </p:cNvSpPr>
-          <p:nvPr>
-            <p:ph type="ftr" sz="quarter" idx="11"/>
-          </p:nvPr>
-        </p:nvSpPr>
-        <p:spPr/>
-        <p:txBody>
-          <a:bodyPr/>
-          <a:lstStyle/>
-          <a:p>
-            <a:r>
-              <a:rPr lang="de-DE" smtClean="0"/>
-              <a:t>Shinde, Rhythima</a:t>
-            </a:r>
-            <a:endParaRPr lang="de-DE"/>
-          </a:p>
-        </p:txBody>
-      </p:sp>
-      <p:sp>
-        <p:nvSpPr>
-          <p:cNvPr id="5" name="Slide Number Placeholder 4"/>
-          <p:cNvSpPr>
-            <a:spLocks noGrp="1"/>
-          </p:cNvSpPr>
-          <p:nvPr>
-            <p:ph type="sldNum" sz="quarter" idx="12"/>
-          </p:nvPr>
-        </p:nvSpPr>
-        <p:spPr/>
-        <p:txBody>
-          <a:bodyPr/>
-          <a:lstStyle/>
-          <a:p>
-            <a:fld id="{6C6AE60A-B69C-4790-82F7-3882EDF23186}" type="slidenum">
-              <a:rPr lang="de-DE" smtClean="0"/>
-              <a:t>5</a:t>
-            </a:fld>
-            <a:endParaRPr lang="de-DE"/>
-          </a:p>
-        </p:txBody>
-      </p:sp>
-      <p:sp>
-        <p:nvSpPr>
-          <p:cNvPr id="6" name="Title 5"/>
-          <p:cNvSpPr>
-            <a:spLocks noGrp="1"/>
-          </p:cNvSpPr>
-          <p:nvPr>
-            <p:ph type="title"/>
-          </p:nvPr>
-        </p:nvSpPr>
-        <p:spPr/>
-        <p:txBody>
-          <a:bodyPr/>
-          <a:lstStyle/>
-          <a:p>
-            <a:r>
-              <a:rPr lang="en-US" dirty="0" smtClean="0"/>
-              <a:t>Paper – Methodology structure</a:t>
-            </a:r>
-            <a:endParaRPr lang="en-US" dirty="0"/>
-          </a:p>
-        </p:txBody>
-      </p:sp>
-      <p:pic>
-        <p:nvPicPr>
-          <p:cNvPr id="9" name="Picture 8"/>
-          <p:cNvPicPr>
-            <a:picLocks noChangeAspect="1"/>
-          </p:cNvPicPr>
-          <p:nvPr/>
-        </p:nvPicPr>
-        <p:blipFill>
-          <a:blip r:embed="rId2"/>
-          <a:stretch>
-            <a:fillRect/>
-          </a:stretch>
-        </p:blipFill>
-        <p:spPr>
-          <a:xfrm>
-            <a:off x="755376" y="2168442"/>
-            <a:ext cx="3266073" cy="3778595"/>
-          </a:xfrm>
-          <a:prstGeom prst="rect">
-            <a:avLst/>
-          </a:prstGeom>
-        </p:spPr>
-      </p:pic>
-      <p:pic>
-        <p:nvPicPr>
-          <p:cNvPr id="10" name="Picture 9"/>
-          <p:cNvPicPr>
-            <a:picLocks noChangeAspect="1"/>
-          </p:cNvPicPr>
-          <p:nvPr/>
-        </p:nvPicPr>
-        <p:blipFill>
-          <a:blip r:embed="rId3"/>
-          <a:stretch>
-            <a:fillRect/>
-          </a:stretch>
-        </p:blipFill>
-        <p:spPr>
-          <a:xfrm>
-            <a:off x="5276850" y="1990814"/>
-            <a:ext cx="3543300" cy="4133850"/>
-          </a:xfrm>
-          <a:prstGeom prst="rect">
-            <a:avLst/>
-          </a:prstGeom>
-        </p:spPr>
-      </p:pic>
-      <p:cxnSp>
-        <p:nvCxnSpPr>
-          <p:cNvPr id="12" name="Straight Arrow Connector 11"/>
-          <p:cNvCxnSpPr/>
-          <p:nvPr/>
-        </p:nvCxnSpPr>
-        <p:spPr>
-          <a:xfrm flipV="1">
-            <a:off x="2798202" y="2433817"/>
-            <a:ext cx="2701948" cy="165004"/>
-          </a:xfrm>
-          <a:prstGeom prst="straightConnector1">
-            <a:avLst/>
-          </a:prstGeom>
-          <a:ln w="19050">
-            <a:solidFill>
-              <a:srgbClr val="FF0000"/>
-            </a:solidFill>
-            <a:headEnd type="none" w="med" len="med"/>
-            <a:tailEnd type="triangle"/>
-          </a:ln>
-        </p:spPr>
-        <p:style>
-          <a:lnRef idx="1">
-            <a:schemeClr val="accent1"/>
-          </a:lnRef>
-          <a:fillRef idx="0">
-            <a:schemeClr val="accent1"/>
-          </a:fillRef>
-          <a:effectRef idx="0">
-            <a:schemeClr val="accent1"/>
-          </a:effectRef>
-          <a:fontRef idx="minor">
-            <a:schemeClr val="tx1"/>
-          </a:fontRef>
-        </p:style>
-      </p:cxnSp>
-    </p:spTree>
-    <p:extLst>
-      <p:ext uri="{BB962C8B-B14F-4D97-AF65-F5344CB8AC3E}">
-        <p14:creationId xmlns:p14="http://schemas.microsoft.com/office/powerpoint/2010/main" val="1790388255"/>
-      </p:ext>
-    </p:extLst>
-  </p:cSld>
-  <p:clrMapOvr>
-    <a:masterClrMapping/>
-  </p:clrMapOvr>
-  <p:transition>
-    <p:fade/>
-  </p:transition>
-</p:sld>
-</file>
-
-<file path=ppt/slides/slide6.xml><?xml version="1.0" encoding="utf-8"?>
-<p:sld xmlns:a="http://schemas.openxmlformats.org/drawingml/2006/main" xmlns:r="http://schemas.openxmlformats.org/officeDocument/2006/relationships" xmlns:p="http://schemas.openxmlformats.org/presentationml/2006/main">
-  <p:cSld>
-    <p:spTree>
-      <p:nvGrpSpPr>
-        <p:cNvPr id="1" name=""/>
-        <p:cNvGrpSpPr/>
-        <p:nvPr/>
-      </p:nvGrpSpPr>
-      <p:grpSpPr>
-        <a:xfrm>
-          <a:off x="0" y="0"/>
-          <a:ext cx="0" cy="0"/>
-          <a:chOff x="0" y="0"/>
-          <a:chExt cx="0" cy="0"/>
-        </a:xfrm>
-      </p:grpSpPr>
-      <p:sp>
-        <p:nvSpPr>
-          <p:cNvPr id="2" name="Content Placeholder 1"/>
-          <p:cNvSpPr>
-            <a:spLocks noGrp="1"/>
-          </p:cNvSpPr>
-          <p:nvPr>
-            <p:ph idx="1"/>
-          </p:nvPr>
-        </p:nvSpPr>
-        <p:spPr/>
-        <p:txBody>
-          <a:bodyPr/>
-          <a:lstStyle/>
-          <a:p>
-            <a:endParaRPr lang="en-US"/>
-          </a:p>
-        </p:txBody>
-      </p:sp>
-      <p:sp>
-        <p:nvSpPr>
-          <p:cNvPr id="3" name="Date Placeholder 2"/>
-          <p:cNvSpPr>
-            <a:spLocks noGrp="1"/>
-          </p:cNvSpPr>
-          <p:nvPr>
-            <p:ph type="dt" sz="half" idx="10"/>
-          </p:nvPr>
-        </p:nvSpPr>
-        <p:spPr/>
-        <p:txBody>
-          <a:bodyPr/>
-          <a:lstStyle/>
-          <a:p>
-            <a:fld id="{FF15E650-2C9B-4E22-B544-79A90AB3DDC1}" type="datetime1">
-              <a:rPr lang="de-DE" smtClean="0"/>
-              <a:t>01.12.2022</a:t>
-            </a:fld>
-            <a:endParaRPr lang="de-DE"/>
-          </a:p>
-        </p:txBody>
-      </p:sp>
-      <p:sp>
-        <p:nvSpPr>
-          <p:cNvPr id="4" name="Footer Placeholder 3"/>
-          <p:cNvSpPr>
-            <a:spLocks noGrp="1"/>
-          </p:cNvSpPr>
-          <p:nvPr>
-            <p:ph type="ftr" sz="quarter" idx="11"/>
-          </p:nvPr>
-        </p:nvSpPr>
-        <p:spPr/>
-        <p:txBody>
-          <a:bodyPr/>
-          <a:lstStyle/>
-          <a:p>
-            <a:r>
-              <a:rPr lang="de-DE" smtClean="0"/>
-              <a:t>Shinde, Rhythima</a:t>
-            </a:r>
-            <a:endParaRPr lang="de-DE"/>
-          </a:p>
-        </p:txBody>
-      </p:sp>
-      <p:sp>
-        <p:nvSpPr>
-          <p:cNvPr id="5" name="Slide Number Placeholder 4"/>
-          <p:cNvSpPr>
-            <a:spLocks noGrp="1"/>
-          </p:cNvSpPr>
-          <p:nvPr>
-            <p:ph type="sldNum" sz="quarter" idx="12"/>
-          </p:nvPr>
-        </p:nvSpPr>
-        <p:spPr/>
-        <p:txBody>
-          <a:bodyPr/>
-          <a:lstStyle/>
-          <a:p>
-            <a:fld id="{6C6AE60A-B69C-4790-82F7-3882EDF23186}" type="slidenum">
-              <a:rPr lang="de-DE" smtClean="0"/>
-              <a:t>6</a:t>
+              <a:t>10</a:t>
             </a:fld>
             <a:endParaRPr lang="de-DE"/>
           </a:p>
@@ -7412,7 +4373,217 @@
 </p:sld>
 </file>
 
-<file path=ppt/slides/slide7.xml><?xml version="1.0" encoding="utf-8"?>
+<file path=ppt/slides/slide11.xml><?xml version="1.0" encoding="utf-8"?>
+<p:sld xmlns:a="http://schemas.openxmlformats.org/drawingml/2006/main" xmlns:r="http://schemas.openxmlformats.org/officeDocument/2006/relationships" xmlns:p="http://schemas.openxmlformats.org/presentationml/2006/main">
+  <p:cSld>
+    <p:spTree>
+      <p:nvGrpSpPr>
+        <p:cNvPr id="1" name=""/>
+        <p:cNvGrpSpPr/>
+        <p:nvPr/>
+      </p:nvGrpSpPr>
+      <p:grpSpPr>
+        <a:xfrm>
+          <a:off x="0" y="0"/>
+          <a:ext cx="0" cy="0"/>
+          <a:chOff x="0" y="0"/>
+          <a:chExt cx="0" cy="0"/>
+        </a:xfrm>
+      </p:grpSpPr>
+      <p:sp>
+        <p:nvSpPr>
+          <p:cNvPr id="3" name="Date Placeholder 2"/>
+          <p:cNvSpPr>
+            <a:spLocks noGrp="1"/>
+          </p:cNvSpPr>
+          <p:nvPr>
+            <p:ph type="dt" sz="half" idx="10"/>
+          </p:nvPr>
+        </p:nvSpPr>
+        <p:spPr/>
+        <p:txBody>
+          <a:bodyPr/>
+          <a:lstStyle/>
+          <a:p>
+            <a:fld id="{FF15E650-2C9B-4E22-B544-79A90AB3DDC1}" type="datetime1">
+              <a:rPr lang="de-DE" smtClean="0"/>
+              <a:t>09.12.2022</a:t>
+            </a:fld>
+            <a:endParaRPr lang="de-DE"/>
+          </a:p>
+        </p:txBody>
+      </p:sp>
+      <p:sp>
+        <p:nvSpPr>
+          <p:cNvPr id="4" name="Footer Placeholder 3"/>
+          <p:cNvSpPr>
+            <a:spLocks noGrp="1"/>
+          </p:cNvSpPr>
+          <p:nvPr>
+            <p:ph type="ftr" sz="quarter" idx="11"/>
+          </p:nvPr>
+        </p:nvSpPr>
+        <p:spPr/>
+        <p:txBody>
+          <a:bodyPr/>
+          <a:lstStyle/>
+          <a:p>
+            <a:r>
+              <a:rPr lang="de-DE" smtClean="0"/>
+              <a:t>Shinde, Rhythima</a:t>
+            </a:r>
+            <a:endParaRPr lang="de-DE"/>
+          </a:p>
+        </p:txBody>
+      </p:sp>
+      <p:sp>
+        <p:nvSpPr>
+          <p:cNvPr id="5" name="Slide Number Placeholder 4"/>
+          <p:cNvSpPr>
+            <a:spLocks noGrp="1"/>
+          </p:cNvSpPr>
+          <p:nvPr>
+            <p:ph type="sldNum" sz="quarter" idx="12"/>
+          </p:nvPr>
+        </p:nvSpPr>
+        <p:spPr/>
+        <p:txBody>
+          <a:bodyPr/>
+          <a:lstStyle/>
+          <a:p>
+            <a:fld id="{6C6AE60A-B69C-4790-82F7-3882EDF23186}" type="slidenum">
+              <a:rPr lang="de-DE" smtClean="0"/>
+              <a:t>11</a:t>
+            </a:fld>
+            <a:endParaRPr lang="de-DE"/>
+          </a:p>
+        </p:txBody>
+      </p:sp>
+      <p:sp>
+        <p:nvSpPr>
+          <p:cNvPr id="6" name="Title 5"/>
+          <p:cNvSpPr>
+            <a:spLocks noGrp="1"/>
+          </p:cNvSpPr>
+          <p:nvPr>
+            <p:ph type="title"/>
+          </p:nvPr>
+        </p:nvSpPr>
+        <p:spPr/>
+        <p:txBody>
+          <a:bodyPr/>
+          <a:lstStyle/>
+          <a:p>
+            <a:r>
+              <a:rPr lang="en-US" dirty="0" smtClean="0"/>
+              <a:t>Paper – Methodology structure</a:t>
+            </a:r>
+            <a:endParaRPr lang="en-US" dirty="0"/>
+          </a:p>
+        </p:txBody>
+      </p:sp>
+      <p:pic>
+        <p:nvPicPr>
+          <p:cNvPr id="9" name="Picture 8"/>
+          <p:cNvPicPr>
+            <a:picLocks noChangeAspect="1"/>
+          </p:cNvPicPr>
+          <p:nvPr/>
+        </p:nvPicPr>
+        <p:blipFill>
+          <a:blip r:embed="rId2"/>
+          <a:stretch>
+            <a:fillRect/>
+          </a:stretch>
+        </p:blipFill>
+        <p:spPr>
+          <a:xfrm>
+            <a:off x="755376" y="2168442"/>
+            <a:ext cx="3266073" cy="3778595"/>
+          </a:xfrm>
+          <a:prstGeom prst="rect">
+            <a:avLst/>
+          </a:prstGeom>
+        </p:spPr>
+      </p:pic>
+      <p:pic>
+        <p:nvPicPr>
+          <p:cNvPr id="10" name="Picture 9"/>
+          <p:cNvPicPr>
+            <a:picLocks noChangeAspect="1"/>
+          </p:cNvPicPr>
+          <p:nvPr/>
+        </p:nvPicPr>
+        <p:blipFill>
+          <a:blip r:embed="rId3"/>
+          <a:stretch>
+            <a:fillRect/>
+          </a:stretch>
+        </p:blipFill>
+        <p:spPr>
+          <a:xfrm>
+            <a:off x="5276850" y="1990814"/>
+            <a:ext cx="3543300" cy="4133850"/>
+          </a:xfrm>
+          <a:prstGeom prst="rect">
+            <a:avLst/>
+          </a:prstGeom>
+        </p:spPr>
+      </p:pic>
+      <p:cxnSp>
+        <p:nvCxnSpPr>
+          <p:cNvPr id="12" name="Straight Arrow Connector 11"/>
+          <p:cNvCxnSpPr/>
+          <p:nvPr/>
+        </p:nvCxnSpPr>
+        <p:spPr>
+          <a:xfrm flipV="1">
+            <a:off x="2798202" y="2433817"/>
+            <a:ext cx="2701948" cy="165004"/>
+          </a:xfrm>
+          <a:prstGeom prst="straightConnector1">
+            <a:avLst/>
+          </a:prstGeom>
+          <a:ln w="19050">
+            <a:solidFill>
+              <a:srgbClr val="FF0000"/>
+            </a:solidFill>
+            <a:headEnd type="none" w="med" len="med"/>
+            <a:tailEnd type="triangle"/>
+          </a:ln>
+        </p:spPr>
+        <p:style>
+          <a:lnRef idx="1">
+            <a:schemeClr val="accent1"/>
+          </a:lnRef>
+          <a:fillRef idx="0">
+            <a:schemeClr val="accent1"/>
+          </a:fillRef>
+          <a:effectRef idx="0">
+            <a:schemeClr val="accent1"/>
+          </a:effectRef>
+          <a:fontRef idx="minor">
+            <a:schemeClr val="tx1"/>
+          </a:fontRef>
+        </p:style>
+      </p:cxnSp>
+    </p:spTree>
+    <p:extLst>
+      <p:ext uri="{BB962C8B-B14F-4D97-AF65-F5344CB8AC3E}">
+        <p14:creationId xmlns:p14="http://schemas.microsoft.com/office/powerpoint/2010/main" val="1935547615"/>
+      </p:ext>
+    </p:extLst>
+  </p:cSld>
+  <p:clrMapOvr>
+    <a:masterClrMapping/>
+  </p:clrMapOvr>
+  <p:transition>
+    <p:fade/>
+  </p:transition>
+</p:sld>
+</file>
+
+<file path=ppt/slides/slide12.xml><?xml version="1.0" encoding="utf-8"?>
 <p:sld xmlns:a="http://schemas.openxmlformats.org/drawingml/2006/main" xmlns:r="http://schemas.openxmlformats.org/officeDocument/2006/relationships" xmlns:p="http://schemas.openxmlformats.org/presentationml/2006/main">
   <p:cSld>
     <p:spTree>
@@ -7471,7 +4642,7 @@
           <a:p>
             <a:fld id="{FF15E650-2C9B-4E22-B544-79A90AB3DDC1}" type="datetime1">
               <a:rPr lang="de-DE" smtClean="0"/>
-              <a:t>01.12.2022</a:t>
+              <a:t>09.12.2022</a:t>
             </a:fld>
             <a:endParaRPr lang="de-DE"/>
           </a:p>
@@ -7517,7 +4688,7 @@
           <a:p>
             <a:fld id="{6C6AE60A-B69C-4790-82F7-3882EDF23186}" type="slidenum">
               <a:rPr lang="de-DE" smtClean="0"/>
-              <a:t>7</a:t>
+              <a:t>12</a:t>
             </a:fld>
             <a:endParaRPr lang="de-DE"/>
           </a:p>
@@ -7585,7 +4756,7 @@
 </p:sld>
 </file>
 
-<file path=ppt/slides/slide8.xml><?xml version="1.0" encoding="utf-8"?>
+<file path=ppt/slides/slide13.xml><?xml version="1.0" encoding="utf-8"?>
 <p:sld xmlns:a="http://schemas.openxmlformats.org/drawingml/2006/main" xmlns:r="http://schemas.openxmlformats.org/officeDocument/2006/relationships" xmlns:p="http://schemas.openxmlformats.org/presentationml/2006/main">
   <p:cSld>
     <p:spTree>
@@ -7648,7 +4819,7 @@
           <a:p>
             <a:fld id="{FF15E650-2C9B-4E22-B544-79A90AB3DDC1}" type="datetime1">
               <a:rPr lang="de-DE" smtClean="0"/>
-              <a:t>01.12.2022</a:t>
+              <a:t>09.12.2022</a:t>
             </a:fld>
             <a:endParaRPr lang="de-DE"/>
           </a:p>
@@ -7694,7 +4865,7 @@
           <a:p>
             <a:fld id="{6C6AE60A-B69C-4790-82F7-3882EDF23186}" type="slidenum">
               <a:rPr lang="de-DE" smtClean="0"/>
-              <a:t>8</a:t>
+              <a:t>13</a:t>
             </a:fld>
             <a:endParaRPr lang="de-DE"/>
           </a:p>
@@ -7809,7 +4980,7 @@
 </p:sld>
 </file>
 
-<file path=ppt/slides/slide9.xml><?xml version="1.0" encoding="utf-8"?>
+<file path=ppt/slides/slide14.xml><?xml version="1.0" encoding="utf-8"?>
 <p:sld xmlns:a="http://schemas.openxmlformats.org/drawingml/2006/main" xmlns:r="http://schemas.openxmlformats.org/officeDocument/2006/relationships" xmlns:p="http://schemas.openxmlformats.org/presentationml/2006/main" show="0">
   <p:cSld>
     <p:spTree>
@@ -7872,7 +5043,7 @@
           <a:p>
             <a:fld id="{FF15E650-2C9B-4E22-B544-79A90AB3DDC1}" type="datetime1">
               <a:rPr lang="de-DE" smtClean="0"/>
-              <a:t>01.12.2022</a:t>
+              <a:t>09.12.2022</a:t>
             </a:fld>
             <a:endParaRPr lang="de-DE"/>
           </a:p>
@@ -7918,7 +5089,7 @@
           <a:p>
             <a:fld id="{6C6AE60A-B69C-4790-82F7-3882EDF23186}" type="slidenum">
               <a:rPr lang="de-DE" smtClean="0"/>
-              <a:t>9</a:t>
+              <a:t>14</a:t>
             </a:fld>
             <a:endParaRPr lang="de-DE"/>
           </a:p>
@@ -7937,6 +5108,4816 @@
   <p:transition>
     <p:fade/>
   </p:transition>
+</p:sld>
+</file>
+
+<file path=ppt/slides/slide15.xml><?xml version="1.0" encoding="utf-8"?>
+<p:sld xmlns:a="http://schemas.openxmlformats.org/drawingml/2006/main" xmlns:r="http://schemas.openxmlformats.org/officeDocument/2006/relationships" xmlns:p="http://schemas.openxmlformats.org/presentationml/2006/main" show="0">
+  <p:cSld>
+    <p:spTree>
+      <p:nvGrpSpPr>
+        <p:cNvPr id="1" name=""/>
+        <p:cNvGrpSpPr/>
+        <p:nvPr/>
+      </p:nvGrpSpPr>
+      <p:grpSpPr>
+        <a:xfrm>
+          <a:off x="0" y="0"/>
+          <a:ext cx="0" cy="0"/>
+          <a:chOff x="0" y="0"/>
+          <a:chExt cx="0" cy="0"/>
+        </a:xfrm>
+      </p:grpSpPr>
+      <p:pic>
+        <p:nvPicPr>
+          <p:cNvPr id="7" name="Content Placeholder 6"/>
+          <p:cNvPicPr>
+            <a:picLocks noGrp="1" noChangeAspect="1"/>
+          </p:cNvPicPr>
+          <p:nvPr>
+            <p:ph idx="1"/>
+          </p:nvPr>
+        </p:nvPicPr>
+        <p:blipFill rotWithShape="1">
+          <a:blip r:embed="rId2" cstate="print">
+            <a:extLst>
+              <a:ext uri="{28A0092B-C50C-407E-A947-70E740481C1C}">
+                <a14:useLocalDpi xmlns:a14="http://schemas.microsoft.com/office/drawing/2010/main" val="0"/>
+              </a:ext>
+            </a:extLst>
+          </a:blip>
+          <a:srcRect b="62220"/>
+          <a:stretch/>
+        </p:blipFill>
+        <p:spPr>
+          <a:xfrm>
+            <a:off x="485983" y="1144038"/>
+            <a:ext cx="8309709" cy="4362988"/>
+          </a:xfrm>
+        </p:spPr>
+      </p:pic>
+      <p:sp>
+        <p:nvSpPr>
+          <p:cNvPr id="3" name="Date Placeholder 2"/>
+          <p:cNvSpPr>
+            <a:spLocks noGrp="1"/>
+          </p:cNvSpPr>
+          <p:nvPr>
+            <p:ph type="dt" sz="half" idx="10"/>
+          </p:nvPr>
+        </p:nvSpPr>
+        <p:spPr/>
+        <p:txBody>
+          <a:bodyPr/>
+          <a:lstStyle/>
+          <a:p>
+            <a:fld id="{FF15E650-2C9B-4E22-B544-79A90AB3DDC1}" type="datetime1">
+              <a:rPr lang="de-DE" smtClean="0"/>
+              <a:t>09.12.2022</a:t>
+            </a:fld>
+            <a:endParaRPr lang="de-DE"/>
+          </a:p>
+        </p:txBody>
+      </p:sp>
+      <p:sp>
+        <p:nvSpPr>
+          <p:cNvPr id="4" name="Footer Placeholder 3"/>
+          <p:cNvSpPr>
+            <a:spLocks noGrp="1"/>
+          </p:cNvSpPr>
+          <p:nvPr>
+            <p:ph type="ftr" sz="quarter" idx="11"/>
+          </p:nvPr>
+        </p:nvSpPr>
+        <p:spPr/>
+        <p:txBody>
+          <a:bodyPr/>
+          <a:lstStyle/>
+          <a:p>
+            <a:r>
+              <a:rPr lang="de-DE" smtClean="0"/>
+              <a:t>Shinde, Rhythima</a:t>
+            </a:r>
+            <a:endParaRPr lang="de-DE"/>
+          </a:p>
+        </p:txBody>
+      </p:sp>
+      <p:sp>
+        <p:nvSpPr>
+          <p:cNvPr id="5" name="Slide Number Placeholder 4"/>
+          <p:cNvSpPr>
+            <a:spLocks noGrp="1"/>
+          </p:cNvSpPr>
+          <p:nvPr>
+            <p:ph type="sldNum" sz="quarter" idx="12"/>
+          </p:nvPr>
+        </p:nvSpPr>
+        <p:spPr/>
+        <p:txBody>
+          <a:bodyPr/>
+          <a:lstStyle/>
+          <a:p>
+            <a:fld id="{6C6AE60A-B69C-4790-82F7-3882EDF23186}" type="slidenum">
+              <a:rPr lang="de-DE" smtClean="0"/>
+              <a:t>15</a:t>
+            </a:fld>
+            <a:endParaRPr lang="de-DE"/>
+          </a:p>
+        </p:txBody>
+      </p:sp>
+    </p:spTree>
+    <p:extLst>
+      <p:ext uri="{BB962C8B-B14F-4D97-AF65-F5344CB8AC3E}">
+        <p14:creationId xmlns:p14="http://schemas.microsoft.com/office/powerpoint/2010/main" val="738812974"/>
+      </p:ext>
+    </p:extLst>
+  </p:cSld>
+  <p:clrMapOvr>
+    <a:masterClrMapping/>
+  </p:clrMapOvr>
+  <p:transition>
+    <p:fade/>
+  </p:transition>
+</p:sld>
+</file>
+
+<file path=ppt/slides/slide16.xml><?xml version="1.0" encoding="utf-8"?>
+<p:sld xmlns:a="http://schemas.openxmlformats.org/drawingml/2006/main" xmlns:r="http://schemas.openxmlformats.org/officeDocument/2006/relationships" xmlns:p="http://schemas.openxmlformats.org/presentationml/2006/main" show="0">
+  <p:cSld>
+    <p:spTree>
+      <p:nvGrpSpPr>
+        <p:cNvPr id="1" name=""/>
+        <p:cNvGrpSpPr/>
+        <p:nvPr/>
+      </p:nvGrpSpPr>
+      <p:grpSpPr>
+        <a:xfrm>
+          <a:off x="0" y="0"/>
+          <a:ext cx="0" cy="0"/>
+          <a:chOff x="0" y="0"/>
+          <a:chExt cx="0" cy="0"/>
+        </a:xfrm>
+      </p:grpSpPr>
+      <p:sp>
+        <p:nvSpPr>
+          <p:cNvPr id="3" name="Date Placeholder 2"/>
+          <p:cNvSpPr>
+            <a:spLocks noGrp="1"/>
+          </p:cNvSpPr>
+          <p:nvPr>
+            <p:ph type="dt" sz="half" idx="10"/>
+          </p:nvPr>
+        </p:nvSpPr>
+        <p:spPr/>
+        <p:txBody>
+          <a:bodyPr/>
+          <a:lstStyle/>
+          <a:p>
+            <a:fld id="{FF15E650-2C9B-4E22-B544-79A90AB3DDC1}" type="datetime1">
+              <a:rPr lang="de-DE" smtClean="0"/>
+              <a:t>09.12.2022</a:t>
+            </a:fld>
+            <a:endParaRPr lang="de-DE"/>
+          </a:p>
+        </p:txBody>
+      </p:sp>
+      <p:sp>
+        <p:nvSpPr>
+          <p:cNvPr id="4" name="Footer Placeholder 3"/>
+          <p:cNvSpPr>
+            <a:spLocks noGrp="1"/>
+          </p:cNvSpPr>
+          <p:nvPr>
+            <p:ph type="ftr" sz="quarter" idx="11"/>
+          </p:nvPr>
+        </p:nvSpPr>
+        <p:spPr/>
+        <p:txBody>
+          <a:bodyPr/>
+          <a:lstStyle/>
+          <a:p>
+            <a:r>
+              <a:rPr lang="de-DE" smtClean="0"/>
+              <a:t>Shinde, Rhythima</a:t>
+            </a:r>
+            <a:endParaRPr lang="de-DE"/>
+          </a:p>
+        </p:txBody>
+      </p:sp>
+      <p:sp>
+        <p:nvSpPr>
+          <p:cNvPr id="5" name="Slide Number Placeholder 4"/>
+          <p:cNvSpPr>
+            <a:spLocks noGrp="1"/>
+          </p:cNvSpPr>
+          <p:nvPr>
+            <p:ph type="sldNum" sz="quarter" idx="12"/>
+          </p:nvPr>
+        </p:nvSpPr>
+        <p:spPr/>
+        <p:txBody>
+          <a:bodyPr/>
+          <a:lstStyle/>
+          <a:p>
+            <a:fld id="{6C6AE60A-B69C-4790-82F7-3882EDF23186}" type="slidenum">
+              <a:rPr lang="de-DE" smtClean="0"/>
+              <a:t>16</a:t>
+            </a:fld>
+            <a:endParaRPr lang="de-DE"/>
+          </a:p>
+        </p:txBody>
+      </p:sp>
+      <p:pic>
+        <p:nvPicPr>
+          <p:cNvPr id="7" name="Content Placeholder 6"/>
+          <p:cNvPicPr>
+            <a:picLocks noChangeAspect="1"/>
+          </p:cNvPicPr>
+          <p:nvPr/>
+        </p:nvPicPr>
+        <p:blipFill rotWithShape="1">
+          <a:blip r:embed="rId2" cstate="print">
+            <a:extLst>
+              <a:ext uri="{28A0092B-C50C-407E-A947-70E740481C1C}">
+                <a14:useLocalDpi xmlns:a14="http://schemas.microsoft.com/office/drawing/2010/main" val="0"/>
+              </a:ext>
+            </a:extLst>
+          </a:blip>
+          <a:srcRect t="37780"/>
+          <a:stretch/>
+        </p:blipFill>
+        <p:spPr>
+          <a:xfrm>
+            <a:off x="561610" y="680643"/>
+            <a:ext cx="7894871" cy="6826603"/>
+          </a:xfrm>
+          <a:prstGeom prst="rect">
+            <a:avLst/>
+          </a:prstGeom>
+        </p:spPr>
+      </p:pic>
+    </p:spTree>
+    <p:extLst>
+      <p:ext uri="{BB962C8B-B14F-4D97-AF65-F5344CB8AC3E}">
+        <p14:creationId xmlns:p14="http://schemas.microsoft.com/office/powerpoint/2010/main" val="3488915725"/>
+      </p:ext>
+    </p:extLst>
+  </p:cSld>
+  <p:clrMapOvr>
+    <a:masterClrMapping/>
+  </p:clrMapOvr>
+  <p:transition>
+    <p:fade/>
+  </p:transition>
+</p:sld>
+</file>
+
+<file path=ppt/slides/slide17.xml><?xml version="1.0" encoding="utf-8"?>
+<p:sld xmlns:a="http://schemas.openxmlformats.org/drawingml/2006/main" xmlns:r="http://schemas.openxmlformats.org/officeDocument/2006/relationships" xmlns:p="http://schemas.openxmlformats.org/presentationml/2006/main">
+  <p:cSld>
+    <p:spTree>
+      <p:nvGrpSpPr>
+        <p:cNvPr id="1" name=""/>
+        <p:cNvGrpSpPr/>
+        <p:nvPr/>
+      </p:nvGrpSpPr>
+      <p:grpSpPr>
+        <a:xfrm>
+          <a:off x="0" y="0"/>
+          <a:ext cx="0" cy="0"/>
+          <a:chOff x="0" y="0"/>
+          <a:chExt cx="0" cy="0"/>
+        </a:xfrm>
+      </p:grpSpPr>
+      <p:sp>
+        <p:nvSpPr>
+          <p:cNvPr id="2" name="Content Placeholder 1"/>
+          <p:cNvSpPr>
+            <a:spLocks noGrp="1"/>
+          </p:cNvSpPr>
+          <p:nvPr>
+            <p:ph idx="1"/>
+          </p:nvPr>
+        </p:nvSpPr>
+        <p:spPr/>
+        <p:txBody>
+          <a:bodyPr/>
+          <a:lstStyle/>
+          <a:p>
+            <a:r>
+              <a:rPr lang="en-US" dirty="0" smtClean="0"/>
+              <a:t>Heat demand </a:t>
+            </a:r>
+          </a:p>
+          <a:p>
+            <a:pPr lvl="1"/>
+            <a:r>
+              <a:rPr lang="en-US" dirty="0" smtClean="0"/>
+              <a:t>Fixed the views on the server database and dependencies </a:t>
+            </a:r>
+          </a:p>
+          <a:p>
+            <a:pPr lvl="1"/>
+            <a:r>
+              <a:rPr lang="en-US" dirty="0" smtClean="0"/>
+              <a:t>Ventilation effects and window configurations discussed</a:t>
+            </a:r>
+          </a:p>
+          <a:p>
+            <a:r>
+              <a:rPr lang="en-US" dirty="0" smtClean="0"/>
+              <a:t>LCA </a:t>
+            </a:r>
+          </a:p>
+          <a:p>
+            <a:pPr lvl="1"/>
+            <a:r>
+              <a:rPr lang="en-US" dirty="0" smtClean="0"/>
+              <a:t>Introduced </a:t>
+            </a:r>
+            <a:r>
+              <a:rPr lang="en-US" dirty="0"/>
+              <a:t>embodied and operational </a:t>
+            </a:r>
+          </a:p>
+          <a:p>
+            <a:pPr marL="0" indent="0">
+              <a:buNone/>
+            </a:pPr>
+            <a:endParaRPr lang="en-US" dirty="0" smtClean="0"/>
+          </a:p>
+          <a:p>
+            <a:endParaRPr lang="en-US" dirty="0"/>
+          </a:p>
+          <a:p>
+            <a:pPr marL="0" indent="0">
+              <a:buNone/>
+            </a:pPr>
+            <a:endParaRPr lang="en-US" dirty="0"/>
+          </a:p>
+        </p:txBody>
+      </p:sp>
+      <p:sp>
+        <p:nvSpPr>
+          <p:cNvPr id="3" name="Date Placeholder 2"/>
+          <p:cNvSpPr>
+            <a:spLocks noGrp="1"/>
+          </p:cNvSpPr>
+          <p:nvPr>
+            <p:ph type="dt" sz="half" idx="10"/>
+          </p:nvPr>
+        </p:nvSpPr>
+        <p:spPr/>
+        <p:txBody>
+          <a:bodyPr/>
+          <a:lstStyle/>
+          <a:p>
+            <a:fld id="{FF15E650-2C9B-4E22-B544-79A90AB3DDC1}" type="datetime1">
+              <a:rPr lang="de-DE" smtClean="0"/>
+              <a:t>09.12.2022</a:t>
+            </a:fld>
+            <a:endParaRPr lang="de-DE"/>
+          </a:p>
+        </p:txBody>
+      </p:sp>
+      <p:sp>
+        <p:nvSpPr>
+          <p:cNvPr id="4" name="Footer Placeholder 3"/>
+          <p:cNvSpPr>
+            <a:spLocks noGrp="1"/>
+          </p:cNvSpPr>
+          <p:nvPr>
+            <p:ph type="ftr" sz="quarter" idx="11"/>
+          </p:nvPr>
+        </p:nvSpPr>
+        <p:spPr/>
+        <p:txBody>
+          <a:bodyPr/>
+          <a:lstStyle/>
+          <a:p>
+            <a:r>
+              <a:rPr lang="de-DE" smtClean="0"/>
+              <a:t>Shinde, Rhythima</a:t>
+            </a:r>
+            <a:endParaRPr lang="de-DE"/>
+          </a:p>
+        </p:txBody>
+      </p:sp>
+      <p:sp>
+        <p:nvSpPr>
+          <p:cNvPr id="5" name="Slide Number Placeholder 4"/>
+          <p:cNvSpPr>
+            <a:spLocks noGrp="1"/>
+          </p:cNvSpPr>
+          <p:nvPr>
+            <p:ph type="sldNum" sz="quarter" idx="12"/>
+          </p:nvPr>
+        </p:nvSpPr>
+        <p:spPr/>
+        <p:txBody>
+          <a:bodyPr/>
+          <a:lstStyle/>
+          <a:p>
+            <a:fld id="{6C6AE60A-B69C-4790-82F7-3882EDF23186}" type="slidenum">
+              <a:rPr lang="de-DE" smtClean="0"/>
+              <a:t>17</a:t>
+            </a:fld>
+            <a:endParaRPr lang="de-DE"/>
+          </a:p>
+        </p:txBody>
+      </p:sp>
+      <p:sp>
+        <p:nvSpPr>
+          <p:cNvPr id="6" name="Title 5"/>
+          <p:cNvSpPr>
+            <a:spLocks noGrp="1"/>
+          </p:cNvSpPr>
+          <p:nvPr>
+            <p:ph type="title"/>
+          </p:nvPr>
+        </p:nvSpPr>
+        <p:spPr/>
+        <p:txBody>
+          <a:bodyPr/>
+          <a:lstStyle/>
+          <a:p>
+            <a:r>
+              <a:rPr lang="en-US" dirty="0" smtClean="0"/>
+              <a:t>Model / Results - edits</a:t>
+            </a:r>
+            <a:endParaRPr lang="en-US" dirty="0"/>
+          </a:p>
+        </p:txBody>
+      </p:sp>
+    </p:spTree>
+    <p:extLst>
+      <p:ext uri="{BB962C8B-B14F-4D97-AF65-F5344CB8AC3E}">
+        <p14:creationId xmlns:p14="http://schemas.microsoft.com/office/powerpoint/2010/main" val="4148966194"/>
+      </p:ext>
+    </p:extLst>
+  </p:cSld>
+  <p:clrMapOvr>
+    <a:masterClrMapping/>
+  </p:clrMapOvr>
+  <p:transition>
+    <p:fade/>
+  </p:transition>
+</p:sld>
+</file>
+
+<file path=ppt/slides/slide2.xml><?xml version="1.0" encoding="utf-8"?>
+<p:sld xmlns:a="http://schemas.openxmlformats.org/drawingml/2006/main" xmlns:r="http://schemas.openxmlformats.org/officeDocument/2006/relationships" xmlns:p="http://schemas.openxmlformats.org/presentationml/2006/main">
+  <p:cSld>
+    <p:spTree>
+      <p:nvGrpSpPr>
+        <p:cNvPr id="1" name=""/>
+        <p:cNvGrpSpPr/>
+        <p:nvPr/>
+      </p:nvGrpSpPr>
+      <p:grpSpPr>
+        <a:xfrm>
+          <a:off x="0" y="0"/>
+          <a:ext cx="0" cy="0"/>
+          <a:chOff x="0" y="0"/>
+          <a:chExt cx="0" cy="0"/>
+        </a:xfrm>
+      </p:grpSpPr>
+      <p:graphicFrame>
+        <p:nvGraphicFramePr>
+          <p:cNvPr id="10" name="Content Placeholder 9"/>
+          <p:cNvGraphicFramePr>
+            <a:graphicFrameLocks noGrp="1"/>
+          </p:cNvGraphicFramePr>
+          <p:nvPr>
+            <p:ph idx="1"/>
+            <p:extLst>
+              <p:ext uri="{D42A27DB-BD31-4B8C-83A1-F6EECF244321}">
+                <p14:modId xmlns:p14="http://schemas.microsoft.com/office/powerpoint/2010/main" val="2855604150"/>
+              </p:ext>
+            </p:extLst>
+          </p:nvPr>
+        </p:nvGraphicFramePr>
+        <p:xfrm>
+          <a:off x="396751" y="1086338"/>
+          <a:ext cx="8496300" cy="5297675"/>
+        </p:xfrm>
+        <a:graphic>
+          <a:graphicData uri="http://schemas.openxmlformats.org/drawingml/2006/table">
+            <a:tbl>
+              <a:tblPr firstRow="1" bandRow="1">
+                <a:tableStyleId>{5C22544A-7EE6-4342-B048-85BDC9FD1C3A}</a:tableStyleId>
+              </a:tblPr>
+              <a:tblGrid>
+                <a:gridCol w="1246419">
+                  <a:extLst>
+                    <a:ext uri="{9D8B030D-6E8A-4147-A177-3AD203B41FA5}">
+                      <a16:colId xmlns:a16="http://schemas.microsoft.com/office/drawing/2014/main" val="3156209168"/>
+                    </a:ext>
+                  </a:extLst>
+                </a:gridCol>
+                <a:gridCol w="4562245">
+                  <a:extLst>
+                    <a:ext uri="{9D8B030D-6E8A-4147-A177-3AD203B41FA5}">
+                      <a16:colId xmlns:a16="http://schemas.microsoft.com/office/drawing/2014/main" val="2104013299"/>
+                    </a:ext>
+                  </a:extLst>
+                </a:gridCol>
+                <a:gridCol w="2687636">
+                  <a:extLst>
+                    <a:ext uri="{9D8B030D-6E8A-4147-A177-3AD203B41FA5}">
+                      <a16:colId xmlns:a16="http://schemas.microsoft.com/office/drawing/2014/main" val="2802742579"/>
+                    </a:ext>
+                  </a:extLst>
+                </a:gridCol>
+              </a:tblGrid>
+              <a:tr h="384828">
+                <a:tc>
+                  <a:txBody>
+                    <a:bodyPr/>
+                    <a:lstStyle/>
+                    <a:p>
+                      <a:r>
+                        <a:rPr lang="en-US" sz="1200" dirty="0" smtClean="0"/>
+                        <a:t>Dates</a:t>
+                      </a:r>
+                      <a:endParaRPr lang="en-US" sz="1200" dirty="0"/>
+                    </a:p>
+                  </a:txBody>
+                  <a:tcPr/>
+                </a:tc>
+                <a:tc>
+                  <a:txBody>
+                    <a:bodyPr/>
+                    <a:lstStyle/>
+                    <a:p>
+                      <a:pPr marL="0" marR="0" lvl="0" indent="0" algn="l" defTabSz="914400" rtl="0" eaLnBrk="1" fontAlgn="auto" latinLnBrk="0" hangingPunct="1">
+                        <a:lnSpc>
+                          <a:spcPct val="100000"/>
+                        </a:lnSpc>
+                        <a:spcBef>
+                          <a:spcPts val="0"/>
+                        </a:spcBef>
+                        <a:spcAft>
+                          <a:spcPts val="0"/>
+                        </a:spcAft>
+                        <a:buClrTx/>
+                        <a:buSzTx/>
+                        <a:buFontTx/>
+                        <a:buNone/>
+                        <a:tabLst/>
+                        <a:defRPr/>
+                      </a:pPr>
+                      <a:r>
+                        <a:rPr lang="en-US" sz="1200" dirty="0" smtClean="0"/>
+                        <a:t>Work task</a:t>
+                      </a:r>
+                    </a:p>
+                  </a:txBody>
+                  <a:tcPr/>
+                </a:tc>
+                <a:tc>
+                  <a:txBody>
+                    <a:bodyPr/>
+                    <a:lstStyle/>
+                    <a:p>
+                      <a:r>
+                        <a:rPr lang="en-US" sz="1200" dirty="0" smtClean="0"/>
+                        <a:t>Overall Deadlines/ Review</a:t>
+                      </a:r>
+                      <a:endParaRPr lang="en-US" sz="1200" dirty="0"/>
+                    </a:p>
+                  </a:txBody>
+                  <a:tcPr/>
+                </a:tc>
+                <a:extLst>
+                  <a:ext uri="{0D108BD9-81ED-4DB2-BD59-A6C34878D82A}">
+                    <a16:rowId xmlns:a16="http://schemas.microsoft.com/office/drawing/2014/main" val="1859987649"/>
+                  </a:ext>
+                </a:extLst>
+              </a:tr>
+              <a:tr h="432287">
+                <a:tc>
+                  <a:txBody>
+                    <a:bodyPr/>
+                    <a:lstStyle/>
+                    <a:p>
+                      <a:r>
+                        <a:rPr lang="en-US" sz="1200" dirty="0" smtClean="0"/>
+                        <a:t>25 Nov </a:t>
+                      </a:r>
+                      <a:endParaRPr lang="en-US" sz="1200" dirty="0"/>
+                    </a:p>
+                  </a:txBody>
+                  <a:tcPr/>
+                </a:tc>
+                <a:tc>
+                  <a:txBody>
+                    <a:bodyPr/>
+                    <a:lstStyle/>
+                    <a:p>
+                      <a:pPr marL="285750" indent="-285750">
+                        <a:buFontTx/>
+                        <a:buChar char="-"/>
+                      </a:pPr>
+                      <a:r>
+                        <a:rPr lang="en-US" sz="1200" strike="sngStrike" dirty="0" smtClean="0"/>
+                        <a:t>Model</a:t>
+                      </a:r>
+                      <a:r>
+                        <a:rPr lang="en-US" sz="1200" strike="sngStrike" baseline="0" dirty="0" smtClean="0"/>
+                        <a:t>: all views have all parameters allocated</a:t>
+                      </a:r>
+                    </a:p>
+                    <a:p>
+                      <a:pPr marL="285750" indent="-285750">
+                        <a:buFontTx/>
+                        <a:buChar char="-"/>
+                      </a:pPr>
+                      <a:r>
+                        <a:rPr lang="en-US" sz="1200" strike="sngStrike" baseline="0" dirty="0" smtClean="0"/>
+                        <a:t>Model: environments reactivated</a:t>
+                      </a:r>
+                    </a:p>
+                  </a:txBody>
+                  <a:tcPr>
+                    <a:solidFill>
+                      <a:srgbClr val="92D050"/>
+                    </a:solidFill>
+                  </a:tcPr>
+                </a:tc>
+                <a:tc>
+                  <a:txBody>
+                    <a:bodyPr/>
+                    <a:lstStyle/>
+                    <a:p>
+                      <a:r>
+                        <a:rPr lang="en-US" sz="1200" dirty="0" smtClean="0"/>
+                        <a:t>Discussion (SSR):</a:t>
+                      </a:r>
+                      <a:r>
+                        <a:rPr lang="en-US" sz="1200" baseline="0" dirty="0" smtClean="0"/>
+                        <a:t> </a:t>
+                      </a:r>
+                    </a:p>
+                    <a:p>
+                      <a:r>
+                        <a:rPr lang="en-US" sz="1200" dirty="0" smtClean="0"/>
+                        <a:t>Section 2.1</a:t>
+                      </a:r>
+                      <a:r>
+                        <a:rPr lang="en-US" sz="1200" baseline="0" dirty="0" smtClean="0"/>
+                        <a:t> + Figure 1 + Table 1 </a:t>
+                      </a:r>
+                      <a:endParaRPr lang="en-US" sz="1200" dirty="0"/>
+                    </a:p>
+                  </a:txBody>
+                  <a:tcPr>
+                    <a:solidFill>
+                      <a:srgbClr val="92D050"/>
+                    </a:solidFill>
+                  </a:tcPr>
+                </a:tc>
+                <a:extLst>
+                  <a:ext uri="{0D108BD9-81ED-4DB2-BD59-A6C34878D82A}">
+                    <a16:rowId xmlns:a16="http://schemas.microsoft.com/office/drawing/2014/main" val="3523275828"/>
+                  </a:ext>
+                </a:extLst>
+              </a:tr>
+              <a:tr h="259372">
+                <a:tc>
+                  <a:txBody>
+                    <a:bodyPr/>
+                    <a:lstStyle/>
+                    <a:p>
+                      <a:r>
+                        <a:rPr lang="en-US" sz="1200" dirty="0" smtClean="0"/>
+                        <a:t>2</a:t>
+                      </a:r>
+                      <a:r>
+                        <a:rPr lang="en-US" sz="1200" baseline="0" dirty="0" smtClean="0"/>
+                        <a:t>7 – 28 Nov</a:t>
+                      </a:r>
+                      <a:endParaRPr lang="en-US" sz="1200" dirty="0"/>
+                    </a:p>
+                  </a:txBody>
+                  <a:tcPr>
+                    <a:lnB w="12700" cap="flat" cmpd="sng" algn="ctr">
+                      <a:solidFill>
+                        <a:schemeClr val="tx1"/>
+                      </a:solidFill>
+                      <a:prstDash val="solid"/>
+                      <a:round/>
+                      <a:headEnd type="none" w="med" len="med"/>
+                      <a:tailEnd type="none" w="med" len="med"/>
+                    </a:lnB>
+                  </a:tcPr>
+                </a:tc>
+                <a:tc>
+                  <a:txBody>
+                    <a:bodyPr/>
+                    <a:lstStyle/>
+                    <a:p>
+                      <a:pPr marL="285750" marR="0" lvl="0" indent="-285750" algn="l" defTabSz="914400" rtl="0" eaLnBrk="1" fontAlgn="auto" latinLnBrk="0" hangingPunct="1">
+                        <a:lnSpc>
+                          <a:spcPct val="100000"/>
+                        </a:lnSpc>
+                        <a:spcBef>
+                          <a:spcPts val="0"/>
+                        </a:spcBef>
+                        <a:spcAft>
+                          <a:spcPts val="0"/>
+                        </a:spcAft>
+                        <a:buClrTx/>
+                        <a:buSzTx/>
+                        <a:buFontTx/>
+                        <a:buChar char="-"/>
+                        <a:tabLst/>
+                        <a:defRPr/>
+                      </a:pPr>
+                      <a:r>
+                        <a:rPr lang="en-US" sz="1200" strike="sngStrike" baseline="0" dirty="0" smtClean="0"/>
+                        <a:t>Work on the model: string to integer table fix columns</a:t>
+                      </a:r>
+                    </a:p>
+                  </a:txBody>
+                  <a:tcPr>
+                    <a:lnB w="12700" cap="flat" cmpd="sng" algn="ctr">
+                      <a:solidFill>
+                        <a:schemeClr val="tx1"/>
+                      </a:solidFill>
+                      <a:prstDash val="solid"/>
+                      <a:round/>
+                      <a:headEnd type="none" w="med" len="med"/>
+                      <a:tailEnd type="none" w="med" len="med"/>
+                    </a:lnB>
+                    <a:solidFill>
+                      <a:srgbClr val="92D050"/>
+                    </a:solidFill>
+                  </a:tcPr>
+                </a:tc>
+                <a:tc>
+                  <a:txBody>
+                    <a:bodyPr/>
+                    <a:lstStyle/>
+                    <a:p>
+                      <a:endParaRPr lang="en-US" sz="1200" dirty="0"/>
+                    </a:p>
+                  </a:txBody>
+                  <a:tcPr>
+                    <a:lnB w="12700" cap="flat" cmpd="sng" algn="ctr">
+                      <a:solidFill>
+                        <a:schemeClr val="tx1"/>
+                      </a:solidFill>
+                      <a:prstDash val="solid"/>
+                      <a:round/>
+                      <a:headEnd type="none" w="med" len="med"/>
+                      <a:tailEnd type="none" w="med" len="med"/>
+                    </a:lnB>
+                  </a:tcPr>
+                </a:tc>
+                <a:extLst>
+                  <a:ext uri="{0D108BD9-81ED-4DB2-BD59-A6C34878D82A}">
+                    <a16:rowId xmlns:a16="http://schemas.microsoft.com/office/drawing/2014/main" val="2386732025"/>
+                  </a:ext>
+                </a:extLst>
+              </a:tr>
+              <a:tr h="605202">
+                <a:tc>
+                  <a:txBody>
+                    <a:bodyPr/>
+                    <a:lstStyle/>
+                    <a:p>
+                      <a:r>
+                        <a:rPr lang="en-US" sz="1200" strike="noStrike" kern="1200" baseline="0" dirty="0" smtClean="0">
+                          <a:solidFill>
+                            <a:schemeClr val="dk1"/>
+                          </a:solidFill>
+                          <a:latin typeface="+mn-lt"/>
+                          <a:ea typeface="+mn-ea"/>
+                          <a:cs typeface="+mn-cs"/>
+                        </a:rPr>
+                        <a:t>28 Nov</a:t>
+                      </a:r>
+                      <a:endParaRPr lang="en-US" sz="1200" strike="noStrike" kern="1200" baseline="0" dirty="0">
+                        <a:solidFill>
+                          <a:schemeClr val="dk1"/>
+                        </a:solidFill>
+                        <a:latin typeface="+mn-lt"/>
+                        <a:ea typeface="+mn-ea"/>
+                        <a:cs typeface="+mn-cs"/>
+                      </a:endParaRPr>
+                    </a:p>
+                  </a:txBody>
+                  <a:tcPr>
+                    <a:lnT w="12700" cap="flat" cmpd="sng" algn="ctr">
+                      <a:solidFill>
+                        <a:schemeClr val="tx1"/>
+                      </a:solidFill>
+                      <a:prstDash val="solid"/>
+                      <a:round/>
+                      <a:headEnd type="none" w="med" len="med"/>
+                      <a:tailEnd type="none" w="med" len="med"/>
+                    </a:lnT>
+                  </a:tcPr>
+                </a:tc>
+                <a:tc>
+                  <a:txBody>
+                    <a:bodyPr/>
+                    <a:lstStyle/>
+                    <a:p>
+                      <a:pPr marL="0" marR="0" lvl="0" indent="0" algn="l" defTabSz="914400" rtl="0" eaLnBrk="1" fontAlgn="auto" latinLnBrk="0" hangingPunct="1">
+                        <a:lnSpc>
+                          <a:spcPct val="100000"/>
+                        </a:lnSpc>
+                        <a:spcBef>
+                          <a:spcPts val="0"/>
+                        </a:spcBef>
+                        <a:spcAft>
+                          <a:spcPts val="0"/>
+                        </a:spcAft>
+                        <a:buClrTx/>
+                        <a:buSzTx/>
+                        <a:buFontTx/>
+                        <a:buNone/>
+                        <a:tabLst/>
+                        <a:defRPr/>
+                      </a:pPr>
+                      <a:r>
+                        <a:rPr lang="en-US" sz="1200" strike="sngStrike" kern="1200" baseline="0" dirty="0" smtClean="0">
+                          <a:solidFill>
+                            <a:schemeClr val="dk1"/>
+                          </a:solidFill>
+                          <a:latin typeface="+mn-lt"/>
+                          <a:ea typeface="+mn-ea"/>
+                          <a:cs typeface="+mn-cs"/>
+                        </a:rPr>
+                        <a:t>Writing: </a:t>
+                      </a:r>
+                    </a:p>
+                    <a:p>
+                      <a:pPr marL="285750" marR="0" lvl="0" indent="-285750" algn="l" defTabSz="914400" rtl="0" eaLnBrk="1" fontAlgn="auto" latinLnBrk="0" hangingPunct="1">
+                        <a:lnSpc>
+                          <a:spcPct val="100000"/>
+                        </a:lnSpc>
+                        <a:spcBef>
+                          <a:spcPts val="0"/>
+                        </a:spcBef>
+                        <a:spcAft>
+                          <a:spcPts val="0"/>
+                        </a:spcAft>
+                        <a:buClrTx/>
+                        <a:buSzTx/>
+                        <a:buFontTx/>
+                        <a:buChar char="-"/>
+                        <a:tabLst/>
+                        <a:defRPr/>
+                      </a:pPr>
+                      <a:r>
+                        <a:rPr lang="en-US" sz="1200" strike="sngStrike" kern="1200" baseline="0" dirty="0" smtClean="0">
+                          <a:solidFill>
+                            <a:schemeClr val="dk1"/>
+                          </a:solidFill>
+                          <a:latin typeface="+mn-lt"/>
+                          <a:ea typeface="+mn-ea"/>
+                          <a:cs typeface="+mn-cs"/>
+                        </a:rPr>
+                        <a:t>Check figure 2 and add all available buildings</a:t>
+                      </a:r>
+                    </a:p>
+                    <a:p>
+                      <a:pPr marL="285750" marR="0" lvl="0" indent="-285750" algn="l" defTabSz="914400" rtl="0" eaLnBrk="1" fontAlgn="auto" latinLnBrk="0" hangingPunct="1">
+                        <a:lnSpc>
+                          <a:spcPct val="100000"/>
+                        </a:lnSpc>
+                        <a:spcBef>
+                          <a:spcPts val="0"/>
+                        </a:spcBef>
+                        <a:spcAft>
+                          <a:spcPts val="0"/>
+                        </a:spcAft>
+                        <a:buClrTx/>
+                        <a:buSzTx/>
+                        <a:buFontTx/>
+                        <a:buChar char="-"/>
+                        <a:tabLst/>
+                        <a:defRPr/>
+                      </a:pPr>
+                      <a:r>
+                        <a:rPr lang="en-US" sz="1200" strike="sngStrike" kern="1200" baseline="0" dirty="0" smtClean="0">
+                          <a:solidFill>
+                            <a:schemeClr val="dk1"/>
+                          </a:solidFill>
+                          <a:latin typeface="+mn-lt"/>
+                          <a:ea typeface="+mn-ea"/>
+                          <a:cs typeface="+mn-cs"/>
+                        </a:rPr>
+                        <a:t>Check, maybe remove Table 3 </a:t>
+                      </a:r>
+                      <a:endParaRPr lang="en-US" sz="1200" strike="sngStrike" kern="1200" baseline="0" dirty="0">
+                        <a:solidFill>
+                          <a:schemeClr val="dk1"/>
+                        </a:solidFill>
+                        <a:latin typeface="+mn-lt"/>
+                        <a:ea typeface="+mn-ea"/>
+                        <a:cs typeface="+mn-cs"/>
+                      </a:endParaRPr>
+                    </a:p>
+                  </a:txBody>
+                  <a:tcPr>
+                    <a:lnT w="12700" cap="flat" cmpd="sng" algn="ctr">
+                      <a:solidFill>
+                        <a:schemeClr val="tx1"/>
+                      </a:solidFill>
+                      <a:prstDash val="solid"/>
+                      <a:round/>
+                      <a:headEnd type="none" w="med" len="med"/>
+                      <a:tailEnd type="none" w="med" len="med"/>
+                    </a:lnT>
+                    <a:solidFill>
+                      <a:srgbClr val="92D050"/>
+                    </a:solidFill>
+                  </a:tcPr>
+                </a:tc>
+                <a:tc>
+                  <a:txBody>
+                    <a:bodyPr/>
+                    <a:lstStyle/>
+                    <a:p>
+                      <a:endParaRPr lang="en-US" sz="1200" dirty="0"/>
+                    </a:p>
+                  </a:txBody>
+                  <a:tcPr>
+                    <a:lnT w="12700" cap="flat" cmpd="sng" algn="ctr">
+                      <a:solidFill>
+                        <a:schemeClr val="tx1"/>
+                      </a:solidFill>
+                      <a:prstDash val="solid"/>
+                      <a:round/>
+                      <a:headEnd type="none" w="med" len="med"/>
+                      <a:tailEnd type="none" w="med" len="med"/>
+                    </a:lnT>
+                  </a:tcPr>
+                </a:tc>
+                <a:extLst>
+                  <a:ext uri="{0D108BD9-81ED-4DB2-BD59-A6C34878D82A}">
+                    <a16:rowId xmlns:a16="http://schemas.microsoft.com/office/drawing/2014/main" val="3169226889"/>
+                  </a:ext>
+                </a:extLst>
+              </a:tr>
+              <a:tr h="951031">
+                <a:tc>
+                  <a:txBody>
+                    <a:bodyPr/>
+                    <a:lstStyle/>
+                    <a:p>
+                      <a:r>
+                        <a:rPr lang="en-US" sz="1200" dirty="0" smtClean="0"/>
+                        <a:t>29 Nov</a:t>
+                      </a:r>
+                      <a:endParaRPr lang="en-US" sz="1200" dirty="0"/>
+                    </a:p>
+                  </a:txBody>
+                  <a:tcPr/>
+                </a:tc>
+                <a:tc>
+                  <a:txBody>
+                    <a:bodyPr/>
+                    <a:lstStyle/>
+                    <a:p>
+                      <a:pPr marL="285750" marR="0" lvl="0" indent="-285750" algn="l" defTabSz="914400" rtl="0" eaLnBrk="1" fontAlgn="auto" latinLnBrk="0" hangingPunct="1">
+                        <a:lnSpc>
+                          <a:spcPct val="100000"/>
+                        </a:lnSpc>
+                        <a:spcBef>
+                          <a:spcPts val="0"/>
+                        </a:spcBef>
+                        <a:spcAft>
+                          <a:spcPts val="0"/>
+                        </a:spcAft>
+                        <a:buClrTx/>
+                        <a:buSzTx/>
+                        <a:buFontTx/>
+                        <a:buChar char="-"/>
+                        <a:tabLst/>
+                        <a:defRPr/>
+                      </a:pPr>
+                      <a:r>
+                        <a:rPr lang="en-US" sz="1200" strike="sngStrike" baseline="0" dirty="0" smtClean="0"/>
+                        <a:t>Meeting Rene (discuss final results)</a:t>
+                      </a:r>
+                    </a:p>
+                    <a:p>
+                      <a:pPr marL="285750" marR="0" lvl="0" indent="-285750" algn="l" defTabSz="914400" rtl="0" eaLnBrk="1" fontAlgn="auto" latinLnBrk="0" hangingPunct="1">
+                        <a:lnSpc>
+                          <a:spcPct val="100000"/>
+                        </a:lnSpc>
+                        <a:spcBef>
+                          <a:spcPts val="0"/>
+                        </a:spcBef>
+                        <a:spcAft>
+                          <a:spcPts val="0"/>
+                        </a:spcAft>
+                        <a:buClrTx/>
+                        <a:buSzTx/>
+                        <a:buFontTx/>
+                        <a:buChar char="-"/>
+                        <a:tabLst/>
+                        <a:defRPr/>
+                      </a:pPr>
+                      <a:r>
+                        <a:rPr lang="en-US" sz="1200" strike="sngStrike" baseline="0" dirty="0" smtClean="0"/>
+                        <a:t>Work on the model </a:t>
+                      </a:r>
+                    </a:p>
+                    <a:p>
+                      <a:pPr marL="0" marR="0" lvl="0" indent="0" algn="l" defTabSz="914400" rtl="0" eaLnBrk="1" fontAlgn="auto" latinLnBrk="0" hangingPunct="1">
+                        <a:lnSpc>
+                          <a:spcPct val="100000"/>
+                        </a:lnSpc>
+                        <a:spcBef>
+                          <a:spcPts val="0"/>
+                        </a:spcBef>
+                        <a:spcAft>
+                          <a:spcPts val="0"/>
+                        </a:spcAft>
+                        <a:buClrTx/>
+                        <a:buSzTx/>
+                        <a:buFontTx/>
+                        <a:buNone/>
+                        <a:tabLst/>
+                        <a:defRPr/>
+                      </a:pPr>
+                      <a:r>
+                        <a:rPr lang="en-US" sz="1200" strike="noStrike" baseline="0" dirty="0" smtClean="0"/>
+                        <a:t>Writing:</a:t>
+                      </a:r>
+                      <a:endParaRPr lang="en-US" sz="1200" strike="sngStrike" baseline="0" dirty="0" smtClean="0"/>
+                    </a:p>
+                    <a:p>
+                      <a:pPr marL="285750" marR="0" lvl="0" indent="-285750" algn="l" defTabSz="914400" rtl="0" eaLnBrk="1" fontAlgn="auto" latinLnBrk="0" hangingPunct="1">
+                        <a:lnSpc>
+                          <a:spcPct val="100000"/>
+                        </a:lnSpc>
+                        <a:spcBef>
+                          <a:spcPts val="0"/>
+                        </a:spcBef>
+                        <a:spcAft>
+                          <a:spcPts val="0"/>
+                        </a:spcAft>
+                        <a:buClrTx/>
+                        <a:buSzTx/>
+                        <a:buFontTx/>
+                        <a:buChar char="-"/>
+                        <a:tabLst/>
+                        <a:defRPr/>
+                      </a:pPr>
+                      <a:r>
+                        <a:rPr lang="en-US" sz="1200" strike="sngStrike" dirty="0" smtClean="0"/>
+                        <a:t>Write Section</a:t>
+                      </a:r>
+                      <a:r>
+                        <a:rPr lang="en-US" sz="1200" strike="sngStrike" baseline="0" dirty="0" smtClean="0"/>
+                        <a:t> 2.2. Model (Explain Figure 1)</a:t>
+                      </a:r>
+                    </a:p>
+                    <a:p>
+                      <a:pPr marL="285750" marR="0" lvl="0" indent="-285750" algn="l" defTabSz="914400" rtl="0" eaLnBrk="1" fontAlgn="auto" latinLnBrk="0" hangingPunct="1">
+                        <a:lnSpc>
+                          <a:spcPct val="100000"/>
+                        </a:lnSpc>
+                        <a:spcBef>
+                          <a:spcPts val="0"/>
+                        </a:spcBef>
+                        <a:spcAft>
+                          <a:spcPts val="0"/>
+                        </a:spcAft>
+                        <a:buClrTx/>
+                        <a:buSzTx/>
+                        <a:buFontTx/>
+                        <a:buChar char="-"/>
+                        <a:tabLst/>
+                        <a:defRPr/>
+                      </a:pPr>
+                      <a:r>
+                        <a:rPr lang="en-US" sz="1200" strike="sngStrike" baseline="0" dirty="0" smtClean="0"/>
+                        <a:t>Fix Table 2 (move to SI) , Move SI to excel </a:t>
+                      </a:r>
+                    </a:p>
+                  </a:txBody>
+                  <a:tcPr>
+                    <a:solidFill>
+                      <a:srgbClr val="92D050"/>
+                    </a:solidFill>
+                  </a:tcPr>
+                </a:tc>
+                <a:tc>
+                  <a:txBody>
+                    <a:bodyPr/>
+                    <a:lstStyle/>
+                    <a:p>
+                      <a:r>
+                        <a:rPr lang="en-US" sz="1200" dirty="0" smtClean="0"/>
+                        <a:t>Sasha checks </a:t>
+                      </a:r>
+                    </a:p>
+                    <a:p>
+                      <a:r>
+                        <a:rPr lang="en-US" sz="1200" dirty="0" smtClean="0"/>
+                        <a:t>Writings</a:t>
+                      </a:r>
+                      <a:r>
+                        <a:rPr lang="en-US" sz="1200" baseline="0" dirty="0" smtClean="0"/>
+                        <a:t> on Section 2.2, </a:t>
+                      </a:r>
+                      <a:endParaRPr lang="en-US" sz="1200" dirty="0" smtClean="0"/>
+                    </a:p>
+                    <a:p>
+                      <a:pPr marL="0" marR="0" lvl="0" indent="0" algn="l" defTabSz="914400" rtl="0" eaLnBrk="1" fontAlgn="auto" latinLnBrk="0" hangingPunct="1">
+                        <a:lnSpc>
+                          <a:spcPct val="100000"/>
+                        </a:lnSpc>
+                        <a:spcBef>
+                          <a:spcPts val="0"/>
+                        </a:spcBef>
+                        <a:spcAft>
+                          <a:spcPts val="0"/>
+                        </a:spcAft>
+                        <a:buClrTx/>
+                        <a:buSzTx/>
+                        <a:buFontTx/>
+                        <a:buNone/>
+                        <a:tabLst/>
+                        <a:defRPr/>
+                      </a:pPr>
+                      <a:endParaRPr lang="en-US" sz="1200" dirty="0"/>
+                    </a:p>
+                  </a:txBody>
+                  <a:tcPr>
+                    <a:solidFill>
+                      <a:srgbClr val="92D050"/>
+                    </a:solidFill>
+                  </a:tcPr>
+                </a:tc>
+                <a:extLst>
+                  <a:ext uri="{0D108BD9-81ED-4DB2-BD59-A6C34878D82A}">
+                    <a16:rowId xmlns:a16="http://schemas.microsoft.com/office/drawing/2014/main" val="4034592237"/>
+                  </a:ext>
+                </a:extLst>
+              </a:tr>
+              <a:tr h="432287">
+                <a:tc>
+                  <a:txBody>
+                    <a:bodyPr/>
+                    <a:lstStyle/>
+                    <a:p>
+                      <a:r>
+                        <a:rPr lang="en-US" sz="1200" dirty="0" smtClean="0"/>
+                        <a:t>30 Nov </a:t>
+                      </a:r>
+                      <a:endParaRPr lang="en-US" sz="1200" dirty="0"/>
+                    </a:p>
+                  </a:txBody>
+                  <a:tcPr/>
+                </a:tc>
+                <a:tc>
+                  <a:txBody>
+                    <a:bodyPr/>
+                    <a:lstStyle/>
+                    <a:p>
+                      <a:pPr marL="285750" marR="0" lvl="0" indent="-285750" algn="l" defTabSz="914400" rtl="0" eaLnBrk="1" fontAlgn="auto" latinLnBrk="0" hangingPunct="1">
+                        <a:lnSpc>
+                          <a:spcPct val="100000"/>
+                        </a:lnSpc>
+                        <a:spcBef>
+                          <a:spcPts val="0"/>
+                        </a:spcBef>
+                        <a:spcAft>
+                          <a:spcPts val="0"/>
+                        </a:spcAft>
+                        <a:buClrTx/>
+                        <a:buSzTx/>
+                        <a:buFontTx/>
+                        <a:buChar char="-"/>
+                        <a:tabLst/>
+                        <a:defRPr/>
+                      </a:pPr>
+                      <a:r>
+                        <a:rPr lang="en-US" sz="1200" strike="sngStrike" dirty="0" smtClean="0"/>
+                        <a:t>(re)</a:t>
+                      </a:r>
+                      <a:r>
+                        <a:rPr lang="en-US" sz="1200" strike="sngStrike" baseline="0" dirty="0" smtClean="0"/>
+                        <a:t> </a:t>
+                      </a:r>
+                      <a:r>
+                        <a:rPr lang="en-US" sz="1200" strike="sngStrike" dirty="0" smtClean="0"/>
+                        <a:t>Write Section</a:t>
+                      </a:r>
+                      <a:r>
+                        <a:rPr lang="en-US" sz="1200" strike="sngStrike" baseline="0" dirty="0" smtClean="0"/>
+                        <a:t> 2.2.1 Process User Inputs</a:t>
+                      </a:r>
+                      <a:endParaRPr lang="en-US" sz="1200" strike="sngStrike" dirty="0" smtClean="0"/>
+                    </a:p>
+                    <a:p>
+                      <a:pPr marL="285750" marR="0" lvl="0" indent="-285750" algn="l" defTabSz="914400" rtl="0" eaLnBrk="1" fontAlgn="auto" latinLnBrk="0" hangingPunct="1">
+                        <a:lnSpc>
+                          <a:spcPct val="100000"/>
+                        </a:lnSpc>
+                        <a:spcBef>
+                          <a:spcPts val="0"/>
+                        </a:spcBef>
+                        <a:spcAft>
+                          <a:spcPts val="0"/>
+                        </a:spcAft>
+                        <a:buClrTx/>
+                        <a:buSzTx/>
+                        <a:buFontTx/>
+                        <a:buChar char="-"/>
+                        <a:tabLst/>
+                        <a:defRPr/>
+                      </a:pPr>
+                      <a:r>
+                        <a:rPr lang="en-US" sz="1200" strike="sngStrike" dirty="0" smtClean="0"/>
+                        <a:t>Write</a:t>
+                      </a:r>
+                      <a:r>
+                        <a:rPr lang="en-US" sz="1200" strike="sngStrike" baseline="0" dirty="0" smtClean="0"/>
+                        <a:t> Section 2.2.2. Calculate U Values </a:t>
+                      </a:r>
+                    </a:p>
+                  </a:txBody>
+                  <a:tcPr>
+                    <a:solidFill>
+                      <a:srgbClr val="92D050"/>
+                    </a:solidFill>
+                  </a:tcPr>
+                </a:tc>
+                <a:tc>
+                  <a:txBody>
+                    <a:bodyPr/>
+                    <a:lstStyle/>
+                    <a:p>
+                      <a:pPr marL="0" algn="l" defTabSz="914400" rtl="0" eaLnBrk="1" latinLnBrk="0" hangingPunct="1"/>
+                      <a:endParaRPr lang="en-US" sz="1200" kern="1200" dirty="0">
+                        <a:solidFill>
+                          <a:schemeClr val="dk1"/>
+                        </a:solidFill>
+                        <a:latin typeface="+mn-lt"/>
+                        <a:ea typeface="+mn-ea"/>
+                        <a:cs typeface="+mn-cs"/>
+                      </a:endParaRPr>
+                    </a:p>
+                  </a:txBody>
+                  <a:tcPr/>
+                </a:tc>
+                <a:extLst>
+                  <a:ext uri="{0D108BD9-81ED-4DB2-BD59-A6C34878D82A}">
+                    <a16:rowId xmlns:a16="http://schemas.microsoft.com/office/drawing/2014/main" val="3196519158"/>
+                  </a:ext>
+                </a:extLst>
+              </a:tr>
+              <a:tr h="1123946">
+                <a:tc>
+                  <a:txBody>
+                    <a:bodyPr/>
+                    <a:lstStyle/>
+                    <a:p>
+                      <a:r>
+                        <a:rPr lang="en-US" sz="1200" dirty="0" smtClean="0"/>
+                        <a:t>1 Dec</a:t>
+                      </a:r>
+                      <a:r>
+                        <a:rPr lang="en-US" sz="1200" baseline="0" dirty="0" smtClean="0"/>
+                        <a:t> </a:t>
+                      </a:r>
+                      <a:endParaRPr lang="en-US" sz="1200" dirty="0"/>
+                    </a:p>
+                  </a:txBody>
+                  <a:tcPr/>
+                </a:tc>
+                <a:tc>
+                  <a:txBody>
+                    <a:bodyPr/>
+                    <a:lstStyle/>
+                    <a:p>
+                      <a:pPr marL="0" marR="0" lvl="0" indent="-285750" algn="l" defTabSz="914400" rtl="0" eaLnBrk="1" fontAlgn="auto" latinLnBrk="0" hangingPunct="1">
+                        <a:lnSpc>
+                          <a:spcPct val="100000"/>
+                        </a:lnSpc>
+                        <a:spcBef>
+                          <a:spcPts val="0"/>
+                        </a:spcBef>
+                        <a:spcAft>
+                          <a:spcPts val="0"/>
+                        </a:spcAft>
+                        <a:buClrTx/>
+                        <a:buSzTx/>
+                        <a:buFontTx/>
+                        <a:buChar char="-"/>
+                        <a:tabLst/>
+                        <a:defRPr/>
+                      </a:pPr>
+                      <a:r>
+                        <a:rPr lang="en-US" sz="1200" strike="sngStrike" kern="1200" dirty="0" smtClean="0">
+                          <a:solidFill>
+                            <a:schemeClr val="dk1"/>
+                          </a:solidFill>
+                          <a:latin typeface="+mn-lt"/>
+                          <a:ea typeface="+mn-ea"/>
+                          <a:cs typeface="+mn-cs"/>
+                        </a:rPr>
+                        <a:t>Model locate how to ventilation parameters fix (for writing)</a:t>
+                      </a:r>
+                    </a:p>
+                    <a:p>
+                      <a:pPr marL="0" marR="0" lvl="0" indent="-285750" algn="l" defTabSz="914400" rtl="0" eaLnBrk="1" fontAlgn="auto" latinLnBrk="0" hangingPunct="1">
+                        <a:lnSpc>
+                          <a:spcPct val="100000"/>
+                        </a:lnSpc>
+                        <a:spcBef>
+                          <a:spcPts val="0"/>
+                        </a:spcBef>
+                        <a:spcAft>
+                          <a:spcPts val="0"/>
+                        </a:spcAft>
+                        <a:buClrTx/>
+                        <a:buSzTx/>
+                        <a:buFontTx/>
+                        <a:buChar char="-"/>
+                        <a:tabLst/>
+                        <a:defRPr/>
+                      </a:pPr>
+                      <a:r>
+                        <a:rPr lang="en-US" sz="1200" strike="sngStrike" kern="1200" dirty="0" smtClean="0">
+                          <a:solidFill>
+                            <a:schemeClr val="dk1"/>
+                          </a:solidFill>
+                          <a:latin typeface="+mn-lt"/>
+                          <a:ea typeface="+mn-ea"/>
+                          <a:cs typeface="+mn-cs"/>
+                        </a:rPr>
+                        <a:t>Figure 1 + new: Ventilation flow chart concept </a:t>
+                      </a:r>
+                    </a:p>
+                    <a:p>
+                      <a:pPr marL="0" marR="0" lvl="0" indent="-285750" algn="l" defTabSz="914400" rtl="0" eaLnBrk="1" fontAlgn="auto" latinLnBrk="0" hangingPunct="1">
+                        <a:lnSpc>
+                          <a:spcPct val="100000"/>
+                        </a:lnSpc>
+                        <a:spcBef>
+                          <a:spcPts val="0"/>
+                        </a:spcBef>
+                        <a:spcAft>
+                          <a:spcPts val="0"/>
+                        </a:spcAft>
+                        <a:buClrTx/>
+                        <a:buSzTx/>
+                        <a:buFontTx/>
+                        <a:buChar char="-"/>
+                        <a:tabLst/>
+                        <a:defRPr/>
+                      </a:pPr>
+                      <a:r>
+                        <a:rPr lang="en-US" sz="1200" strike="sngStrike" kern="1200" dirty="0" smtClean="0">
+                          <a:solidFill>
+                            <a:schemeClr val="dk1"/>
+                          </a:solidFill>
+                          <a:latin typeface="+mn-lt"/>
+                          <a:ea typeface="+mn-ea"/>
+                          <a:cs typeface="+mn-cs"/>
+                        </a:rPr>
+                        <a:t>Finish Section 2.2.3 Space heating demand </a:t>
+                      </a:r>
+                    </a:p>
+                    <a:p>
+                      <a:pPr marL="0" marR="0" lvl="0" indent="0" algn="l" defTabSz="914400" rtl="0" eaLnBrk="1" fontAlgn="auto" latinLnBrk="0" hangingPunct="1">
+                        <a:lnSpc>
+                          <a:spcPct val="100000"/>
+                        </a:lnSpc>
+                        <a:spcBef>
+                          <a:spcPts val="0"/>
+                        </a:spcBef>
+                        <a:spcAft>
+                          <a:spcPts val="0"/>
+                        </a:spcAft>
+                        <a:buClrTx/>
+                        <a:buSzTx/>
+                        <a:buFontTx/>
+                        <a:buNone/>
+                        <a:tabLst/>
+                        <a:defRPr/>
+                      </a:pPr>
+                      <a:r>
+                        <a:rPr lang="en-US" sz="1200" kern="1200" dirty="0" smtClean="0">
+                          <a:solidFill>
+                            <a:schemeClr val="dk1"/>
+                          </a:solidFill>
+                          <a:latin typeface="+mn-lt"/>
+                          <a:ea typeface="+mn-ea"/>
+                          <a:cs typeface="+mn-cs"/>
+                        </a:rPr>
+                        <a:t>--------------------------------------------------------------------------------------</a:t>
+                      </a:r>
+                    </a:p>
+                    <a:p>
+                      <a:pPr marL="285750" marR="0" lvl="0" indent="-285750" algn="l" defTabSz="914400" rtl="0" eaLnBrk="1" fontAlgn="auto" latinLnBrk="0" hangingPunct="1">
+                        <a:lnSpc>
+                          <a:spcPct val="100000"/>
+                        </a:lnSpc>
+                        <a:spcBef>
+                          <a:spcPts val="0"/>
+                        </a:spcBef>
+                        <a:spcAft>
+                          <a:spcPts val="0"/>
+                        </a:spcAft>
+                        <a:buClrTx/>
+                        <a:buSzTx/>
+                        <a:buFontTx/>
+                        <a:buChar char="-"/>
+                        <a:tabLst/>
+                        <a:defRPr/>
+                      </a:pPr>
+                      <a:r>
+                        <a:rPr lang="en-US" sz="1200" strike="sngStrike" dirty="0" smtClean="0"/>
+                        <a:t>(re) Write</a:t>
+                      </a:r>
+                      <a:r>
+                        <a:rPr lang="en-US" sz="1200" strike="sngStrike" baseline="0" dirty="0" smtClean="0"/>
+                        <a:t> Section 2.3. Case study (and Table 3)</a:t>
+                      </a:r>
+                    </a:p>
+                    <a:p>
+                      <a:pPr marL="285750" marR="0" lvl="0" indent="-285750" algn="l" defTabSz="914400" rtl="0" eaLnBrk="1" fontAlgn="auto" latinLnBrk="0" hangingPunct="1">
+                        <a:lnSpc>
+                          <a:spcPct val="100000"/>
+                        </a:lnSpc>
+                        <a:spcBef>
+                          <a:spcPts val="0"/>
+                        </a:spcBef>
+                        <a:spcAft>
+                          <a:spcPts val="0"/>
+                        </a:spcAft>
+                        <a:buClrTx/>
+                        <a:buSzTx/>
+                        <a:buFontTx/>
+                        <a:buChar char="-"/>
+                        <a:tabLst/>
+                        <a:defRPr/>
+                      </a:pPr>
+                      <a:r>
+                        <a:rPr lang="en-US" sz="1200" strike="sngStrike" baseline="0" dirty="0" smtClean="0"/>
+                        <a:t>Write Section 2.3.2. Scenario assessment , Section 2.3.1</a:t>
+                      </a:r>
+                      <a:endParaRPr lang="en-US" sz="1200" baseline="0" dirty="0" smtClean="0"/>
+                    </a:p>
+                  </a:txBody>
+                  <a:tcPr>
+                    <a:solidFill>
+                      <a:srgbClr val="92D050"/>
+                    </a:solidFill>
+                  </a:tcPr>
+                </a:tc>
+                <a:tc rowSpan="2">
+                  <a:txBody>
+                    <a:bodyPr/>
+                    <a:lstStyle/>
+                    <a:p>
+                      <a:pPr marL="0" marR="0" lvl="0" indent="0" algn="l" defTabSz="914400" rtl="0" eaLnBrk="1" fontAlgn="auto" latinLnBrk="0" hangingPunct="1">
+                        <a:lnSpc>
+                          <a:spcPct val="100000"/>
+                        </a:lnSpc>
+                        <a:spcBef>
+                          <a:spcPts val="0"/>
+                        </a:spcBef>
+                        <a:spcAft>
+                          <a:spcPts val="0"/>
+                        </a:spcAft>
+                        <a:buClrTx/>
+                        <a:buSzTx/>
+                        <a:buFontTx/>
+                        <a:buNone/>
+                        <a:tabLst/>
+                        <a:defRPr/>
+                      </a:pPr>
+                      <a:r>
+                        <a:rPr lang="en-US" sz="1200" dirty="0" smtClean="0"/>
+                        <a:t>Sasha checks</a:t>
+                      </a:r>
+                      <a:r>
+                        <a:rPr lang="en-US" sz="1200" baseline="0" dirty="0" smtClean="0"/>
+                        <a:t> writing</a:t>
+                      </a:r>
+                    </a:p>
+                    <a:p>
+                      <a:pPr marL="0" marR="0" lvl="0" indent="0" algn="l" defTabSz="914400" rtl="0" eaLnBrk="1" fontAlgn="auto" latinLnBrk="0" hangingPunct="1">
+                        <a:lnSpc>
+                          <a:spcPct val="100000"/>
+                        </a:lnSpc>
+                        <a:spcBef>
+                          <a:spcPts val="0"/>
+                        </a:spcBef>
+                        <a:spcAft>
+                          <a:spcPts val="0"/>
+                        </a:spcAft>
+                        <a:buClrTx/>
+                        <a:buSzTx/>
+                        <a:buFontTx/>
+                        <a:buNone/>
+                        <a:tabLst/>
+                        <a:defRPr/>
+                      </a:pPr>
+                      <a:r>
+                        <a:rPr lang="en-US" sz="1200" baseline="0" dirty="0" smtClean="0"/>
+                        <a:t>Check LCA calculations (KBOB sources) and adapt writing 2.2.3</a:t>
+                      </a:r>
+                    </a:p>
+                  </a:txBody>
+                  <a:tcPr>
+                    <a:solidFill>
+                      <a:srgbClr val="92D050"/>
+                    </a:solidFill>
+                  </a:tcPr>
+                </a:tc>
+                <a:extLst>
+                  <a:ext uri="{0D108BD9-81ED-4DB2-BD59-A6C34878D82A}">
+                    <a16:rowId xmlns:a16="http://schemas.microsoft.com/office/drawing/2014/main" val="831016645"/>
+                  </a:ext>
+                </a:extLst>
+              </a:tr>
+              <a:tr h="432287">
+                <a:tc>
+                  <a:txBody>
+                    <a:bodyPr/>
+                    <a:lstStyle/>
+                    <a:p>
+                      <a:r>
+                        <a:rPr lang="en-US" sz="1200" dirty="0" smtClean="0"/>
+                        <a:t>2 Dec</a:t>
+                      </a:r>
+                      <a:endParaRPr lang="en-US" sz="1200" dirty="0"/>
+                    </a:p>
+                  </a:txBody>
+                  <a:tcPr/>
+                </a:tc>
+                <a:tc>
+                  <a:txBody>
+                    <a:bodyPr/>
+                    <a:lstStyle/>
+                    <a:p>
+                      <a:pPr marL="285750" indent="-285750">
+                        <a:buFontTx/>
+                        <a:buChar char="-"/>
+                      </a:pPr>
+                      <a:r>
+                        <a:rPr lang="en-US" sz="1200" strike="sngStrike" baseline="0" dirty="0" smtClean="0"/>
+                        <a:t>Write Section 2 Methodology intro </a:t>
+                      </a:r>
+                    </a:p>
+                    <a:p>
+                      <a:pPr marL="285750" indent="-285750">
+                        <a:buFontTx/>
+                        <a:buChar char="-"/>
+                      </a:pPr>
+                      <a:r>
+                        <a:rPr lang="en-US" sz="1200" strike="sngStrike" baseline="0" dirty="0" smtClean="0"/>
+                        <a:t>Improve Section 2.3</a:t>
+                      </a:r>
+                    </a:p>
+                  </a:txBody>
+                  <a:tcPr>
+                    <a:solidFill>
+                      <a:srgbClr val="92D050"/>
+                    </a:solidFill>
+                  </a:tcPr>
+                </a:tc>
+                <a:tc vMerge="1">
+                  <a:txBody>
+                    <a:bodyPr/>
+                    <a:lstStyle/>
+                    <a:p>
+                      <a:pPr marL="0" marR="0" lvl="0" indent="0" algn="l" defTabSz="914400" rtl="0" eaLnBrk="1" fontAlgn="auto" latinLnBrk="0" hangingPunct="1">
+                        <a:lnSpc>
+                          <a:spcPct val="100000"/>
+                        </a:lnSpc>
+                        <a:spcBef>
+                          <a:spcPts val="0"/>
+                        </a:spcBef>
+                        <a:spcAft>
+                          <a:spcPts val="0"/>
+                        </a:spcAft>
+                        <a:buClrTx/>
+                        <a:buSzTx/>
+                        <a:buFontTx/>
+                        <a:buNone/>
+                        <a:tabLst/>
+                        <a:defRPr/>
+                      </a:pPr>
+                      <a:endParaRPr lang="en-US" sz="1200" baseline="0" dirty="0" smtClean="0"/>
+                    </a:p>
+                  </a:txBody>
+                  <a:tcPr/>
+                </a:tc>
+                <a:extLst>
+                  <a:ext uri="{0D108BD9-81ED-4DB2-BD59-A6C34878D82A}">
+                    <a16:rowId xmlns:a16="http://schemas.microsoft.com/office/drawing/2014/main" val="468369844"/>
+                  </a:ext>
+                </a:extLst>
+              </a:tr>
+              <a:tr h="432287">
+                <a:tc>
+                  <a:txBody>
+                    <a:bodyPr/>
+                    <a:lstStyle/>
+                    <a:p>
+                      <a:r>
+                        <a:rPr lang="en-US" sz="1200" dirty="0" smtClean="0"/>
+                        <a:t>4</a:t>
+                      </a:r>
+                      <a:r>
+                        <a:rPr lang="en-US" sz="1200" baseline="0" dirty="0" smtClean="0"/>
+                        <a:t> </a:t>
+                      </a:r>
+                      <a:r>
+                        <a:rPr lang="en-US" sz="1200" dirty="0" smtClean="0"/>
+                        <a:t>Dec</a:t>
+                      </a:r>
+                      <a:endParaRPr lang="en-US" sz="1200" dirty="0"/>
+                    </a:p>
+                  </a:txBody>
+                  <a:tcPr/>
+                </a:tc>
+                <a:tc>
+                  <a:txBody>
+                    <a:bodyPr/>
+                    <a:lstStyle/>
+                    <a:p>
+                      <a:pPr marL="0" marR="0" lvl="0" indent="0" algn="l" defTabSz="914400" rtl="0" eaLnBrk="1" fontAlgn="auto" latinLnBrk="0" hangingPunct="1">
+                        <a:lnSpc>
+                          <a:spcPct val="100000"/>
+                        </a:lnSpc>
+                        <a:spcBef>
+                          <a:spcPts val="0"/>
+                        </a:spcBef>
+                        <a:spcAft>
+                          <a:spcPts val="0"/>
+                        </a:spcAft>
+                        <a:buClrTx/>
+                        <a:buSzTx/>
+                        <a:buFontTx/>
+                        <a:buNone/>
+                        <a:tabLst/>
+                        <a:defRPr/>
+                      </a:pPr>
+                      <a:r>
+                        <a:rPr lang="en-US" sz="1200" kern="1200" dirty="0" smtClean="0">
+                          <a:solidFill>
+                            <a:schemeClr val="dk1"/>
+                          </a:solidFill>
+                          <a:latin typeface="+mn-lt"/>
+                          <a:ea typeface="+mn-ea"/>
+                          <a:cs typeface="+mn-cs"/>
+                        </a:rPr>
+                        <a:t>Proofreading</a:t>
+                      </a:r>
+                      <a:r>
+                        <a:rPr lang="en-US" sz="1200" kern="1200" baseline="0" dirty="0" smtClean="0">
+                          <a:solidFill>
+                            <a:schemeClr val="dk1"/>
+                          </a:solidFill>
+                          <a:latin typeface="+mn-lt"/>
+                          <a:ea typeface="+mn-ea"/>
+                          <a:cs typeface="+mn-cs"/>
+                        </a:rPr>
+                        <a:t> </a:t>
+                      </a:r>
+                      <a:endParaRPr lang="en-US" sz="1200" kern="1200" dirty="0" smtClean="0">
+                        <a:solidFill>
+                          <a:schemeClr val="dk1"/>
+                        </a:solidFill>
+                        <a:latin typeface="+mn-lt"/>
+                        <a:ea typeface="+mn-ea"/>
+                        <a:cs typeface="+mn-cs"/>
+                      </a:endParaRPr>
+                    </a:p>
+                  </a:txBody>
+                  <a:tcPr>
+                    <a:solidFill>
+                      <a:srgbClr val="92D050"/>
+                    </a:solidFill>
+                  </a:tcPr>
+                </a:tc>
+                <a:tc>
+                  <a:txBody>
+                    <a:bodyPr/>
+                    <a:lstStyle/>
+                    <a:p>
+                      <a:pPr marL="0" marR="0" lvl="0" indent="0" algn="l" defTabSz="914400" rtl="0" eaLnBrk="1" fontAlgn="auto" latinLnBrk="0" hangingPunct="1">
+                        <a:lnSpc>
+                          <a:spcPct val="100000"/>
+                        </a:lnSpc>
+                        <a:spcBef>
+                          <a:spcPts val="0"/>
+                        </a:spcBef>
+                        <a:spcAft>
+                          <a:spcPts val="0"/>
+                        </a:spcAft>
+                        <a:buClrTx/>
+                        <a:buSzTx/>
+                        <a:buFontTx/>
+                        <a:buNone/>
+                        <a:tabLst/>
+                        <a:defRPr/>
+                      </a:pPr>
+                      <a:r>
+                        <a:rPr lang="en-US" sz="1200" kern="1200" dirty="0" smtClean="0">
+                          <a:solidFill>
+                            <a:schemeClr val="dk1"/>
+                          </a:solidFill>
+                          <a:latin typeface="+mn-lt"/>
+                          <a:ea typeface="+mn-ea"/>
+                          <a:cs typeface="+mn-cs"/>
+                        </a:rPr>
+                        <a:t>Send the draft to Steffi on Section 2</a:t>
+                      </a:r>
+                    </a:p>
+                  </a:txBody>
+                  <a:tcPr>
+                    <a:solidFill>
+                      <a:srgbClr val="92D050"/>
+                    </a:solidFill>
+                  </a:tcPr>
+                </a:tc>
+                <a:extLst>
+                  <a:ext uri="{0D108BD9-81ED-4DB2-BD59-A6C34878D82A}">
+                    <a16:rowId xmlns:a16="http://schemas.microsoft.com/office/drawing/2014/main" val="4270165026"/>
+                  </a:ext>
+                </a:extLst>
+              </a:tr>
+            </a:tbl>
+          </a:graphicData>
+        </a:graphic>
+      </p:graphicFrame>
+      <p:sp>
+        <p:nvSpPr>
+          <p:cNvPr id="4" name="Date Placeholder 3"/>
+          <p:cNvSpPr>
+            <a:spLocks noGrp="1"/>
+          </p:cNvSpPr>
+          <p:nvPr>
+            <p:ph type="dt" sz="half" idx="10"/>
+          </p:nvPr>
+        </p:nvSpPr>
+        <p:spPr/>
+        <p:txBody>
+          <a:bodyPr/>
+          <a:lstStyle/>
+          <a:p>
+            <a:fld id="{A02690AB-37C5-464E-B999-AEA04CFF82B9}" type="datetime1">
+              <a:rPr lang="de-DE" smtClean="0"/>
+              <a:t>09.12.2022</a:t>
+            </a:fld>
+            <a:endParaRPr lang="de-DE" dirty="0"/>
+          </a:p>
+        </p:txBody>
+      </p:sp>
+      <p:sp>
+        <p:nvSpPr>
+          <p:cNvPr id="5" name="Footer Placeholder 4"/>
+          <p:cNvSpPr>
+            <a:spLocks noGrp="1"/>
+          </p:cNvSpPr>
+          <p:nvPr>
+            <p:ph type="ftr" sz="quarter" idx="11"/>
+          </p:nvPr>
+        </p:nvSpPr>
+        <p:spPr/>
+        <p:txBody>
+          <a:bodyPr/>
+          <a:lstStyle/>
+          <a:p>
+            <a:r>
+              <a:rPr lang="de-DE" smtClean="0"/>
+              <a:t>Shinde, Rhythima</a:t>
+            </a:r>
+            <a:endParaRPr lang="de-DE"/>
+          </a:p>
+        </p:txBody>
+      </p:sp>
+      <p:sp>
+        <p:nvSpPr>
+          <p:cNvPr id="6" name="Slide Number Placeholder 5"/>
+          <p:cNvSpPr>
+            <a:spLocks noGrp="1"/>
+          </p:cNvSpPr>
+          <p:nvPr>
+            <p:ph type="sldNum" sz="quarter" idx="12"/>
+          </p:nvPr>
+        </p:nvSpPr>
+        <p:spPr/>
+        <p:txBody>
+          <a:bodyPr/>
+          <a:lstStyle/>
+          <a:p>
+            <a:fld id="{6C6AE60A-B69C-4790-82F7-3882EDF23186}" type="slidenum">
+              <a:rPr lang="de-DE" smtClean="0"/>
+              <a:t>2</a:t>
+            </a:fld>
+            <a:endParaRPr lang="de-DE"/>
+          </a:p>
+        </p:txBody>
+      </p:sp>
+      <p:sp>
+        <p:nvSpPr>
+          <p:cNvPr id="8" name="Title 7"/>
+          <p:cNvSpPr>
+            <a:spLocks noGrp="1"/>
+          </p:cNvSpPr>
+          <p:nvPr>
+            <p:ph type="title"/>
+          </p:nvPr>
+        </p:nvSpPr>
+        <p:spPr>
+          <a:xfrm>
+            <a:off x="323850" y="620715"/>
+            <a:ext cx="8496300" cy="465624"/>
+          </a:xfrm>
+        </p:spPr>
+        <p:txBody>
+          <a:bodyPr/>
+          <a:lstStyle/>
+          <a:p>
+            <a:r>
+              <a:rPr lang="en-US" dirty="0" smtClean="0"/>
+              <a:t>Timeline - Method</a:t>
+            </a:r>
+            <a:endParaRPr lang="en-US" dirty="0"/>
+          </a:p>
+        </p:txBody>
+      </p:sp>
+    </p:spTree>
+    <p:extLst>
+      <p:ext uri="{BB962C8B-B14F-4D97-AF65-F5344CB8AC3E}">
+        <p14:creationId xmlns:p14="http://schemas.microsoft.com/office/powerpoint/2010/main" val="1066166856"/>
+      </p:ext>
+    </p:extLst>
+  </p:cSld>
+  <p:clrMapOvr>
+    <a:masterClrMapping/>
+  </p:clrMapOvr>
+  <p:transition>
+    <p:fade/>
+  </p:transition>
+</p:sld>
+</file>
+
+<file path=ppt/slides/slide3.xml><?xml version="1.0" encoding="utf-8"?>
+<p:sld xmlns:a="http://schemas.openxmlformats.org/drawingml/2006/main" xmlns:r="http://schemas.openxmlformats.org/officeDocument/2006/relationships" xmlns:p="http://schemas.openxmlformats.org/presentationml/2006/main">
+  <p:cSld>
+    <p:spTree>
+      <p:nvGrpSpPr>
+        <p:cNvPr id="1" name=""/>
+        <p:cNvGrpSpPr/>
+        <p:nvPr/>
+      </p:nvGrpSpPr>
+      <p:grpSpPr>
+        <a:xfrm>
+          <a:off x="0" y="0"/>
+          <a:ext cx="0" cy="0"/>
+          <a:chOff x="0" y="0"/>
+          <a:chExt cx="0" cy="0"/>
+        </a:xfrm>
+      </p:grpSpPr>
+      <p:graphicFrame>
+        <p:nvGraphicFramePr>
+          <p:cNvPr id="7" name="Content Placeholder 6"/>
+          <p:cNvGraphicFramePr>
+            <a:graphicFrameLocks noGrp="1"/>
+          </p:cNvGraphicFramePr>
+          <p:nvPr>
+            <p:ph idx="1"/>
+            <p:extLst>
+              <p:ext uri="{D42A27DB-BD31-4B8C-83A1-F6EECF244321}">
+                <p14:modId xmlns:p14="http://schemas.microsoft.com/office/powerpoint/2010/main" val="2683211748"/>
+              </p:ext>
+            </p:extLst>
+          </p:nvPr>
+        </p:nvGraphicFramePr>
+        <p:xfrm>
+          <a:off x="323850" y="1592714"/>
+          <a:ext cx="8496300" cy="4597400"/>
+        </p:xfrm>
+        <a:graphic>
+          <a:graphicData uri="http://schemas.openxmlformats.org/drawingml/2006/table">
+            <a:tbl>
+              <a:tblPr firstRow="1" bandRow="1">
+                <a:tableStyleId>{5C22544A-7EE6-4342-B048-85BDC9FD1C3A}</a:tableStyleId>
+              </a:tblPr>
+              <a:tblGrid>
+                <a:gridCol w="910981">
+                  <a:extLst>
+                    <a:ext uri="{9D8B030D-6E8A-4147-A177-3AD203B41FA5}">
+                      <a16:colId xmlns:a16="http://schemas.microsoft.com/office/drawing/2014/main" val="431027678"/>
+                    </a:ext>
+                  </a:extLst>
+                </a:gridCol>
+                <a:gridCol w="4753219">
+                  <a:extLst>
+                    <a:ext uri="{9D8B030D-6E8A-4147-A177-3AD203B41FA5}">
+                      <a16:colId xmlns:a16="http://schemas.microsoft.com/office/drawing/2014/main" val="288763360"/>
+                    </a:ext>
+                  </a:extLst>
+                </a:gridCol>
+                <a:gridCol w="2832100">
+                  <a:extLst>
+                    <a:ext uri="{9D8B030D-6E8A-4147-A177-3AD203B41FA5}">
+                      <a16:colId xmlns:a16="http://schemas.microsoft.com/office/drawing/2014/main" val="1654843812"/>
+                    </a:ext>
+                  </a:extLst>
+                </a:gridCol>
+              </a:tblGrid>
+              <a:tr h="370840">
+                <a:tc>
+                  <a:txBody>
+                    <a:bodyPr/>
+                    <a:lstStyle/>
+                    <a:p>
+                      <a:r>
+                        <a:rPr lang="en-US" dirty="0" smtClean="0"/>
+                        <a:t>Dates</a:t>
+                      </a:r>
+                      <a:endParaRPr lang="en-US" dirty="0"/>
+                    </a:p>
+                  </a:txBody>
+                  <a:tcPr/>
+                </a:tc>
+                <a:tc>
+                  <a:txBody>
+                    <a:bodyPr/>
+                    <a:lstStyle/>
+                    <a:p>
+                      <a:r>
+                        <a:rPr lang="en-US" dirty="0" smtClean="0"/>
+                        <a:t>Work task</a:t>
+                      </a:r>
+                      <a:endParaRPr lang="en-US" dirty="0"/>
+                    </a:p>
+                  </a:txBody>
+                  <a:tcPr/>
+                </a:tc>
+                <a:tc>
+                  <a:txBody>
+                    <a:bodyPr/>
+                    <a:lstStyle/>
+                    <a:p>
+                      <a:r>
+                        <a:rPr lang="en-US" dirty="0" smtClean="0"/>
+                        <a:t>Overall Deadlines</a:t>
+                      </a:r>
+                      <a:endParaRPr lang="en-US" dirty="0"/>
+                    </a:p>
+                  </a:txBody>
+                  <a:tcPr/>
+                </a:tc>
+                <a:extLst>
+                  <a:ext uri="{0D108BD9-81ED-4DB2-BD59-A6C34878D82A}">
+                    <a16:rowId xmlns:a16="http://schemas.microsoft.com/office/drawing/2014/main" val="494657512"/>
+                  </a:ext>
+                </a:extLst>
+              </a:tr>
+              <a:tr h="370840">
+                <a:tc>
+                  <a:txBody>
+                    <a:bodyPr/>
+                    <a:lstStyle/>
+                    <a:p>
+                      <a:r>
+                        <a:rPr lang="en-US" sz="1200" dirty="0" smtClean="0"/>
+                        <a:t>5-6 Dec</a:t>
+                      </a:r>
+                      <a:endParaRPr lang="en-US" sz="1200" dirty="0"/>
+                    </a:p>
+                  </a:txBody>
+                  <a:tcPr/>
+                </a:tc>
+                <a:tc>
+                  <a:txBody>
+                    <a:bodyPr/>
+                    <a:lstStyle/>
+                    <a:p>
+                      <a:pPr marL="0" marR="0" lvl="0" indent="0" algn="l" defTabSz="914400" rtl="0" eaLnBrk="1" fontAlgn="auto" latinLnBrk="0" hangingPunct="1">
+                        <a:lnSpc>
+                          <a:spcPct val="100000"/>
+                        </a:lnSpc>
+                        <a:spcBef>
+                          <a:spcPts val="0"/>
+                        </a:spcBef>
+                        <a:spcAft>
+                          <a:spcPts val="0"/>
+                        </a:spcAft>
+                        <a:buClrTx/>
+                        <a:buSzTx/>
+                        <a:buFontTx/>
+                        <a:buNone/>
+                        <a:tabLst/>
+                        <a:defRPr/>
+                      </a:pPr>
+                      <a:r>
+                        <a:rPr lang="en-US" sz="1200" kern="1200" dirty="0" smtClean="0">
+                          <a:solidFill>
+                            <a:schemeClr val="dk1"/>
+                          </a:solidFill>
+                          <a:latin typeface="+mn-lt"/>
+                          <a:ea typeface="+mn-ea"/>
+                          <a:cs typeface="+mn-cs"/>
+                        </a:rPr>
+                        <a:t>Fix timeline </a:t>
+                      </a:r>
+                    </a:p>
+                    <a:p>
+                      <a:pPr marL="0" marR="0" lvl="0" indent="0" algn="l" defTabSz="914400" rtl="0" eaLnBrk="1" fontAlgn="auto" latinLnBrk="0" hangingPunct="1">
+                        <a:lnSpc>
+                          <a:spcPct val="100000"/>
+                        </a:lnSpc>
+                        <a:spcBef>
+                          <a:spcPts val="0"/>
+                        </a:spcBef>
+                        <a:spcAft>
+                          <a:spcPts val="0"/>
+                        </a:spcAft>
+                        <a:buClrTx/>
+                        <a:buSzTx/>
+                        <a:buFontTx/>
+                        <a:buNone/>
+                        <a:tabLst/>
+                        <a:defRPr/>
+                      </a:pPr>
+                      <a:r>
+                        <a:rPr lang="en-US" sz="1200" kern="1200" dirty="0" smtClean="0">
+                          <a:solidFill>
+                            <a:schemeClr val="dk1"/>
+                          </a:solidFill>
+                          <a:latin typeface="+mn-lt"/>
+                          <a:ea typeface="+mn-ea"/>
+                          <a:cs typeface="+mn-cs"/>
+                        </a:rPr>
+                        <a:t>Comments on the paper writing </a:t>
+                      </a:r>
+                    </a:p>
+                  </a:txBody>
+                  <a:tcPr/>
+                </a:tc>
+                <a:tc>
+                  <a:txBody>
+                    <a:bodyPr/>
+                    <a:lstStyle/>
+                    <a:p>
+                      <a:pPr marL="0" marR="0" lvl="0" indent="0" algn="l" defTabSz="914400" rtl="0" eaLnBrk="1" fontAlgn="auto" latinLnBrk="0" hangingPunct="1">
+                        <a:lnSpc>
+                          <a:spcPct val="100000"/>
+                        </a:lnSpc>
+                        <a:spcBef>
+                          <a:spcPts val="0"/>
+                        </a:spcBef>
+                        <a:spcAft>
+                          <a:spcPts val="0"/>
+                        </a:spcAft>
+                        <a:buClrTx/>
+                        <a:buSzTx/>
+                        <a:buFontTx/>
+                        <a:buNone/>
+                        <a:tabLst/>
+                        <a:defRPr/>
+                      </a:pPr>
+                      <a:r>
+                        <a:rPr lang="en-US" sz="1200" dirty="0" smtClean="0"/>
+                        <a:t>Discussion (SSR): Section 2</a:t>
+                      </a:r>
+                    </a:p>
+                  </a:txBody>
+                  <a:tcPr>
+                    <a:solidFill>
+                      <a:srgbClr val="92D050"/>
+                    </a:solidFill>
+                  </a:tcPr>
+                </a:tc>
+                <a:extLst>
+                  <a:ext uri="{0D108BD9-81ED-4DB2-BD59-A6C34878D82A}">
+                    <a16:rowId xmlns:a16="http://schemas.microsoft.com/office/drawing/2014/main" val="695154945"/>
+                  </a:ext>
+                </a:extLst>
+              </a:tr>
+              <a:tr h="370840">
+                <a:tc>
+                  <a:txBody>
+                    <a:bodyPr/>
+                    <a:lstStyle/>
+                    <a:p>
+                      <a:r>
+                        <a:rPr lang="en-US" sz="1200" dirty="0" smtClean="0"/>
+                        <a:t>7-8 Dec</a:t>
+                      </a:r>
+                      <a:endParaRPr lang="en-US" sz="1200" dirty="0"/>
+                    </a:p>
+                  </a:txBody>
+                  <a:tcPr>
+                    <a:lnB w="12700" cmpd="sng">
+                      <a:noFill/>
+                    </a:lnB>
+                    <a:solidFill>
+                      <a:schemeClr val="tx1">
+                        <a:lumMod val="50000"/>
+                        <a:lumOff val="50000"/>
+                      </a:schemeClr>
+                    </a:solidFill>
+                  </a:tcPr>
+                </a:tc>
+                <a:tc>
+                  <a:txBody>
+                    <a:bodyPr/>
+                    <a:lstStyle/>
+                    <a:p>
+                      <a:r>
+                        <a:rPr lang="en-US" sz="1200" dirty="0" smtClean="0"/>
+                        <a:t>Leave</a:t>
+                      </a:r>
+                      <a:endParaRPr lang="en-US" sz="1200" dirty="0"/>
+                    </a:p>
+                  </a:txBody>
+                  <a:tcPr>
+                    <a:lnB w="12700" cmpd="sng">
+                      <a:noFill/>
+                    </a:lnB>
+                    <a:solidFill>
+                      <a:schemeClr val="tx1">
+                        <a:lumMod val="50000"/>
+                        <a:lumOff val="50000"/>
+                      </a:schemeClr>
+                    </a:solidFill>
+                  </a:tcPr>
+                </a:tc>
+                <a:tc>
+                  <a:txBody>
+                    <a:bodyPr/>
+                    <a:lstStyle/>
+                    <a:p>
+                      <a:endParaRPr lang="en-US" sz="1200" dirty="0"/>
+                    </a:p>
+                  </a:txBody>
+                  <a:tcPr>
+                    <a:lnB w="12700" cmpd="sng">
+                      <a:noFill/>
+                    </a:lnB>
+                    <a:solidFill>
+                      <a:schemeClr val="tx1">
+                        <a:lumMod val="50000"/>
+                        <a:lumOff val="50000"/>
+                      </a:schemeClr>
+                    </a:solidFill>
+                  </a:tcPr>
+                </a:tc>
+                <a:extLst>
+                  <a:ext uri="{0D108BD9-81ED-4DB2-BD59-A6C34878D82A}">
+                    <a16:rowId xmlns:a16="http://schemas.microsoft.com/office/drawing/2014/main" val="3090240021"/>
+                  </a:ext>
+                </a:extLst>
+              </a:tr>
+              <a:tr h="370840">
+                <a:tc>
+                  <a:txBody>
+                    <a:bodyPr/>
+                    <a:lstStyle/>
+                    <a:p>
+                      <a:r>
+                        <a:rPr lang="en-US" sz="1200" dirty="0" smtClean="0"/>
+                        <a:t>9 Dec</a:t>
+                      </a:r>
+                      <a:endParaRPr lang="en-US" sz="1200" dirty="0"/>
+                    </a:p>
+                  </a:txBody>
+                  <a:tcPr>
+                    <a:lnL w="12700" cmpd="sng">
+                      <a:noFill/>
+                    </a:lnL>
+                    <a:lnR w="12700" cmpd="sng">
+                      <a:noFill/>
+                    </a:lnR>
+                    <a:lnT w="12700" cmpd="sng">
+                      <a:noFill/>
+                    </a:lnT>
+                    <a:lnB w="12700" cap="flat" cmpd="sng" algn="ctr">
+                      <a:noFill/>
+                      <a:prstDash val="solid"/>
+                      <a:round/>
+                      <a:headEnd type="none" w="med" len="med"/>
+                      <a:tailEnd type="none" w="med" len="med"/>
+                    </a:lnB>
+                    <a:lnTlToBr w="12700" cmpd="sng">
+                      <a:noFill/>
+                      <a:prstDash val="solid"/>
+                    </a:lnTlToBr>
+                    <a:lnBlToTr w="12700" cmpd="sng">
+                      <a:noFill/>
+                      <a:prstDash val="solid"/>
+                    </a:lnBlToTr>
+                  </a:tcPr>
+                </a:tc>
+                <a:tc>
+                  <a:txBody>
+                    <a:bodyPr/>
+                    <a:lstStyle/>
+                    <a:p>
+                      <a:pPr marL="0" marR="0" lvl="0" indent="0" algn="l" defTabSz="914400" rtl="0" eaLnBrk="1" fontAlgn="auto" latinLnBrk="0" hangingPunct="1">
+                        <a:lnSpc>
+                          <a:spcPct val="100000"/>
+                        </a:lnSpc>
+                        <a:spcBef>
+                          <a:spcPts val="0"/>
+                        </a:spcBef>
+                        <a:spcAft>
+                          <a:spcPts val="0"/>
+                        </a:spcAft>
+                        <a:buClrTx/>
+                        <a:buSzTx/>
+                        <a:buFontTx/>
+                        <a:buNone/>
+                        <a:tabLst/>
+                        <a:defRPr/>
+                      </a:pPr>
+                      <a:r>
+                        <a:rPr lang="en-US" sz="1200" baseline="0" dirty="0" smtClean="0"/>
+                        <a:t>Figure on U Values (Figure 2)</a:t>
+                      </a:r>
+                    </a:p>
+                    <a:p>
+                      <a:pPr marL="0" marR="0" lvl="0" indent="0" algn="l" defTabSz="914400" rtl="0" eaLnBrk="1" fontAlgn="auto" latinLnBrk="0" hangingPunct="1">
+                        <a:lnSpc>
+                          <a:spcPct val="100000"/>
+                        </a:lnSpc>
+                        <a:spcBef>
+                          <a:spcPts val="0"/>
+                        </a:spcBef>
+                        <a:spcAft>
+                          <a:spcPts val="0"/>
+                        </a:spcAft>
+                        <a:buClrTx/>
+                        <a:buSzTx/>
+                        <a:buFontTx/>
+                        <a:buNone/>
+                        <a:tabLst/>
+                        <a:defRPr/>
+                      </a:pPr>
+                      <a:r>
+                        <a:rPr lang="en-US" sz="1200" kern="1200" dirty="0" smtClean="0">
+                          <a:solidFill>
+                            <a:schemeClr val="dk1"/>
+                          </a:solidFill>
+                          <a:latin typeface="+mn-lt"/>
+                          <a:ea typeface="+mn-ea"/>
+                          <a:cs typeface="+mn-cs"/>
+                        </a:rPr>
+                        <a:t>Model: Convert</a:t>
+                      </a:r>
+                      <a:r>
+                        <a:rPr lang="en-US" sz="1200" kern="1200" baseline="0" dirty="0" smtClean="0">
+                          <a:solidFill>
+                            <a:schemeClr val="dk1"/>
+                          </a:solidFill>
+                          <a:latin typeface="+mn-lt"/>
+                          <a:ea typeface="+mn-ea"/>
+                          <a:cs typeface="+mn-cs"/>
+                        </a:rPr>
+                        <a:t> string and integers </a:t>
+                      </a:r>
+                      <a:r>
+                        <a:rPr lang="en-US" sz="1200" kern="1200" baseline="0" dirty="0" err="1" smtClean="0">
+                          <a:solidFill>
+                            <a:schemeClr val="dk1"/>
+                          </a:solidFill>
+                          <a:latin typeface="+mn-lt"/>
+                          <a:ea typeface="+mn-ea"/>
+                          <a:cs typeface="+mn-cs"/>
+                        </a:rPr>
+                        <a:t>PGadmin</a:t>
+                      </a:r>
+                      <a:endParaRPr lang="en-US" sz="1200" kern="1200" baseline="0" dirty="0" smtClean="0">
+                        <a:solidFill>
+                          <a:schemeClr val="dk1"/>
+                        </a:solidFill>
+                        <a:latin typeface="+mn-lt"/>
+                        <a:ea typeface="+mn-ea"/>
+                        <a:cs typeface="+mn-cs"/>
+                      </a:endParaRPr>
+                    </a:p>
+                  </a:txBody>
+                  <a:tcPr>
+                    <a:lnL w="12700" cmpd="sng">
+                      <a:noFill/>
+                    </a:lnL>
+                    <a:lnR w="12700" cmpd="sng">
+                      <a:noFill/>
+                    </a:lnR>
+                    <a:lnT w="12700" cmpd="sng">
+                      <a:noFill/>
+                    </a:lnT>
+                    <a:lnB w="12700" cap="flat" cmpd="sng" algn="ctr">
+                      <a:noFill/>
+                      <a:prstDash val="solid"/>
+                      <a:round/>
+                      <a:headEnd type="none" w="med" len="med"/>
+                      <a:tailEnd type="none" w="med" len="med"/>
+                    </a:lnB>
+                    <a:lnTlToBr w="12700" cmpd="sng">
+                      <a:noFill/>
+                      <a:prstDash val="solid"/>
+                    </a:lnTlToBr>
+                    <a:lnBlToTr w="12700" cmpd="sng">
+                      <a:noFill/>
+                      <a:prstDash val="solid"/>
+                    </a:lnBlToTr>
+                  </a:tcPr>
+                </a:tc>
+                <a:tc>
+                  <a:txBody>
+                    <a:bodyPr/>
+                    <a:lstStyle/>
+                    <a:p>
+                      <a:endParaRPr lang="en-US" sz="1200" dirty="0"/>
+                    </a:p>
+                  </a:txBody>
+                  <a:tcPr>
+                    <a:lnL w="12700" cmpd="sng">
+                      <a:noFill/>
+                    </a:lnL>
+                    <a:lnR w="12700" cmpd="sng">
+                      <a:noFill/>
+                    </a:lnR>
+                    <a:lnT w="12700" cmpd="sng">
+                      <a:noFill/>
+                    </a:lnT>
+                    <a:lnB w="12700" cap="flat" cmpd="sng" algn="ctr">
+                      <a:noFill/>
+                      <a:prstDash val="solid"/>
+                      <a:round/>
+                      <a:headEnd type="none" w="med" len="med"/>
+                      <a:tailEnd type="none" w="med" len="med"/>
+                    </a:lnB>
+                    <a:lnTlToBr w="12700" cmpd="sng">
+                      <a:noFill/>
+                      <a:prstDash val="solid"/>
+                    </a:lnTlToBr>
+                    <a:lnBlToTr w="12700" cmpd="sng">
+                      <a:noFill/>
+                      <a:prstDash val="solid"/>
+                    </a:lnBlToTr>
+                  </a:tcPr>
+                </a:tc>
+                <a:extLst>
+                  <a:ext uri="{0D108BD9-81ED-4DB2-BD59-A6C34878D82A}">
+                    <a16:rowId xmlns:a16="http://schemas.microsoft.com/office/drawing/2014/main" val="363590478"/>
+                  </a:ext>
+                </a:extLst>
+              </a:tr>
+              <a:tr h="370840">
+                <a:tc>
+                  <a:txBody>
+                    <a:bodyPr/>
+                    <a:lstStyle/>
+                    <a:p>
+                      <a:r>
+                        <a:rPr lang="en-US" sz="1200" dirty="0" smtClean="0"/>
+                        <a:t>10-11 Dec</a:t>
+                      </a:r>
+                      <a:endParaRPr lang="en-US" sz="1200" dirty="0"/>
+                    </a:p>
+                  </a:txBody>
+                  <a:tcPr>
+                    <a:lnT w="12700" cap="flat" cmpd="sng" algn="ctr">
+                      <a:noFill/>
+                      <a:prstDash val="solid"/>
+                      <a:round/>
+                      <a:headEnd type="none" w="med" len="med"/>
+                      <a:tailEnd type="none" w="med" len="med"/>
+                    </a:lnT>
+                    <a:lnB w="12700" cap="flat" cmpd="sng" algn="ctr">
+                      <a:solidFill>
+                        <a:schemeClr val="tx1"/>
+                      </a:solidFill>
+                      <a:prstDash val="solid"/>
+                      <a:round/>
+                      <a:headEnd type="none" w="med" len="med"/>
+                      <a:tailEnd type="none" w="med" len="med"/>
+                    </a:lnB>
+                  </a:tcPr>
+                </a:tc>
+                <a:tc>
+                  <a:txBody>
+                    <a:bodyPr/>
+                    <a:lstStyle/>
+                    <a:p>
+                      <a:pPr marL="0" marR="0" lvl="0" indent="0" algn="l" defTabSz="914400" rtl="0" eaLnBrk="1" fontAlgn="auto" latinLnBrk="0" hangingPunct="1">
+                        <a:lnSpc>
+                          <a:spcPct val="100000"/>
+                        </a:lnSpc>
+                        <a:spcBef>
+                          <a:spcPts val="0"/>
+                        </a:spcBef>
+                        <a:spcAft>
+                          <a:spcPts val="0"/>
+                        </a:spcAft>
+                        <a:buClrTx/>
+                        <a:buSzTx/>
+                        <a:buFontTx/>
+                        <a:buNone/>
+                        <a:tabLst/>
+                        <a:defRPr/>
+                      </a:pPr>
+                      <a:r>
+                        <a:rPr lang="en-US" sz="1200" kern="1200" dirty="0" smtClean="0">
+                          <a:solidFill>
+                            <a:schemeClr val="dk1"/>
+                          </a:solidFill>
+                          <a:latin typeface="+mn-lt"/>
+                          <a:ea typeface="+mn-ea"/>
+                          <a:cs typeface="+mn-cs"/>
+                        </a:rPr>
+                        <a:t>Model: Check new results with ventilation</a:t>
+                      </a:r>
+                    </a:p>
+                    <a:p>
+                      <a:pPr marL="0" marR="0" lvl="0" indent="0" algn="l" defTabSz="914400" rtl="0" eaLnBrk="1" fontAlgn="auto" latinLnBrk="0" hangingPunct="1">
+                        <a:lnSpc>
+                          <a:spcPct val="100000"/>
+                        </a:lnSpc>
+                        <a:spcBef>
+                          <a:spcPts val="0"/>
+                        </a:spcBef>
+                        <a:spcAft>
+                          <a:spcPts val="0"/>
+                        </a:spcAft>
+                        <a:buClrTx/>
+                        <a:buSzTx/>
+                        <a:buFontTx/>
+                        <a:buNone/>
+                        <a:tabLst/>
+                        <a:defRPr/>
+                      </a:pPr>
+                      <a:r>
+                        <a:rPr lang="en-US" sz="1200" kern="1200" dirty="0" smtClean="0">
+                          <a:solidFill>
+                            <a:schemeClr val="dk1"/>
+                          </a:solidFill>
+                          <a:latin typeface="+mn-lt"/>
+                          <a:ea typeface="+mn-ea"/>
+                          <a:cs typeface="+mn-cs"/>
+                        </a:rPr>
+                        <a:t>Check / edit figure 3, table 5</a:t>
+                      </a:r>
+                    </a:p>
+                  </a:txBody>
+                  <a:tcPr>
+                    <a:lnT w="12700" cap="flat" cmpd="sng" algn="ctr">
+                      <a:noFill/>
+                      <a:prstDash val="solid"/>
+                      <a:round/>
+                      <a:headEnd type="none" w="med" len="med"/>
+                      <a:tailEnd type="none" w="med" len="med"/>
+                    </a:lnT>
+                    <a:lnB w="12700" cap="flat" cmpd="sng" algn="ctr">
+                      <a:solidFill>
+                        <a:schemeClr val="tx1"/>
+                      </a:solidFill>
+                      <a:prstDash val="solid"/>
+                      <a:round/>
+                      <a:headEnd type="none" w="med" len="med"/>
+                      <a:tailEnd type="none" w="med" len="med"/>
+                    </a:lnB>
+                  </a:tcPr>
+                </a:tc>
+                <a:tc>
+                  <a:txBody>
+                    <a:bodyPr/>
+                    <a:lstStyle/>
+                    <a:p>
+                      <a:endParaRPr lang="en-US" sz="1200" dirty="0"/>
+                    </a:p>
+                  </a:txBody>
+                  <a:tcPr>
+                    <a:lnT w="12700" cap="flat" cmpd="sng" algn="ctr">
+                      <a:noFill/>
+                      <a:prstDash val="solid"/>
+                      <a:round/>
+                      <a:headEnd type="none" w="med" len="med"/>
+                      <a:tailEnd type="none" w="med" len="med"/>
+                    </a:lnT>
+                    <a:lnB w="12700" cap="flat" cmpd="sng" algn="ctr">
+                      <a:solidFill>
+                        <a:schemeClr val="tx1"/>
+                      </a:solidFill>
+                      <a:prstDash val="solid"/>
+                      <a:round/>
+                      <a:headEnd type="none" w="med" len="med"/>
+                      <a:tailEnd type="none" w="med" len="med"/>
+                    </a:lnB>
+                  </a:tcPr>
+                </a:tc>
+                <a:extLst>
+                  <a:ext uri="{0D108BD9-81ED-4DB2-BD59-A6C34878D82A}">
+                    <a16:rowId xmlns:a16="http://schemas.microsoft.com/office/drawing/2014/main" val="3668238027"/>
+                  </a:ext>
+                </a:extLst>
+              </a:tr>
+              <a:tr h="370840">
+                <a:tc>
+                  <a:txBody>
+                    <a:bodyPr/>
+                    <a:lstStyle/>
+                    <a:p>
+                      <a:r>
+                        <a:rPr lang="en-US" sz="1200" dirty="0" smtClean="0"/>
+                        <a:t>12 Dec</a:t>
+                      </a:r>
+                      <a:endParaRPr lang="en-US" sz="1200" dirty="0"/>
+                    </a:p>
+                  </a:txBody>
+                  <a:tcPr>
+                    <a:lnL w="12700" cmpd="sng">
+                      <a:noFill/>
+                    </a:lnL>
+                    <a:lnR w="12700" cmpd="sng">
+                      <a:noFill/>
+                    </a:lnR>
+                    <a:lnT w="12700" cap="flat" cmpd="sng" algn="ctr">
+                      <a:solidFill>
+                        <a:schemeClr val="tx1"/>
+                      </a:solidFill>
+                      <a:prstDash val="solid"/>
+                      <a:round/>
+                      <a:headEnd type="none" w="med" len="med"/>
+                      <a:tailEnd type="none" w="med" len="med"/>
+                    </a:lnT>
+                    <a:lnB w="12700" cap="flat" cmpd="sng" algn="ctr">
+                      <a:noFill/>
+                      <a:prstDash val="solid"/>
+                      <a:round/>
+                      <a:headEnd type="none" w="med" len="med"/>
+                      <a:tailEnd type="none" w="med" len="med"/>
+                    </a:lnB>
+                    <a:lnTlToBr w="12700" cmpd="sng">
+                      <a:noFill/>
+                      <a:prstDash val="solid"/>
+                    </a:lnTlToBr>
+                    <a:lnBlToTr w="12700" cmpd="sng">
+                      <a:noFill/>
+                      <a:prstDash val="solid"/>
+                    </a:lnBlToTr>
+                  </a:tcPr>
+                </a:tc>
+                <a:tc>
+                  <a:txBody>
+                    <a:bodyPr/>
+                    <a:lstStyle/>
+                    <a:p>
+                      <a:r>
+                        <a:rPr lang="en-US" sz="1200" kern="1200" dirty="0" smtClean="0">
+                          <a:solidFill>
+                            <a:schemeClr val="dk1"/>
+                          </a:solidFill>
+                          <a:latin typeface="+mn-lt"/>
+                          <a:ea typeface="+mn-ea"/>
+                          <a:cs typeface="+mn-cs"/>
+                        </a:rPr>
+                        <a:t>Check Figure 4 : add operational and embodied</a:t>
+                      </a:r>
+                    </a:p>
+                    <a:p>
+                      <a:r>
+                        <a:rPr lang="en-US" sz="1200" kern="1200" dirty="0" smtClean="0">
+                          <a:solidFill>
+                            <a:schemeClr val="dk1"/>
+                          </a:solidFill>
+                          <a:latin typeface="+mn-lt"/>
+                          <a:ea typeface="+mn-ea"/>
+                          <a:cs typeface="+mn-cs"/>
+                        </a:rPr>
+                        <a:t>LCA KBOB calculations / Viola’s results </a:t>
+                      </a:r>
+                      <a:endParaRPr lang="en-US" sz="1200" kern="1200" dirty="0">
+                        <a:solidFill>
+                          <a:schemeClr val="dk1"/>
+                        </a:solidFill>
+                        <a:latin typeface="+mn-lt"/>
+                        <a:ea typeface="+mn-ea"/>
+                        <a:cs typeface="+mn-cs"/>
+                      </a:endParaRPr>
+                    </a:p>
+                  </a:txBody>
+                  <a:tcPr>
+                    <a:lnL w="12700" cmpd="sng">
+                      <a:noFill/>
+                    </a:lnL>
+                    <a:lnR w="12700" cmpd="sng">
+                      <a:noFill/>
+                    </a:lnR>
+                    <a:lnT w="12700" cap="flat" cmpd="sng" algn="ctr">
+                      <a:solidFill>
+                        <a:schemeClr val="tx1"/>
+                      </a:solidFill>
+                      <a:prstDash val="solid"/>
+                      <a:round/>
+                      <a:headEnd type="none" w="med" len="med"/>
+                      <a:tailEnd type="none" w="med" len="med"/>
+                    </a:lnT>
+                    <a:lnB w="12700" cap="flat" cmpd="sng" algn="ctr">
+                      <a:noFill/>
+                      <a:prstDash val="solid"/>
+                      <a:round/>
+                      <a:headEnd type="none" w="med" len="med"/>
+                      <a:tailEnd type="none" w="med" len="med"/>
+                    </a:lnB>
+                    <a:lnTlToBr w="12700" cmpd="sng">
+                      <a:noFill/>
+                      <a:prstDash val="solid"/>
+                    </a:lnTlToBr>
+                    <a:lnBlToTr w="12700" cmpd="sng">
+                      <a:noFill/>
+                      <a:prstDash val="solid"/>
+                    </a:lnBlToTr>
+                  </a:tcPr>
+                </a:tc>
+                <a:tc>
+                  <a:txBody>
+                    <a:bodyPr/>
+                    <a:lstStyle/>
+                    <a:p>
+                      <a:pPr marL="0" marR="0" lvl="0" indent="0" algn="l" defTabSz="914400" rtl="0" eaLnBrk="1" fontAlgn="auto" latinLnBrk="0" hangingPunct="1">
+                        <a:lnSpc>
+                          <a:spcPct val="100000"/>
+                        </a:lnSpc>
+                        <a:spcBef>
+                          <a:spcPts val="0"/>
+                        </a:spcBef>
+                        <a:spcAft>
+                          <a:spcPts val="0"/>
+                        </a:spcAft>
+                        <a:buClrTx/>
+                        <a:buSzTx/>
+                        <a:buFontTx/>
+                        <a:buNone/>
+                        <a:tabLst/>
+                        <a:defRPr/>
+                      </a:pPr>
+                      <a:r>
+                        <a:rPr lang="en-US" sz="1200" dirty="0" smtClean="0"/>
+                        <a:t>Sasha/ Rhythima check/</a:t>
+                      </a:r>
+                      <a:r>
+                        <a:rPr lang="en-US" sz="1200" baseline="0" dirty="0" smtClean="0"/>
+                        <a:t> discuss results </a:t>
+                      </a:r>
+                      <a:endParaRPr lang="en-US" sz="1200" dirty="0"/>
+                    </a:p>
+                  </a:txBody>
+                  <a:tcPr>
+                    <a:lnL w="12700" cmpd="sng">
+                      <a:noFill/>
+                    </a:lnL>
+                    <a:lnR w="12700" cmpd="sng">
+                      <a:noFill/>
+                    </a:lnR>
+                    <a:lnT w="12700" cap="flat" cmpd="sng" algn="ctr">
+                      <a:solidFill>
+                        <a:schemeClr val="tx1"/>
+                      </a:solidFill>
+                      <a:prstDash val="solid"/>
+                      <a:round/>
+                      <a:headEnd type="none" w="med" len="med"/>
+                      <a:tailEnd type="none" w="med" len="med"/>
+                    </a:lnT>
+                    <a:lnB w="12700" cap="flat" cmpd="sng" algn="ctr">
+                      <a:noFill/>
+                      <a:prstDash val="solid"/>
+                      <a:round/>
+                      <a:headEnd type="none" w="med" len="med"/>
+                      <a:tailEnd type="none" w="med" len="med"/>
+                    </a:lnB>
+                    <a:lnTlToBr w="12700" cmpd="sng">
+                      <a:noFill/>
+                      <a:prstDash val="solid"/>
+                    </a:lnTlToBr>
+                    <a:lnBlToTr w="12700" cmpd="sng">
+                      <a:noFill/>
+                      <a:prstDash val="solid"/>
+                    </a:lnBlToTr>
+                  </a:tcPr>
+                </a:tc>
+                <a:extLst>
+                  <a:ext uri="{0D108BD9-81ED-4DB2-BD59-A6C34878D82A}">
+                    <a16:rowId xmlns:a16="http://schemas.microsoft.com/office/drawing/2014/main" val="573180032"/>
+                  </a:ext>
+                </a:extLst>
+              </a:tr>
+              <a:tr h="370840">
+                <a:tc>
+                  <a:txBody>
+                    <a:bodyPr/>
+                    <a:lstStyle/>
+                    <a:p>
+                      <a:r>
+                        <a:rPr lang="en-US" sz="1200" dirty="0" smtClean="0"/>
+                        <a:t>13 Dec</a:t>
+                      </a:r>
+                      <a:endParaRPr lang="en-US" sz="1200" dirty="0"/>
+                    </a:p>
+                  </a:txBody>
+                  <a:tcPr>
+                    <a:lnL w="12700" cmpd="sng">
+                      <a:noFill/>
+                    </a:lnL>
+                    <a:lnR w="12700" cmpd="sng">
+                      <a:noFill/>
+                    </a:lnR>
+                    <a:lnT w="12700" cap="flat" cmpd="sng" algn="ctr">
+                      <a:noFill/>
+                      <a:prstDash val="solid"/>
+                      <a:round/>
+                      <a:headEnd type="none" w="med" len="med"/>
+                      <a:tailEnd type="none" w="med" len="med"/>
+                    </a:lnT>
+                    <a:lnB w="12700" cap="flat" cmpd="sng" algn="ctr">
+                      <a:noFill/>
+                      <a:prstDash val="solid"/>
+                      <a:round/>
+                      <a:headEnd type="none" w="med" len="med"/>
+                      <a:tailEnd type="none" w="med" len="med"/>
+                    </a:lnB>
+                    <a:lnTlToBr w="12700" cmpd="sng">
+                      <a:noFill/>
+                      <a:prstDash val="solid"/>
+                    </a:lnTlToBr>
+                    <a:lnBlToTr w="12700" cmpd="sng">
+                      <a:noFill/>
+                      <a:prstDash val="solid"/>
+                    </a:lnBlToTr>
+                  </a:tcPr>
+                </a:tc>
+                <a:tc>
+                  <a:txBody>
+                    <a:bodyPr/>
+                    <a:lstStyle/>
+                    <a:p>
+                      <a:r>
+                        <a:rPr lang="en-US" sz="1200" dirty="0" smtClean="0"/>
+                        <a:t>Section 5.1 U values writing</a:t>
+                      </a:r>
+                      <a:endParaRPr lang="en-US" sz="1200" dirty="0"/>
+                    </a:p>
+                  </a:txBody>
+                  <a:tcPr>
+                    <a:lnL w="12700" cmpd="sng">
+                      <a:noFill/>
+                    </a:lnL>
+                    <a:lnR w="12700" cmpd="sng">
+                      <a:noFill/>
+                    </a:lnR>
+                    <a:lnT w="12700" cap="flat" cmpd="sng" algn="ctr">
+                      <a:noFill/>
+                      <a:prstDash val="solid"/>
+                      <a:round/>
+                      <a:headEnd type="none" w="med" len="med"/>
+                      <a:tailEnd type="none" w="med" len="med"/>
+                    </a:lnT>
+                    <a:lnB w="12700" cap="flat" cmpd="sng" algn="ctr">
+                      <a:noFill/>
+                      <a:prstDash val="solid"/>
+                      <a:round/>
+                      <a:headEnd type="none" w="med" len="med"/>
+                      <a:tailEnd type="none" w="med" len="med"/>
+                    </a:lnB>
+                    <a:lnTlToBr w="12700" cmpd="sng">
+                      <a:noFill/>
+                      <a:prstDash val="solid"/>
+                    </a:lnTlToBr>
+                    <a:lnBlToTr w="12700" cmpd="sng">
+                      <a:noFill/>
+                      <a:prstDash val="solid"/>
+                    </a:lnBlToTr>
+                  </a:tcPr>
+                </a:tc>
+                <a:tc>
+                  <a:txBody>
+                    <a:bodyPr/>
+                    <a:lstStyle/>
+                    <a:p>
+                      <a:r>
+                        <a:rPr lang="en-US" sz="1200" dirty="0" smtClean="0"/>
+                        <a:t>Send</a:t>
+                      </a:r>
+                      <a:r>
+                        <a:rPr lang="en-US" sz="1200" baseline="0" dirty="0" smtClean="0"/>
+                        <a:t> Steffi Results (and explanation)</a:t>
+                      </a:r>
+                      <a:endParaRPr lang="en-US" sz="1200" dirty="0"/>
+                    </a:p>
+                  </a:txBody>
+                  <a:tcPr>
+                    <a:lnL w="12700" cmpd="sng">
+                      <a:noFill/>
+                    </a:lnL>
+                    <a:lnR w="12700" cmpd="sng">
+                      <a:noFill/>
+                    </a:lnR>
+                    <a:lnT w="12700" cap="flat" cmpd="sng" algn="ctr">
+                      <a:noFill/>
+                      <a:prstDash val="solid"/>
+                      <a:round/>
+                      <a:headEnd type="none" w="med" len="med"/>
+                      <a:tailEnd type="none" w="med" len="med"/>
+                    </a:lnT>
+                    <a:lnB w="12700" cap="flat" cmpd="sng" algn="ctr">
+                      <a:noFill/>
+                      <a:prstDash val="solid"/>
+                      <a:round/>
+                      <a:headEnd type="none" w="med" len="med"/>
+                      <a:tailEnd type="none" w="med" len="med"/>
+                    </a:lnB>
+                    <a:lnTlToBr w="12700" cmpd="sng">
+                      <a:noFill/>
+                      <a:prstDash val="solid"/>
+                    </a:lnTlToBr>
+                    <a:lnBlToTr w="12700" cmpd="sng">
+                      <a:noFill/>
+                      <a:prstDash val="solid"/>
+                    </a:lnBlToTr>
+                  </a:tcPr>
+                </a:tc>
+                <a:extLst>
+                  <a:ext uri="{0D108BD9-81ED-4DB2-BD59-A6C34878D82A}">
+                    <a16:rowId xmlns:a16="http://schemas.microsoft.com/office/drawing/2014/main" val="2140375721"/>
+                  </a:ext>
+                </a:extLst>
+              </a:tr>
+              <a:tr h="370840">
+                <a:tc>
+                  <a:txBody>
+                    <a:bodyPr/>
+                    <a:lstStyle/>
+                    <a:p>
+                      <a:r>
+                        <a:rPr lang="en-US" sz="1200" dirty="0" smtClean="0"/>
+                        <a:t>14 Dec</a:t>
+                      </a:r>
+                      <a:endParaRPr lang="en-US" sz="1200" dirty="0"/>
+                    </a:p>
+                  </a:txBody>
+                  <a:tcPr>
+                    <a:lnL w="12700" cmpd="sng">
+                      <a:noFill/>
+                    </a:lnL>
+                    <a:lnR w="12700" cmpd="sng">
+                      <a:noFill/>
+                    </a:lnR>
+                    <a:lnT w="12700" cap="flat" cmpd="sng" algn="ctr">
+                      <a:noFill/>
+                      <a:prstDash val="solid"/>
+                      <a:round/>
+                      <a:headEnd type="none" w="med" len="med"/>
+                      <a:tailEnd type="none" w="med" len="med"/>
+                    </a:lnT>
+                    <a:lnB w="12700" cap="flat" cmpd="sng" algn="ctr">
+                      <a:noFill/>
+                      <a:prstDash val="solid"/>
+                      <a:round/>
+                      <a:headEnd type="none" w="med" len="med"/>
+                      <a:tailEnd type="none" w="med" len="med"/>
+                    </a:lnB>
+                    <a:lnTlToBr w="12700" cmpd="sng">
+                      <a:noFill/>
+                      <a:prstDash val="solid"/>
+                    </a:lnTlToBr>
+                    <a:lnBlToTr w="12700" cmpd="sng">
+                      <a:noFill/>
+                      <a:prstDash val="solid"/>
+                    </a:lnBlToTr>
+                  </a:tcPr>
+                </a:tc>
+                <a:tc>
+                  <a:txBody>
+                    <a:bodyPr/>
+                    <a:lstStyle/>
+                    <a:p>
+                      <a:pPr marL="0" marR="0" lvl="0" indent="0" algn="l" defTabSz="914400" rtl="0" eaLnBrk="1" fontAlgn="auto" latinLnBrk="0" hangingPunct="1">
+                        <a:lnSpc>
+                          <a:spcPct val="100000"/>
+                        </a:lnSpc>
+                        <a:spcBef>
+                          <a:spcPts val="0"/>
+                        </a:spcBef>
+                        <a:spcAft>
+                          <a:spcPts val="0"/>
+                        </a:spcAft>
+                        <a:buClrTx/>
+                        <a:buSzTx/>
+                        <a:buFontTx/>
+                        <a:buNone/>
+                        <a:tabLst/>
+                        <a:defRPr/>
+                      </a:pPr>
+                      <a:r>
+                        <a:rPr lang="en-US" sz="1200" baseline="0" dirty="0" smtClean="0"/>
+                        <a:t>Section 5.2 Heating demand writing</a:t>
+                      </a:r>
+                    </a:p>
+                  </a:txBody>
+                  <a:tcPr>
+                    <a:lnL w="12700" cmpd="sng">
+                      <a:noFill/>
+                    </a:lnL>
+                    <a:lnR w="12700" cmpd="sng">
+                      <a:noFill/>
+                    </a:lnR>
+                    <a:lnT w="12700" cap="flat" cmpd="sng" algn="ctr">
+                      <a:noFill/>
+                      <a:prstDash val="solid"/>
+                      <a:round/>
+                      <a:headEnd type="none" w="med" len="med"/>
+                      <a:tailEnd type="none" w="med" len="med"/>
+                    </a:lnT>
+                    <a:lnB w="12700" cap="flat" cmpd="sng" algn="ctr">
+                      <a:noFill/>
+                      <a:prstDash val="solid"/>
+                      <a:round/>
+                      <a:headEnd type="none" w="med" len="med"/>
+                      <a:tailEnd type="none" w="med" len="med"/>
+                    </a:lnB>
+                    <a:lnTlToBr w="12700" cmpd="sng">
+                      <a:noFill/>
+                      <a:prstDash val="solid"/>
+                    </a:lnTlToBr>
+                    <a:lnBlToTr w="12700" cmpd="sng">
+                      <a:noFill/>
+                      <a:prstDash val="solid"/>
+                    </a:lnBlToTr>
+                  </a:tcPr>
+                </a:tc>
+                <a:tc>
+                  <a:txBody>
+                    <a:bodyPr/>
+                    <a:lstStyle/>
+                    <a:p>
+                      <a:r>
+                        <a:rPr lang="en-US" sz="1200" dirty="0" smtClean="0"/>
+                        <a:t>Section 5.1+5.2 review</a:t>
+                      </a:r>
+                      <a:endParaRPr lang="en-US" dirty="0"/>
+                    </a:p>
+                  </a:txBody>
+                  <a:tcPr>
+                    <a:lnL w="12700" cmpd="sng">
+                      <a:noFill/>
+                    </a:lnL>
+                    <a:lnR w="12700" cmpd="sng">
+                      <a:noFill/>
+                    </a:lnR>
+                    <a:lnT w="12700" cap="flat" cmpd="sng" algn="ctr">
+                      <a:noFill/>
+                      <a:prstDash val="solid"/>
+                      <a:round/>
+                      <a:headEnd type="none" w="med" len="med"/>
+                      <a:tailEnd type="none" w="med" len="med"/>
+                    </a:lnT>
+                    <a:lnB w="12700" cap="flat" cmpd="sng" algn="ctr">
+                      <a:noFill/>
+                      <a:prstDash val="solid"/>
+                      <a:round/>
+                      <a:headEnd type="none" w="med" len="med"/>
+                      <a:tailEnd type="none" w="med" len="med"/>
+                    </a:lnB>
+                    <a:lnTlToBr w="12700" cmpd="sng">
+                      <a:noFill/>
+                      <a:prstDash val="solid"/>
+                    </a:lnTlToBr>
+                    <a:lnBlToTr w="12700" cmpd="sng">
+                      <a:noFill/>
+                      <a:prstDash val="solid"/>
+                    </a:lnBlToTr>
+                  </a:tcPr>
+                </a:tc>
+                <a:extLst>
+                  <a:ext uri="{0D108BD9-81ED-4DB2-BD59-A6C34878D82A}">
+                    <a16:rowId xmlns:a16="http://schemas.microsoft.com/office/drawing/2014/main" val="3023164222"/>
+                  </a:ext>
+                </a:extLst>
+              </a:tr>
+              <a:tr h="370840">
+                <a:tc>
+                  <a:txBody>
+                    <a:bodyPr/>
+                    <a:lstStyle/>
+                    <a:p>
+                      <a:r>
+                        <a:rPr lang="en-US" sz="1200" dirty="0" smtClean="0"/>
+                        <a:t>15 Dec</a:t>
+                      </a:r>
+                      <a:endParaRPr lang="en-US" sz="1200" dirty="0"/>
+                    </a:p>
+                  </a:txBody>
+                  <a:tcPr>
+                    <a:lnL w="12700" cmpd="sng">
+                      <a:noFill/>
+                    </a:lnL>
+                    <a:lnR w="12700" cmpd="sng">
+                      <a:noFill/>
+                    </a:lnR>
+                    <a:lnT w="12700" cap="flat" cmpd="sng" algn="ctr">
+                      <a:noFill/>
+                      <a:prstDash val="solid"/>
+                      <a:round/>
+                      <a:headEnd type="none" w="med" len="med"/>
+                      <a:tailEnd type="none" w="med" len="med"/>
+                    </a:lnT>
+                    <a:lnB w="12700" cap="flat" cmpd="sng" algn="ctr">
+                      <a:noFill/>
+                      <a:prstDash val="solid"/>
+                      <a:round/>
+                      <a:headEnd type="none" w="med" len="med"/>
+                      <a:tailEnd type="none" w="med" len="med"/>
+                    </a:lnB>
+                    <a:lnTlToBr w="12700" cmpd="sng">
+                      <a:noFill/>
+                      <a:prstDash val="solid"/>
+                    </a:lnTlToBr>
+                    <a:lnBlToTr w="12700" cmpd="sng">
+                      <a:noFill/>
+                      <a:prstDash val="solid"/>
+                    </a:lnBlToTr>
+                  </a:tcPr>
+                </a:tc>
+                <a:tc>
+                  <a:txBody>
+                    <a:bodyPr/>
+                    <a:lstStyle/>
+                    <a:p>
+                      <a:pPr marL="0" marR="0" lvl="0" indent="0" algn="l" defTabSz="914400" rtl="0" eaLnBrk="1" fontAlgn="auto" latinLnBrk="0" hangingPunct="1">
+                        <a:lnSpc>
+                          <a:spcPct val="100000"/>
+                        </a:lnSpc>
+                        <a:spcBef>
+                          <a:spcPts val="0"/>
+                        </a:spcBef>
+                        <a:spcAft>
+                          <a:spcPts val="0"/>
+                        </a:spcAft>
+                        <a:buClrTx/>
+                        <a:buSzTx/>
+                        <a:buFontTx/>
+                        <a:buNone/>
+                        <a:tabLst/>
+                        <a:defRPr/>
+                      </a:pPr>
+                      <a:r>
+                        <a:rPr lang="en-US" sz="1200" baseline="0" dirty="0" smtClean="0"/>
+                        <a:t>Section 5.3 LCA</a:t>
+                      </a:r>
+                      <a:endParaRPr lang="en-US" sz="1200" dirty="0" smtClean="0"/>
+                    </a:p>
+                  </a:txBody>
+                  <a:tcPr>
+                    <a:lnL w="12700" cmpd="sng">
+                      <a:noFill/>
+                    </a:lnL>
+                    <a:lnR w="12700" cmpd="sng">
+                      <a:noFill/>
+                    </a:lnR>
+                    <a:lnT w="12700" cap="flat" cmpd="sng" algn="ctr">
+                      <a:noFill/>
+                      <a:prstDash val="solid"/>
+                      <a:round/>
+                      <a:headEnd type="none" w="med" len="med"/>
+                      <a:tailEnd type="none" w="med" len="med"/>
+                    </a:lnT>
+                    <a:lnB w="12700" cap="flat" cmpd="sng" algn="ctr">
+                      <a:noFill/>
+                      <a:prstDash val="solid"/>
+                      <a:round/>
+                      <a:headEnd type="none" w="med" len="med"/>
+                      <a:tailEnd type="none" w="med" len="med"/>
+                    </a:lnB>
+                    <a:lnTlToBr w="12700" cmpd="sng">
+                      <a:noFill/>
+                      <a:prstDash val="solid"/>
+                    </a:lnTlToBr>
+                    <a:lnBlToTr w="12700" cmpd="sng">
+                      <a:noFill/>
+                      <a:prstDash val="solid"/>
+                    </a:lnBlToTr>
+                  </a:tcPr>
+                </a:tc>
+                <a:tc>
+                  <a:txBody>
+                    <a:bodyPr/>
+                    <a:lstStyle/>
+                    <a:p>
+                      <a:r>
+                        <a:rPr lang="en-US" sz="1200" dirty="0" smtClean="0"/>
+                        <a:t>Section 5.3 review</a:t>
+                      </a:r>
+                      <a:endParaRPr lang="en-US" sz="1200" dirty="0"/>
+                    </a:p>
+                  </a:txBody>
+                  <a:tcPr>
+                    <a:lnL w="12700" cmpd="sng">
+                      <a:noFill/>
+                    </a:lnL>
+                    <a:lnR w="12700" cmpd="sng">
+                      <a:noFill/>
+                    </a:lnR>
+                    <a:lnT w="12700" cap="flat" cmpd="sng" algn="ctr">
+                      <a:noFill/>
+                      <a:prstDash val="solid"/>
+                      <a:round/>
+                      <a:headEnd type="none" w="med" len="med"/>
+                      <a:tailEnd type="none" w="med" len="med"/>
+                    </a:lnT>
+                    <a:lnB w="12700" cap="flat" cmpd="sng" algn="ctr">
+                      <a:noFill/>
+                      <a:prstDash val="solid"/>
+                      <a:round/>
+                      <a:headEnd type="none" w="med" len="med"/>
+                      <a:tailEnd type="none" w="med" len="med"/>
+                    </a:lnB>
+                    <a:lnTlToBr w="12700" cmpd="sng">
+                      <a:noFill/>
+                      <a:prstDash val="solid"/>
+                    </a:lnTlToBr>
+                    <a:lnBlToTr w="12700" cmpd="sng">
+                      <a:noFill/>
+                      <a:prstDash val="solid"/>
+                    </a:lnBlToTr>
+                  </a:tcPr>
+                </a:tc>
+                <a:extLst>
+                  <a:ext uri="{0D108BD9-81ED-4DB2-BD59-A6C34878D82A}">
+                    <a16:rowId xmlns:a16="http://schemas.microsoft.com/office/drawing/2014/main" val="103593149"/>
+                  </a:ext>
+                </a:extLst>
+              </a:tr>
+              <a:tr h="370840">
+                <a:tc>
+                  <a:txBody>
+                    <a:bodyPr/>
+                    <a:lstStyle/>
+                    <a:p>
+                      <a:r>
+                        <a:rPr lang="en-US" sz="1200" dirty="0" smtClean="0"/>
+                        <a:t>16 Dec</a:t>
+                      </a:r>
+                      <a:endParaRPr lang="en-US" sz="1200" dirty="0"/>
+                    </a:p>
+                  </a:txBody>
+                  <a:tcPr>
+                    <a:lnL w="12700" cmpd="sng">
+                      <a:noFill/>
+                    </a:lnL>
+                    <a:lnR w="12700" cmpd="sng">
+                      <a:noFill/>
+                    </a:lnR>
+                    <a:lnT w="12700" cap="flat" cmpd="sng" algn="ctr">
+                      <a:noFill/>
+                      <a:prstDash val="solid"/>
+                      <a:round/>
+                      <a:headEnd type="none" w="med" len="med"/>
+                      <a:tailEnd type="none" w="med" len="med"/>
+                    </a:lnT>
+                    <a:lnB w="12700" cap="flat" cmpd="sng" algn="ctr">
+                      <a:noFill/>
+                      <a:prstDash val="solid"/>
+                      <a:round/>
+                      <a:headEnd type="none" w="med" len="med"/>
+                      <a:tailEnd type="none" w="med" len="med"/>
+                    </a:lnB>
+                    <a:lnTlToBr w="12700" cmpd="sng">
+                      <a:noFill/>
+                      <a:prstDash val="solid"/>
+                    </a:lnTlToBr>
+                    <a:lnBlToTr w="12700" cmpd="sng">
+                      <a:noFill/>
+                      <a:prstDash val="solid"/>
+                    </a:lnBlToTr>
+                  </a:tcPr>
+                </a:tc>
+                <a:tc>
+                  <a:txBody>
+                    <a:bodyPr/>
+                    <a:lstStyle/>
+                    <a:p>
+                      <a:pPr marL="0" marR="0" lvl="0" indent="0" algn="l" defTabSz="914400" rtl="0" eaLnBrk="1" fontAlgn="auto" latinLnBrk="0" hangingPunct="1">
+                        <a:lnSpc>
+                          <a:spcPct val="100000"/>
+                        </a:lnSpc>
+                        <a:spcBef>
+                          <a:spcPts val="0"/>
+                        </a:spcBef>
+                        <a:spcAft>
+                          <a:spcPts val="0"/>
+                        </a:spcAft>
+                        <a:buClrTx/>
+                        <a:buSzTx/>
+                        <a:buFontTx/>
+                        <a:buNone/>
+                        <a:tabLst/>
+                        <a:defRPr/>
+                      </a:pPr>
+                      <a:r>
+                        <a:rPr lang="en-US" sz="1200" baseline="0" dirty="0" smtClean="0"/>
+                        <a:t>Section 5.4 Scenarios</a:t>
+                      </a:r>
+                    </a:p>
+                    <a:p>
+                      <a:pPr marL="0" marR="0" lvl="0" indent="0" algn="l" defTabSz="914400" rtl="0" eaLnBrk="1" fontAlgn="auto" latinLnBrk="0" hangingPunct="1">
+                        <a:lnSpc>
+                          <a:spcPct val="100000"/>
+                        </a:lnSpc>
+                        <a:spcBef>
+                          <a:spcPts val="0"/>
+                        </a:spcBef>
+                        <a:spcAft>
+                          <a:spcPts val="0"/>
+                        </a:spcAft>
+                        <a:buClrTx/>
+                        <a:buSzTx/>
+                        <a:buFontTx/>
+                        <a:buNone/>
+                        <a:tabLst/>
+                        <a:defRPr/>
+                      </a:pPr>
+                      <a:r>
+                        <a:rPr lang="en-US" sz="1200" baseline="0" dirty="0" smtClean="0"/>
+                        <a:t>Check model scenario setup: Figure 5 , table 2</a:t>
+                      </a:r>
+                      <a:endParaRPr lang="en-US" sz="1200" dirty="0"/>
+                    </a:p>
+                  </a:txBody>
+                  <a:tcPr>
+                    <a:lnL w="12700" cmpd="sng">
+                      <a:noFill/>
+                    </a:lnL>
+                    <a:lnR w="12700" cmpd="sng">
+                      <a:noFill/>
+                    </a:lnR>
+                    <a:lnT w="12700" cap="flat" cmpd="sng" algn="ctr">
+                      <a:noFill/>
+                      <a:prstDash val="solid"/>
+                      <a:round/>
+                      <a:headEnd type="none" w="med" len="med"/>
+                      <a:tailEnd type="none" w="med" len="med"/>
+                    </a:lnT>
+                    <a:lnB w="12700" cap="flat" cmpd="sng" algn="ctr">
+                      <a:noFill/>
+                      <a:prstDash val="solid"/>
+                      <a:round/>
+                      <a:headEnd type="none" w="med" len="med"/>
+                      <a:tailEnd type="none" w="med" len="med"/>
+                    </a:lnB>
+                    <a:lnTlToBr w="12700" cmpd="sng">
+                      <a:noFill/>
+                      <a:prstDash val="solid"/>
+                    </a:lnTlToBr>
+                    <a:lnBlToTr w="12700" cmpd="sng">
+                      <a:noFill/>
+                      <a:prstDash val="solid"/>
+                    </a:lnBlToTr>
+                  </a:tcPr>
+                </a:tc>
+                <a:tc>
+                  <a:txBody>
+                    <a:bodyPr/>
+                    <a:lstStyle/>
+                    <a:p>
+                      <a:r>
+                        <a:rPr lang="en-US" sz="1200" dirty="0" smtClean="0"/>
+                        <a:t>Section 5.4 review</a:t>
+                      </a:r>
+                      <a:endParaRPr lang="en-US" sz="1200" dirty="0"/>
+                    </a:p>
+                  </a:txBody>
+                  <a:tcPr>
+                    <a:lnL w="12700" cmpd="sng">
+                      <a:noFill/>
+                    </a:lnL>
+                    <a:lnR w="12700" cmpd="sng">
+                      <a:noFill/>
+                    </a:lnR>
+                    <a:lnT w="12700" cap="flat" cmpd="sng" algn="ctr">
+                      <a:noFill/>
+                      <a:prstDash val="solid"/>
+                      <a:round/>
+                      <a:headEnd type="none" w="med" len="med"/>
+                      <a:tailEnd type="none" w="med" len="med"/>
+                    </a:lnT>
+                    <a:lnB w="12700" cap="flat" cmpd="sng" algn="ctr">
+                      <a:noFill/>
+                      <a:prstDash val="solid"/>
+                      <a:round/>
+                      <a:headEnd type="none" w="med" len="med"/>
+                      <a:tailEnd type="none" w="med" len="med"/>
+                    </a:lnB>
+                    <a:lnTlToBr w="12700" cmpd="sng">
+                      <a:noFill/>
+                      <a:prstDash val="solid"/>
+                    </a:lnTlToBr>
+                    <a:lnBlToTr w="12700" cmpd="sng">
+                      <a:noFill/>
+                      <a:prstDash val="solid"/>
+                    </a:lnBlToTr>
+                  </a:tcPr>
+                </a:tc>
+                <a:extLst>
+                  <a:ext uri="{0D108BD9-81ED-4DB2-BD59-A6C34878D82A}">
+                    <a16:rowId xmlns:a16="http://schemas.microsoft.com/office/drawing/2014/main" val="2546539871"/>
+                  </a:ext>
+                </a:extLst>
+              </a:tr>
+              <a:tr h="370840">
+                <a:tc>
+                  <a:txBody>
+                    <a:bodyPr/>
+                    <a:lstStyle/>
+                    <a:p>
+                      <a:r>
+                        <a:rPr lang="en-US" sz="1200" dirty="0" smtClean="0"/>
+                        <a:t>17-18 Dec</a:t>
+                      </a:r>
+                      <a:endParaRPr lang="en-US" sz="1200" dirty="0"/>
+                    </a:p>
+                  </a:txBody>
+                  <a:tcPr>
+                    <a:lnL w="12700" cmpd="sng">
+                      <a:noFill/>
+                    </a:lnL>
+                    <a:lnR w="12700" cmpd="sng">
+                      <a:noFill/>
+                    </a:lnR>
+                    <a:lnT w="12700" cap="flat" cmpd="sng" algn="ctr">
+                      <a:noFill/>
+                      <a:prstDash val="solid"/>
+                      <a:round/>
+                      <a:headEnd type="none" w="med" len="med"/>
+                      <a:tailEnd type="none" w="med" len="med"/>
+                    </a:lnT>
+                    <a:lnB w="12700" cap="flat" cmpd="sng" algn="ctr">
+                      <a:solidFill>
+                        <a:schemeClr val="tx1"/>
+                      </a:solidFill>
+                      <a:prstDash val="solid"/>
+                      <a:round/>
+                      <a:headEnd type="none" w="med" len="med"/>
+                      <a:tailEnd type="none" w="med" len="med"/>
+                    </a:lnB>
+                    <a:lnTlToBr w="12700" cmpd="sng">
+                      <a:noFill/>
+                      <a:prstDash val="solid"/>
+                    </a:lnTlToBr>
+                    <a:lnBlToTr w="12700" cmpd="sng">
+                      <a:noFill/>
+                      <a:prstDash val="solid"/>
+                    </a:lnBlToTr>
+                  </a:tcPr>
+                </a:tc>
+                <a:tc>
+                  <a:txBody>
+                    <a:bodyPr/>
+                    <a:lstStyle/>
+                    <a:p>
+                      <a:pPr marL="0" marR="0" lvl="0" indent="0" algn="l" defTabSz="914400" rtl="0" eaLnBrk="1" fontAlgn="auto" latinLnBrk="0" hangingPunct="1">
+                        <a:lnSpc>
+                          <a:spcPct val="100000"/>
+                        </a:lnSpc>
+                        <a:spcBef>
+                          <a:spcPts val="0"/>
+                        </a:spcBef>
+                        <a:spcAft>
+                          <a:spcPts val="0"/>
+                        </a:spcAft>
+                        <a:buClrTx/>
+                        <a:buSzTx/>
+                        <a:buFontTx/>
+                        <a:buNone/>
+                        <a:tabLst/>
+                        <a:defRPr/>
+                      </a:pPr>
+                      <a:r>
+                        <a:rPr lang="en-US" sz="1200" dirty="0" smtClean="0"/>
+                        <a:t>Discussions &amp; Outlook </a:t>
+                      </a:r>
+                      <a:endParaRPr lang="en-US" sz="1200" dirty="0"/>
+                    </a:p>
+                  </a:txBody>
+                  <a:tcPr>
+                    <a:lnL w="12700" cmpd="sng">
+                      <a:noFill/>
+                    </a:lnL>
+                    <a:lnR w="12700" cmpd="sng">
+                      <a:noFill/>
+                    </a:lnR>
+                    <a:lnT w="12700" cap="flat" cmpd="sng" algn="ctr">
+                      <a:noFill/>
+                      <a:prstDash val="solid"/>
+                      <a:round/>
+                      <a:headEnd type="none" w="med" len="med"/>
+                      <a:tailEnd type="none" w="med" len="med"/>
+                    </a:lnT>
+                    <a:lnB w="12700" cap="flat" cmpd="sng" algn="ctr">
+                      <a:solidFill>
+                        <a:schemeClr val="tx1"/>
+                      </a:solidFill>
+                      <a:prstDash val="solid"/>
+                      <a:round/>
+                      <a:headEnd type="none" w="med" len="med"/>
+                      <a:tailEnd type="none" w="med" len="med"/>
+                    </a:lnB>
+                    <a:lnTlToBr w="12700" cmpd="sng">
+                      <a:noFill/>
+                      <a:prstDash val="solid"/>
+                    </a:lnTlToBr>
+                    <a:lnBlToTr w="12700" cmpd="sng">
+                      <a:noFill/>
+                      <a:prstDash val="solid"/>
+                    </a:lnBlToTr>
+                  </a:tcPr>
+                </a:tc>
+                <a:tc>
+                  <a:txBody>
+                    <a:bodyPr/>
+                    <a:lstStyle/>
+                    <a:p>
+                      <a:r>
+                        <a:rPr lang="en-US" sz="1200" dirty="0" smtClean="0"/>
+                        <a:t>Conclusion</a:t>
+                      </a:r>
+                    </a:p>
+                    <a:p>
+                      <a:r>
+                        <a:rPr lang="en-US" sz="1200" baseline="0" dirty="0" smtClean="0"/>
+                        <a:t>Abstract</a:t>
+                      </a:r>
+                      <a:endParaRPr lang="en-US" dirty="0"/>
+                    </a:p>
+                  </a:txBody>
+                  <a:tcPr>
+                    <a:lnL w="12700" cmpd="sng">
+                      <a:noFill/>
+                    </a:lnL>
+                    <a:lnR w="12700" cmpd="sng">
+                      <a:noFill/>
+                    </a:lnR>
+                    <a:lnT w="12700" cap="flat" cmpd="sng" algn="ctr">
+                      <a:noFill/>
+                      <a:prstDash val="solid"/>
+                      <a:round/>
+                      <a:headEnd type="none" w="med" len="med"/>
+                      <a:tailEnd type="none" w="med" len="med"/>
+                    </a:lnT>
+                    <a:lnB w="12700" cap="flat" cmpd="sng" algn="ctr">
+                      <a:solidFill>
+                        <a:schemeClr val="tx1"/>
+                      </a:solidFill>
+                      <a:prstDash val="solid"/>
+                      <a:round/>
+                      <a:headEnd type="none" w="med" len="med"/>
+                      <a:tailEnd type="none" w="med" len="med"/>
+                    </a:lnB>
+                    <a:lnTlToBr w="12700" cmpd="sng">
+                      <a:noFill/>
+                      <a:prstDash val="solid"/>
+                    </a:lnTlToBr>
+                    <a:lnBlToTr w="12700" cmpd="sng">
+                      <a:noFill/>
+                      <a:prstDash val="solid"/>
+                    </a:lnBlToTr>
+                  </a:tcPr>
+                </a:tc>
+                <a:extLst>
+                  <a:ext uri="{0D108BD9-81ED-4DB2-BD59-A6C34878D82A}">
+                    <a16:rowId xmlns:a16="http://schemas.microsoft.com/office/drawing/2014/main" val="3254908403"/>
+                  </a:ext>
+                </a:extLst>
+              </a:tr>
+            </a:tbl>
+          </a:graphicData>
+        </a:graphic>
+      </p:graphicFrame>
+      <p:sp>
+        <p:nvSpPr>
+          <p:cNvPr id="3" name="Date Placeholder 2"/>
+          <p:cNvSpPr>
+            <a:spLocks noGrp="1"/>
+          </p:cNvSpPr>
+          <p:nvPr>
+            <p:ph type="dt" sz="half" idx="10"/>
+          </p:nvPr>
+        </p:nvSpPr>
+        <p:spPr/>
+        <p:txBody>
+          <a:bodyPr/>
+          <a:lstStyle/>
+          <a:p>
+            <a:fld id="{FF15E650-2C9B-4E22-B544-79A90AB3DDC1}" type="datetime1">
+              <a:rPr lang="de-DE" smtClean="0"/>
+              <a:t>09.12.2022</a:t>
+            </a:fld>
+            <a:endParaRPr lang="de-DE"/>
+          </a:p>
+        </p:txBody>
+      </p:sp>
+      <p:sp>
+        <p:nvSpPr>
+          <p:cNvPr id="4" name="Footer Placeholder 3"/>
+          <p:cNvSpPr>
+            <a:spLocks noGrp="1"/>
+          </p:cNvSpPr>
+          <p:nvPr>
+            <p:ph type="ftr" sz="quarter" idx="11"/>
+          </p:nvPr>
+        </p:nvSpPr>
+        <p:spPr/>
+        <p:txBody>
+          <a:bodyPr/>
+          <a:lstStyle/>
+          <a:p>
+            <a:r>
+              <a:rPr lang="de-DE" smtClean="0"/>
+              <a:t>Shinde, Rhythima</a:t>
+            </a:r>
+            <a:endParaRPr lang="de-DE"/>
+          </a:p>
+        </p:txBody>
+      </p:sp>
+      <p:sp>
+        <p:nvSpPr>
+          <p:cNvPr id="5" name="Slide Number Placeholder 4"/>
+          <p:cNvSpPr>
+            <a:spLocks noGrp="1"/>
+          </p:cNvSpPr>
+          <p:nvPr>
+            <p:ph type="sldNum" sz="quarter" idx="12"/>
+          </p:nvPr>
+        </p:nvSpPr>
+        <p:spPr/>
+        <p:txBody>
+          <a:bodyPr/>
+          <a:lstStyle/>
+          <a:p>
+            <a:fld id="{6C6AE60A-B69C-4790-82F7-3882EDF23186}" type="slidenum">
+              <a:rPr lang="de-DE" smtClean="0"/>
+              <a:t>3</a:t>
+            </a:fld>
+            <a:endParaRPr lang="de-DE"/>
+          </a:p>
+        </p:txBody>
+      </p:sp>
+      <p:sp>
+        <p:nvSpPr>
+          <p:cNvPr id="6" name="Title 5"/>
+          <p:cNvSpPr>
+            <a:spLocks noGrp="1"/>
+          </p:cNvSpPr>
+          <p:nvPr>
+            <p:ph type="title"/>
+          </p:nvPr>
+        </p:nvSpPr>
+        <p:spPr/>
+        <p:txBody>
+          <a:bodyPr/>
+          <a:lstStyle/>
+          <a:p>
+            <a:r>
+              <a:rPr lang="en-US" dirty="0" smtClean="0"/>
+              <a:t>Timeline – Results</a:t>
+            </a:r>
+            <a:endParaRPr lang="en-US" dirty="0"/>
+          </a:p>
+        </p:txBody>
+      </p:sp>
+    </p:spTree>
+    <p:extLst>
+      <p:ext uri="{BB962C8B-B14F-4D97-AF65-F5344CB8AC3E}">
+        <p14:creationId xmlns:p14="http://schemas.microsoft.com/office/powerpoint/2010/main" val="2329156814"/>
+      </p:ext>
+    </p:extLst>
+  </p:cSld>
+  <p:clrMapOvr>
+    <a:masterClrMapping/>
+  </p:clrMapOvr>
+  <p:transition>
+    <p:fade/>
+  </p:transition>
+</p:sld>
+</file>
+
+<file path=ppt/slides/slide4.xml><?xml version="1.0" encoding="utf-8"?>
+<p:sld xmlns:a="http://schemas.openxmlformats.org/drawingml/2006/main" xmlns:r="http://schemas.openxmlformats.org/officeDocument/2006/relationships" xmlns:p="http://schemas.openxmlformats.org/presentationml/2006/main">
+  <p:cSld>
+    <p:spTree>
+      <p:nvGrpSpPr>
+        <p:cNvPr id="1" name=""/>
+        <p:cNvGrpSpPr/>
+        <p:nvPr/>
+      </p:nvGrpSpPr>
+      <p:grpSpPr>
+        <a:xfrm>
+          <a:off x="0" y="0"/>
+          <a:ext cx="0" cy="0"/>
+          <a:chOff x="0" y="0"/>
+          <a:chExt cx="0" cy="0"/>
+        </a:xfrm>
+      </p:grpSpPr>
+      <p:sp>
+        <p:nvSpPr>
+          <p:cNvPr id="2" name="Content Placeholder 1"/>
+          <p:cNvSpPr>
+            <a:spLocks noGrp="1"/>
+          </p:cNvSpPr>
+          <p:nvPr>
+            <p:ph idx="1"/>
+          </p:nvPr>
+        </p:nvSpPr>
+        <p:spPr/>
+        <p:txBody>
+          <a:bodyPr/>
+          <a:lstStyle/>
+          <a:p>
+            <a:pPr marL="0" indent="0">
+              <a:buNone/>
+            </a:pPr>
+            <a:r>
+              <a:rPr lang="en-US" sz="1800" dirty="0" smtClean="0"/>
+              <a:t>Keywords</a:t>
+            </a:r>
+          </a:p>
+          <a:p>
+            <a:r>
+              <a:rPr lang="en-US" sz="1800" dirty="0" smtClean="0"/>
+              <a:t>LCA </a:t>
+            </a:r>
+            <a:r>
+              <a:rPr lang="en-US" sz="1800" dirty="0"/>
+              <a:t>of </a:t>
+            </a:r>
+            <a:r>
+              <a:rPr lang="en-US" sz="1800" dirty="0" smtClean="0"/>
+              <a:t>buildings</a:t>
+            </a:r>
+          </a:p>
+          <a:p>
+            <a:r>
+              <a:rPr lang="en-US" sz="1800" dirty="0" smtClean="0"/>
+              <a:t>User tool</a:t>
+            </a:r>
+          </a:p>
+          <a:p>
+            <a:r>
+              <a:rPr lang="en-US" sz="1800" dirty="0" smtClean="0"/>
+              <a:t>Material data </a:t>
+            </a:r>
+            <a:r>
+              <a:rPr lang="en-US" sz="1800" dirty="0"/>
+              <a:t>integration </a:t>
+            </a:r>
+            <a:endParaRPr lang="en-US" sz="1800" dirty="0" smtClean="0"/>
+          </a:p>
+          <a:p>
+            <a:pPr marL="0" indent="0">
+              <a:buNone/>
+            </a:pPr>
+            <a:r>
+              <a:rPr lang="en-US" sz="1800" dirty="0" smtClean="0"/>
+              <a:t>--------------------</a:t>
+            </a:r>
+          </a:p>
+          <a:p>
+            <a:pPr marL="0" indent="0">
+              <a:buNone/>
+            </a:pPr>
+            <a:r>
+              <a:rPr lang="en-US" sz="1800" dirty="0" smtClean="0"/>
+              <a:t>New</a:t>
+            </a:r>
+          </a:p>
+          <a:p>
+            <a:r>
+              <a:rPr lang="en-US" sz="1800" dirty="0" smtClean="0"/>
+              <a:t>Integration </a:t>
+            </a:r>
+            <a:r>
+              <a:rPr lang="en-US" sz="1800" dirty="0"/>
+              <a:t>of materials </a:t>
+            </a:r>
+            <a:r>
+              <a:rPr lang="en-US" sz="1800" dirty="0" smtClean="0"/>
+              <a:t>in </a:t>
+            </a:r>
+            <a:r>
+              <a:rPr lang="en-US" sz="1800" dirty="0"/>
+              <a:t>operational and embodied building impacts: tool for future renovation </a:t>
+            </a:r>
+            <a:r>
+              <a:rPr lang="en-US" sz="1800" dirty="0" smtClean="0"/>
+              <a:t>scenarios</a:t>
+            </a:r>
+          </a:p>
+          <a:p>
+            <a:r>
+              <a:rPr lang="en-US" sz="1800" dirty="0" smtClean="0"/>
+              <a:t>Integration </a:t>
+            </a:r>
+            <a:r>
+              <a:rPr lang="en-US" sz="1800" dirty="0"/>
+              <a:t>of materials in life cycle assessment (LCA) of </a:t>
+            </a:r>
+            <a:r>
+              <a:rPr lang="en-US" sz="1800" dirty="0" smtClean="0"/>
+              <a:t>buildings</a:t>
+            </a:r>
+            <a:r>
+              <a:rPr lang="en-US" sz="1800" dirty="0"/>
+              <a:t>: tool for future renovation </a:t>
+            </a:r>
+            <a:r>
+              <a:rPr lang="en-US" sz="1800" dirty="0" smtClean="0"/>
+              <a:t>scenarios</a:t>
+            </a:r>
+          </a:p>
+          <a:p>
+            <a:pPr marL="0" indent="0">
+              <a:buNone/>
+            </a:pPr>
+            <a:r>
+              <a:rPr lang="en-US" sz="1800" dirty="0" smtClean="0"/>
+              <a:t>------------------------</a:t>
+            </a:r>
+            <a:endParaRPr lang="en-US" sz="1800" dirty="0"/>
+          </a:p>
+          <a:p>
+            <a:r>
+              <a:rPr lang="en-US" sz="1800" dirty="0"/>
+              <a:t>Old: Combined material-energy building environmental footprint model: assessment of future renovation scenarios</a:t>
+            </a:r>
+          </a:p>
+        </p:txBody>
+      </p:sp>
+      <p:sp>
+        <p:nvSpPr>
+          <p:cNvPr id="3" name="Date Placeholder 2"/>
+          <p:cNvSpPr>
+            <a:spLocks noGrp="1"/>
+          </p:cNvSpPr>
+          <p:nvPr>
+            <p:ph type="dt" sz="half" idx="10"/>
+          </p:nvPr>
+        </p:nvSpPr>
+        <p:spPr/>
+        <p:txBody>
+          <a:bodyPr/>
+          <a:lstStyle/>
+          <a:p>
+            <a:fld id="{FF15E650-2C9B-4E22-B544-79A90AB3DDC1}" type="datetime1">
+              <a:rPr lang="de-DE" smtClean="0"/>
+              <a:t>09.12.2022</a:t>
+            </a:fld>
+            <a:endParaRPr lang="de-DE"/>
+          </a:p>
+        </p:txBody>
+      </p:sp>
+      <p:sp>
+        <p:nvSpPr>
+          <p:cNvPr id="4" name="Footer Placeholder 3"/>
+          <p:cNvSpPr>
+            <a:spLocks noGrp="1"/>
+          </p:cNvSpPr>
+          <p:nvPr>
+            <p:ph type="ftr" sz="quarter" idx="11"/>
+          </p:nvPr>
+        </p:nvSpPr>
+        <p:spPr/>
+        <p:txBody>
+          <a:bodyPr/>
+          <a:lstStyle/>
+          <a:p>
+            <a:r>
+              <a:rPr lang="de-DE" smtClean="0"/>
+              <a:t>Shinde, Rhythima</a:t>
+            </a:r>
+            <a:endParaRPr lang="de-DE"/>
+          </a:p>
+        </p:txBody>
+      </p:sp>
+      <p:sp>
+        <p:nvSpPr>
+          <p:cNvPr id="5" name="Slide Number Placeholder 4"/>
+          <p:cNvSpPr>
+            <a:spLocks noGrp="1"/>
+          </p:cNvSpPr>
+          <p:nvPr>
+            <p:ph type="sldNum" sz="quarter" idx="12"/>
+          </p:nvPr>
+        </p:nvSpPr>
+        <p:spPr/>
+        <p:txBody>
+          <a:bodyPr/>
+          <a:lstStyle/>
+          <a:p>
+            <a:fld id="{6C6AE60A-B69C-4790-82F7-3882EDF23186}" type="slidenum">
+              <a:rPr lang="de-DE" smtClean="0"/>
+              <a:t>4</a:t>
+            </a:fld>
+            <a:endParaRPr lang="de-DE"/>
+          </a:p>
+        </p:txBody>
+      </p:sp>
+      <p:sp>
+        <p:nvSpPr>
+          <p:cNvPr id="6" name="Title 5"/>
+          <p:cNvSpPr>
+            <a:spLocks noGrp="1"/>
+          </p:cNvSpPr>
+          <p:nvPr>
+            <p:ph type="title"/>
+          </p:nvPr>
+        </p:nvSpPr>
+        <p:spPr/>
+        <p:txBody>
+          <a:bodyPr/>
+          <a:lstStyle/>
+          <a:p>
+            <a:r>
+              <a:rPr lang="en-US" dirty="0" smtClean="0"/>
+              <a:t>Title of the paper</a:t>
+            </a:r>
+            <a:endParaRPr lang="en-US" dirty="0"/>
+          </a:p>
+        </p:txBody>
+      </p:sp>
+    </p:spTree>
+    <p:extLst>
+      <p:ext uri="{BB962C8B-B14F-4D97-AF65-F5344CB8AC3E}">
+        <p14:creationId xmlns:p14="http://schemas.microsoft.com/office/powerpoint/2010/main" val="1386422854"/>
+      </p:ext>
+    </p:extLst>
+  </p:cSld>
+  <p:clrMapOvr>
+    <a:masterClrMapping/>
+  </p:clrMapOvr>
+  <p:transition>
+    <p:fade/>
+  </p:transition>
+</p:sld>
+</file>
+
+<file path=ppt/slides/slide5.xml><?xml version="1.0" encoding="utf-8"?>
+<p:sld xmlns:a="http://schemas.openxmlformats.org/drawingml/2006/main" xmlns:r="http://schemas.openxmlformats.org/officeDocument/2006/relationships" xmlns:p="http://schemas.openxmlformats.org/presentationml/2006/main">
+  <p:cSld>
+    <p:spTree>
+      <p:nvGrpSpPr>
+        <p:cNvPr id="1" name=""/>
+        <p:cNvGrpSpPr/>
+        <p:nvPr/>
+      </p:nvGrpSpPr>
+      <p:grpSpPr>
+        <a:xfrm>
+          <a:off x="0" y="0"/>
+          <a:ext cx="0" cy="0"/>
+          <a:chOff x="0" y="0"/>
+          <a:chExt cx="0" cy="0"/>
+        </a:xfrm>
+      </p:grpSpPr>
+      <p:pic>
+        <p:nvPicPr>
+          <p:cNvPr id="16" name="Picture 15"/>
+          <p:cNvPicPr>
+            <a:picLocks noChangeAspect="1"/>
+          </p:cNvPicPr>
+          <p:nvPr/>
+        </p:nvPicPr>
+        <p:blipFill>
+          <a:blip r:embed="rId2"/>
+          <a:stretch>
+            <a:fillRect/>
+          </a:stretch>
+        </p:blipFill>
+        <p:spPr>
+          <a:xfrm>
+            <a:off x="4913269" y="2125907"/>
+            <a:ext cx="2848490" cy="3424970"/>
+          </a:xfrm>
+          <a:prstGeom prst="rect">
+            <a:avLst/>
+          </a:prstGeom>
+        </p:spPr>
+      </p:pic>
+      <p:pic>
+        <p:nvPicPr>
+          <p:cNvPr id="7" name="Content Placeholder 6"/>
+          <p:cNvPicPr>
+            <a:picLocks noGrp="1" noChangeAspect="1"/>
+          </p:cNvPicPr>
+          <p:nvPr>
+            <p:ph idx="1"/>
+          </p:nvPr>
+        </p:nvPicPr>
+        <p:blipFill>
+          <a:blip r:embed="rId3"/>
+          <a:stretch>
+            <a:fillRect/>
+          </a:stretch>
+        </p:blipFill>
+        <p:spPr>
+          <a:xfrm>
+            <a:off x="323850" y="2254227"/>
+            <a:ext cx="2850007" cy="3296650"/>
+          </a:xfrm>
+          <a:prstGeom prst="rect">
+            <a:avLst/>
+          </a:prstGeom>
+        </p:spPr>
+      </p:pic>
+      <p:sp>
+        <p:nvSpPr>
+          <p:cNvPr id="3" name="Date Placeholder 2"/>
+          <p:cNvSpPr>
+            <a:spLocks noGrp="1"/>
+          </p:cNvSpPr>
+          <p:nvPr>
+            <p:ph type="dt" sz="half" idx="10"/>
+          </p:nvPr>
+        </p:nvSpPr>
+        <p:spPr/>
+        <p:txBody>
+          <a:bodyPr/>
+          <a:lstStyle/>
+          <a:p>
+            <a:fld id="{FF15E650-2C9B-4E22-B544-79A90AB3DDC1}" type="datetime1">
+              <a:rPr lang="de-DE" smtClean="0"/>
+              <a:t>09.12.2022</a:t>
+            </a:fld>
+            <a:endParaRPr lang="de-DE"/>
+          </a:p>
+        </p:txBody>
+      </p:sp>
+      <p:sp>
+        <p:nvSpPr>
+          <p:cNvPr id="4" name="Footer Placeholder 3"/>
+          <p:cNvSpPr>
+            <a:spLocks noGrp="1"/>
+          </p:cNvSpPr>
+          <p:nvPr>
+            <p:ph type="ftr" sz="quarter" idx="11"/>
+          </p:nvPr>
+        </p:nvSpPr>
+        <p:spPr/>
+        <p:txBody>
+          <a:bodyPr/>
+          <a:lstStyle/>
+          <a:p>
+            <a:r>
+              <a:rPr lang="de-DE" smtClean="0"/>
+              <a:t>Shinde, Rhythima</a:t>
+            </a:r>
+            <a:endParaRPr lang="de-DE"/>
+          </a:p>
+        </p:txBody>
+      </p:sp>
+      <p:sp>
+        <p:nvSpPr>
+          <p:cNvPr id="5" name="Slide Number Placeholder 4"/>
+          <p:cNvSpPr>
+            <a:spLocks noGrp="1"/>
+          </p:cNvSpPr>
+          <p:nvPr>
+            <p:ph type="sldNum" sz="quarter" idx="12"/>
+          </p:nvPr>
+        </p:nvSpPr>
+        <p:spPr/>
+        <p:txBody>
+          <a:bodyPr/>
+          <a:lstStyle/>
+          <a:p>
+            <a:fld id="{6C6AE60A-B69C-4790-82F7-3882EDF23186}" type="slidenum">
+              <a:rPr lang="de-DE" smtClean="0"/>
+              <a:t>5</a:t>
+            </a:fld>
+            <a:endParaRPr lang="de-DE"/>
+          </a:p>
+        </p:txBody>
+      </p:sp>
+      <p:sp>
+        <p:nvSpPr>
+          <p:cNvPr id="6" name="Title 5"/>
+          <p:cNvSpPr>
+            <a:spLocks noGrp="1"/>
+          </p:cNvSpPr>
+          <p:nvPr>
+            <p:ph type="title"/>
+          </p:nvPr>
+        </p:nvSpPr>
+        <p:spPr/>
+        <p:txBody>
+          <a:bodyPr/>
+          <a:lstStyle/>
+          <a:p>
+            <a:r>
+              <a:rPr lang="en-US" dirty="0"/>
+              <a:t>Paper – Methodology structure</a:t>
+            </a:r>
+          </a:p>
+        </p:txBody>
+      </p:sp>
+      <p:cxnSp>
+        <p:nvCxnSpPr>
+          <p:cNvPr id="8" name="Straight Arrow Connector 7"/>
+          <p:cNvCxnSpPr/>
+          <p:nvPr/>
+        </p:nvCxnSpPr>
+        <p:spPr>
+          <a:xfrm>
+            <a:off x="2063262" y="4144109"/>
+            <a:ext cx="2850007" cy="0"/>
+          </a:xfrm>
+          <a:prstGeom prst="straightConnector1">
+            <a:avLst/>
+          </a:prstGeom>
+          <a:ln w="19050">
+            <a:solidFill>
+              <a:srgbClr val="FF0000"/>
+            </a:solidFill>
+            <a:headEnd type="none" w="med" len="med"/>
+            <a:tailEnd type="triangle"/>
+          </a:ln>
+        </p:spPr>
+        <p:style>
+          <a:lnRef idx="1">
+            <a:schemeClr val="accent1"/>
+          </a:lnRef>
+          <a:fillRef idx="0">
+            <a:schemeClr val="accent1"/>
+          </a:fillRef>
+          <a:effectRef idx="0">
+            <a:schemeClr val="accent1"/>
+          </a:effectRef>
+          <a:fontRef idx="minor">
+            <a:schemeClr val="tx1"/>
+          </a:fontRef>
+        </p:style>
+      </p:cxnSp>
+      <p:cxnSp>
+        <p:nvCxnSpPr>
+          <p:cNvPr id="11" name="Straight Arrow Connector 10"/>
+          <p:cNvCxnSpPr/>
+          <p:nvPr/>
+        </p:nvCxnSpPr>
+        <p:spPr>
+          <a:xfrm flipV="1">
+            <a:off x="2063262" y="4256333"/>
+            <a:ext cx="2850007" cy="895961"/>
+          </a:xfrm>
+          <a:prstGeom prst="straightConnector1">
+            <a:avLst/>
+          </a:prstGeom>
+          <a:ln w="19050">
+            <a:solidFill>
+              <a:srgbClr val="FF0000"/>
+            </a:solidFill>
+            <a:headEnd type="none" w="med" len="med"/>
+            <a:tailEnd type="triangle"/>
+          </a:ln>
+        </p:spPr>
+        <p:style>
+          <a:lnRef idx="1">
+            <a:schemeClr val="accent1"/>
+          </a:lnRef>
+          <a:fillRef idx="0">
+            <a:schemeClr val="accent1"/>
+          </a:fillRef>
+          <a:effectRef idx="0">
+            <a:schemeClr val="accent1"/>
+          </a:effectRef>
+          <a:fontRef idx="minor">
+            <a:schemeClr val="tx1"/>
+          </a:fontRef>
+        </p:style>
+      </p:cxnSp>
+    </p:spTree>
+    <p:extLst>
+      <p:ext uri="{BB962C8B-B14F-4D97-AF65-F5344CB8AC3E}">
+        <p14:creationId xmlns:p14="http://schemas.microsoft.com/office/powerpoint/2010/main" val="110592144"/>
+      </p:ext>
+    </p:extLst>
+  </p:cSld>
+  <p:clrMapOvr>
+    <a:masterClrMapping/>
+  </p:clrMapOvr>
+  <p:transition>
+    <p:fade/>
+  </p:transition>
+</p:sld>
+</file>
+
+<file path=ppt/slides/slide6.xml><?xml version="1.0" encoding="utf-8"?>
+<p:sld xmlns:a="http://schemas.openxmlformats.org/drawingml/2006/main" xmlns:r="http://schemas.openxmlformats.org/officeDocument/2006/relationships" xmlns:p="http://schemas.openxmlformats.org/presentationml/2006/main">
+  <p:cSld>
+    <p:spTree>
+      <p:nvGrpSpPr>
+        <p:cNvPr id="1" name=""/>
+        <p:cNvGrpSpPr/>
+        <p:nvPr/>
+      </p:nvGrpSpPr>
+      <p:grpSpPr>
+        <a:xfrm>
+          <a:off x="0" y="0"/>
+          <a:ext cx="0" cy="0"/>
+          <a:chOff x="0" y="0"/>
+          <a:chExt cx="0" cy="0"/>
+        </a:xfrm>
+      </p:grpSpPr>
+      <p:pic>
+        <p:nvPicPr>
+          <p:cNvPr id="7" name="Content Placeholder 6"/>
+          <p:cNvPicPr>
+            <a:picLocks noGrp="1" noChangeAspect="1"/>
+          </p:cNvPicPr>
+          <p:nvPr>
+            <p:ph idx="1"/>
+          </p:nvPr>
+        </p:nvPicPr>
+        <p:blipFill rotWithShape="1">
+          <a:blip r:embed="rId2"/>
+          <a:srcRect b="39201"/>
+          <a:stretch/>
+        </p:blipFill>
+        <p:spPr>
+          <a:xfrm>
+            <a:off x="159057" y="1911820"/>
+            <a:ext cx="4412943" cy="4077799"/>
+          </a:xfrm>
+          <a:prstGeom prst="rect">
+            <a:avLst/>
+          </a:prstGeom>
+        </p:spPr>
+      </p:pic>
+      <p:sp>
+        <p:nvSpPr>
+          <p:cNvPr id="3" name="Date Placeholder 2"/>
+          <p:cNvSpPr>
+            <a:spLocks noGrp="1"/>
+          </p:cNvSpPr>
+          <p:nvPr>
+            <p:ph type="dt" sz="half" idx="10"/>
+          </p:nvPr>
+        </p:nvSpPr>
+        <p:spPr/>
+        <p:txBody>
+          <a:bodyPr/>
+          <a:lstStyle/>
+          <a:p>
+            <a:fld id="{FF15E650-2C9B-4E22-B544-79A90AB3DDC1}" type="datetime1">
+              <a:rPr lang="de-DE" smtClean="0"/>
+              <a:t>09.12.2022</a:t>
+            </a:fld>
+            <a:endParaRPr lang="de-DE"/>
+          </a:p>
+        </p:txBody>
+      </p:sp>
+      <p:sp>
+        <p:nvSpPr>
+          <p:cNvPr id="4" name="Footer Placeholder 3"/>
+          <p:cNvSpPr>
+            <a:spLocks noGrp="1"/>
+          </p:cNvSpPr>
+          <p:nvPr>
+            <p:ph type="ftr" sz="quarter" idx="11"/>
+          </p:nvPr>
+        </p:nvSpPr>
+        <p:spPr/>
+        <p:txBody>
+          <a:bodyPr/>
+          <a:lstStyle/>
+          <a:p>
+            <a:r>
+              <a:rPr lang="de-DE" smtClean="0"/>
+              <a:t>Shinde, Rhythima</a:t>
+            </a:r>
+            <a:endParaRPr lang="de-DE"/>
+          </a:p>
+        </p:txBody>
+      </p:sp>
+      <p:sp>
+        <p:nvSpPr>
+          <p:cNvPr id="5" name="Slide Number Placeholder 4"/>
+          <p:cNvSpPr>
+            <a:spLocks noGrp="1"/>
+          </p:cNvSpPr>
+          <p:nvPr>
+            <p:ph type="sldNum" sz="quarter" idx="12"/>
+          </p:nvPr>
+        </p:nvSpPr>
+        <p:spPr/>
+        <p:txBody>
+          <a:bodyPr/>
+          <a:lstStyle/>
+          <a:p>
+            <a:fld id="{6C6AE60A-B69C-4790-82F7-3882EDF23186}" type="slidenum">
+              <a:rPr lang="de-DE" smtClean="0"/>
+              <a:t>6</a:t>
+            </a:fld>
+            <a:endParaRPr lang="de-DE"/>
+          </a:p>
+        </p:txBody>
+      </p:sp>
+      <p:sp>
+        <p:nvSpPr>
+          <p:cNvPr id="6" name="Title 5"/>
+          <p:cNvSpPr>
+            <a:spLocks noGrp="1"/>
+          </p:cNvSpPr>
+          <p:nvPr>
+            <p:ph type="title"/>
+          </p:nvPr>
+        </p:nvSpPr>
+        <p:spPr/>
+        <p:txBody>
+          <a:bodyPr/>
+          <a:lstStyle/>
+          <a:p>
+            <a:r>
+              <a:rPr lang="en-US" dirty="0"/>
+              <a:t>Paper – Method structure (diagram)</a:t>
+            </a:r>
+          </a:p>
+        </p:txBody>
+      </p:sp>
+      <p:pic>
+        <p:nvPicPr>
+          <p:cNvPr id="8" name="Content Placeholder 6"/>
+          <p:cNvPicPr>
+            <a:picLocks noChangeAspect="1"/>
+          </p:cNvPicPr>
+          <p:nvPr/>
+        </p:nvPicPr>
+        <p:blipFill rotWithShape="1">
+          <a:blip r:embed="rId2"/>
+          <a:srcRect t="60242"/>
+          <a:stretch/>
+        </p:blipFill>
+        <p:spPr>
+          <a:xfrm>
+            <a:off x="4659923" y="2919047"/>
+            <a:ext cx="4316616" cy="2608384"/>
+          </a:xfrm>
+          <a:prstGeom prst="rect">
+            <a:avLst/>
+          </a:prstGeom>
+        </p:spPr>
+      </p:pic>
+    </p:spTree>
+    <p:extLst>
+      <p:ext uri="{BB962C8B-B14F-4D97-AF65-F5344CB8AC3E}">
+        <p14:creationId xmlns:p14="http://schemas.microsoft.com/office/powerpoint/2010/main" val="1189208795"/>
+      </p:ext>
+    </p:extLst>
+  </p:cSld>
+  <p:clrMapOvr>
+    <a:masterClrMapping/>
+  </p:clrMapOvr>
+  <p:transition>
+    <p:fade/>
+  </p:transition>
+</p:sld>
+</file>
+
+<file path=ppt/slides/slide7.xml><?xml version="1.0" encoding="utf-8"?>
+<p:sld xmlns:a="http://schemas.openxmlformats.org/drawingml/2006/main" xmlns:r="http://schemas.openxmlformats.org/officeDocument/2006/relationships" xmlns:p="http://schemas.openxmlformats.org/presentationml/2006/main">
+  <p:cSld>
+    <p:spTree>
+      <p:nvGrpSpPr>
+        <p:cNvPr id="1" name=""/>
+        <p:cNvGrpSpPr/>
+        <p:nvPr/>
+      </p:nvGrpSpPr>
+      <p:grpSpPr>
+        <a:xfrm>
+          <a:off x="0" y="0"/>
+          <a:ext cx="0" cy="0"/>
+          <a:chOff x="0" y="0"/>
+          <a:chExt cx="0" cy="0"/>
+        </a:xfrm>
+      </p:grpSpPr>
+      <p:pic>
+        <p:nvPicPr>
+          <p:cNvPr id="7" name="Content Placeholder 6"/>
+          <p:cNvPicPr>
+            <a:picLocks noGrp="1" noChangeAspect="1"/>
+          </p:cNvPicPr>
+          <p:nvPr>
+            <p:ph idx="1"/>
+          </p:nvPr>
+        </p:nvPicPr>
+        <p:blipFill>
+          <a:blip r:embed="rId2"/>
+          <a:stretch>
+            <a:fillRect/>
+          </a:stretch>
+        </p:blipFill>
+        <p:spPr>
+          <a:xfrm>
+            <a:off x="379677" y="1959586"/>
+            <a:ext cx="5524215" cy="4210050"/>
+          </a:xfrm>
+          <a:prstGeom prst="rect">
+            <a:avLst/>
+          </a:prstGeom>
+        </p:spPr>
+      </p:pic>
+      <p:sp>
+        <p:nvSpPr>
+          <p:cNvPr id="3" name="Date Placeholder 2"/>
+          <p:cNvSpPr>
+            <a:spLocks noGrp="1"/>
+          </p:cNvSpPr>
+          <p:nvPr>
+            <p:ph type="dt" sz="half" idx="10"/>
+          </p:nvPr>
+        </p:nvSpPr>
+        <p:spPr/>
+        <p:txBody>
+          <a:bodyPr/>
+          <a:lstStyle/>
+          <a:p>
+            <a:fld id="{FF15E650-2C9B-4E22-B544-79A90AB3DDC1}" type="datetime1">
+              <a:rPr lang="de-DE" smtClean="0"/>
+              <a:t>09.12.2022</a:t>
+            </a:fld>
+            <a:endParaRPr lang="de-DE"/>
+          </a:p>
+        </p:txBody>
+      </p:sp>
+      <p:sp>
+        <p:nvSpPr>
+          <p:cNvPr id="4" name="Footer Placeholder 3"/>
+          <p:cNvSpPr>
+            <a:spLocks noGrp="1"/>
+          </p:cNvSpPr>
+          <p:nvPr>
+            <p:ph type="ftr" sz="quarter" idx="11"/>
+          </p:nvPr>
+        </p:nvSpPr>
+        <p:spPr/>
+        <p:txBody>
+          <a:bodyPr/>
+          <a:lstStyle/>
+          <a:p>
+            <a:r>
+              <a:rPr lang="de-DE" smtClean="0"/>
+              <a:t>Shinde, Rhythima</a:t>
+            </a:r>
+            <a:endParaRPr lang="de-DE"/>
+          </a:p>
+        </p:txBody>
+      </p:sp>
+      <p:sp>
+        <p:nvSpPr>
+          <p:cNvPr id="5" name="Slide Number Placeholder 4"/>
+          <p:cNvSpPr>
+            <a:spLocks noGrp="1"/>
+          </p:cNvSpPr>
+          <p:nvPr>
+            <p:ph type="sldNum" sz="quarter" idx="12"/>
+          </p:nvPr>
+        </p:nvSpPr>
+        <p:spPr/>
+        <p:txBody>
+          <a:bodyPr/>
+          <a:lstStyle/>
+          <a:p>
+            <a:fld id="{6C6AE60A-B69C-4790-82F7-3882EDF23186}" type="slidenum">
+              <a:rPr lang="de-DE" smtClean="0"/>
+              <a:t>7</a:t>
+            </a:fld>
+            <a:endParaRPr lang="de-DE"/>
+          </a:p>
+        </p:txBody>
+      </p:sp>
+      <p:sp>
+        <p:nvSpPr>
+          <p:cNvPr id="6" name="Title 5"/>
+          <p:cNvSpPr>
+            <a:spLocks noGrp="1"/>
+          </p:cNvSpPr>
+          <p:nvPr>
+            <p:ph type="title"/>
+          </p:nvPr>
+        </p:nvSpPr>
+        <p:spPr/>
+        <p:txBody>
+          <a:bodyPr/>
+          <a:lstStyle/>
+          <a:p>
+            <a:r>
+              <a:rPr lang="en-US" dirty="0" smtClean="0"/>
+              <a:t>Paper – Model (writing)</a:t>
+            </a:r>
+            <a:endParaRPr lang="en-US" dirty="0"/>
+          </a:p>
+        </p:txBody>
+      </p:sp>
+    </p:spTree>
+    <p:extLst>
+      <p:ext uri="{BB962C8B-B14F-4D97-AF65-F5344CB8AC3E}">
+        <p14:creationId xmlns:p14="http://schemas.microsoft.com/office/powerpoint/2010/main" val="1703934676"/>
+      </p:ext>
+    </p:extLst>
+  </p:cSld>
+  <p:clrMapOvr>
+    <a:masterClrMapping/>
+  </p:clrMapOvr>
+  <p:transition>
+    <p:fade/>
+  </p:transition>
+</p:sld>
+</file>
+
+<file path=ppt/slides/slide8.xml><?xml version="1.0" encoding="utf-8"?>
+<p:sld xmlns:a="http://schemas.openxmlformats.org/drawingml/2006/main" xmlns:r="http://schemas.openxmlformats.org/officeDocument/2006/relationships" xmlns:p="http://schemas.openxmlformats.org/presentationml/2006/main">
+  <p:cSld>
+    <p:spTree>
+      <p:nvGrpSpPr>
+        <p:cNvPr id="1" name=""/>
+        <p:cNvGrpSpPr/>
+        <p:nvPr/>
+      </p:nvGrpSpPr>
+      <p:grpSpPr>
+        <a:xfrm>
+          <a:off x="0" y="0"/>
+          <a:ext cx="0" cy="0"/>
+          <a:chOff x="0" y="0"/>
+          <a:chExt cx="0" cy="0"/>
+        </a:xfrm>
+      </p:grpSpPr>
+      <p:pic>
+        <p:nvPicPr>
+          <p:cNvPr id="7" name="Content Placeholder 6"/>
+          <p:cNvPicPr>
+            <a:picLocks noGrp="1" noChangeAspect="1"/>
+          </p:cNvPicPr>
+          <p:nvPr>
+            <p:ph idx="1"/>
+          </p:nvPr>
+        </p:nvPicPr>
+        <p:blipFill>
+          <a:blip r:embed="rId2"/>
+          <a:stretch>
+            <a:fillRect/>
+          </a:stretch>
+        </p:blipFill>
+        <p:spPr>
+          <a:xfrm>
+            <a:off x="409029" y="1845695"/>
+            <a:ext cx="4832466" cy="4210050"/>
+          </a:xfrm>
+          <a:prstGeom prst="rect">
+            <a:avLst/>
+          </a:prstGeom>
+        </p:spPr>
+      </p:pic>
+      <p:sp>
+        <p:nvSpPr>
+          <p:cNvPr id="3" name="Date Placeholder 2"/>
+          <p:cNvSpPr>
+            <a:spLocks noGrp="1"/>
+          </p:cNvSpPr>
+          <p:nvPr>
+            <p:ph type="dt" sz="half" idx="10"/>
+          </p:nvPr>
+        </p:nvSpPr>
+        <p:spPr/>
+        <p:txBody>
+          <a:bodyPr/>
+          <a:lstStyle/>
+          <a:p>
+            <a:fld id="{FF15E650-2C9B-4E22-B544-79A90AB3DDC1}" type="datetime1">
+              <a:rPr lang="de-DE" smtClean="0"/>
+              <a:t>09.12.2022</a:t>
+            </a:fld>
+            <a:endParaRPr lang="de-DE"/>
+          </a:p>
+        </p:txBody>
+      </p:sp>
+      <p:sp>
+        <p:nvSpPr>
+          <p:cNvPr id="4" name="Footer Placeholder 3"/>
+          <p:cNvSpPr>
+            <a:spLocks noGrp="1"/>
+          </p:cNvSpPr>
+          <p:nvPr>
+            <p:ph type="ftr" sz="quarter" idx="11"/>
+          </p:nvPr>
+        </p:nvSpPr>
+        <p:spPr/>
+        <p:txBody>
+          <a:bodyPr/>
+          <a:lstStyle/>
+          <a:p>
+            <a:r>
+              <a:rPr lang="de-DE" smtClean="0"/>
+              <a:t>Shinde, Rhythima</a:t>
+            </a:r>
+            <a:endParaRPr lang="de-DE"/>
+          </a:p>
+        </p:txBody>
+      </p:sp>
+      <p:sp>
+        <p:nvSpPr>
+          <p:cNvPr id="5" name="Slide Number Placeholder 4"/>
+          <p:cNvSpPr>
+            <a:spLocks noGrp="1"/>
+          </p:cNvSpPr>
+          <p:nvPr>
+            <p:ph type="sldNum" sz="quarter" idx="12"/>
+          </p:nvPr>
+        </p:nvSpPr>
+        <p:spPr/>
+        <p:txBody>
+          <a:bodyPr/>
+          <a:lstStyle/>
+          <a:p>
+            <a:fld id="{6C6AE60A-B69C-4790-82F7-3882EDF23186}" type="slidenum">
+              <a:rPr lang="de-DE" smtClean="0"/>
+              <a:t>8</a:t>
+            </a:fld>
+            <a:endParaRPr lang="de-DE"/>
+          </a:p>
+        </p:txBody>
+      </p:sp>
+      <p:sp>
+        <p:nvSpPr>
+          <p:cNvPr id="6" name="Title 5"/>
+          <p:cNvSpPr>
+            <a:spLocks noGrp="1"/>
+          </p:cNvSpPr>
+          <p:nvPr>
+            <p:ph type="title"/>
+          </p:nvPr>
+        </p:nvSpPr>
+        <p:spPr/>
+        <p:txBody>
+          <a:bodyPr/>
+          <a:lstStyle/>
+          <a:p>
+            <a:r>
+              <a:rPr lang="en-US" dirty="0" smtClean="0"/>
+              <a:t>Paper – Case study (writing)</a:t>
+            </a:r>
+            <a:endParaRPr lang="en-US" dirty="0"/>
+          </a:p>
+        </p:txBody>
+      </p:sp>
+    </p:spTree>
+    <p:extLst>
+      <p:ext uri="{BB962C8B-B14F-4D97-AF65-F5344CB8AC3E}">
+        <p14:creationId xmlns:p14="http://schemas.microsoft.com/office/powerpoint/2010/main" val="3252225311"/>
+      </p:ext>
+    </p:extLst>
+  </p:cSld>
+  <p:clrMapOvr>
+    <a:masterClrMapping/>
+  </p:clrMapOvr>
+  <p:transition>
+    <p:fade/>
+  </p:transition>
+</p:sld>
+</file>
+
+<file path=ppt/slides/slide9.xml><?xml version="1.0" encoding="utf-8"?>
+<p:sld xmlns:a="http://schemas.openxmlformats.org/drawingml/2006/main" xmlns:r="http://schemas.openxmlformats.org/officeDocument/2006/relationships" xmlns:p="http://schemas.openxmlformats.org/presentationml/2006/main">
+  <p:cSld>
+    <p:spTree>
+      <p:nvGrpSpPr>
+        <p:cNvPr id="1" name=""/>
+        <p:cNvGrpSpPr/>
+        <p:nvPr/>
+      </p:nvGrpSpPr>
+      <p:grpSpPr>
+        <a:xfrm>
+          <a:off x="0" y="0"/>
+          <a:ext cx="0" cy="0"/>
+          <a:chOff x="0" y="0"/>
+          <a:chExt cx="0" cy="0"/>
+        </a:xfrm>
+      </p:grpSpPr>
+      <p:sp>
+        <p:nvSpPr>
+          <p:cNvPr id="2" name="Content Placeholder 1"/>
+          <p:cNvSpPr>
+            <a:spLocks noGrp="1"/>
+          </p:cNvSpPr>
+          <p:nvPr>
+            <p:ph idx="1"/>
+          </p:nvPr>
+        </p:nvSpPr>
+        <p:spPr>
+          <a:xfrm>
+            <a:off x="323850" y="2552116"/>
+            <a:ext cx="8496300" cy="3681994"/>
+          </a:xfrm>
+        </p:spPr>
+        <p:txBody>
+          <a:bodyPr/>
+          <a:lstStyle/>
+          <a:p>
+            <a:pPr marL="457200" indent="-457200">
+              <a:buAutoNum type="arabicPeriod"/>
+            </a:pPr>
+            <a:r>
+              <a:rPr lang="en-US" dirty="0" smtClean="0"/>
+              <a:t>Paper </a:t>
+            </a:r>
+          </a:p>
+          <a:p>
+            <a:pPr marL="457200" indent="-457200">
+              <a:buAutoNum type="arabicPeriod"/>
+            </a:pPr>
+            <a:endParaRPr lang="en-US" dirty="0"/>
+          </a:p>
+          <a:p>
+            <a:pPr marL="457200" indent="-457200">
+              <a:buAutoNum type="arabicPeriod"/>
+            </a:pPr>
+            <a:r>
+              <a:rPr lang="en-US" dirty="0" smtClean="0"/>
+              <a:t>Model &amp; Results</a:t>
+            </a:r>
+          </a:p>
+          <a:p>
+            <a:pPr lvl="1"/>
+            <a:endParaRPr lang="en-US" dirty="0"/>
+          </a:p>
+          <a:p>
+            <a:pPr lvl="1"/>
+            <a:endParaRPr lang="en-US" dirty="0"/>
+          </a:p>
+          <a:p>
+            <a:pPr marL="0" indent="0">
+              <a:buNone/>
+            </a:pPr>
+            <a:endParaRPr lang="en-US" dirty="0"/>
+          </a:p>
+        </p:txBody>
+      </p:sp>
+      <p:sp>
+        <p:nvSpPr>
+          <p:cNvPr id="3" name="Date Placeholder 2"/>
+          <p:cNvSpPr>
+            <a:spLocks noGrp="1"/>
+          </p:cNvSpPr>
+          <p:nvPr>
+            <p:ph type="dt" sz="half" idx="10"/>
+          </p:nvPr>
+        </p:nvSpPr>
+        <p:spPr/>
+        <p:txBody>
+          <a:bodyPr/>
+          <a:lstStyle/>
+          <a:p>
+            <a:fld id="{FF15E650-2C9B-4E22-B544-79A90AB3DDC1}" type="datetime1">
+              <a:rPr lang="de-DE" smtClean="0"/>
+              <a:t>09.12.2022</a:t>
+            </a:fld>
+            <a:endParaRPr lang="de-DE"/>
+          </a:p>
+        </p:txBody>
+      </p:sp>
+      <p:sp>
+        <p:nvSpPr>
+          <p:cNvPr id="4" name="Footer Placeholder 3"/>
+          <p:cNvSpPr>
+            <a:spLocks noGrp="1"/>
+          </p:cNvSpPr>
+          <p:nvPr>
+            <p:ph type="ftr" sz="quarter" idx="11"/>
+          </p:nvPr>
+        </p:nvSpPr>
+        <p:spPr/>
+        <p:txBody>
+          <a:bodyPr/>
+          <a:lstStyle/>
+          <a:p>
+            <a:r>
+              <a:rPr lang="de-DE" smtClean="0"/>
+              <a:t>Shinde, Rhythima</a:t>
+            </a:r>
+            <a:endParaRPr lang="de-DE"/>
+          </a:p>
+        </p:txBody>
+      </p:sp>
+      <p:sp>
+        <p:nvSpPr>
+          <p:cNvPr id="5" name="Slide Number Placeholder 4"/>
+          <p:cNvSpPr>
+            <a:spLocks noGrp="1"/>
+          </p:cNvSpPr>
+          <p:nvPr>
+            <p:ph type="sldNum" sz="quarter" idx="12"/>
+          </p:nvPr>
+        </p:nvSpPr>
+        <p:spPr/>
+        <p:txBody>
+          <a:bodyPr/>
+          <a:lstStyle/>
+          <a:p>
+            <a:fld id="{6C6AE60A-B69C-4790-82F7-3882EDF23186}" type="slidenum">
+              <a:rPr lang="de-DE" smtClean="0"/>
+              <a:t>9</a:t>
+            </a:fld>
+            <a:endParaRPr lang="de-DE"/>
+          </a:p>
+        </p:txBody>
+      </p:sp>
+      <p:sp>
+        <p:nvSpPr>
+          <p:cNvPr id="6" name="Title 5"/>
+          <p:cNvSpPr>
+            <a:spLocks noGrp="1"/>
+          </p:cNvSpPr>
+          <p:nvPr>
+            <p:ph type="title"/>
+          </p:nvPr>
+        </p:nvSpPr>
+        <p:spPr/>
+        <p:txBody>
+          <a:bodyPr/>
+          <a:lstStyle/>
+          <a:p>
+            <a:r>
+              <a:rPr lang="en-US" dirty="0" smtClean="0"/>
+              <a:t>Agenda</a:t>
+            </a:r>
+            <a:endParaRPr lang="en-US" dirty="0"/>
+          </a:p>
+        </p:txBody>
+      </p:sp>
+      <p:sp>
+        <p:nvSpPr>
+          <p:cNvPr id="7" name="TextBox 6">
+            <a:hlinkClick r:id="rId2"/>
+          </p:cNvPr>
+          <p:cNvSpPr txBox="1"/>
+          <p:nvPr/>
+        </p:nvSpPr>
+        <p:spPr>
+          <a:xfrm>
+            <a:off x="323850" y="1887749"/>
+            <a:ext cx="2121093" cy="369332"/>
+          </a:xfrm>
+          <a:prstGeom prst="rect">
+            <a:avLst/>
+          </a:prstGeom>
+          <a:noFill/>
+        </p:spPr>
+        <p:txBody>
+          <a:bodyPr wrap="none" rtlCol="0">
+            <a:spAutoFit/>
+          </a:bodyPr>
+          <a:lstStyle/>
+          <a:p>
+            <a:r>
+              <a:rPr lang="en-US" dirty="0" smtClean="0">
+                <a:hlinkClick r:id="rId2"/>
+              </a:rPr>
+              <a:t>Old plan till 24 Nov</a:t>
+            </a:r>
+            <a:endParaRPr lang="en-US" dirty="0"/>
+          </a:p>
+        </p:txBody>
+      </p:sp>
+    </p:spTree>
+    <p:extLst>
+      <p:ext uri="{BB962C8B-B14F-4D97-AF65-F5344CB8AC3E}">
+        <p14:creationId xmlns:p14="http://schemas.microsoft.com/office/powerpoint/2010/main" val="2461387543"/>
+      </p:ext>
+    </p:extLst>
+  </p:cSld>
+  <p:clrMapOvr>
+    <a:masterClrMapping/>
+  </p:clrMapOvr>
+  <p:transition>
+    <p:fade/>
+  </p:transition>
+  <p:timing>
+    <p:tnLst>
+      <p:par>
+        <p:cTn id="1" dur="indefinite" restart="never" nodeType="tmRoot"/>
+      </p:par>
+    </p:tnLst>
+  </p:timing>
 </p:sld>
 </file>
 
